--- a/02-Imagenes/Python_básico/PowerPointImagenes.pptx
+++ b/02-Imagenes/Python_básico/PowerPointImagenes.pptx
@@ -9,6 +9,13 @@
     <p:sldId id="257" r:id="rId3"/>
     <p:sldId id="259" r:id="rId4"/>
     <p:sldId id="258" r:id="rId5"/>
+    <p:sldId id="262" r:id="rId6"/>
+    <p:sldId id="260" r:id="rId7"/>
+    <p:sldId id="261" r:id="rId8"/>
+    <p:sldId id="263" r:id="rId9"/>
+    <p:sldId id="264" r:id="rId10"/>
+    <p:sldId id="265" r:id="rId11"/>
+    <p:sldId id="266" r:id="rId12"/>
   </p:sldIdLst>
   <p:sldSz cx="12192000" cy="6858000"/>
   <p:notesSz cx="6858000" cy="9144000"/>
@@ -107,6 +114,11 @@
       </a:defRPr>
     </a:lvl9pPr>
   </p:defaultTextStyle>
+  <p:extLst>
+    <p:ext uri="{EFAFB233-063F-42B5-8137-9DF3F51BA10A}">
+      <p15:sldGuideLst xmlns:p15="http://schemas.microsoft.com/office/powerpoint/2012/main"/>
+    </p:ext>
+  </p:extLst>
 </p:presentation>
 </file>
 
@@ -257,7 +269,7 @@
           <a:p>
             <a:fld id="{FB698DCD-9095-FE42-AD33-D033EDD53EC3}" type="datetimeFigureOut">
               <a:rPr lang="es-ES" smtClean="0"/>
-              <a:t>26/4/24</a:t>
+              <a:t>20/5/24</a:t>
             </a:fld>
             <a:endParaRPr lang="es-ES"/>
           </a:p>
@@ -455,7 +467,7 @@
           <a:p>
             <a:fld id="{FB698DCD-9095-FE42-AD33-D033EDD53EC3}" type="datetimeFigureOut">
               <a:rPr lang="es-ES" smtClean="0"/>
-              <a:t>26/4/24</a:t>
+              <a:t>20/5/24</a:t>
             </a:fld>
             <a:endParaRPr lang="es-ES"/>
           </a:p>
@@ -663,7 +675,7 @@
           <a:p>
             <a:fld id="{FB698DCD-9095-FE42-AD33-D033EDD53EC3}" type="datetimeFigureOut">
               <a:rPr lang="es-ES" smtClean="0"/>
-              <a:t>26/4/24</a:t>
+              <a:t>20/5/24</a:t>
             </a:fld>
             <a:endParaRPr lang="es-ES"/>
           </a:p>
@@ -861,7 +873,7 @@
           <a:p>
             <a:fld id="{FB698DCD-9095-FE42-AD33-D033EDD53EC3}" type="datetimeFigureOut">
               <a:rPr lang="es-ES" smtClean="0"/>
-              <a:t>26/4/24</a:t>
+              <a:t>20/5/24</a:t>
             </a:fld>
             <a:endParaRPr lang="es-ES"/>
           </a:p>
@@ -1136,7 +1148,7 @@
           <a:p>
             <a:fld id="{FB698DCD-9095-FE42-AD33-D033EDD53EC3}" type="datetimeFigureOut">
               <a:rPr lang="es-ES" smtClean="0"/>
-              <a:t>26/4/24</a:t>
+              <a:t>20/5/24</a:t>
             </a:fld>
             <a:endParaRPr lang="es-ES"/>
           </a:p>
@@ -1401,7 +1413,7 @@
           <a:p>
             <a:fld id="{FB698DCD-9095-FE42-AD33-D033EDD53EC3}" type="datetimeFigureOut">
               <a:rPr lang="es-ES" smtClean="0"/>
-              <a:t>26/4/24</a:t>
+              <a:t>20/5/24</a:t>
             </a:fld>
             <a:endParaRPr lang="es-ES"/>
           </a:p>
@@ -1813,7 +1825,7 @@
           <a:p>
             <a:fld id="{FB698DCD-9095-FE42-AD33-D033EDD53EC3}" type="datetimeFigureOut">
               <a:rPr lang="es-ES" smtClean="0"/>
-              <a:t>26/4/24</a:t>
+              <a:t>20/5/24</a:t>
             </a:fld>
             <a:endParaRPr lang="es-ES"/>
           </a:p>
@@ -1954,7 +1966,7 @@
           <a:p>
             <a:fld id="{FB698DCD-9095-FE42-AD33-D033EDD53EC3}" type="datetimeFigureOut">
               <a:rPr lang="es-ES" smtClean="0"/>
-              <a:t>26/4/24</a:t>
+              <a:t>20/5/24</a:t>
             </a:fld>
             <a:endParaRPr lang="es-ES"/>
           </a:p>
@@ -2067,7 +2079,7 @@
           <a:p>
             <a:fld id="{FB698DCD-9095-FE42-AD33-D033EDD53EC3}" type="datetimeFigureOut">
               <a:rPr lang="es-ES" smtClean="0"/>
-              <a:t>26/4/24</a:t>
+              <a:t>20/5/24</a:t>
             </a:fld>
             <a:endParaRPr lang="es-ES"/>
           </a:p>
@@ -2378,7 +2390,7 @@
           <a:p>
             <a:fld id="{FB698DCD-9095-FE42-AD33-D033EDD53EC3}" type="datetimeFigureOut">
               <a:rPr lang="es-ES" smtClean="0"/>
-              <a:t>26/4/24</a:t>
+              <a:t>20/5/24</a:t>
             </a:fld>
             <a:endParaRPr lang="es-ES"/>
           </a:p>
@@ -2666,7 +2678,7 @@
           <a:p>
             <a:fld id="{FB698DCD-9095-FE42-AD33-D033EDD53EC3}" type="datetimeFigureOut">
               <a:rPr lang="es-ES" smtClean="0"/>
-              <a:t>26/4/24</a:t>
+              <a:t>20/5/24</a:t>
             </a:fld>
             <a:endParaRPr lang="es-ES"/>
           </a:p>
@@ -2907,7 +2919,7 @@
           <a:p>
             <a:fld id="{FB698DCD-9095-FE42-AD33-D033EDD53EC3}" type="datetimeFigureOut">
               <a:rPr lang="es-ES" smtClean="0"/>
-              <a:t>26/4/24</a:t>
+              <a:t>20/5/24</a:t>
             </a:fld>
             <a:endParaRPr lang="es-ES"/>
           </a:p>
@@ -3808,6 +3820,641 @@
     <p:extLst>
       <p:ext uri="{BB962C8B-B14F-4D97-AF65-F5344CB8AC3E}">
         <p14:creationId xmlns:p14="http://schemas.microsoft.com/office/powerpoint/2010/main" val="1272900756"/>
+      </p:ext>
+    </p:extLst>
+  </p:cSld>
+  <p:clrMapOvr>
+    <a:masterClrMapping/>
+  </p:clrMapOvr>
+</p:sld>
+</file>
+
+<file path=ppt/slides/slide10.xml><?xml version="1.0" encoding="utf-8"?>
+<p:sld xmlns:a="http://schemas.openxmlformats.org/drawingml/2006/main" xmlns:r="http://schemas.openxmlformats.org/officeDocument/2006/relationships" xmlns:p="http://schemas.openxmlformats.org/presentationml/2006/main">
+  <p:cSld>
+    <p:spTree>
+      <p:nvGrpSpPr>
+        <p:cNvPr id="1" name=""/>
+        <p:cNvGrpSpPr/>
+        <p:nvPr/>
+      </p:nvGrpSpPr>
+      <p:grpSpPr>
+        <a:xfrm>
+          <a:off x="0" y="0"/>
+          <a:ext cx="0" cy="0"/>
+          <a:chOff x="0" y="0"/>
+          <a:chExt cx="0" cy="0"/>
+        </a:xfrm>
+      </p:grpSpPr>
+      <p:grpSp>
+        <p:nvGrpSpPr>
+          <p:cNvPr id="8" name="Grupo 7">
+            <a:extLst>
+              <a:ext uri="{FF2B5EF4-FFF2-40B4-BE49-F238E27FC236}">
+                <a16:creationId xmlns:a16="http://schemas.microsoft.com/office/drawing/2014/main" id="{D6F73B4C-C764-8A32-1224-F9EF78CB624C}"/>
+              </a:ext>
+            </a:extLst>
+          </p:cNvPr>
+          <p:cNvGrpSpPr/>
+          <p:nvPr/>
+        </p:nvGrpSpPr>
+        <p:grpSpPr>
+          <a:xfrm>
+            <a:off x="2053087" y="1768415"/>
+            <a:ext cx="9454551" cy="3631721"/>
+            <a:chOff x="2053087" y="1768415"/>
+            <a:chExt cx="9454551" cy="3631721"/>
+          </a:xfrm>
+        </p:grpSpPr>
+        <p:sp>
+          <p:nvSpPr>
+            <p:cNvPr id="7" name="Rectángulo 6">
+              <a:extLst>
+                <a:ext uri="{FF2B5EF4-FFF2-40B4-BE49-F238E27FC236}">
+                  <a16:creationId xmlns:a16="http://schemas.microsoft.com/office/drawing/2014/main" id="{71EF2D71-44BF-3673-8FA1-3C50FF0B6E2C}"/>
+                </a:ext>
+              </a:extLst>
+            </p:cNvPr>
+            <p:cNvSpPr/>
+            <p:nvPr/>
+          </p:nvSpPr>
+          <p:spPr>
+            <a:xfrm>
+              <a:off x="2053087" y="1768415"/>
+              <a:ext cx="9454551" cy="3631721"/>
+            </a:xfrm>
+            <a:prstGeom prst="rect">
+              <a:avLst/>
+            </a:prstGeom>
+            <a:solidFill>
+              <a:schemeClr val="bg1"/>
+            </a:solidFill>
+            <a:ln>
+              <a:noFill/>
+            </a:ln>
+          </p:spPr>
+          <p:style>
+            <a:lnRef idx="2">
+              <a:schemeClr val="accent1">
+                <a:shade val="15000"/>
+              </a:schemeClr>
+            </a:lnRef>
+            <a:fillRef idx="1">
+              <a:schemeClr val="accent1"/>
+            </a:fillRef>
+            <a:effectRef idx="0">
+              <a:schemeClr val="accent1"/>
+            </a:effectRef>
+            <a:fontRef idx="minor">
+              <a:schemeClr val="lt1"/>
+            </a:fontRef>
+          </p:style>
+          <p:txBody>
+            <a:bodyPr rtlCol="0" anchor="ctr"/>
+            <a:lstStyle/>
+            <a:p>
+              <a:pPr algn="ctr"/>
+              <a:endParaRPr lang="es-ES"/>
+            </a:p>
+          </p:txBody>
+        </p:sp>
+        <p:sp>
+          <p:nvSpPr>
+            <p:cNvPr id="2" name="CuadroTexto 1">
+              <a:extLst>
+                <a:ext uri="{FF2B5EF4-FFF2-40B4-BE49-F238E27FC236}">
+                  <a16:creationId xmlns:a16="http://schemas.microsoft.com/office/drawing/2014/main" id="{97F77A59-8922-16B0-367C-A30521240B6E}"/>
+                </a:ext>
+              </a:extLst>
+            </p:cNvPr>
+            <p:cNvSpPr txBox="1"/>
+            <p:nvPr/>
+          </p:nvSpPr>
+          <p:spPr>
+            <a:xfrm>
+              <a:off x="2182483" y="1871932"/>
+              <a:ext cx="8747184" cy="3139321"/>
+            </a:xfrm>
+            <a:prstGeom prst="rect">
+              <a:avLst/>
+            </a:prstGeom>
+            <a:noFill/>
+          </p:spPr>
+          <p:txBody>
+            <a:bodyPr wrap="square" rtlCol="0">
+              <a:spAutoFit/>
+            </a:bodyPr>
+            <a:lstStyle/>
+            <a:p>
+              <a:r>
+                <a:rPr lang="es-ES" dirty="0">
+                  <a:solidFill>
+                    <a:schemeClr val="accent5"/>
+                  </a:solidFill>
+                  <a:latin typeface="Geist Mono" pitchFamily="2" charset="77"/>
+                  <a:ea typeface="Geist Mono" pitchFamily="2" charset="77"/>
+                  <a:cs typeface="Geist Mono" pitchFamily="2" charset="77"/>
+                </a:rPr>
+                <a:t>def</a:t>
+              </a:r>
+              <a:r>
+                <a:rPr lang="es-ES" dirty="0">
+                  <a:latin typeface="Geist Mono" pitchFamily="2" charset="77"/>
+                  <a:ea typeface="Geist Mono" pitchFamily="2" charset="77"/>
+                  <a:cs typeface="Geist Mono" pitchFamily="2" charset="77"/>
+                </a:rPr>
+                <a:t> </a:t>
+              </a:r>
+              <a:r>
+                <a:rPr lang="es-ES" dirty="0">
+                  <a:solidFill>
+                    <a:schemeClr val="accent4"/>
+                  </a:solidFill>
+                  <a:latin typeface="Geist Mono" pitchFamily="2" charset="77"/>
+                  <a:ea typeface="Geist Mono" pitchFamily="2" charset="77"/>
+                  <a:cs typeface="Geist Mono" pitchFamily="2" charset="77"/>
+                </a:rPr>
+                <a:t>far_to_celsius </a:t>
+              </a:r>
+              <a:r>
+                <a:rPr lang="es-ES" dirty="0">
+                  <a:solidFill>
+                    <a:srgbClr val="92D050"/>
+                  </a:solidFill>
+                  <a:latin typeface="Geist Mono" pitchFamily="2" charset="77"/>
+                  <a:ea typeface="Geist Mono" pitchFamily="2" charset="77"/>
+                  <a:cs typeface="Geist Mono" pitchFamily="2" charset="77"/>
+                </a:rPr>
+                <a:t>(temperatura):</a:t>
+              </a:r>
+            </a:p>
+            <a:p>
+              <a:r>
+                <a:rPr lang="es-ES" sz="1600" dirty="0">
+                  <a:solidFill>
+                    <a:srgbClr val="92D050"/>
+                  </a:solidFill>
+                  <a:latin typeface="Geist Mono" pitchFamily="2" charset="77"/>
+                  <a:ea typeface="Geist Mono" pitchFamily="2" charset="77"/>
+                  <a:cs typeface="Geist Mono" pitchFamily="2" charset="77"/>
+                </a:rPr>
+                <a:t>	</a:t>
+              </a:r>
+              <a:r>
+                <a:rPr lang="es-ES" sz="1600" dirty="0">
+                  <a:solidFill>
+                    <a:schemeClr val="tx1">
+                      <a:lumMod val="50000"/>
+                      <a:lumOff val="50000"/>
+                    </a:schemeClr>
+                  </a:solidFill>
+                  <a:latin typeface="Geist Mono" pitchFamily="2" charset="77"/>
+                  <a:ea typeface="Geist Mono" pitchFamily="2" charset="77"/>
+                  <a:cs typeface="Geist Mono" pitchFamily="2" charset="77"/>
+                </a:rPr>
+                <a:t>"""</a:t>
+              </a:r>
+            </a:p>
+            <a:p>
+              <a:pPr lvl="2"/>
+              <a:r>
+                <a:rPr lang="es-ES" sz="1600" dirty="0">
+                  <a:solidFill>
+                    <a:schemeClr val="tx1">
+                      <a:lumMod val="50000"/>
+                      <a:lumOff val="50000"/>
+                    </a:schemeClr>
+                  </a:solidFill>
+                  <a:latin typeface="Geist Mono" pitchFamily="2" charset="77"/>
+                  <a:ea typeface="Geist Mono" pitchFamily="2" charset="77"/>
+                  <a:cs typeface="Geist Mono" pitchFamily="2" charset="77"/>
+                </a:rPr>
+                <a:t> Convierte una temperatura de Fahrenheit a Celsius.</a:t>
+              </a:r>
+            </a:p>
+            <a:p>
+              <a:pPr lvl="2"/>
+              <a:endParaRPr lang="es-ES" sz="1600" dirty="0">
+                <a:solidFill>
+                  <a:schemeClr val="tx1">
+                    <a:lumMod val="50000"/>
+                    <a:lumOff val="50000"/>
+                  </a:schemeClr>
+                </a:solidFill>
+                <a:latin typeface="Geist Mono" pitchFamily="2" charset="77"/>
+                <a:ea typeface="Geist Mono" pitchFamily="2" charset="77"/>
+                <a:cs typeface="Geist Mono" pitchFamily="2" charset="77"/>
+              </a:endParaRPr>
+            </a:p>
+            <a:p>
+              <a:pPr lvl="2"/>
+              <a:r>
+                <a:rPr lang="es-ES" sz="1600" dirty="0">
+                  <a:solidFill>
+                    <a:schemeClr val="tx1">
+                      <a:lumMod val="50000"/>
+                      <a:lumOff val="50000"/>
+                    </a:schemeClr>
+                  </a:solidFill>
+                  <a:latin typeface="Geist Mono" pitchFamily="2" charset="77"/>
+                  <a:ea typeface="Geist Mono" pitchFamily="2" charset="77"/>
+                  <a:cs typeface="Geist Mono" pitchFamily="2" charset="77"/>
+                </a:rPr>
+                <a:t> Params:</a:t>
+              </a:r>
+            </a:p>
+            <a:p>
+              <a:pPr lvl="2"/>
+              <a:r>
+                <a:rPr lang="es-ES" sz="1600" dirty="0">
+                  <a:solidFill>
+                    <a:schemeClr val="tx1">
+                      <a:lumMod val="50000"/>
+                      <a:lumOff val="50000"/>
+                    </a:schemeClr>
+                  </a:solidFill>
+                  <a:latin typeface="Geist Mono" pitchFamily="2" charset="77"/>
+                  <a:ea typeface="Geist Mono" pitchFamily="2" charset="77"/>
+                  <a:cs typeface="Geist Mono" pitchFamily="2" charset="77"/>
+                </a:rPr>
+                <a:t>    temperatura (float): La temperatura en grados Fahrenheit.</a:t>
+              </a:r>
+            </a:p>
+            <a:p>
+              <a:pPr lvl="2"/>
+              <a:endParaRPr lang="es-ES" sz="1600" dirty="0">
+                <a:solidFill>
+                  <a:schemeClr val="tx1">
+                    <a:lumMod val="50000"/>
+                    <a:lumOff val="50000"/>
+                  </a:schemeClr>
+                </a:solidFill>
+                <a:latin typeface="Geist Mono" pitchFamily="2" charset="77"/>
+                <a:ea typeface="Geist Mono" pitchFamily="2" charset="77"/>
+                <a:cs typeface="Geist Mono" pitchFamily="2" charset="77"/>
+              </a:endParaRPr>
+            </a:p>
+            <a:p>
+              <a:pPr lvl="2"/>
+              <a:r>
+                <a:rPr lang="es-ES" sz="1600" dirty="0">
+                  <a:solidFill>
+                    <a:schemeClr val="tx1">
+                      <a:lumMod val="50000"/>
+                      <a:lumOff val="50000"/>
+                    </a:schemeClr>
+                  </a:solidFill>
+                  <a:latin typeface="Geist Mono" pitchFamily="2" charset="77"/>
+                  <a:ea typeface="Geist Mono" pitchFamily="2" charset="77"/>
+                  <a:cs typeface="Geist Mono" pitchFamily="2" charset="77"/>
+                </a:rPr>
+                <a:t> Returns:</a:t>
+              </a:r>
+            </a:p>
+            <a:p>
+              <a:pPr lvl="2"/>
+              <a:r>
+                <a:rPr lang="es-ES" sz="1600" dirty="0">
+                  <a:solidFill>
+                    <a:schemeClr val="tx1">
+                      <a:lumMod val="50000"/>
+                      <a:lumOff val="50000"/>
+                    </a:schemeClr>
+                  </a:solidFill>
+                  <a:latin typeface="Geist Mono" pitchFamily="2" charset="77"/>
+                  <a:ea typeface="Geist Mono" pitchFamily="2" charset="77"/>
+                  <a:cs typeface="Geist Mono" pitchFamily="2" charset="77"/>
+                </a:rPr>
+                <a:t>    float: La temperatura convertida a grados Celsius.</a:t>
+              </a:r>
+            </a:p>
+            <a:p>
+              <a:pPr lvl="2"/>
+              <a:r>
+                <a:rPr lang="es-ES" sz="1600" dirty="0">
+                  <a:solidFill>
+                    <a:schemeClr val="tx1">
+                      <a:lumMod val="50000"/>
+                      <a:lumOff val="50000"/>
+                    </a:schemeClr>
+                  </a:solidFill>
+                  <a:latin typeface="Geist Mono" pitchFamily="2" charset="77"/>
+                  <a:ea typeface="Geist Mono" pitchFamily="2" charset="77"/>
+                  <a:cs typeface="Geist Mono" pitchFamily="2" charset="77"/>
+                </a:rPr>
+                <a:t> """</a:t>
+              </a:r>
+            </a:p>
+            <a:p>
+              <a:r>
+                <a:rPr lang="es-ES" dirty="0">
+                  <a:latin typeface="Geist Mono" pitchFamily="2" charset="77"/>
+                  <a:ea typeface="Geist Mono" pitchFamily="2" charset="77"/>
+                  <a:cs typeface="Geist Mono" pitchFamily="2" charset="77"/>
+                </a:rPr>
+                <a:t>	</a:t>
+              </a:r>
+            </a:p>
+            <a:p>
+              <a:r>
+                <a:rPr lang="es-ES" dirty="0">
+                  <a:latin typeface="Geist Mono" pitchFamily="2" charset="77"/>
+                  <a:ea typeface="Geist Mono" pitchFamily="2" charset="77"/>
+                  <a:cs typeface="Geist Mono" pitchFamily="2" charset="77"/>
+                </a:rPr>
+                <a:t>	</a:t>
+              </a:r>
+              <a:r>
+                <a:rPr lang="es-ES" dirty="0">
+                  <a:solidFill>
+                    <a:schemeClr val="accent5"/>
+                  </a:solidFill>
+                  <a:latin typeface="Geist Mono" pitchFamily="2" charset="77"/>
+                  <a:ea typeface="Geist Mono" pitchFamily="2" charset="77"/>
+                  <a:cs typeface="Geist Mono" pitchFamily="2" charset="77"/>
+                </a:rPr>
+                <a:t>return</a:t>
+              </a:r>
+              <a:r>
+                <a:rPr lang="es-ES" dirty="0">
+                  <a:latin typeface="Geist Mono" pitchFamily="2" charset="77"/>
+                  <a:ea typeface="Geist Mono" pitchFamily="2" charset="77"/>
+                  <a:cs typeface="Geist Mono" pitchFamily="2" charset="77"/>
+                </a:rPr>
+                <a:t> ((temperatura – 32) * (5/9))</a:t>
+              </a:r>
+            </a:p>
+          </p:txBody>
+        </p:sp>
+      </p:grpSp>
+    </p:spTree>
+    <p:extLst>
+      <p:ext uri="{BB962C8B-B14F-4D97-AF65-F5344CB8AC3E}">
+        <p14:creationId xmlns:p14="http://schemas.microsoft.com/office/powerpoint/2010/main" val="3160211178"/>
+      </p:ext>
+    </p:extLst>
+  </p:cSld>
+  <p:clrMapOvr>
+    <a:masterClrMapping/>
+  </p:clrMapOvr>
+</p:sld>
+</file>
+
+<file path=ppt/slides/slide11.xml><?xml version="1.0" encoding="utf-8"?>
+<p:sld xmlns:a="http://schemas.openxmlformats.org/drawingml/2006/main" xmlns:r="http://schemas.openxmlformats.org/officeDocument/2006/relationships" xmlns:p="http://schemas.openxmlformats.org/presentationml/2006/main">
+  <p:cSld>
+    <p:spTree>
+      <p:nvGrpSpPr>
+        <p:cNvPr id="1" name=""/>
+        <p:cNvGrpSpPr/>
+        <p:nvPr/>
+      </p:nvGrpSpPr>
+      <p:grpSpPr>
+        <a:xfrm>
+          <a:off x="0" y="0"/>
+          <a:ext cx="0" cy="0"/>
+          <a:chOff x="0" y="0"/>
+          <a:chExt cx="0" cy="0"/>
+        </a:xfrm>
+      </p:grpSpPr>
+      <p:grpSp>
+        <p:nvGrpSpPr>
+          <p:cNvPr id="3" name="Grupo 2">
+            <a:extLst>
+              <a:ext uri="{FF2B5EF4-FFF2-40B4-BE49-F238E27FC236}">
+                <a16:creationId xmlns:a16="http://schemas.microsoft.com/office/drawing/2014/main" id="{346C24EC-ED51-9FDE-0485-3E854F8E0299}"/>
+              </a:ext>
+            </a:extLst>
+          </p:cNvPr>
+          <p:cNvGrpSpPr/>
+          <p:nvPr/>
+        </p:nvGrpSpPr>
+        <p:grpSpPr>
+          <a:xfrm>
+            <a:off x="2053087" y="1768416"/>
+            <a:ext cx="9454551" cy="1831406"/>
+            <a:chOff x="2053087" y="1768416"/>
+            <a:chExt cx="9454551" cy="1831406"/>
+          </a:xfrm>
+        </p:grpSpPr>
+        <p:sp>
+          <p:nvSpPr>
+            <p:cNvPr id="7" name="Rectángulo 6">
+              <a:extLst>
+                <a:ext uri="{FF2B5EF4-FFF2-40B4-BE49-F238E27FC236}">
+                  <a16:creationId xmlns:a16="http://schemas.microsoft.com/office/drawing/2014/main" id="{71EF2D71-44BF-3673-8FA1-3C50FF0B6E2C}"/>
+                </a:ext>
+              </a:extLst>
+            </p:cNvPr>
+            <p:cNvSpPr/>
+            <p:nvPr/>
+          </p:nvSpPr>
+          <p:spPr>
+            <a:xfrm>
+              <a:off x="2053087" y="1768416"/>
+              <a:ext cx="9454551" cy="1831406"/>
+            </a:xfrm>
+            <a:prstGeom prst="rect">
+              <a:avLst/>
+            </a:prstGeom>
+            <a:solidFill>
+              <a:schemeClr val="bg1"/>
+            </a:solidFill>
+            <a:ln>
+              <a:noFill/>
+            </a:ln>
+          </p:spPr>
+          <p:style>
+            <a:lnRef idx="2">
+              <a:schemeClr val="accent1">
+                <a:shade val="15000"/>
+              </a:schemeClr>
+            </a:lnRef>
+            <a:fillRef idx="1">
+              <a:schemeClr val="accent1"/>
+            </a:fillRef>
+            <a:effectRef idx="0">
+              <a:schemeClr val="accent1"/>
+            </a:effectRef>
+            <a:fontRef idx="minor">
+              <a:schemeClr val="lt1"/>
+            </a:fontRef>
+          </p:style>
+          <p:txBody>
+            <a:bodyPr rtlCol="0" anchor="ctr"/>
+            <a:lstStyle/>
+            <a:p>
+              <a:pPr algn="ctr"/>
+              <a:endParaRPr lang="es-ES"/>
+            </a:p>
+          </p:txBody>
+        </p:sp>
+        <p:sp>
+          <p:nvSpPr>
+            <p:cNvPr id="2" name="CuadroTexto 1">
+              <a:extLst>
+                <a:ext uri="{FF2B5EF4-FFF2-40B4-BE49-F238E27FC236}">
+                  <a16:creationId xmlns:a16="http://schemas.microsoft.com/office/drawing/2014/main" id="{97F77A59-8922-16B0-367C-A30521240B6E}"/>
+                </a:ext>
+              </a:extLst>
+            </p:cNvPr>
+            <p:cNvSpPr txBox="1"/>
+            <p:nvPr/>
+          </p:nvSpPr>
+          <p:spPr>
+            <a:xfrm>
+              <a:off x="2182483" y="1872178"/>
+              <a:ext cx="8747184" cy="1727643"/>
+            </a:xfrm>
+            <a:prstGeom prst="rect">
+              <a:avLst/>
+            </a:prstGeom>
+            <a:noFill/>
+          </p:spPr>
+          <p:txBody>
+            <a:bodyPr wrap="square" rtlCol="0">
+              <a:spAutoFit/>
+            </a:bodyPr>
+            <a:lstStyle/>
+            <a:p>
+              <a:r>
+                <a:rPr lang="es-ES" dirty="0">
+                  <a:solidFill>
+                    <a:schemeClr val="accent5"/>
+                  </a:solidFill>
+                  <a:latin typeface="Geist Mono" pitchFamily="2" charset="77"/>
+                  <a:ea typeface="Geist Mono" pitchFamily="2" charset="77"/>
+                  <a:cs typeface="Geist Mono" pitchFamily="2" charset="77"/>
+                </a:rPr>
+                <a:t>def</a:t>
+              </a:r>
+              <a:r>
+                <a:rPr lang="es-ES" dirty="0">
+                  <a:latin typeface="Geist Mono" pitchFamily="2" charset="77"/>
+                  <a:ea typeface="Geist Mono" pitchFamily="2" charset="77"/>
+                  <a:cs typeface="Geist Mono" pitchFamily="2" charset="77"/>
+                </a:rPr>
+                <a:t> </a:t>
+              </a:r>
+              <a:r>
+                <a:rPr lang="es-ES" dirty="0">
+                  <a:solidFill>
+                    <a:schemeClr val="accent4"/>
+                  </a:solidFill>
+                  <a:latin typeface="Geist Mono" pitchFamily="2" charset="77"/>
+                  <a:ea typeface="Geist Mono" pitchFamily="2" charset="77"/>
+                  <a:cs typeface="Geist Mono" pitchFamily="2" charset="77"/>
+                </a:rPr>
+                <a:t>recursiva </a:t>
+              </a:r>
+              <a:r>
+                <a:rPr lang="es-ES" dirty="0">
+                  <a:solidFill>
+                    <a:srgbClr val="92D050"/>
+                  </a:solidFill>
+                  <a:latin typeface="Geist Mono" pitchFamily="2" charset="77"/>
+                  <a:ea typeface="Geist Mono" pitchFamily="2" charset="77"/>
+                  <a:cs typeface="Geist Mono" pitchFamily="2" charset="77"/>
+                </a:rPr>
+                <a:t>(temperatura):</a:t>
+              </a:r>
+            </a:p>
+            <a:p>
+              <a:r>
+                <a:rPr lang="es-ES" sz="1600" dirty="0">
+                  <a:solidFill>
+                    <a:srgbClr val="92D050"/>
+                  </a:solidFill>
+                  <a:latin typeface="Geist Mono" pitchFamily="2" charset="77"/>
+                  <a:ea typeface="Geist Mono" pitchFamily="2" charset="77"/>
+                  <a:cs typeface="Geist Mono" pitchFamily="2" charset="77"/>
+                </a:rPr>
+                <a:t>	</a:t>
+              </a:r>
+              <a:r>
+                <a:rPr lang="es-ES" sz="1600" dirty="0">
+                  <a:solidFill>
+                    <a:schemeClr val="tx1">
+                      <a:lumMod val="50000"/>
+                      <a:lumOff val="50000"/>
+                    </a:schemeClr>
+                  </a:solidFill>
+                  <a:latin typeface="Geist Mono" pitchFamily="2" charset="77"/>
+                  <a:ea typeface="Geist Mono" pitchFamily="2" charset="77"/>
+                  <a:cs typeface="Geist Mono" pitchFamily="2" charset="77"/>
+                </a:rPr>
+                <a:t>. . . </a:t>
+              </a:r>
+              <a:endParaRPr lang="es-ES" dirty="0">
+                <a:latin typeface="Geist Mono" pitchFamily="2" charset="77"/>
+                <a:ea typeface="Geist Mono" pitchFamily="2" charset="77"/>
+                <a:cs typeface="Geist Mono" pitchFamily="2" charset="77"/>
+              </a:endParaRPr>
+            </a:p>
+            <a:p>
+              <a:r>
+                <a:rPr lang="es-ES" dirty="0">
+                  <a:latin typeface="Geist Mono" pitchFamily="2" charset="77"/>
+                  <a:ea typeface="Geist Mono" pitchFamily="2" charset="77"/>
+                  <a:cs typeface="Geist Mono" pitchFamily="2" charset="77"/>
+                </a:rPr>
+                <a:t>	</a:t>
+              </a:r>
+              <a:r>
+                <a:rPr lang="es-ES" dirty="0">
+                  <a:solidFill>
+                    <a:schemeClr val="accent4"/>
+                  </a:solidFill>
+                  <a:latin typeface="Geist Mono" pitchFamily="2" charset="77"/>
+                  <a:ea typeface="Geist Mono" pitchFamily="2" charset="77"/>
+                  <a:cs typeface="Geist Mono" pitchFamily="2" charset="77"/>
+                </a:rPr>
+                <a:t>recursiva()</a:t>
+              </a:r>
+            </a:p>
+            <a:p>
+              <a:endParaRPr lang="es-ES" dirty="0">
+                <a:solidFill>
+                  <a:schemeClr val="accent4"/>
+                </a:solidFill>
+                <a:latin typeface="Geist Mono" pitchFamily="2" charset="77"/>
+                <a:ea typeface="Geist Mono" pitchFamily="2" charset="77"/>
+                <a:cs typeface="Geist Mono" pitchFamily="2" charset="77"/>
+              </a:endParaRPr>
+            </a:p>
+            <a:p>
+              <a:r>
+                <a:rPr lang="es-ES" dirty="0">
+                  <a:solidFill>
+                    <a:schemeClr val="tx1">
+                      <a:lumMod val="50000"/>
+                      <a:lumOff val="50000"/>
+                    </a:schemeClr>
+                  </a:solidFill>
+                  <a:latin typeface="Geist Mono" pitchFamily="2" charset="77"/>
+                  <a:ea typeface="Geist Mono" pitchFamily="2" charset="77"/>
+                  <a:cs typeface="Geist Mono" pitchFamily="2" charset="77"/>
+                </a:rPr>
+                <a:t># llamamos a la función</a:t>
+              </a:r>
+            </a:p>
+            <a:p>
+              <a:r>
+                <a:rPr lang="es-ES" dirty="0">
+                  <a:latin typeface="Geist Mono" pitchFamily="2" charset="77"/>
+                  <a:ea typeface="Geist Mono" pitchFamily="2" charset="77"/>
+                  <a:cs typeface="Geist Mono" pitchFamily="2" charset="77"/>
+                </a:rPr>
+                <a:t>recursiva()</a:t>
+              </a:r>
+            </a:p>
+          </p:txBody>
+        </p:sp>
+      </p:grpSp>
+    </p:spTree>
+    <p:extLst>
+      <p:ext uri="{BB962C8B-B14F-4D97-AF65-F5344CB8AC3E}">
+        <p14:creationId xmlns:p14="http://schemas.microsoft.com/office/powerpoint/2010/main" val="1292021334"/>
       </p:ext>
     </p:extLst>
   </p:cSld>
@@ -5347,6 +5994,4806 @@
 </p:sld>
 </file>
 
+<file path=ppt/slides/slide5.xml><?xml version="1.0" encoding="utf-8"?>
+<p:sld xmlns:a="http://schemas.openxmlformats.org/drawingml/2006/main" xmlns:r="http://schemas.openxmlformats.org/officeDocument/2006/relationships" xmlns:p="http://schemas.openxmlformats.org/presentationml/2006/main">
+  <p:cSld>
+    <p:spTree>
+      <p:nvGrpSpPr>
+        <p:cNvPr id="1" name=""/>
+        <p:cNvGrpSpPr/>
+        <p:nvPr/>
+      </p:nvGrpSpPr>
+      <p:grpSpPr>
+        <a:xfrm>
+          <a:off x="0" y="0"/>
+          <a:ext cx="0" cy="0"/>
+          <a:chOff x="0" y="0"/>
+          <a:chExt cx="0" cy="0"/>
+        </a:xfrm>
+      </p:grpSpPr>
+      <p:grpSp>
+        <p:nvGrpSpPr>
+          <p:cNvPr id="46" name="Grupo 45">
+            <a:extLst>
+              <a:ext uri="{FF2B5EF4-FFF2-40B4-BE49-F238E27FC236}">
+                <a16:creationId xmlns:a16="http://schemas.microsoft.com/office/drawing/2014/main" id="{ADB1C12F-B28E-926B-5A80-D2B9BEC2AF57}"/>
+              </a:ext>
+            </a:extLst>
+          </p:cNvPr>
+          <p:cNvGrpSpPr/>
+          <p:nvPr/>
+        </p:nvGrpSpPr>
+        <p:grpSpPr>
+          <a:xfrm>
+            <a:off x="198408" y="370936"/>
+            <a:ext cx="11921705" cy="5615796"/>
+            <a:chOff x="198408" y="370936"/>
+            <a:chExt cx="11921705" cy="5615796"/>
+          </a:xfrm>
+        </p:grpSpPr>
+        <p:sp>
+          <p:nvSpPr>
+            <p:cNvPr id="45" name="Rectángulo 44">
+              <a:extLst>
+                <a:ext uri="{FF2B5EF4-FFF2-40B4-BE49-F238E27FC236}">
+                  <a16:creationId xmlns:a16="http://schemas.microsoft.com/office/drawing/2014/main" id="{96AFE606-893E-8C5D-907B-7FADF1A41DAB}"/>
+                </a:ext>
+              </a:extLst>
+            </p:cNvPr>
+            <p:cNvSpPr/>
+            <p:nvPr/>
+          </p:nvSpPr>
+          <p:spPr>
+            <a:xfrm>
+              <a:off x="198408" y="370936"/>
+              <a:ext cx="11921705" cy="5615796"/>
+            </a:xfrm>
+            <a:prstGeom prst="rect">
+              <a:avLst/>
+            </a:prstGeom>
+            <a:solidFill>
+              <a:schemeClr val="bg1"/>
+            </a:solidFill>
+            <a:ln>
+              <a:noFill/>
+            </a:ln>
+          </p:spPr>
+          <p:style>
+            <a:lnRef idx="2">
+              <a:schemeClr val="accent1">
+                <a:shade val="15000"/>
+              </a:schemeClr>
+            </a:lnRef>
+            <a:fillRef idx="1">
+              <a:schemeClr val="accent1"/>
+            </a:fillRef>
+            <a:effectRef idx="0">
+              <a:schemeClr val="accent1"/>
+            </a:effectRef>
+            <a:fontRef idx="minor">
+              <a:schemeClr val="lt1"/>
+            </a:fontRef>
+          </p:style>
+          <p:txBody>
+            <a:bodyPr rtlCol="0" anchor="ctr"/>
+            <a:lstStyle/>
+            <a:p>
+              <a:pPr algn="ctr"/>
+              <a:endParaRPr lang="es-ES"/>
+            </a:p>
+          </p:txBody>
+        </p:sp>
+        <p:grpSp>
+          <p:nvGrpSpPr>
+            <p:cNvPr id="30" name="Grupo 29">
+              <a:extLst>
+                <a:ext uri="{FF2B5EF4-FFF2-40B4-BE49-F238E27FC236}">
+                  <a16:creationId xmlns:a16="http://schemas.microsoft.com/office/drawing/2014/main" id="{F359BCE0-19BD-5786-7324-C31D3F80115B}"/>
+                </a:ext>
+              </a:extLst>
+            </p:cNvPr>
+            <p:cNvGrpSpPr/>
+            <p:nvPr/>
+          </p:nvGrpSpPr>
+          <p:grpSpPr>
+            <a:xfrm>
+              <a:off x="357995" y="1049547"/>
+              <a:ext cx="11583840" cy="707886"/>
+              <a:chOff x="205595" y="2311879"/>
+              <a:chExt cx="11583840" cy="707886"/>
+            </a:xfrm>
+          </p:grpSpPr>
+          <p:sp>
+            <p:nvSpPr>
+              <p:cNvPr id="31" name="CuadroTexto 30">
+                <a:extLst>
+                  <a:ext uri="{FF2B5EF4-FFF2-40B4-BE49-F238E27FC236}">
+                    <a16:creationId xmlns:a16="http://schemas.microsoft.com/office/drawing/2014/main" id="{7CEE851D-9350-BD2D-FF91-574FB10480C4}"/>
+                  </a:ext>
+                </a:extLst>
+              </p:cNvPr>
+              <p:cNvSpPr txBox="1"/>
+              <p:nvPr/>
+            </p:nvSpPr>
+            <p:spPr>
+              <a:xfrm>
+                <a:off x="205595" y="2311879"/>
+                <a:ext cx="457200" cy="707886"/>
+              </a:xfrm>
+              <a:prstGeom prst="rect">
+                <a:avLst/>
+              </a:prstGeom>
+              <a:solidFill>
+                <a:srgbClr val="FFC000"/>
+              </a:solidFill>
+              <a:ln w="19050">
+                <a:solidFill>
+                  <a:schemeClr val="tx1"/>
+                </a:solidFill>
+              </a:ln>
+            </p:spPr>
+            <p:txBody>
+              <a:bodyPr wrap="square" rtlCol="0">
+                <a:spAutoFit/>
+              </a:bodyPr>
+              <a:lstStyle/>
+              <a:p>
+                <a:r>
+                  <a:rPr lang="es-ES" sz="4000" dirty="0">
+                    <a:latin typeface="Geist Mono" pitchFamily="2" charset="77"/>
+                    <a:ea typeface="Geist Mono" pitchFamily="2" charset="77"/>
+                    <a:cs typeface="Geist Mono" pitchFamily="2" charset="77"/>
+                  </a:rPr>
+                  <a:t>[</a:t>
+                </a:r>
+              </a:p>
+            </p:txBody>
+          </p:sp>
+          <p:sp>
+            <p:nvSpPr>
+              <p:cNvPr id="32" name="CuadroTexto 31">
+                <a:extLst>
+                  <a:ext uri="{FF2B5EF4-FFF2-40B4-BE49-F238E27FC236}">
+                    <a16:creationId xmlns:a16="http://schemas.microsoft.com/office/drawing/2014/main" id="{589F276B-358E-56C0-76D7-77F946B844A2}"/>
+                  </a:ext>
+                </a:extLst>
+              </p:cNvPr>
+              <p:cNvSpPr txBox="1"/>
+              <p:nvPr/>
+            </p:nvSpPr>
+            <p:spPr>
+              <a:xfrm>
+                <a:off x="11332235" y="2311879"/>
+                <a:ext cx="457200" cy="707886"/>
+              </a:xfrm>
+              <a:prstGeom prst="rect">
+                <a:avLst/>
+              </a:prstGeom>
+              <a:solidFill>
+                <a:srgbClr val="FFC000"/>
+              </a:solidFill>
+              <a:ln w="19050">
+                <a:solidFill>
+                  <a:schemeClr val="tx1"/>
+                </a:solidFill>
+              </a:ln>
+            </p:spPr>
+            <p:txBody>
+              <a:bodyPr wrap="square" rtlCol="0">
+                <a:spAutoFit/>
+              </a:bodyPr>
+              <a:lstStyle>
+                <a:defPPr>
+                  <a:defRPr lang="es-ES"/>
+                </a:defPPr>
+                <a:lvl1pPr>
+                  <a:defRPr sz="4000"/>
+                </a:lvl1pPr>
+              </a:lstStyle>
+              <a:p>
+                <a:r>
+                  <a:rPr lang="es-ES" dirty="0">
+                    <a:latin typeface="Geist Mono" pitchFamily="2" charset="77"/>
+                    <a:ea typeface="Geist Mono" pitchFamily="2" charset="77"/>
+                    <a:cs typeface="Geist Mono" pitchFamily="2" charset="77"/>
+                  </a:rPr>
+                  <a:t>]</a:t>
+                </a:r>
+              </a:p>
+            </p:txBody>
+          </p:sp>
+          <p:sp>
+            <p:nvSpPr>
+              <p:cNvPr id="33" name="CuadroTexto 32">
+                <a:extLst>
+                  <a:ext uri="{FF2B5EF4-FFF2-40B4-BE49-F238E27FC236}">
+                    <a16:creationId xmlns:a16="http://schemas.microsoft.com/office/drawing/2014/main" id="{ACEA0A6D-34BD-326B-2C47-9AF0AFD8063D}"/>
+                  </a:ext>
+                </a:extLst>
+              </p:cNvPr>
+              <p:cNvSpPr txBox="1"/>
+              <p:nvPr/>
+            </p:nvSpPr>
+            <p:spPr>
+              <a:xfrm>
+                <a:off x="736839" y="2441274"/>
+                <a:ext cx="7202338" cy="400110"/>
+              </a:xfrm>
+              <a:prstGeom prst="rect">
+                <a:avLst/>
+              </a:prstGeom>
+              <a:solidFill>
+                <a:schemeClr val="accent5">
+                  <a:lumMod val="20000"/>
+                  <a:lumOff val="80000"/>
+                </a:schemeClr>
+              </a:solidFill>
+              <a:ln w="19050">
+                <a:solidFill>
+                  <a:schemeClr val="tx1"/>
+                </a:solidFill>
+              </a:ln>
+            </p:spPr>
+            <p:txBody>
+              <a:bodyPr wrap="square" rtlCol="0">
+                <a:spAutoFit/>
+              </a:bodyPr>
+              <a:lstStyle/>
+              <a:p>
+                <a:pPr algn="ctr"/>
+                <a:r>
+                  <a:rPr lang="es-ES" sz="2000" dirty="0">
+                    <a:latin typeface="Geist Mono" pitchFamily="2" charset="77"/>
+                    <a:ea typeface="Geist Mono" pitchFamily="2" charset="77"/>
+                    <a:cs typeface="Geist Mono" pitchFamily="2" charset="77"/>
+                  </a:rPr>
+                  <a:t>lo que queremos añadir a la lista</a:t>
+                </a:r>
+              </a:p>
+            </p:txBody>
+          </p:sp>
+          <p:sp>
+            <p:nvSpPr>
+              <p:cNvPr id="34" name="CuadroTexto 33">
+                <a:extLst>
+                  <a:ext uri="{FF2B5EF4-FFF2-40B4-BE49-F238E27FC236}">
+                    <a16:creationId xmlns:a16="http://schemas.microsoft.com/office/drawing/2014/main" id="{FEA34C0A-BAB6-5919-5C9B-A05C31319DDF}"/>
+                  </a:ext>
+                </a:extLst>
+              </p:cNvPr>
+              <p:cNvSpPr txBox="1"/>
+              <p:nvPr/>
+            </p:nvSpPr>
+            <p:spPr>
+              <a:xfrm>
+                <a:off x="8051321" y="2441274"/>
+                <a:ext cx="3099040" cy="400110"/>
+              </a:xfrm>
+              <a:prstGeom prst="rect">
+                <a:avLst/>
+              </a:prstGeom>
+              <a:solidFill>
+                <a:srgbClr val="00B0F0"/>
+              </a:solidFill>
+              <a:ln w="19050">
+                <a:solidFill>
+                  <a:schemeClr val="tx1"/>
+                </a:solidFill>
+              </a:ln>
+            </p:spPr>
+            <p:txBody>
+              <a:bodyPr wrap="square" rtlCol="0">
+                <a:spAutoFit/>
+              </a:bodyPr>
+              <a:lstStyle/>
+              <a:p>
+                <a:pPr algn="ctr"/>
+                <a:r>
+                  <a:rPr lang="es-ES" sz="2000" dirty="0">
+                    <a:latin typeface="Geist Mono" pitchFamily="2" charset="77"/>
+                    <a:ea typeface="Geist Mono" pitchFamily="2" charset="77"/>
+                    <a:cs typeface="Geist Mono" pitchFamily="2" charset="77"/>
+                  </a:rPr>
+                  <a:t>iterable</a:t>
+                </a:r>
+              </a:p>
+            </p:txBody>
+          </p:sp>
+        </p:grpSp>
+        <p:sp>
+          <p:nvSpPr>
+            <p:cNvPr id="36" name="Flecha abajo 35">
+              <a:extLst>
+                <a:ext uri="{FF2B5EF4-FFF2-40B4-BE49-F238E27FC236}">
+                  <a16:creationId xmlns:a16="http://schemas.microsoft.com/office/drawing/2014/main" id="{2462C9EC-BBB6-912D-6FDD-4593933A77C4}"/>
+                </a:ext>
+              </a:extLst>
+            </p:cNvPr>
+            <p:cNvSpPr/>
+            <p:nvPr/>
+          </p:nvSpPr>
+          <p:spPr>
+            <a:xfrm>
+              <a:off x="5609325" y="2191109"/>
+              <a:ext cx="1138687" cy="642668"/>
+            </a:xfrm>
+            <a:prstGeom prst="downArrow">
+              <a:avLst/>
+            </a:prstGeom>
+            <a:gradFill flip="none" rotWithShape="1">
+              <a:gsLst>
+                <a:gs pos="0">
+                  <a:schemeClr val="accent2">
+                    <a:lumMod val="67000"/>
+                  </a:schemeClr>
+                </a:gs>
+                <a:gs pos="48000">
+                  <a:schemeClr val="accent2">
+                    <a:lumMod val="97000"/>
+                    <a:lumOff val="3000"/>
+                  </a:schemeClr>
+                </a:gs>
+                <a:gs pos="100000">
+                  <a:schemeClr val="accent2">
+                    <a:lumMod val="60000"/>
+                    <a:lumOff val="40000"/>
+                  </a:schemeClr>
+                </a:gs>
+              </a:gsLst>
+              <a:lin ang="16200000" scaled="1"/>
+              <a:tileRect/>
+            </a:gradFill>
+            <a:ln>
+              <a:noFill/>
+            </a:ln>
+          </p:spPr>
+          <p:style>
+            <a:lnRef idx="0">
+              <a:scrgbClr r="0" g="0" b="0"/>
+            </a:lnRef>
+            <a:fillRef idx="0">
+              <a:scrgbClr r="0" g="0" b="0"/>
+            </a:fillRef>
+            <a:effectRef idx="0">
+              <a:scrgbClr r="0" g="0" b="0"/>
+            </a:effectRef>
+            <a:fontRef idx="minor">
+              <a:schemeClr val="lt1"/>
+            </a:fontRef>
+          </p:style>
+          <p:txBody>
+            <a:bodyPr rtlCol="0" anchor="ctr"/>
+            <a:lstStyle/>
+            <a:p>
+              <a:pPr algn="ctr"/>
+              <a:endParaRPr lang="es-ES">
+                <a:latin typeface="Geist Mono" pitchFamily="2" charset="77"/>
+                <a:ea typeface="Geist Mono" pitchFamily="2" charset="77"/>
+                <a:cs typeface="Geist Mono" pitchFamily="2" charset="77"/>
+              </a:endParaRPr>
+            </a:p>
+          </p:txBody>
+        </p:sp>
+        <p:sp>
+          <p:nvSpPr>
+            <p:cNvPr id="37" name="Flecha abajo 36">
+              <a:extLst>
+                <a:ext uri="{FF2B5EF4-FFF2-40B4-BE49-F238E27FC236}">
+                  <a16:creationId xmlns:a16="http://schemas.microsoft.com/office/drawing/2014/main" id="{A5399141-39DD-0BED-63DD-72412EC7E9CC}"/>
+                </a:ext>
+              </a:extLst>
+            </p:cNvPr>
+            <p:cNvSpPr/>
+            <p:nvPr/>
+          </p:nvSpPr>
+          <p:spPr>
+            <a:xfrm>
+              <a:off x="5609325" y="3784838"/>
+              <a:ext cx="1138687" cy="642668"/>
+            </a:xfrm>
+            <a:prstGeom prst="downArrow">
+              <a:avLst/>
+            </a:prstGeom>
+            <a:gradFill flip="none" rotWithShape="1">
+              <a:gsLst>
+                <a:gs pos="0">
+                  <a:schemeClr val="accent2">
+                    <a:lumMod val="67000"/>
+                  </a:schemeClr>
+                </a:gs>
+                <a:gs pos="48000">
+                  <a:schemeClr val="accent2">
+                    <a:lumMod val="97000"/>
+                    <a:lumOff val="3000"/>
+                  </a:schemeClr>
+                </a:gs>
+                <a:gs pos="100000">
+                  <a:schemeClr val="accent2">
+                    <a:lumMod val="60000"/>
+                    <a:lumOff val="40000"/>
+                  </a:schemeClr>
+                </a:gs>
+              </a:gsLst>
+              <a:lin ang="16200000" scaled="1"/>
+              <a:tileRect/>
+            </a:gradFill>
+            <a:ln>
+              <a:noFill/>
+            </a:ln>
+          </p:spPr>
+          <p:style>
+            <a:lnRef idx="0">
+              <a:scrgbClr r="0" g="0" b="0"/>
+            </a:lnRef>
+            <a:fillRef idx="0">
+              <a:scrgbClr r="0" g="0" b="0"/>
+            </a:fillRef>
+            <a:effectRef idx="0">
+              <a:scrgbClr r="0" g="0" b="0"/>
+            </a:effectRef>
+            <a:fontRef idx="minor">
+              <a:schemeClr val="lt1"/>
+            </a:fontRef>
+          </p:style>
+          <p:txBody>
+            <a:bodyPr rtlCol="0" anchor="ctr"/>
+            <a:lstStyle/>
+            <a:p>
+              <a:pPr algn="ctr"/>
+              <a:endParaRPr lang="es-ES">
+                <a:latin typeface="Geist Mono" pitchFamily="2" charset="77"/>
+                <a:ea typeface="Geist Mono" pitchFamily="2" charset="77"/>
+                <a:cs typeface="Geist Mono" pitchFamily="2" charset="77"/>
+              </a:endParaRPr>
+            </a:p>
+          </p:txBody>
+        </p:sp>
+        <p:sp>
+          <p:nvSpPr>
+            <p:cNvPr id="38" name="CuadroTexto 37">
+              <a:extLst>
+                <a:ext uri="{FF2B5EF4-FFF2-40B4-BE49-F238E27FC236}">
+                  <a16:creationId xmlns:a16="http://schemas.microsoft.com/office/drawing/2014/main" id="{B610E2C8-9435-24A3-C055-21EBB5B2FE9A}"/>
+                </a:ext>
+              </a:extLst>
+            </p:cNvPr>
+            <p:cNvSpPr txBox="1"/>
+            <p:nvPr/>
+          </p:nvSpPr>
+          <p:spPr>
+            <a:xfrm>
+              <a:off x="357995" y="3059668"/>
+              <a:ext cx="11583840" cy="369332"/>
+            </a:xfrm>
+            <a:prstGeom prst="rect">
+              <a:avLst/>
+            </a:prstGeom>
+            <a:noFill/>
+          </p:spPr>
+          <p:txBody>
+            <a:bodyPr wrap="square" rtlCol="0">
+              <a:spAutoFit/>
+            </a:bodyPr>
+            <a:lstStyle/>
+            <a:p>
+              <a:pPr algn="ctr"/>
+              <a:r>
+                <a:rPr lang="es-ES" dirty="0">
+                  <a:latin typeface="Geist Mono" pitchFamily="2" charset="77"/>
+                  <a:ea typeface="Geist Mono" pitchFamily="2" charset="77"/>
+                  <a:cs typeface="Geist Mono" pitchFamily="2" charset="77"/>
+                </a:rPr>
+                <a:t>Imaginemos que queremos convertir todas las palabras de una lista a mayúscula</a:t>
+              </a:r>
+            </a:p>
+          </p:txBody>
+        </p:sp>
+        <p:grpSp>
+          <p:nvGrpSpPr>
+            <p:cNvPr id="39" name="Grupo 38">
+              <a:extLst>
+                <a:ext uri="{FF2B5EF4-FFF2-40B4-BE49-F238E27FC236}">
+                  <a16:creationId xmlns:a16="http://schemas.microsoft.com/office/drawing/2014/main" id="{5271C9A8-DC96-7DD7-8FDD-DA935D15C37F}"/>
+                </a:ext>
+              </a:extLst>
+            </p:cNvPr>
+            <p:cNvGrpSpPr/>
+            <p:nvPr/>
+          </p:nvGrpSpPr>
+          <p:grpSpPr>
+            <a:xfrm>
+              <a:off x="357995" y="4971172"/>
+              <a:ext cx="11583840" cy="707886"/>
+              <a:chOff x="205595" y="2311879"/>
+              <a:chExt cx="11583840" cy="707886"/>
+            </a:xfrm>
+          </p:grpSpPr>
+          <p:sp>
+            <p:nvSpPr>
+              <p:cNvPr id="40" name="CuadroTexto 39">
+                <a:extLst>
+                  <a:ext uri="{FF2B5EF4-FFF2-40B4-BE49-F238E27FC236}">
+                    <a16:creationId xmlns:a16="http://schemas.microsoft.com/office/drawing/2014/main" id="{E123BF67-4A86-7982-6C08-BF237FD36428}"/>
+                  </a:ext>
+                </a:extLst>
+              </p:cNvPr>
+              <p:cNvSpPr txBox="1"/>
+              <p:nvPr/>
+            </p:nvSpPr>
+            <p:spPr>
+              <a:xfrm>
+                <a:off x="205595" y="2311879"/>
+                <a:ext cx="457200" cy="707886"/>
+              </a:xfrm>
+              <a:prstGeom prst="rect">
+                <a:avLst/>
+              </a:prstGeom>
+              <a:solidFill>
+                <a:srgbClr val="FFC000"/>
+              </a:solidFill>
+              <a:ln w="19050">
+                <a:solidFill>
+                  <a:schemeClr val="tx1"/>
+                </a:solidFill>
+              </a:ln>
+            </p:spPr>
+            <p:txBody>
+              <a:bodyPr wrap="square" rtlCol="0">
+                <a:spAutoFit/>
+              </a:bodyPr>
+              <a:lstStyle/>
+              <a:p>
+                <a:r>
+                  <a:rPr lang="es-ES" sz="4000" dirty="0">
+                    <a:latin typeface="Geist Mono" pitchFamily="2" charset="77"/>
+                    <a:ea typeface="Geist Mono" pitchFamily="2" charset="77"/>
+                    <a:cs typeface="Geist Mono" pitchFamily="2" charset="77"/>
+                  </a:rPr>
+                  <a:t>[</a:t>
+                </a:r>
+              </a:p>
+            </p:txBody>
+          </p:sp>
+          <p:sp>
+            <p:nvSpPr>
+              <p:cNvPr id="41" name="CuadroTexto 40">
+                <a:extLst>
+                  <a:ext uri="{FF2B5EF4-FFF2-40B4-BE49-F238E27FC236}">
+                    <a16:creationId xmlns:a16="http://schemas.microsoft.com/office/drawing/2014/main" id="{A7000D90-1F3C-0234-37DF-4DA2E88B7538}"/>
+                  </a:ext>
+                </a:extLst>
+              </p:cNvPr>
+              <p:cNvSpPr txBox="1"/>
+              <p:nvPr/>
+            </p:nvSpPr>
+            <p:spPr>
+              <a:xfrm>
+                <a:off x="11332235" y="2311879"/>
+                <a:ext cx="457200" cy="707886"/>
+              </a:xfrm>
+              <a:prstGeom prst="rect">
+                <a:avLst/>
+              </a:prstGeom>
+              <a:solidFill>
+                <a:srgbClr val="FFC000"/>
+              </a:solidFill>
+              <a:ln w="19050">
+                <a:solidFill>
+                  <a:schemeClr val="tx1"/>
+                </a:solidFill>
+              </a:ln>
+            </p:spPr>
+            <p:txBody>
+              <a:bodyPr wrap="square" rtlCol="0">
+                <a:spAutoFit/>
+              </a:bodyPr>
+              <a:lstStyle>
+                <a:defPPr>
+                  <a:defRPr lang="es-ES"/>
+                </a:defPPr>
+                <a:lvl1pPr>
+                  <a:defRPr sz="4000"/>
+                </a:lvl1pPr>
+              </a:lstStyle>
+              <a:p>
+                <a:r>
+                  <a:rPr lang="es-ES" dirty="0">
+                    <a:latin typeface="Geist Mono" pitchFamily="2" charset="77"/>
+                    <a:ea typeface="Geist Mono" pitchFamily="2" charset="77"/>
+                    <a:cs typeface="Geist Mono" pitchFamily="2" charset="77"/>
+                  </a:rPr>
+                  <a:t>]</a:t>
+                </a:r>
+              </a:p>
+            </p:txBody>
+          </p:sp>
+          <p:sp>
+            <p:nvSpPr>
+              <p:cNvPr id="42" name="CuadroTexto 41">
+                <a:extLst>
+                  <a:ext uri="{FF2B5EF4-FFF2-40B4-BE49-F238E27FC236}">
+                    <a16:creationId xmlns:a16="http://schemas.microsoft.com/office/drawing/2014/main" id="{73D9AC20-8F2B-58A3-5287-211091CE2B87}"/>
+                  </a:ext>
+                </a:extLst>
+              </p:cNvPr>
+              <p:cNvSpPr txBox="1"/>
+              <p:nvPr/>
+            </p:nvSpPr>
+            <p:spPr>
+              <a:xfrm>
+                <a:off x="736838" y="2441274"/>
+                <a:ext cx="5858773" cy="400110"/>
+              </a:xfrm>
+              <a:prstGeom prst="rect">
+                <a:avLst/>
+              </a:prstGeom>
+              <a:solidFill>
+                <a:schemeClr val="accent5">
+                  <a:lumMod val="20000"/>
+                  <a:lumOff val="80000"/>
+                </a:schemeClr>
+              </a:solidFill>
+              <a:ln w="19050">
+                <a:solidFill>
+                  <a:schemeClr val="tx1"/>
+                </a:solidFill>
+              </a:ln>
+            </p:spPr>
+            <p:txBody>
+              <a:bodyPr wrap="square" rtlCol="0">
+                <a:spAutoFit/>
+              </a:bodyPr>
+              <a:lstStyle/>
+              <a:p>
+                <a:pPr algn="ctr"/>
+                <a:r>
+                  <a:rPr lang="es-ES" sz="2000" dirty="0">
+                    <a:latin typeface="Geist Mono" pitchFamily="2" charset="77"/>
+                    <a:ea typeface="Geist Mono" pitchFamily="2" charset="77"/>
+                    <a:cs typeface="Geist Mono" pitchFamily="2" charset="77"/>
+                  </a:rPr>
+                  <a:t>i.upper()</a:t>
+                </a:r>
+              </a:p>
+            </p:txBody>
+          </p:sp>
+          <p:sp>
+            <p:nvSpPr>
+              <p:cNvPr id="43" name="CuadroTexto 42">
+                <a:extLst>
+                  <a:ext uri="{FF2B5EF4-FFF2-40B4-BE49-F238E27FC236}">
+                    <a16:creationId xmlns:a16="http://schemas.microsoft.com/office/drawing/2014/main" id="{D786F229-C131-CDD3-4A14-7584BAAE6F0B}"/>
+                  </a:ext>
+                </a:extLst>
+              </p:cNvPr>
+              <p:cNvSpPr txBox="1"/>
+              <p:nvPr/>
+            </p:nvSpPr>
+            <p:spPr>
+              <a:xfrm>
+                <a:off x="6731479" y="2441274"/>
+                <a:ext cx="4418882" cy="400110"/>
+              </a:xfrm>
+              <a:prstGeom prst="rect">
+                <a:avLst/>
+              </a:prstGeom>
+              <a:solidFill>
+                <a:srgbClr val="00B0F0"/>
+              </a:solidFill>
+              <a:ln w="19050">
+                <a:solidFill>
+                  <a:schemeClr val="tx1"/>
+                </a:solidFill>
+              </a:ln>
+            </p:spPr>
+            <p:txBody>
+              <a:bodyPr wrap="square" rtlCol="0">
+                <a:spAutoFit/>
+              </a:bodyPr>
+              <a:lstStyle/>
+              <a:p>
+                <a:pPr algn="ctr"/>
+                <a:r>
+                  <a:rPr lang="es-ES" sz="2000" dirty="0">
+                    <a:latin typeface="Geist Mono" pitchFamily="2" charset="77"/>
+                    <a:ea typeface="Geist Mono" pitchFamily="2" charset="77"/>
+                    <a:cs typeface="Geist Mono" pitchFamily="2" charset="77"/>
+                  </a:rPr>
+                  <a:t>for i in nuestra_lista</a:t>
+                </a:r>
+              </a:p>
+            </p:txBody>
+          </p:sp>
+        </p:grpSp>
+      </p:grpSp>
+    </p:spTree>
+    <p:extLst>
+      <p:ext uri="{BB962C8B-B14F-4D97-AF65-F5344CB8AC3E}">
+        <p14:creationId xmlns:p14="http://schemas.microsoft.com/office/powerpoint/2010/main" val="1825004716"/>
+      </p:ext>
+    </p:extLst>
+  </p:cSld>
+  <p:clrMapOvr>
+    <a:masterClrMapping/>
+  </p:clrMapOvr>
+</p:sld>
+</file>
+
+<file path=ppt/slides/slide6.xml><?xml version="1.0" encoding="utf-8"?>
+<p:sld xmlns:a="http://schemas.openxmlformats.org/drawingml/2006/main" xmlns:r="http://schemas.openxmlformats.org/officeDocument/2006/relationships" xmlns:p="http://schemas.openxmlformats.org/presentationml/2006/main">
+  <p:cSld>
+    <p:spTree>
+      <p:nvGrpSpPr>
+        <p:cNvPr id="1" name=""/>
+        <p:cNvGrpSpPr/>
+        <p:nvPr/>
+      </p:nvGrpSpPr>
+      <p:grpSpPr>
+        <a:xfrm>
+          <a:off x="0" y="0"/>
+          <a:ext cx="0" cy="0"/>
+          <a:chOff x="0" y="0"/>
+          <a:chExt cx="0" cy="0"/>
+        </a:xfrm>
+      </p:grpSpPr>
+      <p:grpSp>
+        <p:nvGrpSpPr>
+          <p:cNvPr id="29" name="Grupo 28">
+            <a:extLst>
+              <a:ext uri="{FF2B5EF4-FFF2-40B4-BE49-F238E27FC236}">
+                <a16:creationId xmlns:a16="http://schemas.microsoft.com/office/drawing/2014/main" id="{9934746A-933A-5046-589E-50D993620F8E}"/>
+              </a:ext>
+            </a:extLst>
+          </p:cNvPr>
+          <p:cNvGrpSpPr/>
+          <p:nvPr/>
+        </p:nvGrpSpPr>
+        <p:grpSpPr>
+          <a:xfrm>
+            <a:off x="1520687" y="569343"/>
+            <a:ext cx="7055126" cy="4830793"/>
+            <a:chOff x="1520687" y="569343"/>
+            <a:chExt cx="7055126" cy="4830793"/>
+          </a:xfrm>
+        </p:grpSpPr>
+        <p:sp>
+          <p:nvSpPr>
+            <p:cNvPr id="28" name="Rectángulo 27">
+              <a:extLst>
+                <a:ext uri="{FF2B5EF4-FFF2-40B4-BE49-F238E27FC236}">
+                  <a16:creationId xmlns:a16="http://schemas.microsoft.com/office/drawing/2014/main" id="{17F63202-F034-6B1B-4905-199F773961FA}"/>
+                </a:ext>
+              </a:extLst>
+            </p:cNvPr>
+            <p:cNvSpPr/>
+            <p:nvPr/>
+          </p:nvSpPr>
+          <p:spPr>
+            <a:xfrm>
+              <a:off x="1613140" y="569343"/>
+              <a:ext cx="6814868" cy="4830793"/>
+            </a:xfrm>
+            <a:prstGeom prst="rect">
+              <a:avLst/>
+            </a:prstGeom>
+            <a:solidFill>
+              <a:schemeClr val="bg1"/>
+            </a:solidFill>
+            <a:ln>
+              <a:noFill/>
+            </a:ln>
+          </p:spPr>
+          <p:style>
+            <a:lnRef idx="2">
+              <a:schemeClr val="accent1">
+                <a:shade val="15000"/>
+              </a:schemeClr>
+            </a:lnRef>
+            <a:fillRef idx="1">
+              <a:schemeClr val="accent1"/>
+            </a:fillRef>
+            <a:effectRef idx="0">
+              <a:schemeClr val="accent1"/>
+            </a:effectRef>
+            <a:fontRef idx="minor">
+              <a:schemeClr val="lt1"/>
+            </a:fontRef>
+          </p:style>
+          <p:txBody>
+            <a:bodyPr rtlCol="0" anchor="ctr"/>
+            <a:lstStyle/>
+            <a:p>
+              <a:pPr algn="ctr"/>
+              <a:endParaRPr lang="es-ES"/>
+            </a:p>
+          </p:txBody>
+        </p:sp>
+        <p:sp>
+          <p:nvSpPr>
+            <p:cNvPr id="4" name="Elipse 3">
+              <a:extLst>
+                <a:ext uri="{FF2B5EF4-FFF2-40B4-BE49-F238E27FC236}">
+                  <a16:creationId xmlns:a16="http://schemas.microsoft.com/office/drawing/2014/main" id="{F2579FC3-F1DB-7CE2-FECE-3554D953A18C}"/>
+                </a:ext>
+              </a:extLst>
+            </p:cNvPr>
+            <p:cNvSpPr/>
+            <p:nvPr/>
+          </p:nvSpPr>
+          <p:spPr>
+            <a:xfrm rot="2155145">
+              <a:off x="1520687" y="1659835"/>
+              <a:ext cx="4959626" cy="2902226"/>
+            </a:xfrm>
+            <a:prstGeom prst="ellipse">
+              <a:avLst/>
+            </a:prstGeom>
+            <a:solidFill>
+              <a:schemeClr val="bg1"/>
+            </a:solidFill>
+            <a:ln w="28575"/>
+          </p:spPr>
+          <p:style>
+            <a:lnRef idx="2">
+              <a:schemeClr val="accent1">
+                <a:shade val="15000"/>
+              </a:schemeClr>
+            </a:lnRef>
+            <a:fillRef idx="1">
+              <a:schemeClr val="accent1"/>
+            </a:fillRef>
+            <a:effectRef idx="0">
+              <a:schemeClr val="accent1"/>
+            </a:effectRef>
+            <a:fontRef idx="minor">
+              <a:schemeClr val="lt1"/>
+            </a:fontRef>
+          </p:style>
+          <p:txBody>
+            <a:bodyPr rtlCol="0" anchor="ctr"/>
+            <a:lstStyle/>
+            <a:p>
+              <a:pPr algn="ctr"/>
+              <a:endParaRPr lang="es-ES"/>
+            </a:p>
+          </p:txBody>
+        </p:sp>
+        <p:sp>
+          <p:nvSpPr>
+            <p:cNvPr id="5" name="Elipse 4">
+              <a:extLst>
+                <a:ext uri="{FF2B5EF4-FFF2-40B4-BE49-F238E27FC236}">
+                  <a16:creationId xmlns:a16="http://schemas.microsoft.com/office/drawing/2014/main" id="{8EC70CA4-EDDB-8148-DFE1-7BABF2AFB56D}"/>
+                </a:ext>
+              </a:extLst>
+            </p:cNvPr>
+            <p:cNvSpPr/>
+            <p:nvPr/>
+          </p:nvSpPr>
+          <p:spPr>
+            <a:xfrm rot="19460147">
+              <a:off x="3616187" y="1665008"/>
+              <a:ext cx="4959626" cy="2902226"/>
+            </a:xfrm>
+            <a:prstGeom prst="ellipse">
+              <a:avLst/>
+            </a:prstGeom>
+            <a:noFill/>
+            <a:ln w="28575">
+              <a:solidFill>
+                <a:schemeClr val="tx1"/>
+              </a:solidFill>
+            </a:ln>
+          </p:spPr>
+          <p:style>
+            <a:lnRef idx="2">
+              <a:schemeClr val="accent1">
+                <a:shade val="15000"/>
+              </a:schemeClr>
+            </a:lnRef>
+            <a:fillRef idx="1">
+              <a:schemeClr val="accent1"/>
+            </a:fillRef>
+            <a:effectRef idx="0">
+              <a:schemeClr val="accent1"/>
+            </a:effectRef>
+            <a:fontRef idx="minor">
+              <a:schemeClr val="lt1"/>
+            </a:fontRef>
+          </p:style>
+          <p:txBody>
+            <a:bodyPr rtlCol="0" anchor="ctr"/>
+            <a:lstStyle/>
+            <a:p>
+              <a:pPr algn="ctr"/>
+              <a:endParaRPr lang="es-ES"/>
+            </a:p>
+          </p:txBody>
+        </p:sp>
+        <p:sp>
+          <p:nvSpPr>
+            <p:cNvPr id="7" name="Elipse 6">
+              <a:extLst>
+                <a:ext uri="{FF2B5EF4-FFF2-40B4-BE49-F238E27FC236}">
+                  <a16:creationId xmlns:a16="http://schemas.microsoft.com/office/drawing/2014/main" id="{DCDED79B-149F-2E5F-AC95-C2A5432E4B72}"/>
+                </a:ext>
+              </a:extLst>
+            </p:cNvPr>
+            <p:cNvSpPr/>
+            <p:nvPr/>
+          </p:nvSpPr>
+          <p:spPr>
+            <a:xfrm>
+              <a:off x="2007705" y="1441173"/>
+              <a:ext cx="1992796" cy="1994400"/>
+            </a:xfrm>
+            <a:prstGeom prst="ellipse">
+              <a:avLst/>
+            </a:prstGeom>
+            <a:solidFill>
+              <a:srgbClr val="FFC000"/>
+            </a:solidFill>
+            <a:ln w="28575">
+              <a:solidFill>
+                <a:schemeClr val="accent4"/>
+              </a:solidFill>
+            </a:ln>
+          </p:spPr>
+          <p:style>
+            <a:lnRef idx="2">
+              <a:schemeClr val="accent1">
+                <a:shade val="15000"/>
+              </a:schemeClr>
+            </a:lnRef>
+            <a:fillRef idx="1">
+              <a:schemeClr val="accent1"/>
+            </a:fillRef>
+            <a:effectRef idx="0">
+              <a:schemeClr val="accent1"/>
+            </a:effectRef>
+            <a:fontRef idx="minor">
+              <a:schemeClr val="lt1"/>
+            </a:fontRef>
+          </p:style>
+          <p:txBody>
+            <a:bodyPr rtlCol="0" anchor="ctr"/>
+            <a:lstStyle/>
+            <a:p>
+              <a:pPr algn="ctr"/>
+              <a:endParaRPr lang="es-ES" b="1">
+                <a:ln w="22225">
+                  <a:solidFill>
+                    <a:schemeClr val="accent2"/>
+                  </a:solidFill>
+                  <a:prstDash val="solid"/>
+                </a:ln>
+                <a:solidFill>
+                  <a:schemeClr val="accent2">
+                    <a:lumMod val="40000"/>
+                    <a:lumOff val="60000"/>
+                  </a:schemeClr>
+                </a:solidFill>
+              </a:endParaRPr>
+            </a:p>
+          </p:txBody>
+        </p:sp>
+        <p:sp>
+          <p:nvSpPr>
+            <p:cNvPr id="8" name="Elipse 7">
+              <a:extLst>
+                <a:ext uri="{FF2B5EF4-FFF2-40B4-BE49-F238E27FC236}">
+                  <a16:creationId xmlns:a16="http://schemas.microsoft.com/office/drawing/2014/main" id="{01E94869-4222-B74F-847A-C2A8AD8E3130}"/>
+                </a:ext>
+              </a:extLst>
+            </p:cNvPr>
+            <p:cNvSpPr/>
+            <p:nvPr/>
+          </p:nvSpPr>
+          <p:spPr>
+            <a:xfrm>
+              <a:off x="6094784" y="1434600"/>
+              <a:ext cx="1992796" cy="1994400"/>
+            </a:xfrm>
+            <a:prstGeom prst="ellipse">
+              <a:avLst/>
+            </a:prstGeom>
+            <a:solidFill>
+              <a:srgbClr val="FFC000"/>
+            </a:solidFill>
+            <a:ln w="28575">
+              <a:solidFill>
+                <a:schemeClr val="accent4"/>
+              </a:solidFill>
+            </a:ln>
+          </p:spPr>
+          <p:style>
+            <a:lnRef idx="2">
+              <a:schemeClr val="accent1">
+                <a:shade val="15000"/>
+              </a:schemeClr>
+            </a:lnRef>
+            <a:fillRef idx="1">
+              <a:schemeClr val="accent1"/>
+            </a:fillRef>
+            <a:effectRef idx="0">
+              <a:schemeClr val="accent1"/>
+            </a:effectRef>
+            <a:fontRef idx="minor">
+              <a:schemeClr val="lt1"/>
+            </a:fontRef>
+          </p:style>
+          <p:txBody>
+            <a:bodyPr rtlCol="0" anchor="ctr"/>
+            <a:lstStyle/>
+            <a:p>
+              <a:pPr algn="ctr"/>
+              <a:endParaRPr lang="es-ES" b="1">
+                <a:ln w="22225">
+                  <a:solidFill>
+                    <a:schemeClr val="accent2"/>
+                  </a:solidFill>
+                  <a:prstDash val="solid"/>
+                </a:ln>
+                <a:solidFill>
+                  <a:schemeClr val="accent2">
+                    <a:lumMod val="40000"/>
+                    <a:lumOff val="60000"/>
+                  </a:schemeClr>
+                </a:solidFill>
+              </a:endParaRPr>
+            </a:p>
+          </p:txBody>
+        </p:sp>
+        <p:sp>
+          <p:nvSpPr>
+            <p:cNvPr id="9" name="Elipse 8">
+              <a:extLst>
+                <a:ext uri="{FF2B5EF4-FFF2-40B4-BE49-F238E27FC236}">
+                  <a16:creationId xmlns:a16="http://schemas.microsoft.com/office/drawing/2014/main" id="{2D43B60C-FA5D-D2BB-DD59-37347A301CB0}"/>
+                </a:ext>
+              </a:extLst>
+            </p:cNvPr>
+            <p:cNvSpPr/>
+            <p:nvPr/>
+          </p:nvSpPr>
+          <p:spPr>
+            <a:xfrm>
+              <a:off x="4406842" y="3240156"/>
+              <a:ext cx="1281600" cy="1281600"/>
+            </a:xfrm>
+            <a:prstGeom prst="ellipse">
+              <a:avLst/>
+            </a:prstGeom>
+            <a:solidFill>
+              <a:srgbClr val="FFC000"/>
+            </a:solidFill>
+            <a:ln w="28575">
+              <a:solidFill>
+                <a:schemeClr val="accent4"/>
+              </a:solidFill>
+            </a:ln>
+          </p:spPr>
+          <p:style>
+            <a:lnRef idx="2">
+              <a:schemeClr val="accent1">
+                <a:shade val="15000"/>
+              </a:schemeClr>
+            </a:lnRef>
+            <a:fillRef idx="1">
+              <a:schemeClr val="accent1"/>
+            </a:fillRef>
+            <a:effectRef idx="0">
+              <a:schemeClr val="accent1"/>
+            </a:effectRef>
+            <a:fontRef idx="minor">
+              <a:schemeClr val="lt1"/>
+            </a:fontRef>
+          </p:style>
+          <p:txBody>
+            <a:bodyPr rtlCol="0" anchor="ctr"/>
+            <a:lstStyle/>
+            <a:p>
+              <a:pPr algn="ctr"/>
+              <a:endParaRPr lang="es-ES" b="1">
+                <a:ln w="22225">
+                  <a:solidFill>
+                    <a:schemeClr val="accent2"/>
+                  </a:solidFill>
+                  <a:prstDash val="solid"/>
+                </a:ln>
+                <a:solidFill>
+                  <a:schemeClr val="accent2">
+                    <a:lumMod val="40000"/>
+                    <a:lumOff val="60000"/>
+                  </a:schemeClr>
+                </a:solidFill>
+              </a:endParaRPr>
+            </a:p>
+          </p:txBody>
+        </p:sp>
+        <p:sp>
+          <p:nvSpPr>
+            <p:cNvPr id="10" name="CuadroTexto 9">
+              <a:extLst>
+                <a:ext uri="{FF2B5EF4-FFF2-40B4-BE49-F238E27FC236}">
+                  <a16:creationId xmlns:a16="http://schemas.microsoft.com/office/drawing/2014/main" id="{0EF470E7-7A7A-6008-DF3D-866310F77C0F}"/>
+                </a:ext>
+              </a:extLst>
+            </p:cNvPr>
+            <p:cNvSpPr txBox="1"/>
+            <p:nvPr/>
+          </p:nvSpPr>
+          <p:spPr>
+            <a:xfrm>
+              <a:off x="6288164" y="1609828"/>
+              <a:ext cx="1568286" cy="338554"/>
+            </a:xfrm>
+            <a:prstGeom prst="rect">
+              <a:avLst/>
+            </a:prstGeom>
+            <a:noFill/>
+          </p:spPr>
+          <p:txBody>
+            <a:bodyPr wrap="square" rtlCol="0">
+              <a:spAutoFit/>
+            </a:bodyPr>
+            <a:lstStyle/>
+            <a:p>
+              <a:pPr algn="ctr"/>
+              <a:r>
+                <a:rPr lang="es-ES" sz="1200" b="1" u="sng" dirty="0">
+                  <a:latin typeface="Geist Mono Bold" pitchFamily="2" charset="77"/>
+                  <a:ea typeface="Geist Mono Bold" pitchFamily="2" charset="77"/>
+                  <a:cs typeface="Geist Mono Bold" pitchFamily="2" charset="77"/>
+                </a:rPr>
+                <a:t>Leche</a:t>
+              </a:r>
+              <a:r>
+                <a:rPr lang="es-ES" sz="1600" b="1" u="sng" dirty="0">
+                  <a:latin typeface="Geist Mono Bold" pitchFamily="2" charset="77"/>
+                  <a:ea typeface="Geist Mono Bold" pitchFamily="2" charset="77"/>
+                  <a:cs typeface="Geist Mono Bold" pitchFamily="2" charset="77"/>
+                </a:rPr>
+                <a:t> </a:t>
+              </a:r>
+              <a:r>
+                <a:rPr lang="es-ES" sz="1200" b="1" u="sng" dirty="0">
+                  <a:latin typeface="Geist Mono Bold" pitchFamily="2" charset="77"/>
+                  <a:ea typeface="Geist Mono Bold" pitchFamily="2" charset="77"/>
+                  <a:cs typeface="Geist Mono Bold" pitchFamily="2" charset="77"/>
+                </a:rPr>
+                <a:t>&gt; 50</a:t>
+              </a:r>
+              <a:endParaRPr lang="es-ES" sz="1600" b="1" u="sng" dirty="0">
+                <a:latin typeface="Geist Mono Bold" pitchFamily="2" charset="77"/>
+                <a:ea typeface="Geist Mono Bold" pitchFamily="2" charset="77"/>
+                <a:cs typeface="Geist Mono Bold" pitchFamily="2" charset="77"/>
+              </a:endParaRPr>
+            </a:p>
+          </p:txBody>
+        </p:sp>
+        <p:sp>
+          <p:nvSpPr>
+            <p:cNvPr id="11" name="CuadroTexto 10">
+              <a:extLst>
+                <a:ext uri="{FF2B5EF4-FFF2-40B4-BE49-F238E27FC236}">
+                  <a16:creationId xmlns:a16="http://schemas.microsoft.com/office/drawing/2014/main" id="{2C1752B6-F13C-EDFC-9B41-14A4895807CD}"/>
+                </a:ext>
+              </a:extLst>
+            </p:cNvPr>
+            <p:cNvSpPr txBox="1"/>
+            <p:nvPr/>
+          </p:nvSpPr>
+          <p:spPr>
+            <a:xfrm>
+              <a:off x="2219960" y="1671383"/>
+              <a:ext cx="1568286" cy="276999"/>
+            </a:xfrm>
+            <a:prstGeom prst="rect">
+              <a:avLst/>
+            </a:prstGeom>
+            <a:noFill/>
+          </p:spPr>
+          <p:txBody>
+            <a:bodyPr wrap="square" rtlCol="0">
+              <a:spAutoFit/>
+            </a:bodyPr>
+            <a:lstStyle>
+              <a:defPPr>
+                <a:defRPr lang="es-ES"/>
+              </a:defPPr>
+              <a:lvl1pPr algn="ctr">
+                <a:defRPr sz="1200">
+                  <a:latin typeface="Geist Mono" pitchFamily="2" charset="77"/>
+                  <a:ea typeface="Geist Mono" pitchFamily="2" charset="77"/>
+                  <a:cs typeface="Geist Mono" pitchFamily="2" charset="77"/>
+                </a:defRPr>
+              </a:lvl1pPr>
+            </a:lstStyle>
+            <a:p>
+              <a:r>
+                <a:rPr lang="es-ES" b="1" u="sng" dirty="0"/>
+                <a:t>Leche &lt; 50</a:t>
+              </a:r>
+            </a:p>
+          </p:txBody>
+        </p:sp>
+        <p:sp>
+          <p:nvSpPr>
+            <p:cNvPr id="12" name="CuadroTexto 11">
+              <a:extLst>
+                <a:ext uri="{FF2B5EF4-FFF2-40B4-BE49-F238E27FC236}">
+                  <a16:creationId xmlns:a16="http://schemas.microsoft.com/office/drawing/2014/main" id="{8BC6A849-E8C2-DD36-3F2E-90CB86841AA9}"/>
+                </a:ext>
+              </a:extLst>
+            </p:cNvPr>
+            <p:cNvSpPr txBox="1"/>
+            <p:nvPr/>
+          </p:nvSpPr>
+          <p:spPr>
+            <a:xfrm>
+              <a:off x="4263499" y="3460264"/>
+              <a:ext cx="1568286" cy="276999"/>
+            </a:xfrm>
+            <a:prstGeom prst="rect">
+              <a:avLst/>
+            </a:prstGeom>
+            <a:noFill/>
+          </p:spPr>
+          <p:txBody>
+            <a:bodyPr wrap="square" rtlCol="0">
+              <a:spAutoFit/>
+            </a:bodyPr>
+            <a:lstStyle/>
+            <a:p>
+              <a:pPr algn="ctr"/>
+              <a:r>
+                <a:rPr lang="es-ES" sz="1200" b="1" u="sng" dirty="0">
+                  <a:latin typeface="Geist Mono Bold" pitchFamily="2" charset="77"/>
+                  <a:ea typeface="Geist Mono Bold" pitchFamily="2" charset="77"/>
+                  <a:cs typeface="Geist Mono Bold" pitchFamily="2" charset="77"/>
+                </a:rPr>
+                <a:t>Leche == 50</a:t>
+              </a:r>
+            </a:p>
+          </p:txBody>
+        </p:sp>
+        <p:sp>
+          <p:nvSpPr>
+            <p:cNvPr id="16" name="CuadroTexto 15">
+              <a:extLst>
+                <a:ext uri="{FF2B5EF4-FFF2-40B4-BE49-F238E27FC236}">
+                  <a16:creationId xmlns:a16="http://schemas.microsoft.com/office/drawing/2014/main" id="{622671BE-62B7-61A0-AAEB-EC7813914B41}"/>
+                </a:ext>
+              </a:extLst>
+            </p:cNvPr>
+            <p:cNvSpPr txBox="1"/>
+            <p:nvPr/>
+          </p:nvSpPr>
+          <p:spPr>
+            <a:xfrm>
+              <a:off x="6298057" y="2076593"/>
+              <a:ext cx="407494" cy="276999"/>
+            </a:xfrm>
+            <a:prstGeom prst="rect">
+              <a:avLst/>
+            </a:prstGeom>
+            <a:noFill/>
+          </p:spPr>
+          <p:txBody>
+            <a:bodyPr wrap="square" rtlCol="0">
+              <a:spAutoFit/>
+            </a:bodyPr>
+            <a:lstStyle>
+              <a:defPPr>
+                <a:defRPr lang="es-ES"/>
+              </a:defPPr>
+              <a:lvl1pPr algn="ctr">
+                <a:defRPr sz="1200" b="1">
+                  <a:latin typeface="Geist Mono Bold" pitchFamily="2" charset="77"/>
+                  <a:ea typeface="Geist Mono Bold" pitchFamily="2" charset="77"/>
+                  <a:cs typeface="Geist Mono Bold" pitchFamily="2" charset="77"/>
+                </a:defRPr>
+              </a:lvl1pPr>
+            </a:lstStyle>
+            <a:p>
+              <a:r>
+                <a:rPr lang="es-ES" b="0" dirty="0"/>
+                <a:t>78</a:t>
+              </a:r>
+            </a:p>
+          </p:txBody>
+        </p:sp>
+        <p:sp>
+          <p:nvSpPr>
+            <p:cNvPr id="17" name="CuadroTexto 16">
+              <a:extLst>
+                <a:ext uri="{FF2B5EF4-FFF2-40B4-BE49-F238E27FC236}">
+                  <a16:creationId xmlns:a16="http://schemas.microsoft.com/office/drawing/2014/main" id="{BF716E11-050B-A6DB-2756-FE7115371F67}"/>
+                </a:ext>
+              </a:extLst>
+            </p:cNvPr>
+            <p:cNvSpPr txBox="1"/>
+            <p:nvPr/>
+          </p:nvSpPr>
+          <p:spPr>
+            <a:xfrm>
+              <a:off x="6708548" y="2413278"/>
+              <a:ext cx="612868" cy="276999"/>
+            </a:xfrm>
+            <a:prstGeom prst="rect">
+              <a:avLst/>
+            </a:prstGeom>
+            <a:noFill/>
+          </p:spPr>
+          <p:txBody>
+            <a:bodyPr wrap="square" rtlCol="0">
+              <a:spAutoFit/>
+            </a:bodyPr>
+            <a:lstStyle>
+              <a:defPPr>
+                <a:defRPr lang="es-ES"/>
+              </a:defPPr>
+              <a:lvl1pPr algn="ctr">
+                <a:defRPr sz="1200" b="1">
+                  <a:latin typeface="Geist Mono Bold" pitchFamily="2" charset="77"/>
+                  <a:ea typeface="Geist Mono Bold" pitchFamily="2" charset="77"/>
+                  <a:cs typeface="Geist Mono Bold" pitchFamily="2" charset="77"/>
+                </a:defRPr>
+              </a:lvl1pPr>
+            </a:lstStyle>
+            <a:p>
+              <a:r>
+                <a:rPr lang="es-ES" b="0" dirty="0"/>
+                <a:t>190</a:t>
+              </a:r>
+            </a:p>
+          </p:txBody>
+        </p:sp>
+        <p:sp>
+          <p:nvSpPr>
+            <p:cNvPr id="18" name="CuadroTexto 17">
+              <a:extLst>
+                <a:ext uri="{FF2B5EF4-FFF2-40B4-BE49-F238E27FC236}">
+                  <a16:creationId xmlns:a16="http://schemas.microsoft.com/office/drawing/2014/main" id="{070ECAC8-6081-3286-9BB1-CE48F5052A04}"/>
+                </a:ext>
+              </a:extLst>
+            </p:cNvPr>
+            <p:cNvSpPr txBox="1"/>
+            <p:nvPr/>
+          </p:nvSpPr>
+          <p:spPr>
+            <a:xfrm>
+              <a:off x="6731152" y="2833949"/>
+              <a:ext cx="407494" cy="276999"/>
+            </a:xfrm>
+            <a:prstGeom prst="rect">
+              <a:avLst/>
+            </a:prstGeom>
+            <a:noFill/>
+          </p:spPr>
+          <p:txBody>
+            <a:bodyPr wrap="square" rtlCol="0">
+              <a:spAutoFit/>
+            </a:bodyPr>
+            <a:lstStyle>
+              <a:defPPr>
+                <a:defRPr lang="es-ES"/>
+              </a:defPPr>
+              <a:lvl1pPr algn="ctr">
+                <a:defRPr sz="1200" b="1">
+                  <a:latin typeface="Geist Mono Bold" pitchFamily="2" charset="77"/>
+                  <a:ea typeface="Geist Mono Bold" pitchFamily="2" charset="77"/>
+                  <a:cs typeface="Geist Mono Bold" pitchFamily="2" charset="77"/>
+                </a:defRPr>
+              </a:lvl1pPr>
+            </a:lstStyle>
+            <a:p>
+              <a:r>
+                <a:rPr lang="es-ES" b="0" dirty="0"/>
+                <a:t>89</a:t>
+              </a:r>
+            </a:p>
+          </p:txBody>
+        </p:sp>
+        <p:sp>
+          <p:nvSpPr>
+            <p:cNvPr id="19" name="CuadroTexto 18">
+              <a:extLst>
+                <a:ext uri="{FF2B5EF4-FFF2-40B4-BE49-F238E27FC236}">
+                  <a16:creationId xmlns:a16="http://schemas.microsoft.com/office/drawing/2014/main" id="{161574EA-0369-22A7-3D9D-A6EF357C70A1}"/>
+                </a:ext>
+              </a:extLst>
+            </p:cNvPr>
+            <p:cNvSpPr txBox="1"/>
+            <p:nvPr/>
+          </p:nvSpPr>
+          <p:spPr>
+            <a:xfrm>
+              <a:off x="7370226" y="2513162"/>
+              <a:ext cx="407494" cy="276999"/>
+            </a:xfrm>
+            <a:prstGeom prst="rect">
+              <a:avLst/>
+            </a:prstGeom>
+            <a:noFill/>
+          </p:spPr>
+          <p:txBody>
+            <a:bodyPr wrap="square" rtlCol="0">
+              <a:spAutoFit/>
+            </a:bodyPr>
+            <a:lstStyle>
+              <a:defPPr>
+                <a:defRPr lang="es-ES"/>
+              </a:defPPr>
+              <a:lvl1pPr algn="ctr">
+                <a:defRPr sz="1200" b="1">
+                  <a:latin typeface="Geist Mono Bold" pitchFamily="2" charset="77"/>
+                  <a:ea typeface="Geist Mono Bold" pitchFamily="2" charset="77"/>
+                  <a:cs typeface="Geist Mono Bold" pitchFamily="2" charset="77"/>
+                </a:defRPr>
+              </a:lvl1pPr>
+            </a:lstStyle>
+            <a:p>
+              <a:r>
+                <a:rPr lang="es-ES" b="0" dirty="0"/>
+                <a:t>67</a:t>
+              </a:r>
+            </a:p>
+          </p:txBody>
+        </p:sp>
+        <p:sp>
+          <p:nvSpPr>
+            <p:cNvPr id="20" name="CuadroTexto 19">
+              <a:extLst>
+                <a:ext uri="{FF2B5EF4-FFF2-40B4-BE49-F238E27FC236}">
+                  <a16:creationId xmlns:a16="http://schemas.microsoft.com/office/drawing/2014/main" id="{A57197F2-3277-5BA7-0BF1-497C76776A8A}"/>
+                </a:ext>
+              </a:extLst>
+            </p:cNvPr>
+            <p:cNvSpPr txBox="1"/>
+            <p:nvPr/>
+          </p:nvSpPr>
+          <p:spPr>
+            <a:xfrm>
+              <a:off x="7319315" y="2011275"/>
+              <a:ext cx="407494" cy="276999"/>
+            </a:xfrm>
+            <a:prstGeom prst="rect">
+              <a:avLst/>
+            </a:prstGeom>
+            <a:noFill/>
+          </p:spPr>
+          <p:txBody>
+            <a:bodyPr wrap="square" rtlCol="0">
+              <a:spAutoFit/>
+            </a:bodyPr>
+            <a:lstStyle>
+              <a:defPPr>
+                <a:defRPr lang="es-ES"/>
+              </a:defPPr>
+              <a:lvl1pPr algn="ctr">
+                <a:defRPr sz="1200" b="1">
+                  <a:latin typeface="Geist Mono Bold" pitchFamily="2" charset="77"/>
+                  <a:ea typeface="Geist Mono Bold" pitchFamily="2" charset="77"/>
+                  <a:cs typeface="Geist Mono Bold" pitchFamily="2" charset="77"/>
+                </a:defRPr>
+              </a:lvl1pPr>
+            </a:lstStyle>
+            <a:p>
+              <a:r>
+                <a:rPr lang="es-ES" b="0" dirty="0"/>
+                <a:t>51</a:t>
+              </a:r>
+            </a:p>
+          </p:txBody>
+        </p:sp>
+        <p:sp>
+          <p:nvSpPr>
+            <p:cNvPr id="21" name="CuadroTexto 20">
+              <a:extLst>
+                <a:ext uri="{FF2B5EF4-FFF2-40B4-BE49-F238E27FC236}">
+                  <a16:creationId xmlns:a16="http://schemas.microsoft.com/office/drawing/2014/main" id="{8821A51A-ABDD-CC8A-2737-EEB63EB6CFE5}"/>
+                </a:ext>
+              </a:extLst>
+            </p:cNvPr>
+            <p:cNvSpPr txBox="1"/>
+            <p:nvPr/>
+          </p:nvSpPr>
+          <p:spPr>
+            <a:xfrm>
+              <a:off x="4518140" y="3818871"/>
+              <a:ext cx="407494" cy="276999"/>
+            </a:xfrm>
+            <a:prstGeom prst="rect">
+              <a:avLst/>
+            </a:prstGeom>
+            <a:noFill/>
+          </p:spPr>
+          <p:txBody>
+            <a:bodyPr wrap="square" rtlCol="0">
+              <a:spAutoFit/>
+            </a:bodyPr>
+            <a:lstStyle>
+              <a:defPPr>
+                <a:defRPr lang="es-ES"/>
+              </a:defPPr>
+              <a:lvl1pPr algn="ctr">
+                <a:defRPr sz="1200" b="1">
+                  <a:latin typeface="Geist Mono Bold" pitchFamily="2" charset="77"/>
+                  <a:ea typeface="Geist Mono Bold" pitchFamily="2" charset="77"/>
+                  <a:cs typeface="Geist Mono Bold" pitchFamily="2" charset="77"/>
+                </a:defRPr>
+              </a:lvl1pPr>
+            </a:lstStyle>
+            <a:p>
+              <a:r>
+                <a:rPr lang="es-ES" b="0" dirty="0"/>
+                <a:t>50</a:t>
+              </a:r>
+            </a:p>
+          </p:txBody>
+        </p:sp>
+        <p:sp>
+          <p:nvSpPr>
+            <p:cNvPr id="22" name="CuadroTexto 21">
+              <a:extLst>
+                <a:ext uri="{FF2B5EF4-FFF2-40B4-BE49-F238E27FC236}">
+                  <a16:creationId xmlns:a16="http://schemas.microsoft.com/office/drawing/2014/main" id="{C05940D1-B72E-3E58-18E7-8D77004C2505}"/>
+                </a:ext>
+              </a:extLst>
+            </p:cNvPr>
+            <p:cNvSpPr txBox="1"/>
+            <p:nvPr/>
+          </p:nvSpPr>
+          <p:spPr>
+            <a:xfrm>
+              <a:off x="4951518" y="3912313"/>
+              <a:ext cx="569388" cy="276999"/>
+            </a:xfrm>
+            <a:prstGeom prst="rect">
+              <a:avLst/>
+            </a:prstGeom>
+            <a:noFill/>
+          </p:spPr>
+          <p:txBody>
+            <a:bodyPr wrap="square" rtlCol="0">
+              <a:spAutoFit/>
+            </a:bodyPr>
+            <a:lstStyle>
+              <a:defPPr>
+                <a:defRPr lang="es-ES"/>
+              </a:defPPr>
+              <a:lvl1pPr algn="ctr">
+                <a:defRPr sz="1200" b="1">
+                  <a:latin typeface="Geist Mono Bold" pitchFamily="2" charset="77"/>
+                  <a:ea typeface="Geist Mono Bold" pitchFamily="2" charset="77"/>
+                  <a:cs typeface="Geist Mono Bold" pitchFamily="2" charset="77"/>
+                </a:defRPr>
+              </a:lvl1pPr>
+            </a:lstStyle>
+            <a:p>
+              <a:r>
+                <a:rPr lang="es-ES" b="0" dirty="0"/>
+                <a:t>50.0</a:t>
+              </a:r>
+            </a:p>
+          </p:txBody>
+        </p:sp>
+        <p:sp>
+          <p:nvSpPr>
+            <p:cNvPr id="23" name="CuadroTexto 22">
+              <a:extLst>
+                <a:ext uri="{FF2B5EF4-FFF2-40B4-BE49-F238E27FC236}">
+                  <a16:creationId xmlns:a16="http://schemas.microsoft.com/office/drawing/2014/main" id="{82F2C361-80FC-7A5C-5BBA-2921CBC088A6}"/>
+                </a:ext>
+              </a:extLst>
+            </p:cNvPr>
+            <p:cNvSpPr txBox="1"/>
+            <p:nvPr/>
+          </p:nvSpPr>
+          <p:spPr>
+            <a:xfrm>
+              <a:off x="2213975" y="2136279"/>
+              <a:ext cx="407494" cy="276999"/>
+            </a:xfrm>
+            <a:prstGeom prst="rect">
+              <a:avLst/>
+            </a:prstGeom>
+            <a:noFill/>
+          </p:spPr>
+          <p:txBody>
+            <a:bodyPr wrap="square" rtlCol="0">
+              <a:spAutoFit/>
+            </a:bodyPr>
+            <a:lstStyle>
+              <a:defPPr>
+                <a:defRPr lang="es-ES"/>
+              </a:defPPr>
+              <a:lvl1pPr algn="ctr">
+                <a:defRPr sz="1200" b="1">
+                  <a:latin typeface="Geist Mono Bold" pitchFamily="2" charset="77"/>
+                  <a:ea typeface="Geist Mono Bold" pitchFamily="2" charset="77"/>
+                  <a:cs typeface="Geist Mono Bold" pitchFamily="2" charset="77"/>
+                </a:defRPr>
+              </a:lvl1pPr>
+            </a:lstStyle>
+            <a:p>
+              <a:r>
+                <a:rPr lang="es-ES" b="0" dirty="0"/>
+                <a:t>49</a:t>
+              </a:r>
+            </a:p>
+          </p:txBody>
+        </p:sp>
+        <p:sp>
+          <p:nvSpPr>
+            <p:cNvPr id="24" name="CuadroTexto 23">
+              <a:extLst>
+                <a:ext uri="{FF2B5EF4-FFF2-40B4-BE49-F238E27FC236}">
+                  <a16:creationId xmlns:a16="http://schemas.microsoft.com/office/drawing/2014/main" id="{F9984436-D1F8-9EB5-B69B-DAD14C38A722}"/>
+                </a:ext>
+              </a:extLst>
+            </p:cNvPr>
+            <p:cNvSpPr txBox="1"/>
+            <p:nvPr/>
+          </p:nvSpPr>
+          <p:spPr>
+            <a:xfrm>
+              <a:off x="2695365" y="2359623"/>
+              <a:ext cx="407494" cy="276999"/>
+            </a:xfrm>
+            <a:prstGeom prst="rect">
+              <a:avLst/>
+            </a:prstGeom>
+            <a:noFill/>
+          </p:spPr>
+          <p:txBody>
+            <a:bodyPr wrap="square" rtlCol="0">
+              <a:spAutoFit/>
+            </a:bodyPr>
+            <a:lstStyle>
+              <a:defPPr>
+                <a:defRPr lang="es-ES"/>
+              </a:defPPr>
+              <a:lvl1pPr algn="ctr">
+                <a:defRPr sz="1200" b="1">
+                  <a:latin typeface="Geist Mono Bold" pitchFamily="2" charset="77"/>
+                  <a:ea typeface="Geist Mono Bold" pitchFamily="2" charset="77"/>
+                  <a:cs typeface="Geist Mono Bold" pitchFamily="2" charset="77"/>
+                </a:defRPr>
+              </a:lvl1pPr>
+            </a:lstStyle>
+            <a:p>
+              <a:r>
+                <a:rPr lang="es-ES" b="0" dirty="0"/>
+                <a:t>9</a:t>
+              </a:r>
+            </a:p>
+          </p:txBody>
+        </p:sp>
+        <p:sp>
+          <p:nvSpPr>
+            <p:cNvPr id="25" name="CuadroTexto 24">
+              <a:extLst>
+                <a:ext uri="{FF2B5EF4-FFF2-40B4-BE49-F238E27FC236}">
+                  <a16:creationId xmlns:a16="http://schemas.microsoft.com/office/drawing/2014/main" id="{D319A526-80E2-C556-C388-A9073402E0FD}"/>
+                </a:ext>
+              </a:extLst>
+            </p:cNvPr>
+            <p:cNvSpPr txBox="1"/>
+            <p:nvPr/>
+          </p:nvSpPr>
+          <p:spPr>
+            <a:xfrm>
+              <a:off x="2556770" y="2785926"/>
+              <a:ext cx="407494" cy="276999"/>
+            </a:xfrm>
+            <a:prstGeom prst="rect">
+              <a:avLst/>
+            </a:prstGeom>
+            <a:noFill/>
+          </p:spPr>
+          <p:txBody>
+            <a:bodyPr wrap="square" rtlCol="0">
+              <a:spAutoFit/>
+            </a:bodyPr>
+            <a:lstStyle>
+              <a:defPPr>
+                <a:defRPr lang="es-ES"/>
+              </a:defPPr>
+              <a:lvl1pPr algn="ctr">
+                <a:defRPr sz="1200" b="1">
+                  <a:latin typeface="Geist Mono Bold" pitchFamily="2" charset="77"/>
+                  <a:ea typeface="Geist Mono Bold" pitchFamily="2" charset="77"/>
+                  <a:cs typeface="Geist Mono Bold" pitchFamily="2" charset="77"/>
+                </a:defRPr>
+              </a:lvl1pPr>
+            </a:lstStyle>
+            <a:p>
+              <a:r>
+                <a:rPr lang="es-ES" b="0" dirty="0"/>
+                <a:t>12</a:t>
+              </a:r>
+            </a:p>
+          </p:txBody>
+        </p:sp>
+        <p:sp>
+          <p:nvSpPr>
+            <p:cNvPr id="26" name="CuadroTexto 25">
+              <a:extLst>
+                <a:ext uri="{FF2B5EF4-FFF2-40B4-BE49-F238E27FC236}">
+                  <a16:creationId xmlns:a16="http://schemas.microsoft.com/office/drawing/2014/main" id="{023CA5E5-4687-8D04-55C1-F493ABCFBE19}"/>
+                </a:ext>
+              </a:extLst>
+            </p:cNvPr>
+            <p:cNvSpPr txBox="1"/>
+            <p:nvPr/>
+          </p:nvSpPr>
+          <p:spPr>
+            <a:xfrm>
+              <a:off x="3176762" y="2759703"/>
+              <a:ext cx="407494" cy="276999"/>
+            </a:xfrm>
+            <a:prstGeom prst="rect">
+              <a:avLst/>
+            </a:prstGeom>
+            <a:noFill/>
+          </p:spPr>
+          <p:txBody>
+            <a:bodyPr wrap="square" rtlCol="0">
+              <a:spAutoFit/>
+            </a:bodyPr>
+            <a:lstStyle>
+              <a:defPPr>
+                <a:defRPr lang="es-ES"/>
+              </a:defPPr>
+              <a:lvl1pPr algn="ctr">
+                <a:defRPr sz="1200" b="1">
+                  <a:latin typeface="Geist Mono Bold" pitchFamily="2" charset="77"/>
+                  <a:ea typeface="Geist Mono Bold" pitchFamily="2" charset="77"/>
+                  <a:cs typeface="Geist Mono Bold" pitchFamily="2" charset="77"/>
+                </a:defRPr>
+              </a:lvl1pPr>
+            </a:lstStyle>
+            <a:p>
+              <a:r>
+                <a:rPr lang="es-ES" b="0" dirty="0"/>
+                <a:t>32</a:t>
+              </a:r>
+            </a:p>
+          </p:txBody>
+        </p:sp>
+        <p:sp>
+          <p:nvSpPr>
+            <p:cNvPr id="27" name="CuadroTexto 26">
+              <a:extLst>
+                <a:ext uri="{FF2B5EF4-FFF2-40B4-BE49-F238E27FC236}">
+                  <a16:creationId xmlns:a16="http://schemas.microsoft.com/office/drawing/2014/main" id="{21970FE6-FC51-8E8C-4653-EE75FE1981D7}"/>
+                </a:ext>
+              </a:extLst>
+            </p:cNvPr>
+            <p:cNvSpPr txBox="1"/>
+            <p:nvPr/>
+          </p:nvSpPr>
+          <p:spPr>
+            <a:xfrm>
+              <a:off x="3187881" y="2137036"/>
+              <a:ext cx="407494" cy="276999"/>
+            </a:xfrm>
+            <a:prstGeom prst="rect">
+              <a:avLst/>
+            </a:prstGeom>
+            <a:noFill/>
+          </p:spPr>
+          <p:txBody>
+            <a:bodyPr wrap="square" rtlCol="0">
+              <a:spAutoFit/>
+            </a:bodyPr>
+            <a:lstStyle>
+              <a:defPPr>
+                <a:defRPr lang="es-ES"/>
+              </a:defPPr>
+              <a:lvl1pPr algn="ctr">
+                <a:defRPr sz="1200" b="1">
+                  <a:latin typeface="Geist Mono Bold" pitchFamily="2" charset="77"/>
+                  <a:ea typeface="Geist Mono Bold" pitchFamily="2" charset="77"/>
+                  <a:cs typeface="Geist Mono Bold" pitchFamily="2" charset="77"/>
+                </a:defRPr>
+              </a:lvl1pPr>
+            </a:lstStyle>
+            <a:p>
+              <a:r>
+                <a:rPr lang="es-ES" b="0" dirty="0"/>
+                <a:t>45</a:t>
+              </a:r>
+            </a:p>
+          </p:txBody>
+        </p:sp>
+      </p:grpSp>
+    </p:spTree>
+    <p:extLst>
+      <p:ext uri="{BB962C8B-B14F-4D97-AF65-F5344CB8AC3E}">
+        <p14:creationId xmlns:p14="http://schemas.microsoft.com/office/powerpoint/2010/main" val="950291340"/>
+      </p:ext>
+    </p:extLst>
+  </p:cSld>
+  <p:clrMapOvr>
+    <a:masterClrMapping/>
+  </p:clrMapOvr>
+</p:sld>
+</file>
+
+<file path=ppt/slides/slide7.xml><?xml version="1.0" encoding="utf-8"?>
+<p:sld xmlns:a="http://schemas.openxmlformats.org/drawingml/2006/main" xmlns:r="http://schemas.openxmlformats.org/officeDocument/2006/relationships" xmlns:p="http://schemas.openxmlformats.org/presentationml/2006/main">
+  <p:cSld>
+    <p:spTree>
+      <p:nvGrpSpPr>
+        <p:cNvPr id="1" name=""/>
+        <p:cNvGrpSpPr/>
+        <p:nvPr/>
+      </p:nvGrpSpPr>
+      <p:grpSpPr>
+        <a:xfrm>
+          <a:off x="0" y="0"/>
+          <a:ext cx="0" cy="0"/>
+          <a:chOff x="0" y="0"/>
+          <a:chExt cx="0" cy="0"/>
+        </a:xfrm>
+      </p:grpSpPr>
+      <p:grpSp>
+        <p:nvGrpSpPr>
+          <p:cNvPr id="46" name="Grupo 45">
+            <a:extLst>
+              <a:ext uri="{FF2B5EF4-FFF2-40B4-BE49-F238E27FC236}">
+                <a16:creationId xmlns:a16="http://schemas.microsoft.com/office/drawing/2014/main" id="{ADB1C12F-B28E-926B-5A80-D2B9BEC2AF57}"/>
+              </a:ext>
+            </a:extLst>
+          </p:cNvPr>
+          <p:cNvGrpSpPr/>
+          <p:nvPr/>
+        </p:nvGrpSpPr>
+        <p:grpSpPr>
+          <a:xfrm>
+            <a:off x="198408" y="370936"/>
+            <a:ext cx="11921705" cy="5615796"/>
+            <a:chOff x="198408" y="370936"/>
+            <a:chExt cx="11921705" cy="5615796"/>
+          </a:xfrm>
+        </p:grpSpPr>
+        <p:sp>
+          <p:nvSpPr>
+            <p:cNvPr id="45" name="Rectángulo 44">
+              <a:extLst>
+                <a:ext uri="{FF2B5EF4-FFF2-40B4-BE49-F238E27FC236}">
+                  <a16:creationId xmlns:a16="http://schemas.microsoft.com/office/drawing/2014/main" id="{96AFE606-893E-8C5D-907B-7FADF1A41DAB}"/>
+                </a:ext>
+              </a:extLst>
+            </p:cNvPr>
+            <p:cNvSpPr/>
+            <p:nvPr/>
+          </p:nvSpPr>
+          <p:spPr>
+            <a:xfrm>
+              <a:off x="198408" y="370936"/>
+              <a:ext cx="11921705" cy="5615796"/>
+            </a:xfrm>
+            <a:prstGeom prst="rect">
+              <a:avLst/>
+            </a:prstGeom>
+            <a:solidFill>
+              <a:schemeClr val="bg1"/>
+            </a:solidFill>
+            <a:ln>
+              <a:noFill/>
+            </a:ln>
+          </p:spPr>
+          <p:style>
+            <a:lnRef idx="2">
+              <a:schemeClr val="accent1">
+                <a:shade val="15000"/>
+              </a:schemeClr>
+            </a:lnRef>
+            <a:fillRef idx="1">
+              <a:schemeClr val="accent1"/>
+            </a:fillRef>
+            <a:effectRef idx="0">
+              <a:schemeClr val="accent1"/>
+            </a:effectRef>
+            <a:fontRef idx="minor">
+              <a:schemeClr val="lt1"/>
+            </a:fontRef>
+          </p:style>
+          <p:txBody>
+            <a:bodyPr rtlCol="0" anchor="ctr"/>
+            <a:lstStyle/>
+            <a:p>
+              <a:pPr algn="ctr"/>
+              <a:endParaRPr lang="es-ES"/>
+            </a:p>
+          </p:txBody>
+        </p:sp>
+        <p:grpSp>
+          <p:nvGrpSpPr>
+            <p:cNvPr id="30" name="Grupo 29">
+              <a:extLst>
+                <a:ext uri="{FF2B5EF4-FFF2-40B4-BE49-F238E27FC236}">
+                  <a16:creationId xmlns:a16="http://schemas.microsoft.com/office/drawing/2014/main" id="{F359BCE0-19BD-5786-7324-C31D3F80115B}"/>
+                </a:ext>
+              </a:extLst>
+            </p:cNvPr>
+            <p:cNvGrpSpPr/>
+            <p:nvPr/>
+          </p:nvGrpSpPr>
+          <p:grpSpPr>
+            <a:xfrm>
+              <a:off x="357995" y="1049547"/>
+              <a:ext cx="11583840" cy="707886"/>
+              <a:chOff x="205595" y="2311879"/>
+              <a:chExt cx="11583840" cy="707886"/>
+            </a:xfrm>
+          </p:grpSpPr>
+          <p:sp>
+            <p:nvSpPr>
+              <p:cNvPr id="31" name="CuadroTexto 30">
+                <a:extLst>
+                  <a:ext uri="{FF2B5EF4-FFF2-40B4-BE49-F238E27FC236}">
+                    <a16:creationId xmlns:a16="http://schemas.microsoft.com/office/drawing/2014/main" id="{7CEE851D-9350-BD2D-FF91-574FB10480C4}"/>
+                  </a:ext>
+                </a:extLst>
+              </p:cNvPr>
+              <p:cNvSpPr txBox="1"/>
+              <p:nvPr/>
+            </p:nvSpPr>
+            <p:spPr>
+              <a:xfrm>
+                <a:off x="205595" y="2311879"/>
+                <a:ext cx="457200" cy="707886"/>
+              </a:xfrm>
+              <a:prstGeom prst="rect">
+                <a:avLst/>
+              </a:prstGeom>
+              <a:solidFill>
+                <a:srgbClr val="FFC000"/>
+              </a:solidFill>
+              <a:ln w="19050">
+                <a:solidFill>
+                  <a:schemeClr val="tx1"/>
+                </a:solidFill>
+              </a:ln>
+            </p:spPr>
+            <p:txBody>
+              <a:bodyPr wrap="square" rtlCol="0">
+                <a:spAutoFit/>
+              </a:bodyPr>
+              <a:lstStyle/>
+              <a:p>
+                <a:r>
+                  <a:rPr lang="es-ES" sz="4000" dirty="0">
+                    <a:latin typeface="Geist Mono" pitchFamily="2" charset="77"/>
+                    <a:ea typeface="Geist Mono" pitchFamily="2" charset="77"/>
+                    <a:cs typeface="Geist Mono" pitchFamily="2" charset="77"/>
+                  </a:rPr>
+                  <a:t>[</a:t>
+                </a:r>
+              </a:p>
+            </p:txBody>
+          </p:sp>
+          <p:sp>
+            <p:nvSpPr>
+              <p:cNvPr id="32" name="CuadroTexto 31">
+                <a:extLst>
+                  <a:ext uri="{FF2B5EF4-FFF2-40B4-BE49-F238E27FC236}">
+                    <a16:creationId xmlns:a16="http://schemas.microsoft.com/office/drawing/2014/main" id="{589F276B-358E-56C0-76D7-77F946B844A2}"/>
+                  </a:ext>
+                </a:extLst>
+              </p:cNvPr>
+              <p:cNvSpPr txBox="1"/>
+              <p:nvPr/>
+            </p:nvSpPr>
+            <p:spPr>
+              <a:xfrm>
+                <a:off x="11332235" y="2311879"/>
+                <a:ext cx="457200" cy="707886"/>
+              </a:xfrm>
+              <a:prstGeom prst="rect">
+                <a:avLst/>
+              </a:prstGeom>
+              <a:solidFill>
+                <a:srgbClr val="FFC000"/>
+              </a:solidFill>
+              <a:ln w="19050">
+                <a:solidFill>
+                  <a:schemeClr val="tx1"/>
+                </a:solidFill>
+              </a:ln>
+            </p:spPr>
+            <p:txBody>
+              <a:bodyPr wrap="square" rtlCol="0">
+                <a:spAutoFit/>
+              </a:bodyPr>
+              <a:lstStyle>
+                <a:defPPr>
+                  <a:defRPr lang="es-ES"/>
+                </a:defPPr>
+                <a:lvl1pPr>
+                  <a:defRPr sz="4000"/>
+                </a:lvl1pPr>
+              </a:lstStyle>
+              <a:p>
+                <a:r>
+                  <a:rPr lang="es-ES" dirty="0">
+                    <a:latin typeface="Geist Mono" pitchFamily="2" charset="77"/>
+                    <a:ea typeface="Geist Mono" pitchFamily="2" charset="77"/>
+                    <a:cs typeface="Geist Mono" pitchFamily="2" charset="77"/>
+                  </a:rPr>
+                  <a:t>]</a:t>
+                </a:r>
+              </a:p>
+            </p:txBody>
+          </p:sp>
+          <p:sp>
+            <p:nvSpPr>
+              <p:cNvPr id="33" name="CuadroTexto 32">
+                <a:extLst>
+                  <a:ext uri="{FF2B5EF4-FFF2-40B4-BE49-F238E27FC236}">
+                    <a16:creationId xmlns:a16="http://schemas.microsoft.com/office/drawing/2014/main" id="{ACEA0A6D-34BD-326B-2C47-9AF0AFD8063D}"/>
+                  </a:ext>
+                </a:extLst>
+              </p:cNvPr>
+              <p:cNvSpPr txBox="1"/>
+              <p:nvPr/>
+            </p:nvSpPr>
+            <p:spPr>
+              <a:xfrm>
+                <a:off x="736839" y="2441274"/>
+                <a:ext cx="5289430" cy="400110"/>
+              </a:xfrm>
+              <a:prstGeom prst="rect">
+                <a:avLst/>
+              </a:prstGeom>
+              <a:solidFill>
+                <a:schemeClr val="accent5">
+                  <a:lumMod val="20000"/>
+                  <a:lumOff val="80000"/>
+                </a:schemeClr>
+              </a:solidFill>
+              <a:ln w="19050">
+                <a:solidFill>
+                  <a:schemeClr val="tx1"/>
+                </a:solidFill>
+              </a:ln>
+            </p:spPr>
+            <p:txBody>
+              <a:bodyPr wrap="square" rtlCol="0">
+                <a:spAutoFit/>
+              </a:bodyPr>
+              <a:lstStyle/>
+              <a:p>
+                <a:r>
+                  <a:rPr lang="es-ES" sz="2000" dirty="0">
+                    <a:latin typeface="Geist Mono" pitchFamily="2" charset="77"/>
+                    <a:ea typeface="Geist Mono" pitchFamily="2" charset="77"/>
+                    <a:cs typeface="Geist Mono" pitchFamily="2" charset="77"/>
+                  </a:rPr>
+                  <a:t>lo que queremos añadir a la lista</a:t>
+                </a:r>
+              </a:p>
+            </p:txBody>
+          </p:sp>
+          <p:sp>
+            <p:nvSpPr>
+              <p:cNvPr id="34" name="CuadroTexto 33">
+                <a:extLst>
+                  <a:ext uri="{FF2B5EF4-FFF2-40B4-BE49-F238E27FC236}">
+                    <a16:creationId xmlns:a16="http://schemas.microsoft.com/office/drawing/2014/main" id="{FEA34C0A-BAB6-5919-5C9B-A05C31319DDF}"/>
+                  </a:ext>
+                </a:extLst>
+              </p:cNvPr>
+              <p:cNvSpPr txBox="1"/>
+              <p:nvPr/>
+            </p:nvSpPr>
+            <p:spPr>
+              <a:xfrm>
+                <a:off x="6100313" y="2441274"/>
+                <a:ext cx="1532628" cy="400110"/>
+              </a:xfrm>
+              <a:prstGeom prst="rect">
+                <a:avLst/>
+              </a:prstGeom>
+              <a:solidFill>
+                <a:srgbClr val="00B0F0"/>
+              </a:solidFill>
+              <a:ln w="19050">
+                <a:solidFill>
+                  <a:schemeClr val="tx1"/>
+                </a:solidFill>
+              </a:ln>
+            </p:spPr>
+            <p:txBody>
+              <a:bodyPr wrap="square" rtlCol="0">
+                <a:spAutoFit/>
+              </a:bodyPr>
+              <a:lstStyle/>
+              <a:p>
+                <a:pPr algn="ctr"/>
+                <a:r>
+                  <a:rPr lang="es-ES" sz="2000" dirty="0">
+                    <a:latin typeface="Geist Mono" pitchFamily="2" charset="77"/>
+                    <a:ea typeface="Geist Mono" pitchFamily="2" charset="77"/>
+                    <a:cs typeface="Geist Mono" pitchFamily="2" charset="77"/>
+                  </a:rPr>
+                  <a:t>iterable</a:t>
+                </a:r>
+              </a:p>
+            </p:txBody>
+          </p:sp>
+          <p:sp>
+            <p:nvSpPr>
+              <p:cNvPr id="35" name="CuadroTexto 34">
+                <a:extLst>
+                  <a:ext uri="{FF2B5EF4-FFF2-40B4-BE49-F238E27FC236}">
+                    <a16:creationId xmlns:a16="http://schemas.microsoft.com/office/drawing/2014/main" id="{D8BC4B20-4EC4-C075-96E7-1CB2FAB9632B}"/>
+                  </a:ext>
+                </a:extLst>
+              </p:cNvPr>
+              <p:cNvSpPr txBox="1"/>
+              <p:nvPr/>
+            </p:nvSpPr>
+            <p:spPr>
+              <a:xfrm>
+                <a:off x="7706985" y="2441274"/>
+                <a:ext cx="3551207" cy="400110"/>
+              </a:xfrm>
+              <a:prstGeom prst="rect">
+                <a:avLst/>
+              </a:prstGeom>
+              <a:solidFill>
+                <a:srgbClr val="FFFF00"/>
+              </a:solidFill>
+              <a:ln w="19050">
+                <a:solidFill>
+                  <a:schemeClr val="tx1"/>
+                </a:solidFill>
+              </a:ln>
+            </p:spPr>
+            <p:txBody>
+              <a:bodyPr wrap="square" rtlCol="0">
+                <a:spAutoFit/>
+              </a:bodyPr>
+              <a:lstStyle/>
+              <a:p>
+                <a:pPr algn="ctr"/>
+                <a:r>
+                  <a:rPr lang="es-ES" sz="2000" dirty="0">
+                    <a:latin typeface="Geist Mono" pitchFamily="2" charset="77"/>
+                    <a:ea typeface="Geist Mono" pitchFamily="2" charset="77"/>
+                    <a:cs typeface="Geist Mono" pitchFamily="2" charset="77"/>
+                  </a:rPr>
+                  <a:t>condición (opcional</a:t>
+                </a:r>
+              </a:p>
+            </p:txBody>
+          </p:sp>
+        </p:grpSp>
+        <p:sp>
+          <p:nvSpPr>
+            <p:cNvPr id="36" name="Flecha abajo 35">
+              <a:extLst>
+                <a:ext uri="{FF2B5EF4-FFF2-40B4-BE49-F238E27FC236}">
+                  <a16:creationId xmlns:a16="http://schemas.microsoft.com/office/drawing/2014/main" id="{2462C9EC-BBB6-912D-6FDD-4593933A77C4}"/>
+                </a:ext>
+              </a:extLst>
+            </p:cNvPr>
+            <p:cNvSpPr/>
+            <p:nvPr/>
+          </p:nvSpPr>
+          <p:spPr>
+            <a:xfrm>
+              <a:off x="5609325" y="2191109"/>
+              <a:ext cx="1138687" cy="642668"/>
+            </a:xfrm>
+            <a:prstGeom prst="downArrow">
+              <a:avLst/>
+            </a:prstGeom>
+            <a:gradFill flip="none" rotWithShape="1">
+              <a:gsLst>
+                <a:gs pos="0">
+                  <a:schemeClr val="accent2">
+                    <a:lumMod val="67000"/>
+                  </a:schemeClr>
+                </a:gs>
+                <a:gs pos="48000">
+                  <a:schemeClr val="accent2">
+                    <a:lumMod val="97000"/>
+                    <a:lumOff val="3000"/>
+                  </a:schemeClr>
+                </a:gs>
+                <a:gs pos="100000">
+                  <a:schemeClr val="accent2">
+                    <a:lumMod val="60000"/>
+                    <a:lumOff val="40000"/>
+                  </a:schemeClr>
+                </a:gs>
+              </a:gsLst>
+              <a:lin ang="16200000" scaled="1"/>
+              <a:tileRect/>
+            </a:gradFill>
+            <a:ln>
+              <a:noFill/>
+            </a:ln>
+          </p:spPr>
+          <p:style>
+            <a:lnRef idx="0">
+              <a:scrgbClr r="0" g="0" b="0"/>
+            </a:lnRef>
+            <a:fillRef idx="0">
+              <a:scrgbClr r="0" g="0" b="0"/>
+            </a:fillRef>
+            <a:effectRef idx="0">
+              <a:scrgbClr r="0" g="0" b="0"/>
+            </a:effectRef>
+            <a:fontRef idx="minor">
+              <a:schemeClr val="lt1"/>
+            </a:fontRef>
+          </p:style>
+          <p:txBody>
+            <a:bodyPr rtlCol="0" anchor="ctr"/>
+            <a:lstStyle/>
+            <a:p>
+              <a:pPr algn="ctr"/>
+              <a:endParaRPr lang="es-ES">
+                <a:latin typeface="Geist Mono" pitchFamily="2" charset="77"/>
+                <a:ea typeface="Geist Mono" pitchFamily="2" charset="77"/>
+                <a:cs typeface="Geist Mono" pitchFamily="2" charset="77"/>
+              </a:endParaRPr>
+            </a:p>
+          </p:txBody>
+        </p:sp>
+        <p:sp>
+          <p:nvSpPr>
+            <p:cNvPr id="37" name="Flecha abajo 36">
+              <a:extLst>
+                <a:ext uri="{FF2B5EF4-FFF2-40B4-BE49-F238E27FC236}">
+                  <a16:creationId xmlns:a16="http://schemas.microsoft.com/office/drawing/2014/main" id="{A5399141-39DD-0BED-63DD-72412EC7E9CC}"/>
+                </a:ext>
+              </a:extLst>
+            </p:cNvPr>
+            <p:cNvSpPr/>
+            <p:nvPr/>
+          </p:nvSpPr>
+          <p:spPr>
+            <a:xfrm>
+              <a:off x="5609325" y="3784838"/>
+              <a:ext cx="1138687" cy="642668"/>
+            </a:xfrm>
+            <a:prstGeom prst="downArrow">
+              <a:avLst/>
+            </a:prstGeom>
+            <a:gradFill flip="none" rotWithShape="1">
+              <a:gsLst>
+                <a:gs pos="0">
+                  <a:schemeClr val="accent2">
+                    <a:lumMod val="67000"/>
+                  </a:schemeClr>
+                </a:gs>
+                <a:gs pos="48000">
+                  <a:schemeClr val="accent2">
+                    <a:lumMod val="97000"/>
+                    <a:lumOff val="3000"/>
+                  </a:schemeClr>
+                </a:gs>
+                <a:gs pos="100000">
+                  <a:schemeClr val="accent2">
+                    <a:lumMod val="60000"/>
+                    <a:lumOff val="40000"/>
+                  </a:schemeClr>
+                </a:gs>
+              </a:gsLst>
+              <a:lin ang="16200000" scaled="1"/>
+              <a:tileRect/>
+            </a:gradFill>
+            <a:ln>
+              <a:noFill/>
+            </a:ln>
+          </p:spPr>
+          <p:style>
+            <a:lnRef idx="0">
+              <a:scrgbClr r="0" g="0" b="0"/>
+            </a:lnRef>
+            <a:fillRef idx="0">
+              <a:scrgbClr r="0" g="0" b="0"/>
+            </a:fillRef>
+            <a:effectRef idx="0">
+              <a:scrgbClr r="0" g="0" b="0"/>
+            </a:effectRef>
+            <a:fontRef idx="minor">
+              <a:schemeClr val="lt1"/>
+            </a:fontRef>
+          </p:style>
+          <p:txBody>
+            <a:bodyPr rtlCol="0" anchor="ctr"/>
+            <a:lstStyle/>
+            <a:p>
+              <a:pPr algn="ctr"/>
+              <a:endParaRPr lang="es-ES">
+                <a:latin typeface="Geist Mono" pitchFamily="2" charset="77"/>
+                <a:ea typeface="Geist Mono" pitchFamily="2" charset="77"/>
+                <a:cs typeface="Geist Mono" pitchFamily="2" charset="77"/>
+              </a:endParaRPr>
+            </a:p>
+          </p:txBody>
+        </p:sp>
+        <p:sp>
+          <p:nvSpPr>
+            <p:cNvPr id="38" name="CuadroTexto 37">
+              <a:extLst>
+                <a:ext uri="{FF2B5EF4-FFF2-40B4-BE49-F238E27FC236}">
+                  <a16:creationId xmlns:a16="http://schemas.microsoft.com/office/drawing/2014/main" id="{B610E2C8-9435-24A3-C055-21EBB5B2FE9A}"/>
+                </a:ext>
+              </a:extLst>
+            </p:cNvPr>
+            <p:cNvSpPr txBox="1"/>
+            <p:nvPr/>
+          </p:nvSpPr>
+          <p:spPr>
+            <a:xfrm>
+              <a:off x="357995" y="3059668"/>
+              <a:ext cx="11583840" cy="646331"/>
+            </a:xfrm>
+            <a:prstGeom prst="rect">
+              <a:avLst/>
+            </a:prstGeom>
+            <a:noFill/>
+          </p:spPr>
+          <p:txBody>
+            <a:bodyPr wrap="square" rtlCol="0">
+              <a:spAutoFit/>
+            </a:bodyPr>
+            <a:lstStyle/>
+            <a:p>
+              <a:pPr algn="ctr"/>
+              <a:r>
+                <a:rPr lang="es-ES" dirty="0">
+                  <a:latin typeface="Geist Mono" pitchFamily="2" charset="77"/>
+                  <a:ea typeface="Geist Mono" pitchFamily="2" charset="77"/>
+                  <a:cs typeface="Geist Mono" pitchFamily="2" charset="77"/>
+                </a:rPr>
+                <a:t>Imaginemos que queremos convertir todas las palabras de una lista a mayúscula si la palabra tiene más de 4 caracteres</a:t>
+              </a:r>
+            </a:p>
+          </p:txBody>
+        </p:sp>
+        <p:grpSp>
+          <p:nvGrpSpPr>
+            <p:cNvPr id="39" name="Grupo 38">
+              <a:extLst>
+                <a:ext uri="{FF2B5EF4-FFF2-40B4-BE49-F238E27FC236}">
+                  <a16:creationId xmlns:a16="http://schemas.microsoft.com/office/drawing/2014/main" id="{5271C9A8-DC96-7DD7-8FDD-DA935D15C37F}"/>
+                </a:ext>
+              </a:extLst>
+            </p:cNvPr>
+            <p:cNvGrpSpPr/>
+            <p:nvPr/>
+          </p:nvGrpSpPr>
+          <p:grpSpPr>
+            <a:xfrm>
+              <a:off x="357995" y="4971172"/>
+              <a:ext cx="11583840" cy="707886"/>
+              <a:chOff x="205595" y="2311879"/>
+              <a:chExt cx="11583840" cy="707886"/>
+            </a:xfrm>
+          </p:grpSpPr>
+          <p:sp>
+            <p:nvSpPr>
+              <p:cNvPr id="40" name="CuadroTexto 39">
+                <a:extLst>
+                  <a:ext uri="{FF2B5EF4-FFF2-40B4-BE49-F238E27FC236}">
+                    <a16:creationId xmlns:a16="http://schemas.microsoft.com/office/drawing/2014/main" id="{E123BF67-4A86-7982-6C08-BF237FD36428}"/>
+                  </a:ext>
+                </a:extLst>
+              </p:cNvPr>
+              <p:cNvSpPr txBox="1"/>
+              <p:nvPr/>
+            </p:nvSpPr>
+            <p:spPr>
+              <a:xfrm>
+                <a:off x="205595" y="2311879"/>
+                <a:ext cx="457200" cy="707886"/>
+              </a:xfrm>
+              <a:prstGeom prst="rect">
+                <a:avLst/>
+              </a:prstGeom>
+              <a:solidFill>
+                <a:srgbClr val="FFC000"/>
+              </a:solidFill>
+              <a:ln w="19050">
+                <a:solidFill>
+                  <a:schemeClr val="tx1"/>
+                </a:solidFill>
+              </a:ln>
+            </p:spPr>
+            <p:txBody>
+              <a:bodyPr wrap="square" rtlCol="0">
+                <a:spAutoFit/>
+              </a:bodyPr>
+              <a:lstStyle/>
+              <a:p>
+                <a:r>
+                  <a:rPr lang="es-ES" sz="4000" dirty="0">
+                    <a:latin typeface="Geist Mono" pitchFamily="2" charset="77"/>
+                    <a:ea typeface="Geist Mono" pitchFamily="2" charset="77"/>
+                    <a:cs typeface="Geist Mono" pitchFamily="2" charset="77"/>
+                  </a:rPr>
+                  <a:t>[</a:t>
+                </a:r>
+              </a:p>
+            </p:txBody>
+          </p:sp>
+          <p:sp>
+            <p:nvSpPr>
+              <p:cNvPr id="41" name="CuadroTexto 40">
+                <a:extLst>
+                  <a:ext uri="{FF2B5EF4-FFF2-40B4-BE49-F238E27FC236}">
+                    <a16:creationId xmlns:a16="http://schemas.microsoft.com/office/drawing/2014/main" id="{A7000D90-1F3C-0234-37DF-4DA2E88B7538}"/>
+                  </a:ext>
+                </a:extLst>
+              </p:cNvPr>
+              <p:cNvSpPr txBox="1"/>
+              <p:nvPr/>
+            </p:nvSpPr>
+            <p:spPr>
+              <a:xfrm>
+                <a:off x="11332235" y="2311879"/>
+                <a:ext cx="457200" cy="707886"/>
+              </a:xfrm>
+              <a:prstGeom prst="rect">
+                <a:avLst/>
+              </a:prstGeom>
+              <a:solidFill>
+                <a:srgbClr val="FFC000"/>
+              </a:solidFill>
+              <a:ln w="19050">
+                <a:solidFill>
+                  <a:schemeClr val="tx1"/>
+                </a:solidFill>
+              </a:ln>
+            </p:spPr>
+            <p:txBody>
+              <a:bodyPr wrap="square" rtlCol="0">
+                <a:spAutoFit/>
+              </a:bodyPr>
+              <a:lstStyle>
+                <a:defPPr>
+                  <a:defRPr lang="es-ES"/>
+                </a:defPPr>
+                <a:lvl1pPr>
+                  <a:defRPr sz="4000"/>
+                </a:lvl1pPr>
+              </a:lstStyle>
+              <a:p>
+                <a:r>
+                  <a:rPr lang="es-ES" dirty="0">
+                    <a:latin typeface="Geist Mono" pitchFamily="2" charset="77"/>
+                    <a:ea typeface="Geist Mono" pitchFamily="2" charset="77"/>
+                    <a:cs typeface="Geist Mono" pitchFamily="2" charset="77"/>
+                  </a:rPr>
+                  <a:t>]</a:t>
+                </a:r>
+              </a:p>
+            </p:txBody>
+          </p:sp>
+          <p:sp>
+            <p:nvSpPr>
+              <p:cNvPr id="42" name="CuadroTexto 41">
+                <a:extLst>
+                  <a:ext uri="{FF2B5EF4-FFF2-40B4-BE49-F238E27FC236}">
+                    <a16:creationId xmlns:a16="http://schemas.microsoft.com/office/drawing/2014/main" id="{73D9AC20-8F2B-58A3-5287-211091CE2B87}"/>
+                  </a:ext>
+                </a:extLst>
+              </p:cNvPr>
+              <p:cNvSpPr txBox="1"/>
+              <p:nvPr/>
+            </p:nvSpPr>
+            <p:spPr>
+              <a:xfrm>
+                <a:off x="736839" y="2441274"/>
+                <a:ext cx="3216935" cy="400110"/>
+              </a:xfrm>
+              <a:prstGeom prst="rect">
+                <a:avLst/>
+              </a:prstGeom>
+              <a:solidFill>
+                <a:schemeClr val="accent5">
+                  <a:lumMod val="20000"/>
+                  <a:lumOff val="80000"/>
+                </a:schemeClr>
+              </a:solidFill>
+              <a:ln w="19050">
+                <a:solidFill>
+                  <a:schemeClr val="tx1"/>
+                </a:solidFill>
+              </a:ln>
+            </p:spPr>
+            <p:txBody>
+              <a:bodyPr wrap="square" rtlCol="0">
+                <a:spAutoFit/>
+              </a:bodyPr>
+              <a:lstStyle/>
+              <a:p>
+                <a:pPr algn="ctr"/>
+                <a:r>
+                  <a:rPr lang="es-ES" sz="2000" dirty="0">
+                    <a:latin typeface="Geist Mono" pitchFamily="2" charset="77"/>
+                    <a:ea typeface="Geist Mono" pitchFamily="2" charset="77"/>
+                    <a:cs typeface="Geist Mono" pitchFamily="2" charset="77"/>
+                  </a:rPr>
+                  <a:t>i.upper()</a:t>
+                </a:r>
+              </a:p>
+            </p:txBody>
+          </p:sp>
+          <p:sp>
+            <p:nvSpPr>
+              <p:cNvPr id="43" name="CuadroTexto 42">
+                <a:extLst>
+                  <a:ext uri="{FF2B5EF4-FFF2-40B4-BE49-F238E27FC236}">
+                    <a16:creationId xmlns:a16="http://schemas.microsoft.com/office/drawing/2014/main" id="{D786F229-C131-CDD3-4A14-7584BAAE6F0B}"/>
+                  </a:ext>
+                </a:extLst>
+              </p:cNvPr>
+              <p:cNvSpPr txBox="1"/>
+              <p:nvPr/>
+            </p:nvSpPr>
+            <p:spPr>
+              <a:xfrm>
+                <a:off x="4027818" y="2443630"/>
+                <a:ext cx="4480701" cy="400110"/>
+              </a:xfrm>
+              <a:prstGeom prst="rect">
+                <a:avLst/>
+              </a:prstGeom>
+              <a:solidFill>
+                <a:srgbClr val="00B0F0"/>
+              </a:solidFill>
+              <a:ln w="19050">
+                <a:solidFill>
+                  <a:schemeClr val="tx1"/>
+                </a:solidFill>
+              </a:ln>
+            </p:spPr>
+            <p:txBody>
+              <a:bodyPr wrap="square" rtlCol="0">
+                <a:spAutoFit/>
+              </a:bodyPr>
+              <a:lstStyle/>
+              <a:p>
+                <a:pPr algn="ctr"/>
+                <a:r>
+                  <a:rPr lang="es-ES" sz="2000" dirty="0">
+                    <a:latin typeface="Geist Mono" pitchFamily="2" charset="77"/>
+                    <a:ea typeface="Geist Mono" pitchFamily="2" charset="77"/>
+                    <a:cs typeface="Geist Mono" pitchFamily="2" charset="77"/>
+                  </a:rPr>
+                  <a:t>for i in nuestra_lista</a:t>
+                </a:r>
+              </a:p>
+            </p:txBody>
+          </p:sp>
+          <p:sp>
+            <p:nvSpPr>
+              <p:cNvPr id="44" name="CuadroTexto 43">
+                <a:extLst>
+                  <a:ext uri="{FF2B5EF4-FFF2-40B4-BE49-F238E27FC236}">
+                    <a16:creationId xmlns:a16="http://schemas.microsoft.com/office/drawing/2014/main" id="{7FFB3CB0-BBCB-14C0-E823-8C02BCE5C4A7}"/>
+                  </a:ext>
+                </a:extLst>
+              </p:cNvPr>
+              <p:cNvSpPr txBox="1"/>
+              <p:nvPr/>
+            </p:nvSpPr>
+            <p:spPr>
+              <a:xfrm>
+                <a:off x="8582564" y="2441274"/>
+                <a:ext cx="2675628" cy="400110"/>
+              </a:xfrm>
+              <a:prstGeom prst="rect">
+                <a:avLst/>
+              </a:prstGeom>
+              <a:solidFill>
+                <a:srgbClr val="FFFF00"/>
+              </a:solidFill>
+              <a:ln w="19050">
+                <a:solidFill>
+                  <a:schemeClr val="tx1"/>
+                </a:solidFill>
+              </a:ln>
+            </p:spPr>
+            <p:txBody>
+              <a:bodyPr wrap="square" rtlCol="0">
+                <a:spAutoFit/>
+              </a:bodyPr>
+              <a:lstStyle/>
+              <a:p>
+                <a:pPr algn="ctr"/>
+                <a:r>
+                  <a:rPr lang="es-ES" sz="2000" dirty="0">
+                    <a:latin typeface="Geist Mono" pitchFamily="2" charset="77"/>
+                    <a:ea typeface="Geist Mono" pitchFamily="2" charset="77"/>
+                    <a:cs typeface="Geist Mono" pitchFamily="2" charset="77"/>
+                  </a:rPr>
+                  <a:t>if len(i) &gt; 4</a:t>
+                </a:r>
+              </a:p>
+            </p:txBody>
+          </p:sp>
+        </p:grpSp>
+      </p:grpSp>
+    </p:spTree>
+    <p:extLst>
+      <p:ext uri="{BB962C8B-B14F-4D97-AF65-F5344CB8AC3E}">
+        <p14:creationId xmlns:p14="http://schemas.microsoft.com/office/powerpoint/2010/main" val="1200346911"/>
+      </p:ext>
+    </p:extLst>
+  </p:cSld>
+  <p:clrMapOvr>
+    <a:masterClrMapping/>
+  </p:clrMapOvr>
+</p:sld>
+</file>
+
+<file path=ppt/slides/slide8.xml><?xml version="1.0" encoding="utf-8"?>
+<p:sld xmlns:a="http://schemas.openxmlformats.org/drawingml/2006/main" xmlns:r="http://schemas.openxmlformats.org/officeDocument/2006/relationships" xmlns:p="http://schemas.openxmlformats.org/presentationml/2006/main">
+  <p:cSld>
+    <p:spTree>
+      <p:nvGrpSpPr>
+        <p:cNvPr id="1" name=""/>
+        <p:cNvGrpSpPr/>
+        <p:nvPr/>
+      </p:nvGrpSpPr>
+      <p:grpSpPr>
+        <a:xfrm>
+          <a:off x="0" y="0"/>
+          <a:ext cx="0" cy="0"/>
+          <a:chOff x="0" y="0"/>
+          <a:chExt cx="0" cy="0"/>
+        </a:xfrm>
+      </p:grpSpPr>
+      <p:grpSp>
+        <p:nvGrpSpPr>
+          <p:cNvPr id="24" name="Grupo 23">
+            <a:extLst>
+              <a:ext uri="{FF2B5EF4-FFF2-40B4-BE49-F238E27FC236}">
+                <a16:creationId xmlns:a16="http://schemas.microsoft.com/office/drawing/2014/main" id="{FA0B8D15-78B7-CC0A-CD48-C48F2F4894D2}"/>
+              </a:ext>
+            </a:extLst>
+          </p:cNvPr>
+          <p:cNvGrpSpPr/>
+          <p:nvPr/>
+        </p:nvGrpSpPr>
+        <p:grpSpPr>
+          <a:xfrm>
+            <a:off x="103517" y="707366"/>
+            <a:ext cx="12088483" cy="5572664"/>
+            <a:chOff x="103517" y="707366"/>
+            <a:chExt cx="12088483" cy="5572664"/>
+          </a:xfrm>
+        </p:grpSpPr>
+        <p:sp>
+          <p:nvSpPr>
+            <p:cNvPr id="23" name="Rectángulo 22">
+              <a:extLst>
+                <a:ext uri="{FF2B5EF4-FFF2-40B4-BE49-F238E27FC236}">
+                  <a16:creationId xmlns:a16="http://schemas.microsoft.com/office/drawing/2014/main" id="{B697F2C3-8978-ED64-0E32-AEA55AB5CD99}"/>
+                </a:ext>
+              </a:extLst>
+            </p:cNvPr>
+            <p:cNvSpPr/>
+            <p:nvPr/>
+          </p:nvSpPr>
+          <p:spPr>
+            <a:xfrm>
+              <a:off x="103517" y="707366"/>
+              <a:ext cx="12088483" cy="5572664"/>
+            </a:xfrm>
+            <a:prstGeom prst="rect">
+              <a:avLst/>
+            </a:prstGeom>
+            <a:solidFill>
+              <a:schemeClr val="bg1"/>
+            </a:solidFill>
+            <a:ln>
+              <a:noFill/>
+            </a:ln>
+          </p:spPr>
+          <p:style>
+            <a:lnRef idx="2">
+              <a:schemeClr val="accent1">
+                <a:shade val="15000"/>
+              </a:schemeClr>
+            </a:lnRef>
+            <a:fillRef idx="1">
+              <a:schemeClr val="accent1"/>
+            </a:fillRef>
+            <a:effectRef idx="0">
+              <a:schemeClr val="accent1"/>
+            </a:effectRef>
+            <a:fontRef idx="minor">
+              <a:schemeClr val="lt1"/>
+            </a:fontRef>
+          </p:style>
+          <p:txBody>
+            <a:bodyPr rtlCol="0" anchor="ctr"/>
+            <a:lstStyle/>
+            <a:p>
+              <a:pPr algn="ctr"/>
+              <a:endParaRPr lang="es-ES"/>
+            </a:p>
+          </p:txBody>
+        </p:sp>
+        <p:grpSp>
+          <p:nvGrpSpPr>
+            <p:cNvPr id="22" name="Grupo 21">
+              <a:extLst>
+                <a:ext uri="{FF2B5EF4-FFF2-40B4-BE49-F238E27FC236}">
+                  <a16:creationId xmlns:a16="http://schemas.microsoft.com/office/drawing/2014/main" id="{6FED28A4-BB2A-1B41-BF8F-A763AD7EE29C}"/>
+                </a:ext>
+              </a:extLst>
+            </p:cNvPr>
+            <p:cNvGrpSpPr/>
+            <p:nvPr/>
+          </p:nvGrpSpPr>
+          <p:grpSpPr>
+            <a:xfrm>
+              <a:off x="357995" y="1004540"/>
+              <a:ext cx="11762118" cy="4910091"/>
+              <a:chOff x="357995" y="1004540"/>
+              <a:chExt cx="11762118" cy="4910091"/>
+            </a:xfrm>
+          </p:grpSpPr>
+          <p:sp>
+            <p:nvSpPr>
+              <p:cNvPr id="36" name="Flecha abajo 35">
+                <a:extLst>
+                  <a:ext uri="{FF2B5EF4-FFF2-40B4-BE49-F238E27FC236}">
+                    <a16:creationId xmlns:a16="http://schemas.microsoft.com/office/drawing/2014/main" id="{2462C9EC-BBB6-912D-6FDD-4593933A77C4}"/>
+                  </a:ext>
+                </a:extLst>
+              </p:cNvPr>
+              <p:cNvSpPr/>
+              <p:nvPr/>
+            </p:nvSpPr>
+            <p:spPr>
+              <a:xfrm>
+                <a:off x="5609325" y="2191109"/>
+                <a:ext cx="1138687" cy="642668"/>
+              </a:xfrm>
+              <a:prstGeom prst="downArrow">
+                <a:avLst/>
+              </a:prstGeom>
+              <a:gradFill flip="none" rotWithShape="1">
+                <a:gsLst>
+                  <a:gs pos="0">
+                    <a:schemeClr val="accent2">
+                      <a:lumMod val="67000"/>
+                    </a:schemeClr>
+                  </a:gs>
+                  <a:gs pos="48000">
+                    <a:schemeClr val="accent2">
+                      <a:lumMod val="97000"/>
+                      <a:lumOff val="3000"/>
+                    </a:schemeClr>
+                  </a:gs>
+                  <a:gs pos="100000">
+                    <a:schemeClr val="accent2">
+                      <a:lumMod val="60000"/>
+                      <a:lumOff val="40000"/>
+                    </a:schemeClr>
+                  </a:gs>
+                </a:gsLst>
+                <a:lin ang="16200000" scaled="1"/>
+                <a:tileRect/>
+              </a:gradFill>
+              <a:ln>
+                <a:noFill/>
+              </a:ln>
+            </p:spPr>
+            <p:style>
+              <a:lnRef idx="0">
+                <a:scrgbClr r="0" g="0" b="0"/>
+              </a:lnRef>
+              <a:fillRef idx="0">
+                <a:scrgbClr r="0" g="0" b="0"/>
+              </a:fillRef>
+              <a:effectRef idx="0">
+                <a:scrgbClr r="0" g="0" b="0"/>
+              </a:effectRef>
+              <a:fontRef idx="minor">
+                <a:schemeClr val="lt1"/>
+              </a:fontRef>
+            </p:style>
+            <p:txBody>
+              <a:bodyPr rtlCol="0" anchor="ctr"/>
+              <a:lstStyle/>
+              <a:p>
+                <a:pPr algn="ctr"/>
+                <a:endParaRPr lang="es-ES">
+                  <a:latin typeface="Geist Mono" pitchFamily="2" charset="77"/>
+                  <a:ea typeface="Geist Mono" pitchFamily="2" charset="77"/>
+                  <a:cs typeface="Geist Mono" pitchFamily="2" charset="77"/>
+                </a:endParaRPr>
+              </a:p>
+            </p:txBody>
+          </p:sp>
+          <p:sp>
+            <p:nvSpPr>
+              <p:cNvPr id="37" name="Flecha abajo 36">
+                <a:extLst>
+                  <a:ext uri="{FF2B5EF4-FFF2-40B4-BE49-F238E27FC236}">
+                    <a16:creationId xmlns:a16="http://schemas.microsoft.com/office/drawing/2014/main" id="{A5399141-39DD-0BED-63DD-72412EC7E9CC}"/>
+                  </a:ext>
+                </a:extLst>
+              </p:cNvPr>
+              <p:cNvSpPr/>
+              <p:nvPr/>
+            </p:nvSpPr>
+            <p:spPr>
+              <a:xfrm>
+                <a:off x="5609325" y="4341300"/>
+                <a:ext cx="1138687" cy="642668"/>
+              </a:xfrm>
+              <a:prstGeom prst="downArrow">
+                <a:avLst/>
+              </a:prstGeom>
+              <a:gradFill flip="none" rotWithShape="1">
+                <a:gsLst>
+                  <a:gs pos="0">
+                    <a:schemeClr val="accent2">
+                      <a:lumMod val="67000"/>
+                    </a:schemeClr>
+                  </a:gs>
+                  <a:gs pos="48000">
+                    <a:schemeClr val="accent2">
+                      <a:lumMod val="97000"/>
+                      <a:lumOff val="3000"/>
+                    </a:schemeClr>
+                  </a:gs>
+                  <a:gs pos="100000">
+                    <a:schemeClr val="accent2">
+                      <a:lumMod val="60000"/>
+                      <a:lumOff val="40000"/>
+                    </a:schemeClr>
+                  </a:gs>
+                </a:gsLst>
+                <a:lin ang="16200000" scaled="1"/>
+                <a:tileRect/>
+              </a:gradFill>
+              <a:ln>
+                <a:noFill/>
+              </a:ln>
+            </p:spPr>
+            <p:style>
+              <a:lnRef idx="0">
+                <a:scrgbClr r="0" g="0" b="0"/>
+              </a:lnRef>
+              <a:fillRef idx="0">
+                <a:scrgbClr r="0" g="0" b="0"/>
+              </a:fillRef>
+              <a:effectRef idx="0">
+                <a:scrgbClr r="0" g="0" b="0"/>
+              </a:effectRef>
+              <a:fontRef idx="minor">
+                <a:schemeClr val="lt1"/>
+              </a:fontRef>
+            </p:style>
+            <p:txBody>
+              <a:bodyPr rtlCol="0" anchor="ctr"/>
+              <a:lstStyle/>
+              <a:p>
+                <a:pPr algn="ctr"/>
+                <a:endParaRPr lang="es-ES">
+                  <a:latin typeface="Geist Mono" pitchFamily="2" charset="77"/>
+                  <a:ea typeface="Geist Mono" pitchFamily="2" charset="77"/>
+                  <a:cs typeface="Geist Mono" pitchFamily="2" charset="77"/>
+                </a:endParaRPr>
+              </a:p>
+            </p:txBody>
+          </p:sp>
+          <p:sp>
+            <p:nvSpPr>
+              <p:cNvPr id="38" name="CuadroTexto 37">
+                <a:extLst>
+                  <a:ext uri="{FF2B5EF4-FFF2-40B4-BE49-F238E27FC236}">
+                    <a16:creationId xmlns:a16="http://schemas.microsoft.com/office/drawing/2014/main" id="{B610E2C8-9435-24A3-C055-21EBB5B2FE9A}"/>
+                  </a:ext>
+                </a:extLst>
+              </p:cNvPr>
+              <p:cNvSpPr txBox="1"/>
+              <p:nvPr/>
+            </p:nvSpPr>
+            <p:spPr>
+              <a:xfrm>
+                <a:off x="357995" y="3059668"/>
+                <a:ext cx="11583840" cy="646331"/>
+              </a:xfrm>
+              <a:prstGeom prst="rect">
+                <a:avLst/>
+              </a:prstGeom>
+              <a:noFill/>
+            </p:spPr>
+            <p:txBody>
+              <a:bodyPr wrap="square" rtlCol="0">
+                <a:spAutoFit/>
+              </a:bodyPr>
+              <a:lstStyle/>
+              <a:p>
+                <a:pPr algn="ctr"/>
+                <a:r>
+                  <a:rPr lang="es-ES" dirty="0">
+                    <a:latin typeface="Geist Mono" pitchFamily="2" charset="77"/>
+                    <a:ea typeface="Geist Mono" pitchFamily="2" charset="77"/>
+                    <a:cs typeface="Geist Mono" pitchFamily="2" charset="77"/>
+                  </a:rPr>
+                  <a:t>Imaginemos que queremos convertir todas las palabras de una lista a mayúscula si la palabra tiene más de 4 caracteres y en minúscula si tiene menos de 4 caracteres</a:t>
+                </a:r>
+              </a:p>
+            </p:txBody>
+          </p:sp>
+          <p:grpSp>
+            <p:nvGrpSpPr>
+              <p:cNvPr id="12" name="Grupo 11">
+                <a:extLst>
+                  <a:ext uri="{FF2B5EF4-FFF2-40B4-BE49-F238E27FC236}">
+                    <a16:creationId xmlns:a16="http://schemas.microsoft.com/office/drawing/2014/main" id="{013E3E01-D5AA-E3DF-4517-21A48A28BC39}"/>
+                  </a:ext>
+                </a:extLst>
+              </p:cNvPr>
+              <p:cNvGrpSpPr/>
+              <p:nvPr/>
+            </p:nvGrpSpPr>
+            <p:grpSpPr>
+              <a:xfrm>
+                <a:off x="357995" y="1004540"/>
+                <a:ext cx="11762118" cy="707886"/>
+                <a:chOff x="357995" y="1004540"/>
+                <a:chExt cx="11762118" cy="707886"/>
+              </a:xfrm>
+            </p:grpSpPr>
+            <p:grpSp>
+              <p:nvGrpSpPr>
+                <p:cNvPr id="30" name="Grupo 29">
+                  <a:extLst>
+                    <a:ext uri="{FF2B5EF4-FFF2-40B4-BE49-F238E27FC236}">
+                      <a16:creationId xmlns:a16="http://schemas.microsoft.com/office/drawing/2014/main" id="{F359BCE0-19BD-5786-7324-C31D3F80115B}"/>
+                    </a:ext>
+                  </a:extLst>
+                </p:cNvPr>
+                <p:cNvGrpSpPr/>
+                <p:nvPr/>
+              </p:nvGrpSpPr>
+              <p:grpSpPr>
+                <a:xfrm>
+                  <a:off x="357995" y="1004540"/>
+                  <a:ext cx="11762118" cy="707886"/>
+                  <a:chOff x="205595" y="2266872"/>
+                  <a:chExt cx="11762118" cy="707886"/>
+                </a:xfrm>
+              </p:grpSpPr>
+              <p:sp>
+                <p:nvSpPr>
+                  <p:cNvPr id="31" name="CuadroTexto 30">
+                    <a:extLst>
+                      <a:ext uri="{FF2B5EF4-FFF2-40B4-BE49-F238E27FC236}">
+                        <a16:creationId xmlns:a16="http://schemas.microsoft.com/office/drawing/2014/main" id="{7CEE851D-9350-BD2D-FF91-574FB10480C4}"/>
+                      </a:ext>
+                    </a:extLst>
+                  </p:cNvPr>
+                  <p:cNvSpPr txBox="1"/>
+                  <p:nvPr/>
+                </p:nvSpPr>
+                <p:spPr>
+                  <a:xfrm>
+                    <a:off x="205595" y="2266872"/>
+                    <a:ext cx="457200" cy="707886"/>
+                  </a:xfrm>
+                  <a:prstGeom prst="rect">
+                    <a:avLst/>
+                  </a:prstGeom>
+                  <a:solidFill>
+                    <a:srgbClr val="FFC000"/>
+                  </a:solidFill>
+                  <a:ln w="19050">
+                    <a:solidFill>
+                      <a:schemeClr val="tx1"/>
+                    </a:solidFill>
+                  </a:ln>
+                </p:spPr>
+                <p:txBody>
+                  <a:bodyPr wrap="square" rtlCol="0">
+                    <a:spAutoFit/>
+                  </a:bodyPr>
+                  <a:lstStyle/>
+                  <a:p>
+                    <a:r>
+                      <a:rPr lang="es-ES" sz="4000" dirty="0">
+                        <a:latin typeface="Geist Mono" pitchFamily="2" charset="77"/>
+                        <a:ea typeface="Geist Mono" pitchFamily="2" charset="77"/>
+                        <a:cs typeface="Geist Mono" pitchFamily="2" charset="77"/>
+                      </a:rPr>
+                      <a:t>[</a:t>
+                    </a:r>
+                  </a:p>
+                </p:txBody>
+              </p:sp>
+              <p:sp>
+                <p:nvSpPr>
+                  <p:cNvPr id="32" name="CuadroTexto 31">
+                    <a:extLst>
+                      <a:ext uri="{FF2B5EF4-FFF2-40B4-BE49-F238E27FC236}">
+                        <a16:creationId xmlns:a16="http://schemas.microsoft.com/office/drawing/2014/main" id="{589F276B-358E-56C0-76D7-77F946B844A2}"/>
+                      </a:ext>
+                    </a:extLst>
+                  </p:cNvPr>
+                  <p:cNvSpPr txBox="1"/>
+                  <p:nvPr/>
+                </p:nvSpPr>
+                <p:spPr>
+                  <a:xfrm>
+                    <a:off x="11510513" y="2266872"/>
+                    <a:ext cx="457200" cy="707886"/>
+                  </a:xfrm>
+                  <a:prstGeom prst="rect">
+                    <a:avLst/>
+                  </a:prstGeom>
+                  <a:solidFill>
+                    <a:srgbClr val="FFC000"/>
+                  </a:solidFill>
+                  <a:ln w="19050">
+                    <a:solidFill>
+                      <a:schemeClr val="tx1"/>
+                    </a:solidFill>
+                  </a:ln>
+                </p:spPr>
+                <p:txBody>
+                  <a:bodyPr wrap="square" rtlCol="0">
+                    <a:spAutoFit/>
+                  </a:bodyPr>
+                  <a:lstStyle>
+                    <a:defPPr>
+                      <a:defRPr lang="es-ES"/>
+                    </a:defPPr>
+                    <a:lvl1pPr>
+                      <a:defRPr sz="4000"/>
+                    </a:lvl1pPr>
+                  </a:lstStyle>
+                  <a:p>
+                    <a:r>
+                      <a:rPr lang="es-ES" dirty="0">
+                        <a:latin typeface="Geist Mono" pitchFamily="2" charset="77"/>
+                        <a:ea typeface="Geist Mono" pitchFamily="2" charset="77"/>
+                        <a:cs typeface="Geist Mono" pitchFamily="2" charset="77"/>
+                      </a:rPr>
+                      <a:t>]</a:t>
+                    </a:r>
+                  </a:p>
+                </p:txBody>
+              </p:sp>
+              <p:sp>
+                <p:nvSpPr>
+                  <p:cNvPr id="33" name="CuadroTexto 32">
+                    <a:extLst>
+                      <a:ext uri="{FF2B5EF4-FFF2-40B4-BE49-F238E27FC236}">
+                        <a16:creationId xmlns:a16="http://schemas.microsoft.com/office/drawing/2014/main" id="{ACEA0A6D-34BD-326B-2C47-9AF0AFD8063D}"/>
+                      </a:ext>
+                    </a:extLst>
+                  </p:cNvPr>
+                  <p:cNvSpPr txBox="1"/>
+                  <p:nvPr/>
+                </p:nvSpPr>
+                <p:spPr>
+                  <a:xfrm>
+                    <a:off x="3541768" y="2417244"/>
+                    <a:ext cx="2240806" cy="400110"/>
+                  </a:xfrm>
+                  <a:prstGeom prst="rect">
+                    <a:avLst/>
+                  </a:prstGeom>
+                  <a:solidFill>
+                    <a:schemeClr val="accent3">
+                      <a:lumMod val="20000"/>
+                      <a:lumOff val="80000"/>
+                    </a:schemeClr>
+                  </a:solidFill>
+                  <a:ln w="19050">
+                    <a:solidFill>
+                      <a:schemeClr val="tx1"/>
+                    </a:solidFill>
+                  </a:ln>
+                </p:spPr>
+                <p:txBody>
+                  <a:bodyPr wrap="square" rtlCol="0">
+                    <a:spAutoFit/>
+                  </a:bodyPr>
+                  <a:lstStyle/>
+                  <a:p>
+                    <a:pPr algn="ctr"/>
+                    <a:r>
+                      <a:rPr lang="es-ES" sz="2000" dirty="0">
+                        <a:latin typeface="Geist Mono" pitchFamily="2" charset="77"/>
+                        <a:ea typeface="Geist Mono" pitchFamily="2" charset="77"/>
+                        <a:cs typeface="Geist Mono" pitchFamily="2" charset="77"/>
+                      </a:rPr>
+                      <a:t>condición if</a:t>
+                    </a:r>
+                  </a:p>
+                </p:txBody>
+              </p:sp>
+              <p:sp>
+                <p:nvSpPr>
+                  <p:cNvPr id="34" name="CuadroTexto 33">
+                    <a:extLst>
+                      <a:ext uri="{FF2B5EF4-FFF2-40B4-BE49-F238E27FC236}">
+                        <a16:creationId xmlns:a16="http://schemas.microsoft.com/office/drawing/2014/main" id="{FEA34C0A-BAB6-5919-5C9B-A05C31319DDF}"/>
+                      </a:ext>
+                    </a:extLst>
+                  </p:cNvPr>
+                  <p:cNvSpPr txBox="1"/>
+                  <p:nvPr/>
+                </p:nvSpPr>
+                <p:spPr>
+                  <a:xfrm>
+                    <a:off x="9719084" y="2414367"/>
+                    <a:ext cx="1722418" cy="400110"/>
+                  </a:xfrm>
+                  <a:prstGeom prst="rect">
+                    <a:avLst/>
+                  </a:prstGeom>
+                  <a:solidFill>
+                    <a:srgbClr val="00B0F0"/>
+                  </a:solidFill>
+                  <a:ln w="19050">
+                    <a:solidFill>
+                      <a:schemeClr val="tx1"/>
+                    </a:solidFill>
+                  </a:ln>
+                </p:spPr>
+                <p:txBody>
+                  <a:bodyPr wrap="square" rtlCol="0">
+                    <a:spAutoFit/>
+                  </a:bodyPr>
+                  <a:lstStyle/>
+                  <a:p>
+                    <a:pPr algn="ctr"/>
+                    <a:r>
+                      <a:rPr lang="es-ES" sz="2000" dirty="0">
+                        <a:latin typeface="Geist Mono" pitchFamily="2" charset="77"/>
+                        <a:ea typeface="Geist Mono" pitchFamily="2" charset="77"/>
+                        <a:cs typeface="Geist Mono" pitchFamily="2" charset="77"/>
+                      </a:rPr>
+                      <a:t>iterable</a:t>
+                    </a:r>
+                  </a:p>
+                </p:txBody>
+              </p:sp>
+              <p:sp>
+                <p:nvSpPr>
+                  <p:cNvPr id="35" name="CuadroTexto 34">
+                    <a:extLst>
+                      <a:ext uri="{FF2B5EF4-FFF2-40B4-BE49-F238E27FC236}">
+                        <a16:creationId xmlns:a16="http://schemas.microsoft.com/office/drawing/2014/main" id="{D8BC4B20-4EC4-C075-96E7-1CB2FAB9632B}"/>
+                      </a:ext>
+                    </a:extLst>
+                  </p:cNvPr>
+                  <p:cNvSpPr txBox="1"/>
+                  <p:nvPr/>
+                </p:nvSpPr>
+                <p:spPr>
+                  <a:xfrm>
+                    <a:off x="5906209" y="2417244"/>
+                    <a:ext cx="1138687" cy="400110"/>
+                  </a:xfrm>
+                  <a:prstGeom prst="rect">
+                    <a:avLst/>
+                  </a:prstGeom>
+                  <a:solidFill>
+                    <a:srgbClr val="FFFF00"/>
+                  </a:solidFill>
+                  <a:ln w="19050">
+                    <a:solidFill>
+                      <a:schemeClr val="tx1"/>
+                    </a:solidFill>
+                  </a:ln>
+                </p:spPr>
+                <p:txBody>
+                  <a:bodyPr wrap="square" rtlCol="0">
+                    <a:spAutoFit/>
+                  </a:bodyPr>
+                  <a:lstStyle/>
+                  <a:p>
+                    <a:pPr algn="ctr"/>
+                    <a:r>
+                      <a:rPr lang="es-ES" sz="2000" dirty="0">
+                        <a:latin typeface="Geist Mono" pitchFamily="2" charset="77"/>
+                        <a:ea typeface="Geist Mono" pitchFamily="2" charset="77"/>
+                        <a:cs typeface="Geist Mono" pitchFamily="2" charset="77"/>
+                      </a:rPr>
+                      <a:t>else</a:t>
+                    </a:r>
+                  </a:p>
+                </p:txBody>
+              </p:sp>
+            </p:grpSp>
+            <p:sp>
+              <p:nvSpPr>
+                <p:cNvPr id="4" name="CuadroTexto 3">
+                  <a:extLst>
+                    <a:ext uri="{FF2B5EF4-FFF2-40B4-BE49-F238E27FC236}">
+                      <a16:creationId xmlns:a16="http://schemas.microsoft.com/office/drawing/2014/main" id="{082B85F6-B580-7B53-1F65-99B9A9DCDCCC}"/>
+                    </a:ext>
+                  </a:extLst>
+                </p:cNvPr>
+                <p:cNvSpPr txBox="1"/>
+                <p:nvPr/>
+              </p:nvSpPr>
+              <p:spPr>
+                <a:xfrm>
+                  <a:off x="7320931" y="1152035"/>
+                  <a:ext cx="2426918" cy="400110"/>
+                </a:xfrm>
+                <a:prstGeom prst="rect">
+                  <a:avLst/>
+                </a:prstGeom>
+                <a:solidFill>
+                  <a:srgbClr val="FFFF00"/>
+                </a:solidFill>
+                <a:ln w="19050">
+                  <a:solidFill>
+                    <a:schemeClr val="tx1"/>
+                  </a:solidFill>
+                </a:ln>
+              </p:spPr>
+              <p:txBody>
+                <a:bodyPr wrap="square" rtlCol="0">
+                  <a:spAutoFit/>
+                </a:bodyPr>
+                <a:lstStyle/>
+                <a:p>
+                  <a:pPr algn="ctr"/>
+                  <a:r>
+                    <a:rPr lang="es-ES" sz="2000" dirty="0">
+                      <a:latin typeface="Geist Mono" pitchFamily="2" charset="77"/>
+                      <a:ea typeface="Geist Mono" pitchFamily="2" charset="77"/>
+                      <a:cs typeface="Geist Mono" pitchFamily="2" charset="77"/>
+                    </a:rPr>
+                    <a:t>resultado else</a:t>
+                  </a:r>
+                </a:p>
+              </p:txBody>
+            </p:sp>
+            <p:sp>
+              <p:nvSpPr>
+                <p:cNvPr id="5" name="CuadroTexto 4">
+                  <a:extLst>
+                    <a:ext uri="{FF2B5EF4-FFF2-40B4-BE49-F238E27FC236}">
+                      <a16:creationId xmlns:a16="http://schemas.microsoft.com/office/drawing/2014/main" id="{B5C5624F-E52F-5DA3-28C0-FB697298D513}"/>
+                    </a:ext>
+                  </a:extLst>
+                </p:cNvPr>
+                <p:cNvSpPr txBox="1"/>
+                <p:nvPr/>
+              </p:nvSpPr>
+              <p:spPr>
+                <a:xfrm>
+                  <a:off x="941949" y="1158812"/>
+                  <a:ext cx="2612134" cy="400110"/>
+                </a:xfrm>
+                <a:prstGeom prst="rect">
+                  <a:avLst/>
+                </a:prstGeom>
+                <a:solidFill>
+                  <a:schemeClr val="accent3">
+                    <a:lumMod val="20000"/>
+                    <a:lumOff val="80000"/>
+                  </a:schemeClr>
+                </a:solidFill>
+                <a:ln w="19050">
+                  <a:solidFill>
+                    <a:schemeClr val="tx1"/>
+                  </a:solidFill>
+                </a:ln>
+              </p:spPr>
+              <p:txBody>
+                <a:bodyPr wrap="square" rtlCol="0">
+                  <a:spAutoFit/>
+                </a:bodyPr>
+                <a:lstStyle/>
+                <a:p>
+                  <a:pPr algn="ctr"/>
+                  <a:r>
+                    <a:rPr lang="es-ES" sz="2000" dirty="0">
+                      <a:latin typeface="Geist Mono" pitchFamily="2" charset="77"/>
+                      <a:ea typeface="Geist Mono" pitchFamily="2" charset="77"/>
+                      <a:cs typeface="Geist Mono" pitchFamily="2" charset="77"/>
+                    </a:rPr>
+                    <a:t>resultado else</a:t>
+                  </a:r>
+                </a:p>
+              </p:txBody>
+            </p:sp>
+          </p:grpSp>
+          <p:grpSp>
+            <p:nvGrpSpPr>
+              <p:cNvPr id="13" name="Grupo 12">
+                <a:extLst>
+                  <a:ext uri="{FF2B5EF4-FFF2-40B4-BE49-F238E27FC236}">
+                    <a16:creationId xmlns:a16="http://schemas.microsoft.com/office/drawing/2014/main" id="{91CBBF0D-DFB1-A3AA-DC9F-5782DE953328}"/>
+                  </a:ext>
+                </a:extLst>
+              </p:cNvPr>
+              <p:cNvGrpSpPr/>
+              <p:nvPr/>
+            </p:nvGrpSpPr>
+            <p:grpSpPr>
+              <a:xfrm>
+                <a:off x="357995" y="5206745"/>
+                <a:ext cx="11762118" cy="707886"/>
+                <a:chOff x="357995" y="1004540"/>
+                <a:chExt cx="11762118" cy="707886"/>
+              </a:xfrm>
+            </p:grpSpPr>
+            <p:grpSp>
+              <p:nvGrpSpPr>
+                <p:cNvPr id="14" name="Grupo 13">
+                  <a:extLst>
+                    <a:ext uri="{FF2B5EF4-FFF2-40B4-BE49-F238E27FC236}">
+                      <a16:creationId xmlns:a16="http://schemas.microsoft.com/office/drawing/2014/main" id="{6A397B6F-A22C-BB57-09D0-AF842FB345D0}"/>
+                    </a:ext>
+                  </a:extLst>
+                </p:cNvPr>
+                <p:cNvGrpSpPr/>
+                <p:nvPr/>
+              </p:nvGrpSpPr>
+              <p:grpSpPr>
+                <a:xfrm>
+                  <a:off x="357995" y="1004540"/>
+                  <a:ext cx="11762118" cy="707886"/>
+                  <a:chOff x="205595" y="2266872"/>
+                  <a:chExt cx="11762118" cy="707886"/>
+                </a:xfrm>
+              </p:grpSpPr>
+              <p:sp>
+                <p:nvSpPr>
+                  <p:cNvPr id="17" name="CuadroTexto 16">
+                    <a:extLst>
+                      <a:ext uri="{FF2B5EF4-FFF2-40B4-BE49-F238E27FC236}">
+                        <a16:creationId xmlns:a16="http://schemas.microsoft.com/office/drawing/2014/main" id="{511E9479-C8D9-256F-CE47-A213C3E7F51B}"/>
+                      </a:ext>
+                    </a:extLst>
+                  </p:cNvPr>
+                  <p:cNvSpPr txBox="1"/>
+                  <p:nvPr/>
+                </p:nvSpPr>
+                <p:spPr>
+                  <a:xfrm>
+                    <a:off x="205595" y="2266872"/>
+                    <a:ext cx="457200" cy="707886"/>
+                  </a:xfrm>
+                  <a:prstGeom prst="rect">
+                    <a:avLst/>
+                  </a:prstGeom>
+                  <a:solidFill>
+                    <a:srgbClr val="FFC000"/>
+                  </a:solidFill>
+                  <a:ln w="19050">
+                    <a:solidFill>
+                      <a:schemeClr val="tx1"/>
+                    </a:solidFill>
+                  </a:ln>
+                </p:spPr>
+                <p:txBody>
+                  <a:bodyPr wrap="square" rtlCol="0">
+                    <a:spAutoFit/>
+                  </a:bodyPr>
+                  <a:lstStyle/>
+                  <a:p>
+                    <a:r>
+                      <a:rPr lang="es-ES" sz="4000" dirty="0">
+                        <a:latin typeface="Geist Mono" pitchFamily="2" charset="77"/>
+                        <a:ea typeface="Geist Mono" pitchFamily="2" charset="77"/>
+                        <a:cs typeface="Geist Mono" pitchFamily="2" charset="77"/>
+                      </a:rPr>
+                      <a:t>[</a:t>
+                    </a:r>
+                  </a:p>
+                </p:txBody>
+              </p:sp>
+              <p:sp>
+                <p:nvSpPr>
+                  <p:cNvPr id="18" name="CuadroTexto 17">
+                    <a:extLst>
+                      <a:ext uri="{FF2B5EF4-FFF2-40B4-BE49-F238E27FC236}">
+                        <a16:creationId xmlns:a16="http://schemas.microsoft.com/office/drawing/2014/main" id="{1950D69C-906C-7725-FEEE-E5D7D1C9B25C}"/>
+                      </a:ext>
+                    </a:extLst>
+                  </p:cNvPr>
+                  <p:cNvSpPr txBox="1"/>
+                  <p:nvPr/>
+                </p:nvSpPr>
+                <p:spPr>
+                  <a:xfrm>
+                    <a:off x="11510513" y="2266872"/>
+                    <a:ext cx="457200" cy="707886"/>
+                  </a:xfrm>
+                  <a:prstGeom prst="rect">
+                    <a:avLst/>
+                  </a:prstGeom>
+                  <a:solidFill>
+                    <a:srgbClr val="FFC000"/>
+                  </a:solidFill>
+                  <a:ln w="19050">
+                    <a:solidFill>
+                      <a:schemeClr val="tx1"/>
+                    </a:solidFill>
+                  </a:ln>
+                </p:spPr>
+                <p:txBody>
+                  <a:bodyPr wrap="square" rtlCol="0">
+                    <a:spAutoFit/>
+                  </a:bodyPr>
+                  <a:lstStyle>
+                    <a:defPPr>
+                      <a:defRPr lang="es-ES"/>
+                    </a:defPPr>
+                    <a:lvl1pPr>
+                      <a:defRPr sz="4000"/>
+                    </a:lvl1pPr>
+                  </a:lstStyle>
+                  <a:p>
+                    <a:r>
+                      <a:rPr lang="es-ES" dirty="0">
+                        <a:latin typeface="Geist Mono" pitchFamily="2" charset="77"/>
+                        <a:ea typeface="Geist Mono" pitchFamily="2" charset="77"/>
+                        <a:cs typeface="Geist Mono" pitchFamily="2" charset="77"/>
+                      </a:rPr>
+                      <a:t>]</a:t>
+                    </a:r>
+                  </a:p>
+                </p:txBody>
+              </p:sp>
+              <p:sp>
+                <p:nvSpPr>
+                  <p:cNvPr id="19" name="CuadroTexto 18">
+                    <a:extLst>
+                      <a:ext uri="{FF2B5EF4-FFF2-40B4-BE49-F238E27FC236}">
+                        <a16:creationId xmlns:a16="http://schemas.microsoft.com/office/drawing/2014/main" id="{598B8E5C-1ADA-4FEF-70F6-53B46BA7DC28}"/>
+                      </a:ext>
+                    </a:extLst>
+                  </p:cNvPr>
+                  <p:cNvSpPr txBox="1"/>
+                  <p:nvPr/>
+                </p:nvSpPr>
+                <p:spPr>
+                  <a:xfrm>
+                    <a:off x="2618094" y="2421144"/>
+                    <a:ext cx="2240806" cy="400110"/>
+                  </a:xfrm>
+                  <a:prstGeom prst="rect">
+                    <a:avLst/>
+                  </a:prstGeom>
+                  <a:solidFill>
+                    <a:schemeClr val="accent3">
+                      <a:lumMod val="20000"/>
+                      <a:lumOff val="80000"/>
+                    </a:schemeClr>
+                  </a:solidFill>
+                  <a:ln w="19050">
+                    <a:solidFill>
+                      <a:schemeClr val="tx1"/>
+                    </a:solidFill>
+                  </a:ln>
+                </p:spPr>
+                <p:txBody>
+                  <a:bodyPr wrap="square" rtlCol="0">
+                    <a:spAutoFit/>
+                  </a:bodyPr>
+                  <a:lstStyle/>
+                  <a:p>
+                    <a:pPr algn="ctr"/>
+                    <a:r>
+                      <a:rPr lang="es-ES" sz="2000" dirty="0">
+                        <a:latin typeface="Geist Mono" pitchFamily="2" charset="77"/>
+                        <a:ea typeface="Geist Mono" pitchFamily="2" charset="77"/>
+                        <a:cs typeface="Geist Mono" pitchFamily="2" charset="77"/>
+                      </a:rPr>
+                      <a:t>if len(i) &gt; 4</a:t>
+                    </a:r>
+                  </a:p>
+                </p:txBody>
+              </p:sp>
+              <p:sp>
+                <p:nvSpPr>
+                  <p:cNvPr id="20" name="CuadroTexto 19">
+                    <a:extLst>
+                      <a:ext uri="{FF2B5EF4-FFF2-40B4-BE49-F238E27FC236}">
+                        <a16:creationId xmlns:a16="http://schemas.microsoft.com/office/drawing/2014/main" id="{E849A0B7-606E-2BF3-981D-9B7C225B850F}"/>
+                      </a:ext>
+                    </a:extLst>
+                  </p:cNvPr>
+                  <p:cNvSpPr txBox="1"/>
+                  <p:nvPr/>
+                </p:nvSpPr>
+                <p:spPr>
+                  <a:xfrm>
+                    <a:off x="8590994" y="2409754"/>
+                    <a:ext cx="2812223" cy="400110"/>
+                  </a:xfrm>
+                  <a:prstGeom prst="rect">
+                    <a:avLst/>
+                  </a:prstGeom>
+                  <a:solidFill>
+                    <a:srgbClr val="00B0F0"/>
+                  </a:solidFill>
+                  <a:ln w="19050">
+                    <a:solidFill>
+                      <a:schemeClr val="tx1"/>
+                    </a:solidFill>
+                  </a:ln>
+                </p:spPr>
+                <p:txBody>
+                  <a:bodyPr wrap="square" rtlCol="0">
+                    <a:spAutoFit/>
+                  </a:bodyPr>
+                  <a:lstStyle/>
+                  <a:p>
+                    <a:pPr algn="ctr"/>
+                    <a:r>
+                      <a:rPr lang="es-ES" sz="2000" dirty="0">
+                        <a:latin typeface="Geist Mono" pitchFamily="2" charset="77"/>
+                        <a:ea typeface="Geist Mono" pitchFamily="2" charset="77"/>
+                        <a:cs typeface="Geist Mono" pitchFamily="2" charset="77"/>
+                      </a:rPr>
+                      <a:t>for i in mi_lista</a:t>
+                    </a:r>
+                  </a:p>
+                </p:txBody>
+              </p:sp>
+              <p:sp>
+                <p:nvSpPr>
+                  <p:cNvPr id="21" name="CuadroTexto 20">
+                    <a:extLst>
+                      <a:ext uri="{FF2B5EF4-FFF2-40B4-BE49-F238E27FC236}">
+                        <a16:creationId xmlns:a16="http://schemas.microsoft.com/office/drawing/2014/main" id="{27BF002C-CE0E-3AD9-33BD-A85C41085BD8}"/>
+                      </a:ext>
+                    </a:extLst>
+                  </p:cNvPr>
+                  <p:cNvSpPr txBox="1"/>
+                  <p:nvPr/>
+                </p:nvSpPr>
+                <p:spPr>
+                  <a:xfrm>
+                    <a:off x="4899135" y="2421144"/>
+                    <a:ext cx="1138687" cy="400110"/>
+                  </a:xfrm>
+                  <a:prstGeom prst="rect">
+                    <a:avLst/>
+                  </a:prstGeom>
+                  <a:solidFill>
+                    <a:srgbClr val="FFFF00"/>
+                  </a:solidFill>
+                  <a:ln w="19050">
+                    <a:solidFill>
+                      <a:schemeClr val="tx1"/>
+                    </a:solidFill>
+                  </a:ln>
+                </p:spPr>
+                <p:txBody>
+                  <a:bodyPr wrap="square" rtlCol="0">
+                    <a:spAutoFit/>
+                  </a:bodyPr>
+                  <a:lstStyle/>
+                  <a:p>
+                    <a:pPr algn="ctr"/>
+                    <a:r>
+                      <a:rPr lang="es-ES" sz="2000" dirty="0">
+                        <a:latin typeface="Geist Mono" pitchFamily="2" charset="77"/>
+                        <a:ea typeface="Geist Mono" pitchFamily="2" charset="77"/>
+                        <a:cs typeface="Geist Mono" pitchFamily="2" charset="77"/>
+                      </a:rPr>
+                      <a:t>else</a:t>
+                    </a:r>
+                  </a:p>
+                </p:txBody>
+              </p:sp>
+            </p:grpSp>
+            <p:sp>
+              <p:nvSpPr>
+                <p:cNvPr id="15" name="CuadroTexto 14">
+                  <a:extLst>
+                    <a:ext uri="{FF2B5EF4-FFF2-40B4-BE49-F238E27FC236}">
+                      <a16:creationId xmlns:a16="http://schemas.microsoft.com/office/drawing/2014/main" id="{825C91C7-F048-F768-37E8-AE3FF4304FA0}"/>
+                    </a:ext>
+                  </a:extLst>
+                </p:cNvPr>
+                <p:cNvSpPr txBox="1"/>
+                <p:nvPr/>
+              </p:nvSpPr>
+              <p:spPr>
+                <a:xfrm>
+                  <a:off x="6253349" y="1147422"/>
+                  <a:ext cx="2426918" cy="400110"/>
+                </a:xfrm>
+                <a:prstGeom prst="rect">
+                  <a:avLst/>
+                </a:prstGeom>
+                <a:solidFill>
+                  <a:srgbClr val="FFFF00"/>
+                </a:solidFill>
+                <a:ln w="19050">
+                  <a:solidFill>
+                    <a:schemeClr val="tx1"/>
+                  </a:solidFill>
+                </a:ln>
+              </p:spPr>
+              <p:txBody>
+                <a:bodyPr wrap="square" rtlCol="0">
+                  <a:spAutoFit/>
+                </a:bodyPr>
+                <a:lstStyle/>
+                <a:p>
+                  <a:pPr algn="ctr"/>
+                  <a:r>
+                    <a:rPr lang="es-ES" sz="2000" dirty="0">
+                      <a:latin typeface="Geist Mono" pitchFamily="2" charset="77"/>
+                      <a:ea typeface="Geist Mono" pitchFamily="2" charset="77"/>
+                      <a:cs typeface="Geist Mono" pitchFamily="2" charset="77"/>
+                    </a:rPr>
+                    <a:t>i.lower() else</a:t>
+                  </a:r>
+                </a:p>
+              </p:txBody>
+            </p:sp>
+            <p:sp>
+              <p:nvSpPr>
+                <p:cNvPr id="16" name="CuadroTexto 15">
+                  <a:extLst>
+                    <a:ext uri="{FF2B5EF4-FFF2-40B4-BE49-F238E27FC236}">
+                      <a16:creationId xmlns:a16="http://schemas.microsoft.com/office/drawing/2014/main" id="{B3754DB6-3DE0-E90E-A95C-E5E38820585B}"/>
+                    </a:ext>
+                  </a:extLst>
+                </p:cNvPr>
+                <p:cNvSpPr txBox="1"/>
+                <p:nvPr/>
+              </p:nvSpPr>
+              <p:spPr>
+                <a:xfrm>
+                  <a:off x="941949" y="1158812"/>
+                  <a:ext cx="1788310" cy="400110"/>
+                </a:xfrm>
+                <a:prstGeom prst="rect">
+                  <a:avLst/>
+                </a:prstGeom>
+                <a:solidFill>
+                  <a:schemeClr val="accent3">
+                    <a:lumMod val="20000"/>
+                    <a:lumOff val="80000"/>
+                  </a:schemeClr>
+                </a:solidFill>
+                <a:ln w="19050">
+                  <a:solidFill>
+                    <a:schemeClr val="tx1"/>
+                  </a:solidFill>
+                </a:ln>
+              </p:spPr>
+              <p:txBody>
+                <a:bodyPr wrap="square" rtlCol="0">
+                  <a:spAutoFit/>
+                </a:bodyPr>
+                <a:lstStyle/>
+                <a:p>
+                  <a:pPr algn="ctr"/>
+                  <a:r>
+                    <a:rPr lang="es-ES" sz="2000" dirty="0">
+                      <a:latin typeface="Geist Mono" pitchFamily="2" charset="77"/>
+                      <a:ea typeface="Geist Mono" pitchFamily="2" charset="77"/>
+                      <a:cs typeface="Geist Mono" pitchFamily="2" charset="77"/>
+                    </a:rPr>
+                    <a:t>i.upper()</a:t>
+                  </a:r>
+                </a:p>
+              </p:txBody>
+            </p:sp>
+          </p:grpSp>
+        </p:grpSp>
+      </p:grpSp>
+    </p:spTree>
+    <p:extLst>
+      <p:ext uri="{BB962C8B-B14F-4D97-AF65-F5344CB8AC3E}">
+        <p14:creationId xmlns:p14="http://schemas.microsoft.com/office/powerpoint/2010/main" val="1732208532"/>
+      </p:ext>
+    </p:extLst>
+  </p:cSld>
+  <p:clrMapOvr>
+    <a:masterClrMapping/>
+  </p:clrMapOvr>
+</p:sld>
+</file>
+
+<file path=ppt/slides/slide9.xml><?xml version="1.0" encoding="utf-8"?>
+<p:sld xmlns:a="http://schemas.openxmlformats.org/drawingml/2006/main" xmlns:r="http://schemas.openxmlformats.org/officeDocument/2006/relationships" xmlns:p="http://schemas.openxmlformats.org/presentationml/2006/main">
+  <p:cSld>
+    <p:spTree>
+      <p:nvGrpSpPr>
+        <p:cNvPr id="1" name=""/>
+        <p:cNvGrpSpPr/>
+        <p:nvPr/>
+      </p:nvGrpSpPr>
+      <p:grpSpPr>
+        <a:xfrm>
+          <a:off x="0" y="0"/>
+          <a:ext cx="0" cy="0"/>
+          <a:chOff x="0" y="0"/>
+          <a:chExt cx="0" cy="0"/>
+        </a:xfrm>
+      </p:grpSpPr>
+      <p:grpSp>
+        <p:nvGrpSpPr>
+          <p:cNvPr id="24" name="Grupo 23">
+            <a:extLst>
+              <a:ext uri="{FF2B5EF4-FFF2-40B4-BE49-F238E27FC236}">
+                <a16:creationId xmlns:a16="http://schemas.microsoft.com/office/drawing/2014/main" id="{FA0B8D15-78B7-CC0A-CD48-C48F2F4894D2}"/>
+              </a:ext>
+            </a:extLst>
+          </p:cNvPr>
+          <p:cNvGrpSpPr/>
+          <p:nvPr/>
+        </p:nvGrpSpPr>
+        <p:grpSpPr>
+          <a:xfrm>
+            <a:off x="103517" y="707366"/>
+            <a:ext cx="12088483" cy="5572664"/>
+            <a:chOff x="103517" y="707366"/>
+            <a:chExt cx="12088483" cy="5572664"/>
+          </a:xfrm>
+        </p:grpSpPr>
+        <p:sp>
+          <p:nvSpPr>
+            <p:cNvPr id="23" name="Rectángulo 22">
+              <a:extLst>
+                <a:ext uri="{FF2B5EF4-FFF2-40B4-BE49-F238E27FC236}">
+                  <a16:creationId xmlns:a16="http://schemas.microsoft.com/office/drawing/2014/main" id="{B697F2C3-8978-ED64-0E32-AEA55AB5CD99}"/>
+                </a:ext>
+              </a:extLst>
+            </p:cNvPr>
+            <p:cNvSpPr/>
+            <p:nvPr/>
+          </p:nvSpPr>
+          <p:spPr>
+            <a:xfrm>
+              <a:off x="103517" y="707366"/>
+              <a:ext cx="12088483" cy="5572664"/>
+            </a:xfrm>
+            <a:prstGeom prst="rect">
+              <a:avLst/>
+            </a:prstGeom>
+            <a:solidFill>
+              <a:schemeClr val="bg1"/>
+            </a:solidFill>
+            <a:ln>
+              <a:noFill/>
+            </a:ln>
+          </p:spPr>
+          <p:style>
+            <a:lnRef idx="2">
+              <a:schemeClr val="accent1">
+                <a:shade val="15000"/>
+              </a:schemeClr>
+            </a:lnRef>
+            <a:fillRef idx="1">
+              <a:schemeClr val="accent1"/>
+            </a:fillRef>
+            <a:effectRef idx="0">
+              <a:schemeClr val="accent1"/>
+            </a:effectRef>
+            <a:fontRef idx="minor">
+              <a:schemeClr val="lt1"/>
+            </a:fontRef>
+          </p:style>
+          <p:txBody>
+            <a:bodyPr rtlCol="0" anchor="ctr"/>
+            <a:lstStyle/>
+            <a:p>
+              <a:pPr algn="ctr"/>
+              <a:endParaRPr lang="es-ES"/>
+            </a:p>
+          </p:txBody>
+        </p:sp>
+        <p:grpSp>
+          <p:nvGrpSpPr>
+            <p:cNvPr id="22" name="Grupo 21">
+              <a:extLst>
+                <a:ext uri="{FF2B5EF4-FFF2-40B4-BE49-F238E27FC236}">
+                  <a16:creationId xmlns:a16="http://schemas.microsoft.com/office/drawing/2014/main" id="{6FED28A4-BB2A-1B41-BF8F-A763AD7EE29C}"/>
+                </a:ext>
+              </a:extLst>
+            </p:cNvPr>
+            <p:cNvGrpSpPr/>
+            <p:nvPr/>
+          </p:nvGrpSpPr>
+          <p:grpSpPr>
+            <a:xfrm>
+              <a:off x="357995" y="1004540"/>
+              <a:ext cx="11762118" cy="4910091"/>
+              <a:chOff x="357995" y="1004540"/>
+              <a:chExt cx="11762118" cy="4910091"/>
+            </a:xfrm>
+          </p:grpSpPr>
+          <p:sp>
+            <p:nvSpPr>
+              <p:cNvPr id="36" name="Flecha abajo 35">
+                <a:extLst>
+                  <a:ext uri="{FF2B5EF4-FFF2-40B4-BE49-F238E27FC236}">
+                    <a16:creationId xmlns:a16="http://schemas.microsoft.com/office/drawing/2014/main" id="{2462C9EC-BBB6-912D-6FDD-4593933A77C4}"/>
+                  </a:ext>
+                </a:extLst>
+              </p:cNvPr>
+              <p:cNvSpPr/>
+              <p:nvPr/>
+            </p:nvSpPr>
+            <p:spPr>
+              <a:xfrm>
+                <a:off x="5609325" y="2191109"/>
+                <a:ext cx="1138687" cy="642668"/>
+              </a:xfrm>
+              <a:prstGeom prst="downArrow">
+                <a:avLst/>
+              </a:prstGeom>
+              <a:gradFill flip="none" rotWithShape="1">
+                <a:gsLst>
+                  <a:gs pos="0">
+                    <a:schemeClr val="accent2">
+                      <a:lumMod val="67000"/>
+                    </a:schemeClr>
+                  </a:gs>
+                  <a:gs pos="48000">
+                    <a:schemeClr val="accent2">
+                      <a:lumMod val="97000"/>
+                      <a:lumOff val="3000"/>
+                    </a:schemeClr>
+                  </a:gs>
+                  <a:gs pos="100000">
+                    <a:schemeClr val="accent2">
+                      <a:lumMod val="60000"/>
+                      <a:lumOff val="40000"/>
+                    </a:schemeClr>
+                  </a:gs>
+                </a:gsLst>
+                <a:lin ang="16200000" scaled="1"/>
+                <a:tileRect/>
+              </a:gradFill>
+              <a:ln>
+                <a:noFill/>
+              </a:ln>
+            </p:spPr>
+            <p:style>
+              <a:lnRef idx="0">
+                <a:scrgbClr r="0" g="0" b="0"/>
+              </a:lnRef>
+              <a:fillRef idx="0">
+                <a:scrgbClr r="0" g="0" b="0"/>
+              </a:fillRef>
+              <a:effectRef idx="0">
+                <a:scrgbClr r="0" g="0" b="0"/>
+              </a:effectRef>
+              <a:fontRef idx="minor">
+                <a:schemeClr val="lt1"/>
+              </a:fontRef>
+            </p:style>
+            <p:txBody>
+              <a:bodyPr rtlCol="0" anchor="ctr"/>
+              <a:lstStyle/>
+              <a:p>
+                <a:pPr algn="ctr"/>
+                <a:endParaRPr lang="es-ES">
+                  <a:latin typeface="Geist Mono" pitchFamily="2" charset="77"/>
+                  <a:ea typeface="Geist Mono" pitchFamily="2" charset="77"/>
+                  <a:cs typeface="Geist Mono" pitchFamily="2" charset="77"/>
+                </a:endParaRPr>
+              </a:p>
+            </p:txBody>
+          </p:sp>
+          <p:sp>
+            <p:nvSpPr>
+              <p:cNvPr id="37" name="Flecha abajo 36">
+                <a:extLst>
+                  <a:ext uri="{FF2B5EF4-FFF2-40B4-BE49-F238E27FC236}">
+                    <a16:creationId xmlns:a16="http://schemas.microsoft.com/office/drawing/2014/main" id="{A5399141-39DD-0BED-63DD-72412EC7E9CC}"/>
+                  </a:ext>
+                </a:extLst>
+              </p:cNvPr>
+              <p:cNvSpPr/>
+              <p:nvPr/>
+            </p:nvSpPr>
+            <p:spPr>
+              <a:xfrm>
+                <a:off x="5609325" y="4341300"/>
+                <a:ext cx="1138687" cy="642668"/>
+              </a:xfrm>
+              <a:prstGeom prst="downArrow">
+                <a:avLst/>
+              </a:prstGeom>
+              <a:gradFill flip="none" rotWithShape="1">
+                <a:gsLst>
+                  <a:gs pos="0">
+                    <a:schemeClr val="accent2">
+                      <a:lumMod val="67000"/>
+                    </a:schemeClr>
+                  </a:gs>
+                  <a:gs pos="48000">
+                    <a:schemeClr val="accent2">
+                      <a:lumMod val="97000"/>
+                      <a:lumOff val="3000"/>
+                    </a:schemeClr>
+                  </a:gs>
+                  <a:gs pos="100000">
+                    <a:schemeClr val="accent2">
+                      <a:lumMod val="60000"/>
+                      <a:lumOff val="40000"/>
+                    </a:schemeClr>
+                  </a:gs>
+                </a:gsLst>
+                <a:lin ang="16200000" scaled="1"/>
+                <a:tileRect/>
+              </a:gradFill>
+              <a:ln>
+                <a:noFill/>
+              </a:ln>
+            </p:spPr>
+            <p:style>
+              <a:lnRef idx="0">
+                <a:scrgbClr r="0" g="0" b="0"/>
+              </a:lnRef>
+              <a:fillRef idx="0">
+                <a:scrgbClr r="0" g="0" b="0"/>
+              </a:fillRef>
+              <a:effectRef idx="0">
+                <a:scrgbClr r="0" g="0" b="0"/>
+              </a:effectRef>
+              <a:fontRef idx="minor">
+                <a:schemeClr val="lt1"/>
+              </a:fontRef>
+            </p:style>
+            <p:txBody>
+              <a:bodyPr rtlCol="0" anchor="ctr"/>
+              <a:lstStyle/>
+              <a:p>
+                <a:pPr algn="ctr"/>
+                <a:endParaRPr lang="es-ES">
+                  <a:latin typeface="Geist Mono" pitchFamily="2" charset="77"/>
+                  <a:ea typeface="Geist Mono" pitchFamily="2" charset="77"/>
+                  <a:cs typeface="Geist Mono" pitchFamily="2" charset="77"/>
+                </a:endParaRPr>
+              </a:p>
+            </p:txBody>
+          </p:sp>
+          <p:sp>
+            <p:nvSpPr>
+              <p:cNvPr id="38" name="CuadroTexto 37">
+                <a:extLst>
+                  <a:ext uri="{FF2B5EF4-FFF2-40B4-BE49-F238E27FC236}">
+                    <a16:creationId xmlns:a16="http://schemas.microsoft.com/office/drawing/2014/main" id="{B610E2C8-9435-24A3-C055-21EBB5B2FE9A}"/>
+                  </a:ext>
+                </a:extLst>
+              </p:cNvPr>
+              <p:cNvSpPr txBox="1"/>
+              <p:nvPr/>
+            </p:nvSpPr>
+            <p:spPr>
+              <a:xfrm>
+                <a:off x="357995" y="3059668"/>
+                <a:ext cx="11583840" cy="646331"/>
+              </a:xfrm>
+              <a:prstGeom prst="rect">
+                <a:avLst/>
+              </a:prstGeom>
+              <a:noFill/>
+            </p:spPr>
+            <p:txBody>
+              <a:bodyPr wrap="square" rtlCol="0">
+                <a:spAutoFit/>
+              </a:bodyPr>
+              <a:lstStyle/>
+              <a:p>
+                <a:pPr algn="ctr"/>
+                <a:r>
+                  <a:rPr lang="es-ES" dirty="0">
+                    <a:latin typeface="Geist Mono" pitchFamily="2" charset="77"/>
+                    <a:ea typeface="Geist Mono" pitchFamily="2" charset="77"/>
+                    <a:cs typeface="Geist Mono" pitchFamily="2" charset="77"/>
+                  </a:rPr>
+                  <a:t>Imaginemos que queremos convertir todas las palabras de una lista a mayúscula si la palabra tiene más de 4 caracteres y en minúscula si tiene menos de 4 caracteres</a:t>
+                </a:r>
+              </a:p>
+            </p:txBody>
+          </p:sp>
+          <p:grpSp>
+            <p:nvGrpSpPr>
+              <p:cNvPr id="12" name="Grupo 11">
+                <a:extLst>
+                  <a:ext uri="{FF2B5EF4-FFF2-40B4-BE49-F238E27FC236}">
+                    <a16:creationId xmlns:a16="http://schemas.microsoft.com/office/drawing/2014/main" id="{013E3E01-D5AA-E3DF-4517-21A48A28BC39}"/>
+                  </a:ext>
+                </a:extLst>
+              </p:cNvPr>
+              <p:cNvGrpSpPr/>
+              <p:nvPr/>
+            </p:nvGrpSpPr>
+            <p:grpSpPr>
+              <a:xfrm>
+                <a:off x="357995" y="1004540"/>
+                <a:ext cx="11762118" cy="707886"/>
+                <a:chOff x="357995" y="1004540"/>
+                <a:chExt cx="11762118" cy="707886"/>
+              </a:xfrm>
+            </p:grpSpPr>
+            <p:grpSp>
+              <p:nvGrpSpPr>
+                <p:cNvPr id="30" name="Grupo 29">
+                  <a:extLst>
+                    <a:ext uri="{FF2B5EF4-FFF2-40B4-BE49-F238E27FC236}">
+                      <a16:creationId xmlns:a16="http://schemas.microsoft.com/office/drawing/2014/main" id="{F359BCE0-19BD-5786-7324-C31D3F80115B}"/>
+                    </a:ext>
+                  </a:extLst>
+                </p:cNvPr>
+                <p:cNvGrpSpPr/>
+                <p:nvPr/>
+              </p:nvGrpSpPr>
+              <p:grpSpPr>
+                <a:xfrm>
+                  <a:off x="357995" y="1004540"/>
+                  <a:ext cx="11762118" cy="707886"/>
+                  <a:chOff x="205595" y="2266872"/>
+                  <a:chExt cx="11762118" cy="707886"/>
+                </a:xfrm>
+              </p:grpSpPr>
+              <p:sp>
+                <p:nvSpPr>
+                  <p:cNvPr id="31" name="CuadroTexto 30">
+                    <a:extLst>
+                      <a:ext uri="{FF2B5EF4-FFF2-40B4-BE49-F238E27FC236}">
+                        <a16:creationId xmlns:a16="http://schemas.microsoft.com/office/drawing/2014/main" id="{7CEE851D-9350-BD2D-FF91-574FB10480C4}"/>
+                      </a:ext>
+                    </a:extLst>
+                  </p:cNvPr>
+                  <p:cNvSpPr txBox="1"/>
+                  <p:nvPr/>
+                </p:nvSpPr>
+                <p:spPr>
+                  <a:xfrm>
+                    <a:off x="205595" y="2266872"/>
+                    <a:ext cx="457200" cy="707886"/>
+                  </a:xfrm>
+                  <a:prstGeom prst="rect">
+                    <a:avLst/>
+                  </a:prstGeom>
+                  <a:solidFill>
+                    <a:srgbClr val="FFC000"/>
+                  </a:solidFill>
+                  <a:ln w="19050">
+                    <a:solidFill>
+                      <a:schemeClr val="tx1"/>
+                    </a:solidFill>
+                  </a:ln>
+                </p:spPr>
+                <p:txBody>
+                  <a:bodyPr wrap="square" rtlCol="0">
+                    <a:spAutoFit/>
+                  </a:bodyPr>
+                  <a:lstStyle/>
+                  <a:p>
+                    <a:r>
+                      <a:rPr lang="es-ES" sz="4000" dirty="0">
+                        <a:latin typeface="Geist Mono" pitchFamily="2" charset="77"/>
+                        <a:ea typeface="Geist Mono" pitchFamily="2" charset="77"/>
+                        <a:cs typeface="Geist Mono" pitchFamily="2" charset="77"/>
+                      </a:rPr>
+                      <a:t>[</a:t>
+                    </a:r>
+                  </a:p>
+                </p:txBody>
+              </p:sp>
+              <p:sp>
+                <p:nvSpPr>
+                  <p:cNvPr id="32" name="CuadroTexto 31">
+                    <a:extLst>
+                      <a:ext uri="{FF2B5EF4-FFF2-40B4-BE49-F238E27FC236}">
+                        <a16:creationId xmlns:a16="http://schemas.microsoft.com/office/drawing/2014/main" id="{589F276B-358E-56C0-76D7-77F946B844A2}"/>
+                      </a:ext>
+                    </a:extLst>
+                  </p:cNvPr>
+                  <p:cNvSpPr txBox="1"/>
+                  <p:nvPr/>
+                </p:nvSpPr>
+                <p:spPr>
+                  <a:xfrm>
+                    <a:off x="11510513" y="2266872"/>
+                    <a:ext cx="457200" cy="707886"/>
+                  </a:xfrm>
+                  <a:prstGeom prst="rect">
+                    <a:avLst/>
+                  </a:prstGeom>
+                  <a:solidFill>
+                    <a:srgbClr val="FFC000"/>
+                  </a:solidFill>
+                  <a:ln w="19050">
+                    <a:solidFill>
+                      <a:schemeClr val="tx1"/>
+                    </a:solidFill>
+                  </a:ln>
+                </p:spPr>
+                <p:txBody>
+                  <a:bodyPr wrap="square" rtlCol="0">
+                    <a:spAutoFit/>
+                  </a:bodyPr>
+                  <a:lstStyle>
+                    <a:defPPr>
+                      <a:defRPr lang="es-ES"/>
+                    </a:defPPr>
+                    <a:lvl1pPr>
+                      <a:defRPr sz="4000"/>
+                    </a:lvl1pPr>
+                  </a:lstStyle>
+                  <a:p>
+                    <a:r>
+                      <a:rPr lang="es-ES" dirty="0">
+                        <a:latin typeface="Geist Mono" pitchFamily="2" charset="77"/>
+                        <a:ea typeface="Geist Mono" pitchFamily="2" charset="77"/>
+                        <a:cs typeface="Geist Mono" pitchFamily="2" charset="77"/>
+                      </a:rPr>
+                      <a:t>]</a:t>
+                    </a:r>
+                  </a:p>
+                </p:txBody>
+              </p:sp>
+              <p:sp>
+                <p:nvSpPr>
+                  <p:cNvPr id="33" name="CuadroTexto 32">
+                    <a:extLst>
+                      <a:ext uri="{FF2B5EF4-FFF2-40B4-BE49-F238E27FC236}">
+                        <a16:creationId xmlns:a16="http://schemas.microsoft.com/office/drawing/2014/main" id="{ACEA0A6D-34BD-326B-2C47-9AF0AFD8063D}"/>
+                      </a:ext>
+                    </a:extLst>
+                  </p:cNvPr>
+                  <p:cNvSpPr txBox="1"/>
+                  <p:nvPr/>
+                </p:nvSpPr>
+                <p:spPr>
+                  <a:xfrm>
+                    <a:off x="3541768" y="2417244"/>
+                    <a:ext cx="2240806" cy="400110"/>
+                  </a:xfrm>
+                  <a:prstGeom prst="rect">
+                    <a:avLst/>
+                  </a:prstGeom>
+                  <a:solidFill>
+                    <a:schemeClr val="accent3">
+                      <a:lumMod val="20000"/>
+                      <a:lumOff val="80000"/>
+                    </a:schemeClr>
+                  </a:solidFill>
+                  <a:ln w="19050">
+                    <a:solidFill>
+                      <a:schemeClr val="tx1"/>
+                    </a:solidFill>
+                  </a:ln>
+                </p:spPr>
+                <p:txBody>
+                  <a:bodyPr wrap="square" rtlCol="0">
+                    <a:spAutoFit/>
+                  </a:bodyPr>
+                  <a:lstStyle/>
+                  <a:p>
+                    <a:pPr algn="ctr"/>
+                    <a:r>
+                      <a:rPr lang="es-ES" sz="2000" dirty="0">
+                        <a:latin typeface="Geist Mono" pitchFamily="2" charset="77"/>
+                        <a:ea typeface="Geist Mono" pitchFamily="2" charset="77"/>
+                        <a:cs typeface="Geist Mono" pitchFamily="2" charset="77"/>
+                      </a:rPr>
+                      <a:t>condición if</a:t>
+                    </a:r>
+                  </a:p>
+                </p:txBody>
+              </p:sp>
+              <p:sp>
+                <p:nvSpPr>
+                  <p:cNvPr id="34" name="CuadroTexto 33">
+                    <a:extLst>
+                      <a:ext uri="{FF2B5EF4-FFF2-40B4-BE49-F238E27FC236}">
+                        <a16:creationId xmlns:a16="http://schemas.microsoft.com/office/drawing/2014/main" id="{FEA34C0A-BAB6-5919-5C9B-A05C31319DDF}"/>
+                      </a:ext>
+                    </a:extLst>
+                  </p:cNvPr>
+                  <p:cNvSpPr txBox="1"/>
+                  <p:nvPr/>
+                </p:nvSpPr>
+                <p:spPr>
+                  <a:xfrm>
+                    <a:off x="9719084" y="2414367"/>
+                    <a:ext cx="1722418" cy="400110"/>
+                  </a:xfrm>
+                  <a:prstGeom prst="rect">
+                    <a:avLst/>
+                  </a:prstGeom>
+                  <a:solidFill>
+                    <a:srgbClr val="00B0F0"/>
+                  </a:solidFill>
+                  <a:ln w="19050">
+                    <a:solidFill>
+                      <a:schemeClr val="tx1"/>
+                    </a:solidFill>
+                  </a:ln>
+                </p:spPr>
+                <p:txBody>
+                  <a:bodyPr wrap="square" rtlCol="0">
+                    <a:spAutoFit/>
+                  </a:bodyPr>
+                  <a:lstStyle/>
+                  <a:p>
+                    <a:pPr algn="ctr"/>
+                    <a:r>
+                      <a:rPr lang="es-ES" sz="2000" dirty="0">
+                        <a:latin typeface="Geist Mono" pitchFamily="2" charset="77"/>
+                        <a:ea typeface="Geist Mono" pitchFamily="2" charset="77"/>
+                        <a:cs typeface="Geist Mono" pitchFamily="2" charset="77"/>
+                      </a:rPr>
+                      <a:t>iterable</a:t>
+                    </a:r>
+                  </a:p>
+                </p:txBody>
+              </p:sp>
+              <p:sp>
+                <p:nvSpPr>
+                  <p:cNvPr id="35" name="CuadroTexto 34">
+                    <a:extLst>
+                      <a:ext uri="{FF2B5EF4-FFF2-40B4-BE49-F238E27FC236}">
+                        <a16:creationId xmlns:a16="http://schemas.microsoft.com/office/drawing/2014/main" id="{D8BC4B20-4EC4-C075-96E7-1CB2FAB9632B}"/>
+                      </a:ext>
+                    </a:extLst>
+                  </p:cNvPr>
+                  <p:cNvSpPr txBox="1"/>
+                  <p:nvPr/>
+                </p:nvSpPr>
+                <p:spPr>
+                  <a:xfrm>
+                    <a:off x="5906209" y="2417244"/>
+                    <a:ext cx="1138687" cy="400110"/>
+                  </a:xfrm>
+                  <a:prstGeom prst="rect">
+                    <a:avLst/>
+                  </a:prstGeom>
+                  <a:solidFill>
+                    <a:srgbClr val="FFFF00"/>
+                  </a:solidFill>
+                  <a:ln w="19050">
+                    <a:solidFill>
+                      <a:schemeClr val="tx1"/>
+                    </a:solidFill>
+                  </a:ln>
+                </p:spPr>
+                <p:txBody>
+                  <a:bodyPr wrap="square" rtlCol="0">
+                    <a:spAutoFit/>
+                  </a:bodyPr>
+                  <a:lstStyle/>
+                  <a:p>
+                    <a:pPr algn="ctr"/>
+                    <a:r>
+                      <a:rPr lang="es-ES" sz="2000" dirty="0">
+                        <a:latin typeface="Geist Mono" pitchFamily="2" charset="77"/>
+                        <a:ea typeface="Geist Mono" pitchFamily="2" charset="77"/>
+                        <a:cs typeface="Geist Mono" pitchFamily="2" charset="77"/>
+                      </a:rPr>
+                      <a:t>else</a:t>
+                    </a:r>
+                  </a:p>
+                </p:txBody>
+              </p:sp>
+            </p:grpSp>
+            <p:sp>
+              <p:nvSpPr>
+                <p:cNvPr id="4" name="CuadroTexto 3">
+                  <a:extLst>
+                    <a:ext uri="{FF2B5EF4-FFF2-40B4-BE49-F238E27FC236}">
+                      <a16:creationId xmlns:a16="http://schemas.microsoft.com/office/drawing/2014/main" id="{082B85F6-B580-7B53-1F65-99B9A9DCDCCC}"/>
+                    </a:ext>
+                  </a:extLst>
+                </p:cNvPr>
+                <p:cNvSpPr txBox="1"/>
+                <p:nvPr/>
+              </p:nvSpPr>
+              <p:spPr>
+                <a:xfrm>
+                  <a:off x="7320931" y="1152035"/>
+                  <a:ext cx="2426918" cy="400110"/>
+                </a:xfrm>
+                <a:prstGeom prst="rect">
+                  <a:avLst/>
+                </a:prstGeom>
+                <a:solidFill>
+                  <a:srgbClr val="FFFF00"/>
+                </a:solidFill>
+                <a:ln w="19050">
+                  <a:solidFill>
+                    <a:schemeClr val="tx1"/>
+                  </a:solidFill>
+                </a:ln>
+              </p:spPr>
+              <p:txBody>
+                <a:bodyPr wrap="square" rtlCol="0">
+                  <a:spAutoFit/>
+                </a:bodyPr>
+                <a:lstStyle/>
+                <a:p>
+                  <a:pPr algn="ctr"/>
+                  <a:r>
+                    <a:rPr lang="es-ES" sz="2000" dirty="0">
+                      <a:latin typeface="Geist Mono" pitchFamily="2" charset="77"/>
+                      <a:ea typeface="Geist Mono" pitchFamily="2" charset="77"/>
+                      <a:cs typeface="Geist Mono" pitchFamily="2" charset="77"/>
+                    </a:rPr>
+                    <a:t>resultado else</a:t>
+                  </a:r>
+                </a:p>
+              </p:txBody>
+            </p:sp>
+            <p:sp>
+              <p:nvSpPr>
+                <p:cNvPr id="5" name="CuadroTexto 4">
+                  <a:extLst>
+                    <a:ext uri="{FF2B5EF4-FFF2-40B4-BE49-F238E27FC236}">
+                      <a16:creationId xmlns:a16="http://schemas.microsoft.com/office/drawing/2014/main" id="{B5C5624F-E52F-5DA3-28C0-FB697298D513}"/>
+                    </a:ext>
+                  </a:extLst>
+                </p:cNvPr>
+                <p:cNvSpPr txBox="1"/>
+                <p:nvPr/>
+              </p:nvSpPr>
+              <p:spPr>
+                <a:xfrm>
+                  <a:off x="941949" y="1158812"/>
+                  <a:ext cx="2612134" cy="400110"/>
+                </a:xfrm>
+                <a:prstGeom prst="rect">
+                  <a:avLst/>
+                </a:prstGeom>
+                <a:solidFill>
+                  <a:schemeClr val="accent3">
+                    <a:lumMod val="20000"/>
+                    <a:lumOff val="80000"/>
+                  </a:schemeClr>
+                </a:solidFill>
+                <a:ln w="19050">
+                  <a:solidFill>
+                    <a:schemeClr val="tx1"/>
+                  </a:solidFill>
+                </a:ln>
+              </p:spPr>
+              <p:txBody>
+                <a:bodyPr wrap="square" rtlCol="0">
+                  <a:spAutoFit/>
+                </a:bodyPr>
+                <a:lstStyle/>
+                <a:p>
+                  <a:pPr algn="ctr"/>
+                  <a:r>
+                    <a:rPr lang="es-ES" sz="2000" dirty="0">
+                      <a:latin typeface="Geist Mono" pitchFamily="2" charset="77"/>
+                      <a:ea typeface="Geist Mono" pitchFamily="2" charset="77"/>
+                      <a:cs typeface="Geist Mono" pitchFamily="2" charset="77"/>
+                    </a:rPr>
+                    <a:t>resultado else</a:t>
+                  </a:r>
+                </a:p>
+              </p:txBody>
+            </p:sp>
+          </p:grpSp>
+          <p:grpSp>
+            <p:nvGrpSpPr>
+              <p:cNvPr id="13" name="Grupo 12">
+                <a:extLst>
+                  <a:ext uri="{FF2B5EF4-FFF2-40B4-BE49-F238E27FC236}">
+                    <a16:creationId xmlns:a16="http://schemas.microsoft.com/office/drawing/2014/main" id="{91CBBF0D-DFB1-A3AA-DC9F-5782DE953328}"/>
+                  </a:ext>
+                </a:extLst>
+              </p:cNvPr>
+              <p:cNvGrpSpPr/>
+              <p:nvPr/>
+            </p:nvGrpSpPr>
+            <p:grpSpPr>
+              <a:xfrm>
+                <a:off x="357995" y="5206745"/>
+                <a:ext cx="11762118" cy="707886"/>
+                <a:chOff x="357995" y="1004540"/>
+                <a:chExt cx="11762118" cy="707886"/>
+              </a:xfrm>
+            </p:grpSpPr>
+            <p:grpSp>
+              <p:nvGrpSpPr>
+                <p:cNvPr id="14" name="Grupo 13">
+                  <a:extLst>
+                    <a:ext uri="{FF2B5EF4-FFF2-40B4-BE49-F238E27FC236}">
+                      <a16:creationId xmlns:a16="http://schemas.microsoft.com/office/drawing/2014/main" id="{6A397B6F-A22C-BB57-09D0-AF842FB345D0}"/>
+                    </a:ext>
+                  </a:extLst>
+                </p:cNvPr>
+                <p:cNvGrpSpPr/>
+                <p:nvPr/>
+              </p:nvGrpSpPr>
+              <p:grpSpPr>
+                <a:xfrm>
+                  <a:off x="357995" y="1004540"/>
+                  <a:ext cx="11762118" cy="707886"/>
+                  <a:chOff x="205595" y="2266872"/>
+                  <a:chExt cx="11762118" cy="707886"/>
+                </a:xfrm>
+              </p:grpSpPr>
+              <p:sp>
+                <p:nvSpPr>
+                  <p:cNvPr id="17" name="CuadroTexto 16">
+                    <a:extLst>
+                      <a:ext uri="{FF2B5EF4-FFF2-40B4-BE49-F238E27FC236}">
+                        <a16:creationId xmlns:a16="http://schemas.microsoft.com/office/drawing/2014/main" id="{511E9479-C8D9-256F-CE47-A213C3E7F51B}"/>
+                      </a:ext>
+                    </a:extLst>
+                  </p:cNvPr>
+                  <p:cNvSpPr txBox="1"/>
+                  <p:nvPr/>
+                </p:nvSpPr>
+                <p:spPr>
+                  <a:xfrm>
+                    <a:off x="205595" y="2266872"/>
+                    <a:ext cx="457200" cy="707886"/>
+                  </a:xfrm>
+                  <a:prstGeom prst="rect">
+                    <a:avLst/>
+                  </a:prstGeom>
+                  <a:solidFill>
+                    <a:srgbClr val="FFC000"/>
+                  </a:solidFill>
+                  <a:ln w="19050">
+                    <a:solidFill>
+                      <a:schemeClr val="tx1"/>
+                    </a:solidFill>
+                  </a:ln>
+                </p:spPr>
+                <p:txBody>
+                  <a:bodyPr wrap="square" rtlCol="0">
+                    <a:spAutoFit/>
+                  </a:bodyPr>
+                  <a:lstStyle/>
+                  <a:p>
+                    <a:r>
+                      <a:rPr lang="es-ES" sz="4000" dirty="0">
+                        <a:latin typeface="Geist Mono" pitchFamily="2" charset="77"/>
+                        <a:ea typeface="Geist Mono" pitchFamily="2" charset="77"/>
+                        <a:cs typeface="Geist Mono" pitchFamily="2" charset="77"/>
+                      </a:rPr>
+                      <a:t>[</a:t>
+                    </a:r>
+                  </a:p>
+                </p:txBody>
+              </p:sp>
+              <p:sp>
+                <p:nvSpPr>
+                  <p:cNvPr id="18" name="CuadroTexto 17">
+                    <a:extLst>
+                      <a:ext uri="{FF2B5EF4-FFF2-40B4-BE49-F238E27FC236}">
+                        <a16:creationId xmlns:a16="http://schemas.microsoft.com/office/drawing/2014/main" id="{1950D69C-906C-7725-FEEE-E5D7D1C9B25C}"/>
+                      </a:ext>
+                    </a:extLst>
+                  </p:cNvPr>
+                  <p:cNvSpPr txBox="1"/>
+                  <p:nvPr/>
+                </p:nvSpPr>
+                <p:spPr>
+                  <a:xfrm>
+                    <a:off x="11510513" y="2266872"/>
+                    <a:ext cx="457200" cy="707886"/>
+                  </a:xfrm>
+                  <a:prstGeom prst="rect">
+                    <a:avLst/>
+                  </a:prstGeom>
+                  <a:solidFill>
+                    <a:srgbClr val="FFC000"/>
+                  </a:solidFill>
+                  <a:ln w="19050">
+                    <a:solidFill>
+                      <a:schemeClr val="tx1"/>
+                    </a:solidFill>
+                  </a:ln>
+                </p:spPr>
+                <p:txBody>
+                  <a:bodyPr wrap="square" rtlCol="0">
+                    <a:spAutoFit/>
+                  </a:bodyPr>
+                  <a:lstStyle>
+                    <a:defPPr>
+                      <a:defRPr lang="es-ES"/>
+                    </a:defPPr>
+                    <a:lvl1pPr>
+                      <a:defRPr sz="4000"/>
+                    </a:lvl1pPr>
+                  </a:lstStyle>
+                  <a:p>
+                    <a:r>
+                      <a:rPr lang="es-ES" dirty="0">
+                        <a:latin typeface="Geist Mono" pitchFamily="2" charset="77"/>
+                        <a:ea typeface="Geist Mono" pitchFamily="2" charset="77"/>
+                        <a:cs typeface="Geist Mono" pitchFamily="2" charset="77"/>
+                      </a:rPr>
+                      <a:t>]</a:t>
+                    </a:r>
+                  </a:p>
+                </p:txBody>
+              </p:sp>
+              <p:sp>
+                <p:nvSpPr>
+                  <p:cNvPr id="19" name="CuadroTexto 18">
+                    <a:extLst>
+                      <a:ext uri="{FF2B5EF4-FFF2-40B4-BE49-F238E27FC236}">
+                        <a16:creationId xmlns:a16="http://schemas.microsoft.com/office/drawing/2014/main" id="{598B8E5C-1ADA-4FEF-70F6-53B46BA7DC28}"/>
+                      </a:ext>
+                    </a:extLst>
+                  </p:cNvPr>
+                  <p:cNvSpPr txBox="1"/>
+                  <p:nvPr/>
+                </p:nvSpPr>
+                <p:spPr>
+                  <a:xfrm>
+                    <a:off x="2618094" y="2421144"/>
+                    <a:ext cx="2240806" cy="400110"/>
+                  </a:xfrm>
+                  <a:prstGeom prst="rect">
+                    <a:avLst/>
+                  </a:prstGeom>
+                  <a:solidFill>
+                    <a:schemeClr val="accent3">
+                      <a:lumMod val="20000"/>
+                      <a:lumOff val="80000"/>
+                    </a:schemeClr>
+                  </a:solidFill>
+                  <a:ln w="19050">
+                    <a:solidFill>
+                      <a:schemeClr val="tx1"/>
+                    </a:solidFill>
+                  </a:ln>
+                </p:spPr>
+                <p:txBody>
+                  <a:bodyPr wrap="square" rtlCol="0">
+                    <a:spAutoFit/>
+                  </a:bodyPr>
+                  <a:lstStyle/>
+                  <a:p>
+                    <a:pPr algn="ctr"/>
+                    <a:r>
+                      <a:rPr lang="es-ES" sz="2000" dirty="0">
+                        <a:latin typeface="Geist Mono" pitchFamily="2" charset="77"/>
+                        <a:ea typeface="Geist Mono" pitchFamily="2" charset="77"/>
+                        <a:cs typeface="Geist Mono" pitchFamily="2" charset="77"/>
+                      </a:rPr>
+                      <a:t>if len(i) &gt; 4</a:t>
+                    </a:r>
+                  </a:p>
+                </p:txBody>
+              </p:sp>
+              <p:sp>
+                <p:nvSpPr>
+                  <p:cNvPr id="20" name="CuadroTexto 19">
+                    <a:extLst>
+                      <a:ext uri="{FF2B5EF4-FFF2-40B4-BE49-F238E27FC236}">
+                        <a16:creationId xmlns:a16="http://schemas.microsoft.com/office/drawing/2014/main" id="{E849A0B7-606E-2BF3-981D-9B7C225B850F}"/>
+                      </a:ext>
+                    </a:extLst>
+                  </p:cNvPr>
+                  <p:cNvSpPr txBox="1"/>
+                  <p:nvPr/>
+                </p:nvSpPr>
+                <p:spPr>
+                  <a:xfrm>
+                    <a:off x="8590994" y="2409754"/>
+                    <a:ext cx="2812223" cy="400110"/>
+                  </a:xfrm>
+                  <a:prstGeom prst="rect">
+                    <a:avLst/>
+                  </a:prstGeom>
+                  <a:solidFill>
+                    <a:srgbClr val="00B0F0"/>
+                  </a:solidFill>
+                  <a:ln w="19050">
+                    <a:solidFill>
+                      <a:schemeClr val="tx1"/>
+                    </a:solidFill>
+                  </a:ln>
+                </p:spPr>
+                <p:txBody>
+                  <a:bodyPr wrap="square" rtlCol="0">
+                    <a:spAutoFit/>
+                  </a:bodyPr>
+                  <a:lstStyle/>
+                  <a:p>
+                    <a:pPr algn="ctr"/>
+                    <a:r>
+                      <a:rPr lang="es-ES" sz="2000" dirty="0">
+                        <a:latin typeface="Geist Mono" pitchFamily="2" charset="77"/>
+                        <a:ea typeface="Geist Mono" pitchFamily="2" charset="77"/>
+                        <a:cs typeface="Geist Mono" pitchFamily="2" charset="77"/>
+                      </a:rPr>
+                      <a:t>for i in mi_lista</a:t>
+                    </a:r>
+                  </a:p>
+                </p:txBody>
+              </p:sp>
+              <p:sp>
+                <p:nvSpPr>
+                  <p:cNvPr id="21" name="CuadroTexto 20">
+                    <a:extLst>
+                      <a:ext uri="{FF2B5EF4-FFF2-40B4-BE49-F238E27FC236}">
+                        <a16:creationId xmlns:a16="http://schemas.microsoft.com/office/drawing/2014/main" id="{27BF002C-CE0E-3AD9-33BD-A85C41085BD8}"/>
+                      </a:ext>
+                    </a:extLst>
+                  </p:cNvPr>
+                  <p:cNvSpPr txBox="1"/>
+                  <p:nvPr/>
+                </p:nvSpPr>
+                <p:spPr>
+                  <a:xfrm>
+                    <a:off x="4899135" y="2421144"/>
+                    <a:ext cx="1138687" cy="400110"/>
+                  </a:xfrm>
+                  <a:prstGeom prst="rect">
+                    <a:avLst/>
+                  </a:prstGeom>
+                  <a:solidFill>
+                    <a:srgbClr val="FFFF00"/>
+                  </a:solidFill>
+                  <a:ln w="19050">
+                    <a:solidFill>
+                      <a:schemeClr val="tx1"/>
+                    </a:solidFill>
+                  </a:ln>
+                </p:spPr>
+                <p:txBody>
+                  <a:bodyPr wrap="square" rtlCol="0">
+                    <a:spAutoFit/>
+                  </a:bodyPr>
+                  <a:lstStyle/>
+                  <a:p>
+                    <a:pPr algn="ctr"/>
+                    <a:r>
+                      <a:rPr lang="es-ES" sz="2000" dirty="0">
+                        <a:latin typeface="Geist Mono" pitchFamily="2" charset="77"/>
+                        <a:ea typeface="Geist Mono" pitchFamily="2" charset="77"/>
+                        <a:cs typeface="Geist Mono" pitchFamily="2" charset="77"/>
+                      </a:rPr>
+                      <a:t>else</a:t>
+                    </a:r>
+                  </a:p>
+                </p:txBody>
+              </p:sp>
+            </p:grpSp>
+            <p:sp>
+              <p:nvSpPr>
+                <p:cNvPr id="15" name="CuadroTexto 14">
+                  <a:extLst>
+                    <a:ext uri="{FF2B5EF4-FFF2-40B4-BE49-F238E27FC236}">
+                      <a16:creationId xmlns:a16="http://schemas.microsoft.com/office/drawing/2014/main" id="{825C91C7-F048-F768-37E8-AE3FF4304FA0}"/>
+                    </a:ext>
+                  </a:extLst>
+                </p:cNvPr>
+                <p:cNvSpPr txBox="1"/>
+                <p:nvPr/>
+              </p:nvSpPr>
+              <p:spPr>
+                <a:xfrm>
+                  <a:off x="6253349" y="1147422"/>
+                  <a:ext cx="2426918" cy="400110"/>
+                </a:xfrm>
+                <a:prstGeom prst="rect">
+                  <a:avLst/>
+                </a:prstGeom>
+                <a:solidFill>
+                  <a:srgbClr val="FFFF00"/>
+                </a:solidFill>
+                <a:ln w="19050">
+                  <a:solidFill>
+                    <a:schemeClr val="tx1"/>
+                  </a:solidFill>
+                </a:ln>
+              </p:spPr>
+              <p:txBody>
+                <a:bodyPr wrap="square" rtlCol="0">
+                  <a:spAutoFit/>
+                </a:bodyPr>
+                <a:lstStyle/>
+                <a:p>
+                  <a:pPr algn="ctr"/>
+                  <a:r>
+                    <a:rPr lang="es-ES" sz="2000" dirty="0">
+                      <a:latin typeface="Geist Mono" pitchFamily="2" charset="77"/>
+                      <a:ea typeface="Geist Mono" pitchFamily="2" charset="77"/>
+                      <a:cs typeface="Geist Mono" pitchFamily="2" charset="77"/>
+                    </a:rPr>
+                    <a:t>i.lower() else</a:t>
+                  </a:r>
+                </a:p>
+              </p:txBody>
+            </p:sp>
+            <p:sp>
+              <p:nvSpPr>
+                <p:cNvPr id="16" name="CuadroTexto 15">
+                  <a:extLst>
+                    <a:ext uri="{FF2B5EF4-FFF2-40B4-BE49-F238E27FC236}">
+                      <a16:creationId xmlns:a16="http://schemas.microsoft.com/office/drawing/2014/main" id="{B3754DB6-3DE0-E90E-A95C-E5E38820585B}"/>
+                    </a:ext>
+                  </a:extLst>
+                </p:cNvPr>
+                <p:cNvSpPr txBox="1"/>
+                <p:nvPr/>
+              </p:nvSpPr>
+              <p:spPr>
+                <a:xfrm>
+                  <a:off x="941949" y="1158812"/>
+                  <a:ext cx="1788310" cy="400110"/>
+                </a:xfrm>
+                <a:prstGeom prst="rect">
+                  <a:avLst/>
+                </a:prstGeom>
+                <a:solidFill>
+                  <a:schemeClr val="accent3">
+                    <a:lumMod val="20000"/>
+                    <a:lumOff val="80000"/>
+                  </a:schemeClr>
+                </a:solidFill>
+                <a:ln w="19050">
+                  <a:solidFill>
+                    <a:schemeClr val="tx1"/>
+                  </a:solidFill>
+                </a:ln>
+              </p:spPr>
+              <p:txBody>
+                <a:bodyPr wrap="square" rtlCol="0">
+                  <a:spAutoFit/>
+                </a:bodyPr>
+                <a:lstStyle/>
+                <a:p>
+                  <a:pPr algn="ctr"/>
+                  <a:r>
+                    <a:rPr lang="es-ES" sz="2000" dirty="0">
+                      <a:latin typeface="Geist Mono" pitchFamily="2" charset="77"/>
+                      <a:ea typeface="Geist Mono" pitchFamily="2" charset="77"/>
+                      <a:cs typeface="Geist Mono" pitchFamily="2" charset="77"/>
+                    </a:rPr>
+                    <a:t>i.upper()</a:t>
+                  </a:r>
+                </a:p>
+              </p:txBody>
+            </p:sp>
+          </p:grpSp>
+        </p:grpSp>
+      </p:grpSp>
+    </p:spTree>
+    <p:extLst>
+      <p:ext uri="{BB962C8B-B14F-4D97-AF65-F5344CB8AC3E}">
+        <p14:creationId xmlns:p14="http://schemas.microsoft.com/office/powerpoint/2010/main" val="997058044"/>
+      </p:ext>
+    </p:extLst>
+  </p:cSld>
+  <p:clrMapOvr>
+    <a:masterClrMapping/>
+  </p:clrMapOvr>
+</p:sld>
+</file>
+
 <file path=ppt/theme/theme1.xml><?xml version="1.0" encoding="utf-8"?>
 <a:theme xmlns:a="http://schemas.openxmlformats.org/drawingml/2006/main" name="Tema de Office">
   <a:themeElements>

--- a/02-Imagenes/Python_básico/PowerPointImagenes.pptx
+++ b/02-Imagenes/Python_básico/PowerPointImagenes.pptx
@@ -5,17 +5,19 @@
     <p:sldMasterId id="2147483648" r:id="rId1"/>
   </p:sldMasterIdLst>
   <p:sldIdLst>
-    <p:sldId id="256" r:id="rId2"/>
-    <p:sldId id="257" r:id="rId3"/>
-    <p:sldId id="259" r:id="rId4"/>
-    <p:sldId id="258" r:id="rId5"/>
-    <p:sldId id="262" r:id="rId6"/>
-    <p:sldId id="260" r:id="rId7"/>
-    <p:sldId id="261" r:id="rId8"/>
-    <p:sldId id="263" r:id="rId9"/>
-    <p:sldId id="264" r:id="rId10"/>
-    <p:sldId id="265" r:id="rId11"/>
-    <p:sldId id="266" r:id="rId12"/>
+    <p:sldId id="267" r:id="rId2"/>
+    <p:sldId id="268" r:id="rId3"/>
+    <p:sldId id="256" r:id="rId4"/>
+    <p:sldId id="257" r:id="rId5"/>
+    <p:sldId id="259" r:id="rId6"/>
+    <p:sldId id="258" r:id="rId7"/>
+    <p:sldId id="262" r:id="rId8"/>
+    <p:sldId id="260" r:id="rId9"/>
+    <p:sldId id="261" r:id="rId10"/>
+    <p:sldId id="263" r:id="rId11"/>
+    <p:sldId id="264" r:id="rId12"/>
+    <p:sldId id="265" r:id="rId13"/>
+    <p:sldId id="266" r:id="rId14"/>
   </p:sldIdLst>
   <p:sldSz cx="12192000" cy="6858000"/>
   <p:notesSz cx="6858000" cy="9144000"/>
@@ -269,7 +271,7 @@
           <a:p>
             <a:fld id="{FB698DCD-9095-FE42-AD33-D033EDD53EC3}" type="datetimeFigureOut">
               <a:rPr lang="es-ES" smtClean="0"/>
-              <a:t>20/5/24</a:t>
+              <a:t>27/6/24</a:t>
             </a:fld>
             <a:endParaRPr lang="es-ES"/>
           </a:p>
@@ -467,7 +469,7 @@
           <a:p>
             <a:fld id="{FB698DCD-9095-FE42-AD33-D033EDD53EC3}" type="datetimeFigureOut">
               <a:rPr lang="es-ES" smtClean="0"/>
-              <a:t>20/5/24</a:t>
+              <a:t>27/6/24</a:t>
             </a:fld>
             <a:endParaRPr lang="es-ES"/>
           </a:p>
@@ -675,7 +677,7 @@
           <a:p>
             <a:fld id="{FB698DCD-9095-FE42-AD33-D033EDD53EC3}" type="datetimeFigureOut">
               <a:rPr lang="es-ES" smtClean="0"/>
-              <a:t>20/5/24</a:t>
+              <a:t>27/6/24</a:t>
             </a:fld>
             <a:endParaRPr lang="es-ES"/>
           </a:p>
@@ -873,7 +875,7 @@
           <a:p>
             <a:fld id="{FB698DCD-9095-FE42-AD33-D033EDD53EC3}" type="datetimeFigureOut">
               <a:rPr lang="es-ES" smtClean="0"/>
-              <a:t>20/5/24</a:t>
+              <a:t>27/6/24</a:t>
             </a:fld>
             <a:endParaRPr lang="es-ES"/>
           </a:p>
@@ -1148,7 +1150,7 @@
           <a:p>
             <a:fld id="{FB698DCD-9095-FE42-AD33-D033EDD53EC3}" type="datetimeFigureOut">
               <a:rPr lang="es-ES" smtClean="0"/>
-              <a:t>20/5/24</a:t>
+              <a:t>27/6/24</a:t>
             </a:fld>
             <a:endParaRPr lang="es-ES"/>
           </a:p>
@@ -1413,7 +1415,7 @@
           <a:p>
             <a:fld id="{FB698DCD-9095-FE42-AD33-D033EDD53EC3}" type="datetimeFigureOut">
               <a:rPr lang="es-ES" smtClean="0"/>
-              <a:t>20/5/24</a:t>
+              <a:t>27/6/24</a:t>
             </a:fld>
             <a:endParaRPr lang="es-ES"/>
           </a:p>
@@ -1825,7 +1827,7 @@
           <a:p>
             <a:fld id="{FB698DCD-9095-FE42-AD33-D033EDD53EC3}" type="datetimeFigureOut">
               <a:rPr lang="es-ES" smtClean="0"/>
-              <a:t>20/5/24</a:t>
+              <a:t>27/6/24</a:t>
             </a:fld>
             <a:endParaRPr lang="es-ES"/>
           </a:p>
@@ -1966,7 +1968,7 @@
           <a:p>
             <a:fld id="{FB698DCD-9095-FE42-AD33-D033EDD53EC3}" type="datetimeFigureOut">
               <a:rPr lang="es-ES" smtClean="0"/>
-              <a:t>20/5/24</a:t>
+              <a:t>27/6/24</a:t>
             </a:fld>
             <a:endParaRPr lang="es-ES"/>
           </a:p>
@@ -2079,7 +2081,7 @@
           <a:p>
             <a:fld id="{FB698DCD-9095-FE42-AD33-D033EDD53EC3}" type="datetimeFigureOut">
               <a:rPr lang="es-ES" smtClean="0"/>
-              <a:t>20/5/24</a:t>
+              <a:t>27/6/24</a:t>
             </a:fld>
             <a:endParaRPr lang="es-ES"/>
           </a:p>
@@ -2390,7 +2392,7 @@
           <a:p>
             <a:fld id="{FB698DCD-9095-FE42-AD33-D033EDD53EC3}" type="datetimeFigureOut">
               <a:rPr lang="es-ES" smtClean="0"/>
-              <a:t>20/5/24</a:t>
+              <a:t>27/6/24</a:t>
             </a:fld>
             <a:endParaRPr lang="es-ES"/>
           </a:p>
@@ -2678,7 +2680,7 @@
           <a:p>
             <a:fld id="{FB698DCD-9095-FE42-AD33-D033EDD53EC3}" type="datetimeFigureOut">
               <a:rPr lang="es-ES" smtClean="0"/>
-              <a:t>20/5/24</a:t>
+              <a:t>27/6/24</a:t>
             </a:fld>
             <a:endParaRPr lang="es-ES"/>
           </a:p>
@@ -2919,7 +2921,7 @@
           <a:p>
             <a:fld id="{FB698DCD-9095-FE42-AD33-D033EDD53EC3}" type="datetimeFigureOut">
               <a:rPr lang="es-ES" smtClean="0"/>
-              <a:t>20/5/24</a:t>
+              <a:t>27/6/24</a:t>
             </a:fld>
             <a:endParaRPr lang="es-ES"/>
           </a:p>
@@ -3320,6 +3322,3675 @@
 </file>
 
 <file path=ppt/slides/slide1.xml><?xml version="1.0" encoding="utf-8"?>
+<p:sld xmlns:a="http://schemas.openxmlformats.org/drawingml/2006/main" xmlns:r="http://schemas.openxmlformats.org/officeDocument/2006/relationships" xmlns:p="http://schemas.openxmlformats.org/presentationml/2006/main">
+  <p:cSld>
+    <p:spTree>
+      <p:nvGrpSpPr>
+        <p:cNvPr id="1" name=""/>
+        <p:cNvGrpSpPr/>
+        <p:nvPr/>
+      </p:nvGrpSpPr>
+      <p:grpSpPr>
+        <a:xfrm>
+          <a:off x="0" y="0"/>
+          <a:ext cx="0" cy="0"/>
+          <a:chOff x="0" y="0"/>
+          <a:chExt cx="0" cy="0"/>
+        </a:xfrm>
+      </p:grpSpPr>
+      <p:grpSp>
+        <p:nvGrpSpPr>
+          <p:cNvPr id="13" name="Grupo 12">
+            <a:extLst>
+              <a:ext uri="{FF2B5EF4-FFF2-40B4-BE49-F238E27FC236}">
+                <a16:creationId xmlns:a16="http://schemas.microsoft.com/office/drawing/2014/main" id="{F84CE743-6B26-12C0-4A6E-795C7E76E725}"/>
+              </a:ext>
+            </a:extLst>
+          </p:cNvPr>
+          <p:cNvGrpSpPr/>
+          <p:nvPr/>
+        </p:nvGrpSpPr>
+        <p:grpSpPr>
+          <a:xfrm>
+            <a:off x="467139" y="795131"/>
+            <a:ext cx="10933043" cy="4224130"/>
+            <a:chOff x="467139" y="795131"/>
+            <a:chExt cx="10933043" cy="4224130"/>
+          </a:xfrm>
+        </p:grpSpPr>
+        <p:sp>
+          <p:nvSpPr>
+            <p:cNvPr id="12" name="Rectángulo 11">
+              <a:extLst>
+                <a:ext uri="{FF2B5EF4-FFF2-40B4-BE49-F238E27FC236}">
+                  <a16:creationId xmlns:a16="http://schemas.microsoft.com/office/drawing/2014/main" id="{36E8620E-E464-29FF-EC03-BA5BF2B2E3D3}"/>
+                </a:ext>
+              </a:extLst>
+            </p:cNvPr>
+            <p:cNvSpPr/>
+            <p:nvPr/>
+          </p:nvSpPr>
+          <p:spPr>
+            <a:xfrm>
+              <a:off x="467139" y="795131"/>
+              <a:ext cx="10933043" cy="4224130"/>
+            </a:xfrm>
+            <a:prstGeom prst="rect">
+              <a:avLst/>
+            </a:prstGeom>
+            <a:solidFill>
+              <a:schemeClr val="bg1"/>
+            </a:solidFill>
+            <a:ln>
+              <a:solidFill>
+                <a:schemeClr val="bg1"/>
+              </a:solidFill>
+            </a:ln>
+          </p:spPr>
+          <p:style>
+            <a:lnRef idx="2">
+              <a:schemeClr val="accent1">
+                <a:shade val="15000"/>
+              </a:schemeClr>
+            </a:lnRef>
+            <a:fillRef idx="1">
+              <a:schemeClr val="accent1"/>
+            </a:fillRef>
+            <a:effectRef idx="0">
+              <a:schemeClr val="accent1"/>
+            </a:effectRef>
+            <a:fontRef idx="minor">
+              <a:schemeClr val="lt1"/>
+            </a:fontRef>
+          </p:style>
+          <p:txBody>
+            <a:bodyPr rtlCol="0" anchor="ctr"/>
+            <a:lstStyle/>
+            <a:p>
+              <a:pPr algn="ctr"/>
+              <a:endParaRPr lang="es-ES" sz="2800"/>
+            </a:p>
+          </p:txBody>
+        </p:sp>
+        <p:sp>
+          <p:nvSpPr>
+            <p:cNvPr id="4" name="CuadroTexto 3">
+              <a:extLst>
+                <a:ext uri="{FF2B5EF4-FFF2-40B4-BE49-F238E27FC236}">
+                  <a16:creationId xmlns:a16="http://schemas.microsoft.com/office/drawing/2014/main" id="{1707DD7A-2CB4-9CC3-88D9-EEF689FF034D}"/>
+                </a:ext>
+              </a:extLst>
+            </p:cNvPr>
+            <p:cNvSpPr txBox="1"/>
+            <p:nvPr/>
+          </p:nvSpPr>
+          <p:spPr>
+            <a:xfrm>
+              <a:off x="610789" y="1862737"/>
+              <a:ext cx="10242742" cy="1107996"/>
+            </a:xfrm>
+            <a:prstGeom prst="rect">
+              <a:avLst/>
+            </a:prstGeom>
+            <a:noFill/>
+          </p:spPr>
+          <p:txBody>
+            <a:bodyPr wrap="square" rtlCol="0">
+              <a:spAutoFit/>
+            </a:bodyPr>
+            <a:lstStyle/>
+            <a:p>
+              <a:r>
+                <a:rPr lang="es-ES" sz="6600" dirty="0">
+                  <a:latin typeface="Geist Mono" pitchFamily="2" charset="77"/>
+                  <a:ea typeface="Geist Mono" pitchFamily="2" charset="77"/>
+                  <a:cs typeface="Geist Mono" pitchFamily="2" charset="77"/>
+                </a:rPr>
+                <a:t>string = </a:t>
+              </a:r>
+              <a:r>
+                <a:rPr lang="es-ES" sz="6600" dirty="0">
+                  <a:solidFill>
+                    <a:srgbClr val="FFC000"/>
+                  </a:solidFill>
+                  <a:latin typeface="Geist Mono" pitchFamily="2" charset="77"/>
+                  <a:ea typeface="Geist Mono" pitchFamily="2" charset="77"/>
+                  <a:cs typeface="Geist Mono" pitchFamily="2" charset="77"/>
+                </a:rPr>
+                <a:t>“HOLA”</a:t>
+              </a:r>
+            </a:p>
+          </p:txBody>
+        </p:sp>
+        <p:sp>
+          <p:nvSpPr>
+            <p:cNvPr id="5" name="CuadroTexto 4">
+              <a:extLst>
+                <a:ext uri="{FF2B5EF4-FFF2-40B4-BE49-F238E27FC236}">
+                  <a16:creationId xmlns:a16="http://schemas.microsoft.com/office/drawing/2014/main" id="{CB14FB73-29F0-6178-447F-1DCC3A515A56}"/>
+                </a:ext>
+              </a:extLst>
+            </p:cNvPr>
+            <p:cNvSpPr txBox="1"/>
+            <p:nvPr/>
+          </p:nvSpPr>
+          <p:spPr>
+            <a:xfrm>
+              <a:off x="5820579" y="2970733"/>
+              <a:ext cx="405442" cy="400110"/>
+            </a:xfrm>
+            <a:prstGeom prst="rect">
+              <a:avLst/>
+            </a:prstGeom>
+            <a:noFill/>
+          </p:spPr>
+          <p:txBody>
+            <a:bodyPr wrap="square" rtlCol="0">
+              <a:spAutoFit/>
+            </a:bodyPr>
+            <a:lstStyle/>
+            <a:p>
+              <a:r>
+                <a:rPr lang="es-ES" sz="2000" b="1" dirty="0">
+                  <a:solidFill>
+                    <a:schemeClr val="accent2"/>
+                  </a:solidFill>
+                  <a:latin typeface="Geist Mono Bold" pitchFamily="2" charset="77"/>
+                  <a:ea typeface="Geist Mono Bold" pitchFamily="2" charset="77"/>
+                  <a:cs typeface="Geist Mono Bold" pitchFamily="2" charset="77"/>
+                </a:rPr>
+                <a:t>0</a:t>
+              </a:r>
+            </a:p>
+          </p:txBody>
+        </p:sp>
+        <p:sp>
+          <p:nvSpPr>
+            <p:cNvPr id="6" name="CuadroTexto 5">
+              <a:extLst>
+                <a:ext uri="{FF2B5EF4-FFF2-40B4-BE49-F238E27FC236}">
+                  <a16:creationId xmlns:a16="http://schemas.microsoft.com/office/drawing/2014/main" id="{89C1EA7C-AC30-3E66-61E6-418C42498F6D}"/>
+                </a:ext>
+              </a:extLst>
+            </p:cNvPr>
+            <p:cNvSpPr txBox="1"/>
+            <p:nvPr/>
+          </p:nvSpPr>
+          <p:spPr>
+            <a:xfrm>
+              <a:off x="6899079" y="2970733"/>
+              <a:ext cx="405442" cy="400110"/>
+            </a:xfrm>
+            <a:prstGeom prst="rect">
+              <a:avLst/>
+            </a:prstGeom>
+            <a:noFill/>
+          </p:spPr>
+          <p:txBody>
+            <a:bodyPr wrap="square" rtlCol="0">
+              <a:spAutoFit/>
+            </a:bodyPr>
+            <a:lstStyle/>
+            <a:p>
+              <a:r>
+                <a:rPr lang="es-ES" sz="2000" b="1" dirty="0">
+                  <a:solidFill>
+                    <a:schemeClr val="accent2"/>
+                  </a:solidFill>
+                  <a:latin typeface="Geist Mono Bold" pitchFamily="2" charset="77"/>
+                  <a:ea typeface="Geist Mono Bold" pitchFamily="2" charset="77"/>
+                  <a:cs typeface="Geist Mono Bold" pitchFamily="2" charset="77"/>
+                </a:rPr>
+                <a:t>2</a:t>
+              </a:r>
+            </a:p>
+          </p:txBody>
+        </p:sp>
+        <p:sp>
+          <p:nvSpPr>
+            <p:cNvPr id="7" name="CuadroTexto 6">
+              <a:extLst>
+                <a:ext uri="{FF2B5EF4-FFF2-40B4-BE49-F238E27FC236}">
+                  <a16:creationId xmlns:a16="http://schemas.microsoft.com/office/drawing/2014/main" id="{A2B1A20D-C8E7-27A9-0648-A9C56DF29DBC}"/>
+                </a:ext>
+              </a:extLst>
+            </p:cNvPr>
+            <p:cNvSpPr txBox="1"/>
+            <p:nvPr/>
+          </p:nvSpPr>
+          <p:spPr>
+            <a:xfrm>
+              <a:off x="6377077" y="2970733"/>
+              <a:ext cx="405442" cy="400110"/>
+            </a:xfrm>
+            <a:prstGeom prst="rect">
+              <a:avLst/>
+            </a:prstGeom>
+            <a:noFill/>
+          </p:spPr>
+          <p:txBody>
+            <a:bodyPr wrap="square" rtlCol="0">
+              <a:spAutoFit/>
+            </a:bodyPr>
+            <a:lstStyle/>
+            <a:p>
+              <a:r>
+                <a:rPr lang="es-ES" sz="2000" b="1" dirty="0">
+                  <a:solidFill>
+                    <a:schemeClr val="accent2"/>
+                  </a:solidFill>
+                  <a:latin typeface="Geist Mono Bold" pitchFamily="2" charset="77"/>
+                  <a:ea typeface="Geist Mono Bold" pitchFamily="2" charset="77"/>
+                  <a:cs typeface="Geist Mono Bold" pitchFamily="2" charset="77"/>
+                </a:rPr>
+                <a:t>1</a:t>
+              </a:r>
+            </a:p>
+          </p:txBody>
+        </p:sp>
+        <p:sp>
+          <p:nvSpPr>
+            <p:cNvPr id="8" name="CuadroTexto 7">
+              <a:extLst>
+                <a:ext uri="{FF2B5EF4-FFF2-40B4-BE49-F238E27FC236}">
+                  <a16:creationId xmlns:a16="http://schemas.microsoft.com/office/drawing/2014/main" id="{2C25AD2D-5E2A-8F62-3984-E4A48FB92264}"/>
+                </a:ext>
+              </a:extLst>
+            </p:cNvPr>
+            <p:cNvSpPr txBox="1"/>
+            <p:nvPr/>
+          </p:nvSpPr>
+          <p:spPr>
+            <a:xfrm>
+              <a:off x="7359180" y="2970733"/>
+              <a:ext cx="405442" cy="400110"/>
+            </a:xfrm>
+            <a:prstGeom prst="rect">
+              <a:avLst/>
+            </a:prstGeom>
+            <a:noFill/>
+          </p:spPr>
+          <p:txBody>
+            <a:bodyPr wrap="square" rtlCol="0">
+              <a:spAutoFit/>
+            </a:bodyPr>
+            <a:lstStyle/>
+            <a:p>
+              <a:r>
+                <a:rPr lang="es-ES" sz="2000" b="1" dirty="0">
+                  <a:solidFill>
+                    <a:schemeClr val="accent2"/>
+                  </a:solidFill>
+                  <a:latin typeface="Geist Mono Bold" pitchFamily="2" charset="77"/>
+                  <a:ea typeface="Geist Mono Bold" pitchFamily="2" charset="77"/>
+                  <a:cs typeface="Geist Mono Bold" pitchFamily="2" charset="77"/>
+                </a:rPr>
+                <a:t>3</a:t>
+              </a:r>
+            </a:p>
+          </p:txBody>
+        </p:sp>
+        <p:cxnSp>
+          <p:nvCxnSpPr>
+            <p:cNvPr id="10" name="Conector recto 9">
+              <a:extLst>
+                <a:ext uri="{FF2B5EF4-FFF2-40B4-BE49-F238E27FC236}">
+                  <a16:creationId xmlns:a16="http://schemas.microsoft.com/office/drawing/2014/main" id="{1FB16EB4-BA2C-4515-5651-85C075D57998}"/>
+                </a:ext>
+              </a:extLst>
+            </p:cNvPr>
+            <p:cNvCxnSpPr>
+              <a:cxnSpLocks/>
+            </p:cNvCxnSpPr>
+            <p:nvPr/>
+          </p:nvCxnSpPr>
+          <p:spPr>
+            <a:xfrm>
+              <a:off x="5935773" y="3535705"/>
+              <a:ext cx="1828849" cy="0"/>
+            </a:xfrm>
+            <a:prstGeom prst="line">
+              <a:avLst/>
+            </a:prstGeom>
+            <a:ln>
+              <a:solidFill>
+                <a:schemeClr val="accent2"/>
+              </a:solidFill>
+            </a:ln>
+          </p:spPr>
+          <p:style>
+            <a:lnRef idx="2">
+              <a:schemeClr val="accent1"/>
+            </a:lnRef>
+            <a:fillRef idx="0">
+              <a:schemeClr val="accent1"/>
+            </a:fillRef>
+            <a:effectRef idx="1">
+              <a:schemeClr val="accent1"/>
+            </a:effectRef>
+            <a:fontRef idx="minor">
+              <a:schemeClr val="tx1"/>
+            </a:fontRef>
+          </p:style>
+        </p:cxnSp>
+        <p:sp>
+          <p:nvSpPr>
+            <p:cNvPr id="11" name="CuadroTexto 10">
+              <a:extLst>
+                <a:ext uri="{FF2B5EF4-FFF2-40B4-BE49-F238E27FC236}">
+                  <a16:creationId xmlns:a16="http://schemas.microsoft.com/office/drawing/2014/main" id="{572C824B-F5FC-32D7-A708-C4EAE848F5DA}"/>
+                </a:ext>
+              </a:extLst>
+            </p:cNvPr>
+            <p:cNvSpPr txBox="1"/>
+            <p:nvPr/>
+          </p:nvSpPr>
+          <p:spPr>
+            <a:xfrm>
+              <a:off x="4031515" y="3566483"/>
+              <a:ext cx="5637363" cy="369332"/>
+            </a:xfrm>
+            <a:prstGeom prst="rect">
+              <a:avLst/>
+            </a:prstGeom>
+            <a:noFill/>
+          </p:spPr>
+          <p:txBody>
+            <a:bodyPr wrap="square" rtlCol="0">
+              <a:spAutoFit/>
+            </a:bodyPr>
+            <a:lstStyle/>
+            <a:p>
+              <a:pPr algn="ctr"/>
+              <a:r>
+                <a:rPr lang="es-ES" dirty="0">
+                  <a:solidFill>
+                    <a:schemeClr val="accent2"/>
+                  </a:solidFill>
+                  <a:latin typeface="Geist Mono" pitchFamily="2" charset="77"/>
+                  <a:ea typeface="Geist Mono" pitchFamily="2" charset="77"/>
+                  <a:cs typeface="Geist Mono" pitchFamily="2" charset="77"/>
+                </a:rPr>
+                <a:t>Índices</a:t>
+              </a:r>
+            </a:p>
+          </p:txBody>
+        </p:sp>
+        <p:sp>
+          <p:nvSpPr>
+            <p:cNvPr id="15" name="CuadroTexto 14">
+              <a:extLst>
+                <a:ext uri="{FF2B5EF4-FFF2-40B4-BE49-F238E27FC236}">
+                  <a16:creationId xmlns:a16="http://schemas.microsoft.com/office/drawing/2014/main" id="{570B07B0-3381-542A-B4ED-DED2E577A211}"/>
+                </a:ext>
+              </a:extLst>
+            </p:cNvPr>
+            <p:cNvSpPr txBox="1"/>
+            <p:nvPr/>
+          </p:nvSpPr>
+          <p:spPr>
+            <a:xfrm>
+              <a:off x="3847381" y="2467155"/>
+              <a:ext cx="184731" cy="369332"/>
+            </a:xfrm>
+            <a:prstGeom prst="rect">
+              <a:avLst/>
+            </a:prstGeom>
+            <a:noFill/>
+          </p:spPr>
+          <p:txBody>
+            <a:bodyPr wrap="square" rtlCol="0">
+              <a:spAutoFit/>
+            </a:bodyPr>
+            <a:lstStyle/>
+            <a:p>
+              <a:endParaRPr lang="es-ES" dirty="0"/>
+            </a:p>
+          </p:txBody>
+        </p:sp>
+      </p:grpSp>
+    </p:spTree>
+    <p:extLst>
+      <p:ext uri="{BB962C8B-B14F-4D97-AF65-F5344CB8AC3E}">
+        <p14:creationId xmlns:p14="http://schemas.microsoft.com/office/powerpoint/2010/main" val="1307466141"/>
+      </p:ext>
+    </p:extLst>
+  </p:cSld>
+  <p:clrMapOvr>
+    <a:masterClrMapping/>
+  </p:clrMapOvr>
+</p:sld>
+</file>
+
+<file path=ppt/slides/slide10.xml><?xml version="1.0" encoding="utf-8"?>
+<p:sld xmlns:a="http://schemas.openxmlformats.org/drawingml/2006/main" xmlns:r="http://schemas.openxmlformats.org/officeDocument/2006/relationships" xmlns:p="http://schemas.openxmlformats.org/presentationml/2006/main">
+  <p:cSld>
+    <p:spTree>
+      <p:nvGrpSpPr>
+        <p:cNvPr id="1" name=""/>
+        <p:cNvGrpSpPr/>
+        <p:nvPr/>
+      </p:nvGrpSpPr>
+      <p:grpSpPr>
+        <a:xfrm>
+          <a:off x="0" y="0"/>
+          <a:ext cx="0" cy="0"/>
+          <a:chOff x="0" y="0"/>
+          <a:chExt cx="0" cy="0"/>
+        </a:xfrm>
+      </p:grpSpPr>
+      <p:grpSp>
+        <p:nvGrpSpPr>
+          <p:cNvPr id="24" name="Grupo 23">
+            <a:extLst>
+              <a:ext uri="{FF2B5EF4-FFF2-40B4-BE49-F238E27FC236}">
+                <a16:creationId xmlns:a16="http://schemas.microsoft.com/office/drawing/2014/main" id="{FA0B8D15-78B7-CC0A-CD48-C48F2F4894D2}"/>
+              </a:ext>
+            </a:extLst>
+          </p:cNvPr>
+          <p:cNvGrpSpPr/>
+          <p:nvPr/>
+        </p:nvGrpSpPr>
+        <p:grpSpPr>
+          <a:xfrm>
+            <a:off x="103517" y="707366"/>
+            <a:ext cx="12088483" cy="5572664"/>
+            <a:chOff x="103517" y="707366"/>
+            <a:chExt cx="12088483" cy="5572664"/>
+          </a:xfrm>
+        </p:grpSpPr>
+        <p:sp>
+          <p:nvSpPr>
+            <p:cNvPr id="23" name="Rectángulo 22">
+              <a:extLst>
+                <a:ext uri="{FF2B5EF4-FFF2-40B4-BE49-F238E27FC236}">
+                  <a16:creationId xmlns:a16="http://schemas.microsoft.com/office/drawing/2014/main" id="{B697F2C3-8978-ED64-0E32-AEA55AB5CD99}"/>
+                </a:ext>
+              </a:extLst>
+            </p:cNvPr>
+            <p:cNvSpPr/>
+            <p:nvPr/>
+          </p:nvSpPr>
+          <p:spPr>
+            <a:xfrm>
+              <a:off x="103517" y="707366"/>
+              <a:ext cx="12088483" cy="5572664"/>
+            </a:xfrm>
+            <a:prstGeom prst="rect">
+              <a:avLst/>
+            </a:prstGeom>
+            <a:solidFill>
+              <a:schemeClr val="bg1"/>
+            </a:solidFill>
+            <a:ln>
+              <a:noFill/>
+            </a:ln>
+          </p:spPr>
+          <p:style>
+            <a:lnRef idx="2">
+              <a:schemeClr val="accent1">
+                <a:shade val="15000"/>
+              </a:schemeClr>
+            </a:lnRef>
+            <a:fillRef idx="1">
+              <a:schemeClr val="accent1"/>
+            </a:fillRef>
+            <a:effectRef idx="0">
+              <a:schemeClr val="accent1"/>
+            </a:effectRef>
+            <a:fontRef idx="minor">
+              <a:schemeClr val="lt1"/>
+            </a:fontRef>
+          </p:style>
+          <p:txBody>
+            <a:bodyPr rtlCol="0" anchor="ctr"/>
+            <a:lstStyle/>
+            <a:p>
+              <a:pPr algn="ctr"/>
+              <a:endParaRPr lang="es-ES"/>
+            </a:p>
+          </p:txBody>
+        </p:sp>
+        <p:grpSp>
+          <p:nvGrpSpPr>
+            <p:cNvPr id="22" name="Grupo 21">
+              <a:extLst>
+                <a:ext uri="{FF2B5EF4-FFF2-40B4-BE49-F238E27FC236}">
+                  <a16:creationId xmlns:a16="http://schemas.microsoft.com/office/drawing/2014/main" id="{6FED28A4-BB2A-1B41-BF8F-A763AD7EE29C}"/>
+                </a:ext>
+              </a:extLst>
+            </p:cNvPr>
+            <p:cNvGrpSpPr/>
+            <p:nvPr/>
+          </p:nvGrpSpPr>
+          <p:grpSpPr>
+            <a:xfrm>
+              <a:off x="357995" y="1004540"/>
+              <a:ext cx="11762118" cy="4910091"/>
+              <a:chOff x="357995" y="1004540"/>
+              <a:chExt cx="11762118" cy="4910091"/>
+            </a:xfrm>
+          </p:grpSpPr>
+          <p:sp>
+            <p:nvSpPr>
+              <p:cNvPr id="36" name="Flecha abajo 35">
+                <a:extLst>
+                  <a:ext uri="{FF2B5EF4-FFF2-40B4-BE49-F238E27FC236}">
+                    <a16:creationId xmlns:a16="http://schemas.microsoft.com/office/drawing/2014/main" id="{2462C9EC-BBB6-912D-6FDD-4593933A77C4}"/>
+                  </a:ext>
+                </a:extLst>
+              </p:cNvPr>
+              <p:cNvSpPr/>
+              <p:nvPr/>
+            </p:nvSpPr>
+            <p:spPr>
+              <a:xfrm>
+                <a:off x="5609325" y="2191109"/>
+                <a:ext cx="1138687" cy="642668"/>
+              </a:xfrm>
+              <a:prstGeom prst="downArrow">
+                <a:avLst/>
+              </a:prstGeom>
+              <a:gradFill flip="none" rotWithShape="1">
+                <a:gsLst>
+                  <a:gs pos="0">
+                    <a:schemeClr val="accent2">
+                      <a:lumMod val="67000"/>
+                    </a:schemeClr>
+                  </a:gs>
+                  <a:gs pos="48000">
+                    <a:schemeClr val="accent2">
+                      <a:lumMod val="97000"/>
+                      <a:lumOff val="3000"/>
+                    </a:schemeClr>
+                  </a:gs>
+                  <a:gs pos="100000">
+                    <a:schemeClr val="accent2">
+                      <a:lumMod val="60000"/>
+                      <a:lumOff val="40000"/>
+                    </a:schemeClr>
+                  </a:gs>
+                </a:gsLst>
+                <a:lin ang="16200000" scaled="1"/>
+                <a:tileRect/>
+              </a:gradFill>
+              <a:ln>
+                <a:noFill/>
+              </a:ln>
+            </p:spPr>
+            <p:style>
+              <a:lnRef idx="0">
+                <a:scrgbClr r="0" g="0" b="0"/>
+              </a:lnRef>
+              <a:fillRef idx="0">
+                <a:scrgbClr r="0" g="0" b="0"/>
+              </a:fillRef>
+              <a:effectRef idx="0">
+                <a:scrgbClr r="0" g="0" b="0"/>
+              </a:effectRef>
+              <a:fontRef idx="minor">
+                <a:schemeClr val="lt1"/>
+              </a:fontRef>
+            </p:style>
+            <p:txBody>
+              <a:bodyPr rtlCol="0" anchor="ctr"/>
+              <a:lstStyle/>
+              <a:p>
+                <a:pPr algn="ctr"/>
+                <a:endParaRPr lang="es-ES">
+                  <a:latin typeface="Geist Mono" pitchFamily="2" charset="77"/>
+                  <a:ea typeface="Geist Mono" pitchFamily="2" charset="77"/>
+                  <a:cs typeface="Geist Mono" pitchFamily="2" charset="77"/>
+                </a:endParaRPr>
+              </a:p>
+            </p:txBody>
+          </p:sp>
+          <p:sp>
+            <p:nvSpPr>
+              <p:cNvPr id="37" name="Flecha abajo 36">
+                <a:extLst>
+                  <a:ext uri="{FF2B5EF4-FFF2-40B4-BE49-F238E27FC236}">
+                    <a16:creationId xmlns:a16="http://schemas.microsoft.com/office/drawing/2014/main" id="{A5399141-39DD-0BED-63DD-72412EC7E9CC}"/>
+                  </a:ext>
+                </a:extLst>
+              </p:cNvPr>
+              <p:cNvSpPr/>
+              <p:nvPr/>
+            </p:nvSpPr>
+            <p:spPr>
+              <a:xfrm>
+                <a:off x="5609325" y="4341300"/>
+                <a:ext cx="1138687" cy="642668"/>
+              </a:xfrm>
+              <a:prstGeom prst="downArrow">
+                <a:avLst/>
+              </a:prstGeom>
+              <a:gradFill flip="none" rotWithShape="1">
+                <a:gsLst>
+                  <a:gs pos="0">
+                    <a:schemeClr val="accent2">
+                      <a:lumMod val="67000"/>
+                    </a:schemeClr>
+                  </a:gs>
+                  <a:gs pos="48000">
+                    <a:schemeClr val="accent2">
+                      <a:lumMod val="97000"/>
+                      <a:lumOff val="3000"/>
+                    </a:schemeClr>
+                  </a:gs>
+                  <a:gs pos="100000">
+                    <a:schemeClr val="accent2">
+                      <a:lumMod val="60000"/>
+                      <a:lumOff val="40000"/>
+                    </a:schemeClr>
+                  </a:gs>
+                </a:gsLst>
+                <a:lin ang="16200000" scaled="1"/>
+                <a:tileRect/>
+              </a:gradFill>
+              <a:ln>
+                <a:noFill/>
+              </a:ln>
+            </p:spPr>
+            <p:style>
+              <a:lnRef idx="0">
+                <a:scrgbClr r="0" g="0" b="0"/>
+              </a:lnRef>
+              <a:fillRef idx="0">
+                <a:scrgbClr r="0" g="0" b="0"/>
+              </a:fillRef>
+              <a:effectRef idx="0">
+                <a:scrgbClr r="0" g="0" b="0"/>
+              </a:effectRef>
+              <a:fontRef idx="minor">
+                <a:schemeClr val="lt1"/>
+              </a:fontRef>
+            </p:style>
+            <p:txBody>
+              <a:bodyPr rtlCol="0" anchor="ctr"/>
+              <a:lstStyle/>
+              <a:p>
+                <a:pPr algn="ctr"/>
+                <a:endParaRPr lang="es-ES">
+                  <a:latin typeface="Geist Mono" pitchFamily="2" charset="77"/>
+                  <a:ea typeface="Geist Mono" pitchFamily="2" charset="77"/>
+                  <a:cs typeface="Geist Mono" pitchFamily="2" charset="77"/>
+                </a:endParaRPr>
+              </a:p>
+            </p:txBody>
+          </p:sp>
+          <p:sp>
+            <p:nvSpPr>
+              <p:cNvPr id="38" name="CuadroTexto 37">
+                <a:extLst>
+                  <a:ext uri="{FF2B5EF4-FFF2-40B4-BE49-F238E27FC236}">
+                    <a16:creationId xmlns:a16="http://schemas.microsoft.com/office/drawing/2014/main" id="{B610E2C8-9435-24A3-C055-21EBB5B2FE9A}"/>
+                  </a:ext>
+                </a:extLst>
+              </p:cNvPr>
+              <p:cNvSpPr txBox="1"/>
+              <p:nvPr/>
+            </p:nvSpPr>
+            <p:spPr>
+              <a:xfrm>
+                <a:off x="357995" y="3059668"/>
+                <a:ext cx="11583840" cy="646331"/>
+              </a:xfrm>
+              <a:prstGeom prst="rect">
+                <a:avLst/>
+              </a:prstGeom>
+              <a:noFill/>
+            </p:spPr>
+            <p:txBody>
+              <a:bodyPr wrap="square" rtlCol="0">
+                <a:spAutoFit/>
+              </a:bodyPr>
+              <a:lstStyle/>
+              <a:p>
+                <a:pPr algn="ctr"/>
+                <a:r>
+                  <a:rPr lang="es-ES" dirty="0">
+                    <a:latin typeface="Geist Mono" pitchFamily="2" charset="77"/>
+                    <a:ea typeface="Geist Mono" pitchFamily="2" charset="77"/>
+                    <a:cs typeface="Geist Mono" pitchFamily="2" charset="77"/>
+                  </a:rPr>
+                  <a:t>Imaginemos que queremos convertir todas las palabras de una lista a mayúscula si la palabra tiene más de 4 caracteres y en minúscula si tiene menos de 4 caracteres</a:t>
+                </a:r>
+              </a:p>
+            </p:txBody>
+          </p:sp>
+          <p:grpSp>
+            <p:nvGrpSpPr>
+              <p:cNvPr id="12" name="Grupo 11">
+                <a:extLst>
+                  <a:ext uri="{FF2B5EF4-FFF2-40B4-BE49-F238E27FC236}">
+                    <a16:creationId xmlns:a16="http://schemas.microsoft.com/office/drawing/2014/main" id="{013E3E01-D5AA-E3DF-4517-21A48A28BC39}"/>
+                  </a:ext>
+                </a:extLst>
+              </p:cNvPr>
+              <p:cNvGrpSpPr/>
+              <p:nvPr/>
+            </p:nvGrpSpPr>
+            <p:grpSpPr>
+              <a:xfrm>
+                <a:off x="357995" y="1004540"/>
+                <a:ext cx="11762118" cy="707886"/>
+                <a:chOff x="357995" y="1004540"/>
+                <a:chExt cx="11762118" cy="707886"/>
+              </a:xfrm>
+            </p:grpSpPr>
+            <p:grpSp>
+              <p:nvGrpSpPr>
+                <p:cNvPr id="30" name="Grupo 29">
+                  <a:extLst>
+                    <a:ext uri="{FF2B5EF4-FFF2-40B4-BE49-F238E27FC236}">
+                      <a16:creationId xmlns:a16="http://schemas.microsoft.com/office/drawing/2014/main" id="{F359BCE0-19BD-5786-7324-C31D3F80115B}"/>
+                    </a:ext>
+                  </a:extLst>
+                </p:cNvPr>
+                <p:cNvGrpSpPr/>
+                <p:nvPr/>
+              </p:nvGrpSpPr>
+              <p:grpSpPr>
+                <a:xfrm>
+                  <a:off x="357995" y="1004540"/>
+                  <a:ext cx="11762118" cy="707886"/>
+                  <a:chOff x="205595" y="2266872"/>
+                  <a:chExt cx="11762118" cy="707886"/>
+                </a:xfrm>
+              </p:grpSpPr>
+              <p:sp>
+                <p:nvSpPr>
+                  <p:cNvPr id="31" name="CuadroTexto 30">
+                    <a:extLst>
+                      <a:ext uri="{FF2B5EF4-FFF2-40B4-BE49-F238E27FC236}">
+                        <a16:creationId xmlns:a16="http://schemas.microsoft.com/office/drawing/2014/main" id="{7CEE851D-9350-BD2D-FF91-574FB10480C4}"/>
+                      </a:ext>
+                    </a:extLst>
+                  </p:cNvPr>
+                  <p:cNvSpPr txBox="1"/>
+                  <p:nvPr/>
+                </p:nvSpPr>
+                <p:spPr>
+                  <a:xfrm>
+                    <a:off x="205595" y="2266872"/>
+                    <a:ext cx="457200" cy="707886"/>
+                  </a:xfrm>
+                  <a:prstGeom prst="rect">
+                    <a:avLst/>
+                  </a:prstGeom>
+                  <a:solidFill>
+                    <a:srgbClr val="FFC000"/>
+                  </a:solidFill>
+                  <a:ln w="19050">
+                    <a:solidFill>
+                      <a:schemeClr val="tx1"/>
+                    </a:solidFill>
+                  </a:ln>
+                </p:spPr>
+                <p:txBody>
+                  <a:bodyPr wrap="square" rtlCol="0">
+                    <a:spAutoFit/>
+                  </a:bodyPr>
+                  <a:lstStyle/>
+                  <a:p>
+                    <a:r>
+                      <a:rPr lang="es-ES" sz="4000" dirty="0">
+                        <a:latin typeface="Geist Mono" pitchFamily="2" charset="77"/>
+                        <a:ea typeface="Geist Mono" pitchFamily="2" charset="77"/>
+                        <a:cs typeface="Geist Mono" pitchFamily="2" charset="77"/>
+                      </a:rPr>
+                      <a:t>[</a:t>
+                    </a:r>
+                  </a:p>
+                </p:txBody>
+              </p:sp>
+              <p:sp>
+                <p:nvSpPr>
+                  <p:cNvPr id="32" name="CuadroTexto 31">
+                    <a:extLst>
+                      <a:ext uri="{FF2B5EF4-FFF2-40B4-BE49-F238E27FC236}">
+                        <a16:creationId xmlns:a16="http://schemas.microsoft.com/office/drawing/2014/main" id="{589F276B-358E-56C0-76D7-77F946B844A2}"/>
+                      </a:ext>
+                    </a:extLst>
+                  </p:cNvPr>
+                  <p:cNvSpPr txBox="1"/>
+                  <p:nvPr/>
+                </p:nvSpPr>
+                <p:spPr>
+                  <a:xfrm>
+                    <a:off x="11510513" y="2266872"/>
+                    <a:ext cx="457200" cy="707886"/>
+                  </a:xfrm>
+                  <a:prstGeom prst="rect">
+                    <a:avLst/>
+                  </a:prstGeom>
+                  <a:solidFill>
+                    <a:srgbClr val="FFC000"/>
+                  </a:solidFill>
+                  <a:ln w="19050">
+                    <a:solidFill>
+                      <a:schemeClr val="tx1"/>
+                    </a:solidFill>
+                  </a:ln>
+                </p:spPr>
+                <p:txBody>
+                  <a:bodyPr wrap="square" rtlCol="0">
+                    <a:spAutoFit/>
+                  </a:bodyPr>
+                  <a:lstStyle>
+                    <a:defPPr>
+                      <a:defRPr lang="es-ES"/>
+                    </a:defPPr>
+                    <a:lvl1pPr>
+                      <a:defRPr sz="4000"/>
+                    </a:lvl1pPr>
+                  </a:lstStyle>
+                  <a:p>
+                    <a:r>
+                      <a:rPr lang="es-ES" dirty="0">
+                        <a:latin typeface="Geist Mono" pitchFamily="2" charset="77"/>
+                        <a:ea typeface="Geist Mono" pitchFamily="2" charset="77"/>
+                        <a:cs typeface="Geist Mono" pitchFamily="2" charset="77"/>
+                      </a:rPr>
+                      <a:t>]</a:t>
+                    </a:r>
+                  </a:p>
+                </p:txBody>
+              </p:sp>
+              <p:sp>
+                <p:nvSpPr>
+                  <p:cNvPr id="33" name="CuadroTexto 32">
+                    <a:extLst>
+                      <a:ext uri="{FF2B5EF4-FFF2-40B4-BE49-F238E27FC236}">
+                        <a16:creationId xmlns:a16="http://schemas.microsoft.com/office/drawing/2014/main" id="{ACEA0A6D-34BD-326B-2C47-9AF0AFD8063D}"/>
+                      </a:ext>
+                    </a:extLst>
+                  </p:cNvPr>
+                  <p:cNvSpPr txBox="1"/>
+                  <p:nvPr/>
+                </p:nvSpPr>
+                <p:spPr>
+                  <a:xfrm>
+                    <a:off x="3541768" y="2417244"/>
+                    <a:ext cx="2240806" cy="400110"/>
+                  </a:xfrm>
+                  <a:prstGeom prst="rect">
+                    <a:avLst/>
+                  </a:prstGeom>
+                  <a:solidFill>
+                    <a:schemeClr val="accent3">
+                      <a:lumMod val="20000"/>
+                      <a:lumOff val="80000"/>
+                    </a:schemeClr>
+                  </a:solidFill>
+                  <a:ln w="19050">
+                    <a:solidFill>
+                      <a:schemeClr val="tx1"/>
+                    </a:solidFill>
+                  </a:ln>
+                </p:spPr>
+                <p:txBody>
+                  <a:bodyPr wrap="square" rtlCol="0">
+                    <a:spAutoFit/>
+                  </a:bodyPr>
+                  <a:lstStyle/>
+                  <a:p>
+                    <a:pPr algn="ctr"/>
+                    <a:r>
+                      <a:rPr lang="es-ES" sz="2000" dirty="0">
+                        <a:latin typeface="Geist Mono" pitchFamily="2" charset="77"/>
+                        <a:ea typeface="Geist Mono" pitchFamily="2" charset="77"/>
+                        <a:cs typeface="Geist Mono" pitchFamily="2" charset="77"/>
+                      </a:rPr>
+                      <a:t>condición if</a:t>
+                    </a:r>
+                  </a:p>
+                </p:txBody>
+              </p:sp>
+              <p:sp>
+                <p:nvSpPr>
+                  <p:cNvPr id="34" name="CuadroTexto 33">
+                    <a:extLst>
+                      <a:ext uri="{FF2B5EF4-FFF2-40B4-BE49-F238E27FC236}">
+                        <a16:creationId xmlns:a16="http://schemas.microsoft.com/office/drawing/2014/main" id="{FEA34C0A-BAB6-5919-5C9B-A05C31319DDF}"/>
+                      </a:ext>
+                    </a:extLst>
+                  </p:cNvPr>
+                  <p:cNvSpPr txBox="1"/>
+                  <p:nvPr/>
+                </p:nvSpPr>
+                <p:spPr>
+                  <a:xfrm>
+                    <a:off x="9719084" y="2414367"/>
+                    <a:ext cx="1722418" cy="400110"/>
+                  </a:xfrm>
+                  <a:prstGeom prst="rect">
+                    <a:avLst/>
+                  </a:prstGeom>
+                  <a:solidFill>
+                    <a:srgbClr val="00B0F0"/>
+                  </a:solidFill>
+                  <a:ln w="19050">
+                    <a:solidFill>
+                      <a:schemeClr val="tx1"/>
+                    </a:solidFill>
+                  </a:ln>
+                </p:spPr>
+                <p:txBody>
+                  <a:bodyPr wrap="square" rtlCol="0">
+                    <a:spAutoFit/>
+                  </a:bodyPr>
+                  <a:lstStyle/>
+                  <a:p>
+                    <a:pPr algn="ctr"/>
+                    <a:r>
+                      <a:rPr lang="es-ES" sz="2000" dirty="0">
+                        <a:latin typeface="Geist Mono" pitchFamily="2" charset="77"/>
+                        <a:ea typeface="Geist Mono" pitchFamily="2" charset="77"/>
+                        <a:cs typeface="Geist Mono" pitchFamily="2" charset="77"/>
+                      </a:rPr>
+                      <a:t>iterable</a:t>
+                    </a:r>
+                  </a:p>
+                </p:txBody>
+              </p:sp>
+              <p:sp>
+                <p:nvSpPr>
+                  <p:cNvPr id="35" name="CuadroTexto 34">
+                    <a:extLst>
+                      <a:ext uri="{FF2B5EF4-FFF2-40B4-BE49-F238E27FC236}">
+                        <a16:creationId xmlns:a16="http://schemas.microsoft.com/office/drawing/2014/main" id="{D8BC4B20-4EC4-C075-96E7-1CB2FAB9632B}"/>
+                      </a:ext>
+                    </a:extLst>
+                  </p:cNvPr>
+                  <p:cNvSpPr txBox="1"/>
+                  <p:nvPr/>
+                </p:nvSpPr>
+                <p:spPr>
+                  <a:xfrm>
+                    <a:off x="5906209" y="2417244"/>
+                    <a:ext cx="1138687" cy="400110"/>
+                  </a:xfrm>
+                  <a:prstGeom prst="rect">
+                    <a:avLst/>
+                  </a:prstGeom>
+                  <a:solidFill>
+                    <a:srgbClr val="FFFF00"/>
+                  </a:solidFill>
+                  <a:ln w="19050">
+                    <a:solidFill>
+                      <a:schemeClr val="tx1"/>
+                    </a:solidFill>
+                  </a:ln>
+                </p:spPr>
+                <p:txBody>
+                  <a:bodyPr wrap="square" rtlCol="0">
+                    <a:spAutoFit/>
+                  </a:bodyPr>
+                  <a:lstStyle/>
+                  <a:p>
+                    <a:pPr algn="ctr"/>
+                    <a:r>
+                      <a:rPr lang="es-ES" sz="2000" dirty="0">
+                        <a:latin typeface="Geist Mono" pitchFamily="2" charset="77"/>
+                        <a:ea typeface="Geist Mono" pitchFamily="2" charset="77"/>
+                        <a:cs typeface="Geist Mono" pitchFamily="2" charset="77"/>
+                      </a:rPr>
+                      <a:t>else</a:t>
+                    </a:r>
+                  </a:p>
+                </p:txBody>
+              </p:sp>
+            </p:grpSp>
+            <p:sp>
+              <p:nvSpPr>
+                <p:cNvPr id="4" name="CuadroTexto 3">
+                  <a:extLst>
+                    <a:ext uri="{FF2B5EF4-FFF2-40B4-BE49-F238E27FC236}">
+                      <a16:creationId xmlns:a16="http://schemas.microsoft.com/office/drawing/2014/main" id="{082B85F6-B580-7B53-1F65-99B9A9DCDCCC}"/>
+                    </a:ext>
+                  </a:extLst>
+                </p:cNvPr>
+                <p:cNvSpPr txBox="1"/>
+                <p:nvPr/>
+              </p:nvSpPr>
+              <p:spPr>
+                <a:xfrm>
+                  <a:off x="7320931" y="1152035"/>
+                  <a:ext cx="2426918" cy="400110"/>
+                </a:xfrm>
+                <a:prstGeom prst="rect">
+                  <a:avLst/>
+                </a:prstGeom>
+                <a:solidFill>
+                  <a:srgbClr val="FFFF00"/>
+                </a:solidFill>
+                <a:ln w="19050">
+                  <a:solidFill>
+                    <a:schemeClr val="tx1"/>
+                  </a:solidFill>
+                </a:ln>
+              </p:spPr>
+              <p:txBody>
+                <a:bodyPr wrap="square" rtlCol="0">
+                  <a:spAutoFit/>
+                </a:bodyPr>
+                <a:lstStyle/>
+                <a:p>
+                  <a:pPr algn="ctr"/>
+                  <a:r>
+                    <a:rPr lang="es-ES" sz="2000" dirty="0">
+                      <a:latin typeface="Geist Mono" pitchFamily="2" charset="77"/>
+                      <a:ea typeface="Geist Mono" pitchFamily="2" charset="77"/>
+                      <a:cs typeface="Geist Mono" pitchFamily="2" charset="77"/>
+                    </a:rPr>
+                    <a:t>resultado else</a:t>
+                  </a:r>
+                </a:p>
+              </p:txBody>
+            </p:sp>
+            <p:sp>
+              <p:nvSpPr>
+                <p:cNvPr id="5" name="CuadroTexto 4">
+                  <a:extLst>
+                    <a:ext uri="{FF2B5EF4-FFF2-40B4-BE49-F238E27FC236}">
+                      <a16:creationId xmlns:a16="http://schemas.microsoft.com/office/drawing/2014/main" id="{B5C5624F-E52F-5DA3-28C0-FB697298D513}"/>
+                    </a:ext>
+                  </a:extLst>
+                </p:cNvPr>
+                <p:cNvSpPr txBox="1"/>
+                <p:nvPr/>
+              </p:nvSpPr>
+              <p:spPr>
+                <a:xfrm>
+                  <a:off x="941949" y="1158812"/>
+                  <a:ext cx="2612134" cy="400110"/>
+                </a:xfrm>
+                <a:prstGeom prst="rect">
+                  <a:avLst/>
+                </a:prstGeom>
+                <a:solidFill>
+                  <a:schemeClr val="accent3">
+                    <a:lumMod val="20000"/>
+                    <a:lumOff val="80000"/>
+                  </a:schemeClr>
+                </a:solidFill>
+                <a:ln w="19050">
+                  <a:solidFill>
+                    <a:schemeClr val="tx1"/>
+                  </a:solidFill>
+                </a:ln>
+              </p:spPr>
+              <p:txBody>
+                <a:bodyPr wrap="square" rtlCol="0">
+                  <a:spAutoFit/>
+                </a:bodyPr>
+                <a:lstStyle/>
+                <a:p>
+                  <a:pPr algn="ctr"/>
+                  <a:r>
+                    <a:rPr lang="es-ES" sz="2000" dirty="0">
+                      <a:latin typeface="Geist Mono" pitchFamily="2" charset="77"/>
+                      <a:ea typeface="Geist Mono" pitchFamily="2" charset="77"/>
+                      <a:cs typeface="Geist Mono" pitchFamily="2" charset="77"/>
+                    </a:rPr>
+                    <a:t>resultado else</a:t>
+                  </a:r>
+                </a:p>
+              </p:txBody>
+            </p:sp>
+          </p:grpSp>
+          <p:grpSp>
+            <p:nvGrpSpPr>
+              <p:cNvPr id="13" name="Grupo 12">
+                <a:extLst>
+                  <a:ext uri="{FF2B5EF4-FFF2-40B4-BE49-F238E27FC236}">
+                    <a16:creationId xmlns:a16="http://schemas.microsoft.com/office/drawing/2014/main" id="{91CBBF0D-DFB1-A3AA-DC9F-5782DE953328}"/>
+                  </a:ext>
+                </a:extLst>
+              </p:cNvPr>
+              <p:cNvGrpSpPr/>
+              <p:nvPr/>
+            </p:nvGrpSpPr>
+            <p:grpSpPr>
+              <a:xfrm>
+                <a:off x="357995" y="5206745"/>
+                <a:ext cx="11762118" cy="707886"/>
+                <a:chOff x="357995" y="1004540"/>
+                <a:chExt cx="11762118" cy="707886"/>
+              </a:xfrm>
+            </p:grpSpPr>
+            <p:grpSp>
+              <p:nvGrpSpPr>
+                <p:cNvPr id="14" name="Grupo 13">
+                  <a:extLst>
+                    <a:ext uri="{FF2B5EF4-FFF2-40B4-BE49-F238E27FC236}">
+                      <a16:creationId xmlns:a16="http://schemas.microsoft.com/office/drawing/2014/main" id="{6A397B6F-A22C-BB57-09D0-AF842FB345D0}"/>
+                    </a:ext>
+                  </a:extLst>
+                </p:cNvPr>
+                <p:cNvGrpSpPr/>
+                <p:nvPr/>
+              </p:nvGrpSpPr>
+              <p:grpSpPr>
+                <a:xfrm>
+                  <a:off x="357995" y="1004540"/>
+                  <a:ext cx="11762118" cy="707886"/>
+                  <a:chOff x="205595" y="2266872"/>
+                  <a:chExt cx="11762118" cy="707886"/>
+                </a:xfrm>
+              </p:grpSpPr>
+              <p:sp>
+                <p:nvSpPr>
+                  <p:cNvPr id="17" name="CuadroTexto 16">
+                    <a:extLst>
+                      <a:ext uri="{FF2B5EF4-FFF2-40B4-BE49-F238E27FC236}">
+                        <a16:creationId xmlns:a16="http://schemas.microsoft.com/office/drawing/2014/main" id="{511E9479-C8D9-256F-CE47-A213C3E7F51B}"/>
+                      </a:ext>
+                    </a:extLst>
+                  </p:cNvPr>
+                  <p:cNvSpPr txBox="1"/>
+                  <p:nvPr/>
+                </p:nvSpPr>
+                <p:spPr>
+                  <a:xfrm>
+                    <a:off x="205595" y="2266872"/>
+                    <a:ext cx="457200" cy="707886"/>
+                  </a:xfrm>
+                  <a:prstGeom prst="rect">
+                    <a:avLst/>
+                  </a:prstGeom>
+                  <a:solidFill>
+                    <a:srgbClr val="FFC000"/>
+                  </a:solidFill>
+                  <a:ln w="19050">
+                    <a:solidFill>
+                      <a:schemeClr val="tx1"/>
+                    </a:solidFill>
+                  </a:ln>
+                </p:spPr>
+                <p:txBody>
+                  <a:bodyPr wrap="square" rtlCol="0">
+                    <a:spAutoFit/>
+                  </a:bodyPr>
+                  <a:lstStyle/>
+                  <a:p>
+                    <a:r>
+                      <a:rPr lang="es-ES" sz="4000" dirty="0">
+                        <a:latin typeface="Geist Mono" pitchFamily="2" charset="77"/>
+                        <a:ea typeface="Geist Mono" pitchFamily="2" charset="77"/>
+                        <a:cs typeface="Geist Mono" pitchFamily="2" charset="77"/>
+                      </a:rPr>
+                      <a:t>[</a:t>
+                    </a:r>
+                  </a:p>
+                </p:txBody>
+              </p:sp>
+              <p:sp>
+                <p:nvSpPr>
+                  <p:cNvPr id="18" name="CuadroTexto 17">
+                    <a:extLst>
+                      <a:ext uri="{FF2B5EF4-FFF2-40B4-BE49-F238E27FC236}">
+                        <a16:creationId xmlns:a16="http://schemas.microsoft.com/office/drawing/2014/main" id="{1950D69C-906C-7725-FEEE-E5D7D1C9B25C}"/>
+                      </a:ext>
+                    </a:extLst>
+                  </p:cNvPr>
+                  <p:cNvSpPr txBox="1"/>
+                  <p:nvPr/>
+                </p:nvSpPr>
+                <p:spPr>
+                  <a:xfrm>
+                    <a:off x="11510513" y="2266872"/>
+                    <a:ext cx="457200" cy="707886"/>
+                  </a:xfrm>
+                  <a:prstGeom prst="rect">
+                    <a:avLst/>
+                  </a:prstGeom>
+                  <a:solidFill>
+                    <a:srgbClr val="FFC000"/>
+                  </a:solidFill>
+                  <a:ln w="19050">
+                    <a:solidFill>
+                      <a:schemeClr val="tx1"/>
+                    </a:solidFill>
+                  </a:ln>
+                </p:spPr>
+                <p:txBody>
+                  <a:bodyPr wrap="square" rtlCol="0">
+                    <a:spAutoFit/>
+                  </a:bodyPr>
+                  <a:lstStyle>
+                    <a:defPPr>
+                      <a:defRPr lang="es-ES"/>
+                    </a:defPPr>
+                    <a:lvl1pPr>
+                      <a:defRPr sz="4000"/>
+                    </a:lvl1pPr>
+                  </a:lstStyle>
+                  <a:p>
+                    <a:r>
+                      <a:rPr lang="es-ES" dirty="0">
+                        <a:latin typeface="Geist Mono" pitchFamily="2" charset="77"/>
+                        <a:ea typeface="Geist Mono" pitchFamily="2" charset="77"/>
+                        <a:cs typeface="Geist Mono" pitchFamily="2" charset="77"/>
+                      </a:rPr>
+                      <a:t>]</a:t>
+                    </a:r>
+                  </a:p>
+                </p:txBody>
+              </p:sp>
+              <p:sp>
+                <p:nvSpPr>
+                  <p:cNvPr id="19" name="CuadroTexto 18">
+                    <a:extLst>
+                      <a:ext uri="{FF2B5EF4-FFF2-40B4-BE49-F238E27FC236}">
+                        <a16:creationId xmlns:a16="http://schemas.microsoft.com/office/drawing/2014/main" id="{598B8E5C-1ADA-4FEF-70F6-53B46BA7DC28}"/>
+                      </a:ext>
+                    </a:extLst>
+                  </p:cNvPr>
+                  <p:cNvSpPr txBox="1"/>
+                  <p:nvPr/>
+                </p:nvSpPr>
+                <p:spPr>
+                  <a:xfrm>
+                    <a:off x="2618094" y="2421144"/>
+                    <a:ext cx="2240806" cy="400110"/>
+                  </a:xfrm>
+                  <a:prstGeom prst="rect">
+                    <a:avLst/>
+                  </a:prstGeom>
+                  <a:solidFill>
+                    <a:schemeClr val="accent3">
+                      <a:lumMod val="20000"/>
+                      <a:lumOff val="80000"/>
+                    </a:schemeClr>
+                  </a:solidFill>
+                  <a:ln w="19050">
+                    <a:solidFill>
+                      <a:schemeClr val="tx1"/>
+                    </a:solidFill>
+                  </a:ln>
+                </p:spPr>
+                <p:txBody>
+                  <a:bodyPr wrap="square" rtlCol="0">
+                    <a:spAutoFit/>
+                  </a:bodyPr>
+                  <a:lstStyle/>
+                  <a:p>
+                    <a:pPr algn="ctr"/>
+                    <a:r>
+                      <a:rPr lang="es-ES" sz="2000" dirty="0">
+                        <a:latin typeface="Geist Mono" pitchFamily="2" charset="77"/>
+                        <a:ea typeface="Geist Mono" pitchFamily="2" charset="77"/>
+                        <a:cs typeface="Geist Mono" pitchFamily="2" charset="77"/>
+                      </a:rPr>
+                      <a:t>if len(i) &gt; 4</a:t>
+                    </a:r>
+                  </a:p>
+                </p:txBody>
+              </p:sp>
+              <p:sp>
+                <p:nvSpPr>
+                  <p:cNvPr id="20" name="CuadroTexto 19">
+                    <a:extLst>
+                      <a:ext uri="{FF2B5EF4-FFF2-40B4-BE49-F238E27FC236}">
+                        <a16:creationId xmlns:a16="http://schemas.microsoft.com/office/drawing/2014/main" id="{E849A0B7-606E-2BF3-981D-9B7C225B850F}"/>
+                      </a:ext>
+                    </a:extLst>
+                  </p:cNvPr>
+                  <p:cNvSpPr txBox="1"/>
+                  <p:nvPr/>
+                </p:nvSpPr>
+                <p:spPr>
+                  <a:xfrm>
+                    <a:off x="8590994" y="2409754"/>
+                    <a:ext cx="2812223" cy="400110"/>
+                  </a:xfrm>
+                  <a:prstGeom prst="rect">
+                    <a:avLst/>
+                  </a:prstGeom>
+                  <a:solidFill>
+                    <a:srgbClr val="00B0F0"/>
+                  </a:solidFill>
+                  <a:ln w="19050">
+                    <a:solidFill>
+                      <a:schemeClr val="tx1"/>
+                    </a:solidFill>
+                  </a:ln>
+                </p:spPr>
+                <p:txBody>
+                  <a:bodyPr wrap="square" rtlCol="0">
+                    <a:spAutoFit/>
+                  </a:bodyPr>
+                  <a:lstStyle/>
+                  <a:p>
+                    <a:pPr algn="ctr"/>
+                    <a:r>
+                      <a:rPr lang="es-ES" sz="2000" dirty="0">
+                        <a:latin typeface="Geist Mono" pitchFamily="2" charset="77"/>
+                        <a:ea typeface="Geist Mono" pitchFamily="2" charset="77"/>
+                        <a:cs typeface="Geist Mono" pitchFamily="2" charset="77"/>
+                      </a:rPr>
+                      <a:t>for i in mi_lista</a:t>
+                    </a:r>
+                  </a:p>
+                </p:txBody>
+              </p:sp>
+              <p:sp>
+                <p:nvSpPr>
+                  <p:cNvPr id="21" name="CuadroTexto 20">
+                    <a:extLst>
+                      <a:ext uri="{FF2B5EF4-FFF2-40B4-BE49-F238E27FC236}">
+                        <a16:creationId xmlns:a16="http://schemas.microsoft.com/office/drawing/2014/main" id="{27BF002C-CE0E-3AD9-33BD-A85C41085BD8}"/>
+                      </a:ext>
+                    </a:extLst>
+                  </p:cNvPr>
+                  <p:cNvSpPr txBox="1"/>
+                  <p:nvPr/>
+                </p:nvSpPr>
+                <p:spPr>
+                  <a:xfrm>
+                    <a:off x="4899135" y="2421144"/>
+                    <a:ext cx="1138687" cy="400110"/>
+                  </a:xfrm>
+                  <a:prstGeom prst="rect">
+                    <a:avLst/>
+                  </a:prstGeom>
+                  <a:solidFill>
+                    <a:srgbClr val="FFFF00"/>
+                  </a:solidFill>
+                  <a:ln w="19050">
+                    <a:solidFill>
+                      <a:schemeClr val="tx1"/>
+                    </a:solidFill>
+                  </a:ln>
+                </p:spPr>
+                <p:txBody>
+                  <a:bodyPr wrap="square" rtlCol="0">
+                    <a:spAutoFit/>
+                  </a:bodyPr>
+                  <a:lstStyle/>
+                  <a:p>
+                    <a:pPr algn="ctr"/>
+                    <a:r>
+                      <a:rPr lang="es-ES" sz="2000" dirty="0">
+                        <a:latin typeface="Geist Mono" pitchFamily="2" charset="77"/>
+                        <a:ea typeface="Geist Mono" pitchFamily="2" charset="77"/>
+                        <a:cs typeface="Geist Mono" pitchFamily="2" charset="77"/>
+                      </a:rPr>
+                      <a:t>else</a:t>
+                    </a:r>
+                  </a:p>
+                </p:txBody>
+              </p:sp>
+            </p:grpSp>
+            <p:sp>
+              <p:nvSpPr>
+                <p:cNvPr id="15" name="CuadroTexto 14">
+                  <a:extLst>
+                    <a:ext uri="{FF2B5EF4-FFF2-40B4-BE49-F238E27FC236}">
+                      <a16:creationId xmlns:a16="http://schemas.microsoft.com/office/drawing/2014/main" id="{825C91C7-F048-F768-37E8-AE3FF4304FA0}"/>
+                    </a:ext>
+                  </a:extLst>
+                </p:cNvPr>
+                <p:cNvSpPr txBox="1"/>
+                <p:nvPr/>
+              </p:nvSpPr>
+              <p:spPr>
+                <a:xfrm>
+                  <a:off x="6253349" y="1147422"/>
+                  <a:ext cx="2426918" cy="400110"/>
+                </a:xfrm>
+                <a:prstGeom prst="rect">
+                  <a:avLst/>
+                </a:prstGeom>
+                <a:solidFill>
+                  <a:srgbClr val="FFFF00"/>
+                </a:solidFill>
+                <a:ln w="19050">
+                  <a:solidFill>
+                    <a:schemeClr val="tx1"/>
+                  </a:solidFill>
+                </a:ln>
+              </p:spPr>
+              <p:txBody>
+                <a:bodyPr wrap="square" rtlCol="0">
+                  <a:spAutoFit/>
+                </a:bodyPr>
+                <a:lstStyle/>
+                <a:p>
+                  <a:pPr algn="ctr"/>
+                  <a:r>
+                    <a:rPr lang="es-ES" sz="2000" dirty="0">
+                      <a:latin typeface="Geist Mono" pitchFamily="2" charset="77"/>
+                      <a:ea typeface="Geist Mono" pitchFamily="2" charset="77"/>
+                      <a:cs typeface="Geist Mono" pitchFamily="2" charset="77"/>
+                    </a:rPr>
+                    <a:t>i.lower() else</a:t>
+                  </a:r>
+                </a:p>
+              </p:txBody>
+            </p:sp>
+            <p:sp>
+              <p:nvSpPr>
+                <p:cNvPr id="16" name="CuadroTexto 15">
+                  <a:extLst>
+                    <a:ext uri="{FF2B5EF4-FFF2-40B4-BE49-F238E27FC236}">
+                      <a16:creationId xmlns:a16="http://schemas.microsoft.com/office/drawing/2014/main" id="{B3754DB6-3DE0-E90E-A95C-E5E38820585B}"/>
+                    </a:ext>
+                  </a:extLst>
+                </p:cNvPr>
+                <p:cNvSpPr txBox="1"/>
+                <p:nvPr/>
+              </p:nvSpPr>
+              <p:spPr>
+                <a:xfrm>
+                  <a:off x="941949" y="1158812"/>
+                  <a:ext cx="1788310" cy="400110"/>
+                </a:xfrm>
+                <a:prstGeom prst="rect">
+                  <a:avLst/>
+                </a:prstGeom>
+                <a:solidFill>
+                  <a:schemeClr val="accent3">
+                    <a:lumMod val="20000"/>
+                    <a:lumOff val="80000"/>
+                  </a:schemeClr>
+                </a:solidFill>
+                <a:ln w="19050">
+                  <a:solidFill>
+                    <a:schemeClr val="tx1"/>
+                  </a:solidFill>
+                </a:ln>
+              </p:spPr>
+              <p:txBody>
+                <a:bodyPr wrap="square" rtlCol="0">
+                  <a:spAutoFit/>
+                </a:bodyPr>
+                <a:lstStyle/>
+                <a:p>
+                  <a:pPr algn="ctr"/>
+                  <a:r>
+                    <a:rPr lang="es-ES" sz="2000" dirty="0">
+                      <a:latin typeface="Geist Mono" pitchFamily="2" charset="77"/>
+                      <a:ea typeface="Geist Mono" pitchFamily="2" charset="77"/>
+                      <a:cs typeface="Geist Mono" pitchFamily="2" charset="77"/>
+                    </a:rPr>
+                    <a:t>i.upper()</a:t>
+                  </a:r>
+                </a:p>
+              </p:txBody>
+            </p:sp>
+          </p:grpSp>
+        </p:grpSp>
+      </p:grpSp>
+    </p:spTree>
+    <p:extLst>
+      <p:ext uri="{BB962C8B-B14F-4D97-AF65-F5344CB8AC3E}">
+        <p14:creationId xmlns:p14="http://schemas.microsoft.com/office/powerpoint/2010/main" val="1732208532"/>
+      </p:ext>
+    </p:extLst>
+  </p:cSld>
+  <p:clrMapOvr>
+    <a:masterClrMapping/>
+  </p:clrMapOvr>
+</p:sld>
+</file>
+
+<file path=ppt/slides/slide11.xml><?xml version="1.0" encoding="utf-8"?>
+<p:sld xmlns:a="http://schemas.openxmlformats.org/drawingml/2006/main" xmlns:r="http://schemas.openxmlformats.org/officeDocument/2006/relationships" xmlns:p="http://schemas.openxmlformats.org/presentationml/2006/main">
+  <p:cSld>
+    <p:spTree>
+      <p:nvGrpSpPr>
+        <p:cNvPr id="1" name=""/>
+        <p:cNvGrpSpPr/>
+        <p:nvPr/>
+      </p:nvGrpSpPr>
+      <p:grpSpPr>
+        <a:xfrm>
+          <a:off x="0" y="0"/>
+          <a:ext cx="0" cy="0"/>
+          <a:chOff x="0" y="0"/>
+          <a:chExt cx="0" cy="0"/>
+        </a:xfrm>
+      </p:grpSpPr>
+      <p:grpSp>
+        <p:nvGrpSpPr>
+          <p:cNvPr id="24" name="Grupo 23">
+            <a:extLst>
+              <a:ext uri="{FF2B5EF4-FFF2-40B4-BE49-F238E27FC236}">
+                <a16:creationId xmlns:a16="http://schemas.microsoft.com/office/drawing/2014/main" id="{FA0B8D15-78B7-CC0A-CD48-C48F2F4894D2}"/>
+              </a:ext>
+            </a:extLst>
+          </p:cNvPr>
+          <p:cNvGrpSpPr/>
+          <p:nvPr/>
+        </p:nvGrpSpPr>
+        <p:grpSpPr>
+          <a:xfrm>
+            <a:off x="103517" y="707366"/>
+            <a:ext cx="12088483" cy="5572664"/>
+            <a:chOff x="103517" y="707366"/>
+            <a:chExt cx="12088483" cy="5572664"/>
+          </a:xfrm>
+        </p:grpSpPr>
+        <p:sp>
+          <p:nvSpPr>
+            <p:cNvPr id="23" name="Rectángulo 22">
+              <a:extLst>
+                <a:ext uri="{FF2B5EF4-FFF2-40B4-BE49-F238E27FC236}">
+                  <a16:creationId xmlns:a16="http://schemas.microsoft.com/office/drawing/2014/main" id="{B697F2C3-8978-ED64-0E32-AEA55AB5CD99}"/>
+                </a:ext>
+              </a:extLst>
+            </p:cNvPr>
+            <p:cNvSpPr/>
+            <p:nvPr/>
+          </p:nvSpPr>
+          <p:spPr>
+            <a:xfrm>
+              <a:off x="103517" y="707366"/>
+              <a:ext cx="12088483" cy="5572664"/>
+            </a:xfrm>
+            <a:prstGeom prst="rect">
+              <a:avLst/>
+            </a:prstGeom>
+            <a:solidFill>
+              <a:schemeClr val="bg1"/>
+            </a:solidFill>
+            <a:ln>
+              <a:noFill/>
+            </a:ln>
+          </p:spPr>
+          <p:style>
+            <a:lnRef idx="2">
+              <a:schemeClr val="accent1">
+                <a:shade val="15000"/>
+              </a:schemeClr>
+            </a:lnRef>
+            <a:fillRef idx="1">
+              <a:schemeClr val="accent1"/>
+            </a:fillRef>
+            <a:effectRef idx="0">
+              <a:schemeClr val="accent1"/>
+            </a:effectRef>
+            <a:fontRef idx="minor">
+              <a:schemeClr val="lt1"/>
+            </a:fontRef>
+          </p:style>
+          <p:txBody>
+            <a:bodyPr rtlCol="0" anchor="ctr"/>
+            <a:lstStyle/>
+            <a:p>
+              <a:pPr algn="ctr"/>
+              <a:endParaRPr lang="es-ES"/>
+            </a:p>
+          </p:txBody>
+        </p:sp>
+        <p:grpSp>
+          <p:nvGrpSpPr>
+            <p:cNvPr id="22" name="Grupo 21">
+              <a:extLst>
+                <a:ext uri="{FF2B5EF4-FFF2-40B4-BE49-F238E27FC236}">
+                  <a16:creationId xmlns:a16="http://schemas.microsoft.com/office/drawing/2014/main" id="{6FED28A4-BB2A-1B41-BF8F-A763AD7EE29C}"/>
+                </a:ext>
+              </a:extLst>
+            </p:cNvPr>
+            <p:cNvGrpSpPr/>
+            <p:nvPr/>
+          </p:nvGrpSpPr>
+          <p:grpSpPr>
+            <a:xfrm>
+              <a:off x="357995" y="1004540"/>
+              <a:ext cx="11762118" cy="4910091"/>
+              <a:chOff x="357995" y="1004540"/>
+              <a:chExt cx="11762118" cy="4910091"/>
+            </a:xfrm>
+          </p:grpSpPr>
+          <p:sp>
+            <p:nvSpPr>
+              <p:cNvPr id="36" name="Flecha abajo 35">
+                <a:extLst>
+                  <a:ext uri="{FF2B5EF4-FFF2-40B4-BE49-F238E27FC236}">
+                    <a16:creationId xmlns:a16="http://schemas.microsoft.com/office/drawing/2014/main" id="{2462C9EC-BBB6-912D-6FDD-4593933A77C4}"/>
+                  </a:ext>
+                </a:extLst>
+              </p:cNvPr>
+              <p:cNvSpPr/>
+              <p:nvPr/>
+            </p:nvSpPr>
+            <p:spPr>
+              <a:xfrm>
+                <a:off x="5609325" y="2191109"/>
+                <a:ext cx="1138687" cy="642668"/>
+              </a:xfrm>
+              <a:prstGeom prst="downArrow">
+                <a:avLst/>
+              </a:prstGeom>
+              <a:gradFill flip="none" rotWithShape="1">
+                <a:gsLst>
+                  <a:gs pos="0">
+                    <a:schemeClr val="accent2">
+                      <a:lumMod val="67000"/>
+                    </a:schemeClr>
+                  </a:gs>
+                  <a:gs pos="48000">
+                    <a:schemeClr val="accent2">
+                      <a:lumMod val="97000"/>
+                      <a:lumOff val="3000"/>
+                    </a:schemeClr>
+                  </a:gs>
+                  <a:gs pos="100000">
+                    <a:schemeClr val="accent2">
+                      <a:lumMod val="60000"/>
+                      <a:lumOff val="40000"/>
+                    </a:schemeClr>
+                  </a:gs>
+                </a:gsLst>
+                <a:lin ang="16200000" scaled="1"/>
+                <a:tileRect/>
+              </a:gradFill>
+              <a:ln>
+                <a:noFill/>
+              </a:ln>
+            </p:spPr>
+            <p:style>
+              <a:lnRef idx="0">
+                <a:scrgbClr r="0" g="0" b="0"/>
+              </a:lnRef>
+              <a:fillRef idx="0">
+                <a:scrgbClr r="0" g="0" b="0"/>
+              </a:fillRef>
+              <a:effectRef idx="0">
+                <a:scrgbClr r="0" g="0" b="0"/>
+              </a:effectRef>
+              <a:fontRef idx="minor">
+                <a:schemeClr val="lt1"/>
+              </a:fontRef>
+            </p:style>
+            <p:txBody>
+              <a:bodyPr rtlCol="0" anchor="ctr"/>
+              <a:lstStyle/>
+              <a:p>
+                <a:pPr algn="ctr"/>
+                <a:endParaRPr lang="es-ES">
+                  <a:latin typeface="Geist Mono" pitchFamily="2" charset="77"/>
+                  <a:ea typeface="Geist Mono" pitchFamily="2" charset="77"/>
+                  <a:cs typeface="Geist Mono" pitchFamily="2" charset="77"/>
+                </a:endParaRPr>
+              </a:p>
+            </p:txBody>
+          </p:sp>
+          <p:sp>
+            <p:nvSpPr>
+              <p:cNvPr id="37" name="Flecha abajo 36">
+                <a:extLst>
+                  <a:ext uri="{FF2B5EF4-FFF2-40B4-BE49-F238E27FC236}">
+                    <a16:creationId xmlns:a16="http://schemas.microsoft.com/office/drawing/2014/main" id="{A5399141-39DD-0BED-63DD-72412EC7E9CC}"/>
+                  </a:ext>
+                </a:extLst>
+              </p:cNvPr>
+              <p:cNvSpPr/>
+              <p:nvPr/>
+            </p:nvSpPr>
+            <p:spPr>
+              <a:xfrm>
+                <a:off x="5609325" y="4341300"/>
+                <a:ext cx="1138687" cy="642668"/>
+              </a:xfrm>
+              <a:prstGeom prst="downArrow">
+                <a:avLst/>
+              </a:prstGeom>
+              <a:gradFill flip="none" rotWithShape="1">
+                <a:gsLst>
+                  <a:gs pos="0">
+                    <a:schemeClr val="accent2">
+                      <a:lumMod val="67000"/>
+                    </a:schemeClr>
+                  </a:gs>
+                  <a:gs pos="48000">
+                    <a:schemeClr val="accent2">
+                      <a:lumMod val="97000"/>
+                      <a:lumOff val="3000"/>
+                    </a:schemeClr>
+                  </a:gs>
+                  <a:gs pos="100000">
+                    <a:schemeClr val="accent2">
+                      <a:lumMod val="60000"/>
+                      <a:lumOff val="40000"/>
+                    </a:schemeClr>
+                  </a:gs>
+                </a:gsLst>
+                <a:lin ang="16200000" scaled="1"/>
+                <a:tileRect/>
+              </a:gradFill>
+              <a:ln>
+                <a:noFill/>
+              </a:ln>
+            </p:spPr>
+            <p:style>
+              <a:lnRef idx="0">
+                <a:scrgbClr r="0" g="0" b="0"/>
+              </a:lnRef>
+              <a:fillRef idx="0">
+                <a:scrgbClr r="0" g="0" b="0"/>
+              </a:fillRef>
+              <a:effectRef idx="0">
+                <a:scrgbClr r="0" g="0" b="0"/>
+              </a:effectRef>
+              <a:fontRef idx="minor">
+                <a:schemeClr val="lt1"/>
+              </a:fontRef>
+            </p:style>
+            <p:txBody>
+              <a:bodyPr rtlCol="0" anchor="ctr"/>
+              <a:lstStyle/>
+              <a:p>
+                <a:pPr algn="ctr"/>
+                <a:endParaRPr lang="es-ES">
+                  <a:latin typeface="Geist Mono" pitchFamily="2" charset="77"/>
+                  <a:ea typeface="Geist Mono" pitchFamily="2" charset="77"/>
+                  <a:cs typeface="Geist Mono" pitchFamily="2" charset="77"/>
+                </a:endParaRPr>
+              </a:p>
+            </p:txBody>
+          </p:sp>
+          <p:sp>
+            <p:nvSpPr>
+              <p:cNvPr id="38" name="CuadroTexto 37">
+                <a:extLst>
+                  <a:ext uri="{FF2B5EF4-FFF2-40B4-BE49-F238E27FC236}">
+                    <a16:creationId xmlns:a16="http://schemas.microsoft.com/office/drawing/2014/main" id="{B610E2C8-9435-24A3-C055-21EBB5B2FE9A}"/>
+                  </a:ext>
+                </a:extLst>
+              </p:cNvPr>
+              <p:cNvSpPr txBox="1"/>
+              <p:nvPr/>
+            </p:nvSpPr>
+            <p:spPr>
+              <a:xfrm>
+                <a:off x="357995" y="3059668"/>
+                <a:ext cx="11583840" cy="646331"/>
+              </a:xfrm>
+              <a:prstGeom prst="rect">
+                <a:avLst/>
+              </a:prstGeom>
+              <a:noFill/>
+            </p:spPr>
+            <p:txBody>
+              <a:bodyPr wrap="square" rtlCol="0">
+                <a:spAutoFit/>
+              </a:bodyPr>
+              <a:lstStyle/>
+              <a:p>
+                <a:pPr algn="ctr"/>
+                <a:r>
+                  <a:rPr lang="es-ES" dirty="0">
+                    <a:latin typeface="Geist Mono" pitchFamily="2" charset="77"/>
+                    <a:ea typeface="Geist Mono" pitchFamily="2" charset="77"/>
+                    <a:cs typeface="Geist Mono" pitchFamily="2" charset="77"/>
+                  </a:rPr>
+                  <a:t>Imaginemos que queremos convertir todas las palabras de una lista a mayúscula si la palabra tiene más de 4 caracteres y en minúscula si tiene menos de 4 caracteres</a:t>
+                </a:r>
+              </a:p>
+            </p:txBody>
+          </p:sp>
+          <p:grpSp>
+            <p:nvGrpSpPr>
+              <p:cNvPr id="12" name="Grupo 11">
+                <a:extLst>
+                  <a:ext uri="{FF2B5EF4-FFF2-40B4-BE49-F238E27FC236}">
+                    <a16:creationId xmlns:a16="http://schemas.microsoft.com/office/drawing/2014/main" id="{013E3E01-D5AA-E3DF-4517-21A48A28BC39}"/>
+                  </a:ext>
+                </a:extLst>
+              </p:cNvPr>
+              <p:cNvGrpSpPr/>
+              <p:nvPr/>
+            </p:nvGrpSpPr>
+            <p:grpSpPr>
+              <a:xfrm>
+                <a:off x="357995" y="1004540"/>
+                <a:ext cx="11762118" cy="707886"/>
+                <a:chOff x="357995" y="1004540"/>
+                <a:chExt cx="11762118" cy="707886"/>
+              </a:xfrm>
+            </p:grpSpPr>
+            <p:grpSp>
+              <p:nvGrpSpPr>
+                <p:cNvPr id="30" name="Grupo 29">
+                  <a:extLst>
+                    <a:ext uri="{FF2B5EF4-FFF2-40B4-BE49-F238E27FC236}">
+                      <a16:creationId xmlns:a16="http://schemas.microsoft.com/office/drawing/2014/main" id="{F359BCE0-19BD-5786-7324-C31D3F80115B}"/>
+                    </a:ext>
+                  </a:extLst>
+                </p:cNvPr>
+                <p:cNvGrpSpPr/>
+                <p:nvPr/>
+              </p:nvGrpSpPr>
+              <p:grpSpPr>
+                <a:xfrm>
+                  <a:off x="357995" y="1004540"/>
+                  <a:ext cx="11762118" cy="707886"/>
+                  <a:chOff x="205595" y="2266872"/>
+                  <a:chExt cx="11762118" cy="707886"/>
+                </a:xfrm>
+              </p:grpSpPr>
+              <p:sp>
+                <p:nvSpPr>
+                  <p:cNvPr id="31" name="CuadroTexto 30">
+                    <a:extLst>
+                      <a:ext uri="{FF2B5EF4-FFF2-40B4-BE49-F238E27FC236}">
+                        <a16:creationId xmlns:a16="http://schemas.microsoft.com/office/drawing/2014/main" id="{7CEE851D-9350-BD2D-FF91-574FB10480C4}"/>
+                      </a:ext>
+                    </a:extLst>
+                  </p:cNvPr>
+                  <p:cNvSpPr txBox="1"/>
+                  <p:nvPr/>
+                </p:nvSpPr>
+                <p:spPr>
+                  <a:xfrm>
+                    <a:off x="205595" y="2266872"/>
+                    <a:ext cx="457200" cy="707886"/>
+                  </a:xfrm>
+                  <a:prstGeom prst="rect">
+                    <a:avLst/>
+                  </a:prstGeom>
+                  <a:solidFill>
+                    <a:srgbClr val="FFC000"/>
+                  </a:solidFill>
+                  <a:ln w="19050">
+                    <a:solidFill>
+                      <a:schemeClr val="tx1"/>
+                    </a:solidFill>
+                  </a:ln>
+                </p:spPr>
+                <p:txBody>
+                  <a:bodyPr wrap="square" rtlCol="0">
+                    <a:spAutoFit/>
+                  </a:bodyPr>
+                  <a:lstStyle/>
+                  <a:p>
+                    <a:r>
+                      <a:rPr lang="es-ES" sz="4000" dirty="0">
+                        <a:latin typeface="Geist Mono" pitchFamily="2" charset="77"/>
+                        <a:ea typeface="Geist Mono" pitchFamily="2" charset="77"/>
+                        <a:cs typeface="Geist Mono" pitchFamily="2" charset="77"/>
+                      </a:rPr>
+                      <a:t>[</a:t>
+                    </a:r>
+                  </a:p>
+                </p:txBody>
+              </p:sp>
+              <p:sp>
+                <p:nvSpPr>
+                  <p:cNvPr id="32" name="CuadroTexto 31">
+                    <a:extLst>
+                      <a:ext uri="{FF2B5EF4-FFF2-40B4-BE49-F238E27FC236}">
+                        <a16:creationId xmlns:a16="http://schemas.microsoft.com/office/drawing/2014/main" id="{589F276B-358E-56C0-76D7-77F946B844A2}"/>
+                      </a:ext>
+                    </a:extLst>
+                  </p:cNvPr>
+                  <p:cNvSpPr txBox="1"/>
+                  <p:nvPr/>
+                </p:nvSpPr>
+                <p:spPr>
+                  <a:xfrm>
+                    <a:off x="11510513" y="2266872"/>
+                    <a:ext cx="457200" cy="707886"/>
+                  </a:xfrm>
+                  <a:prstGeom prst="rect">
+                    <a:avLst/>
+                  </a:prstGeom>
+                  <a:solidFill>
+                    <a:srgbClr val="FFC000"/>
+                  </a:solidFill>
+                  <a:ln w="19050">
+                    <a:solidFill>
+                      <a:schemeClr val="tx1"/>
+                    </a:solidFill>
+                  </a:ln>
+                </p:spPr>
+                <p:txBody>
+                  <a:bodyPr wrap="square" rtlCol="0">
+                    <a:spAutoFit/>
+                  </a:bodyPr>
+                  <a:lstStyle>
+                    <a:defPPr>
+                      <a:defRPr lang="es-ES"/>
+                    </a:defPPr>
+                    <a:lvl1pPr>
+                      <a:defRPr sz="4000"/>
+                    </a:lvl1pPr>
+                  </a:lstStyle>
+                  <a:p>
+                    <a:r>
+                      <a:rPr lang="es-ES" dirty="0">
+                        <a:latin typeface="Geist Mono" pitchFamily="2" charset="77"/>
+                        <a:ea typeface="Geist Mono" pitchFamily="2" charset="77"/>
+                        <a:cs typeface="Geist Mono" pitchFamily="2" charset="77"/>
+                      </a:rPr>
+                      <a:t>]</a:t>
+                    </a:r>
+                  </a:p>
+                </p:txBody>
+              </p:sp>
+              <p:sp>
+                <p:nvSpPr>
+                  <p:cNvPr id="33" name="CuadroTexto 32">
+                    <a:extLst>
+                      <a:ext uri="{FF2B5EF4-FFF2-40B4-BE49-F238E27FC236}">
+                        <a16:creationId xmlns:a16="http://schemas.microsoft.com/office/drawing/2014/main" id="{ACEA0A6D-34BD-326B-2C47-9AF0AFD8063D}"/>
+                      </a:ext>
+                    </a:extLst>
+                  </p:cNvPr>
+                  <p:cNvSpPr txBox="1"/>
+                  <p:nvPr/>
+                </p:nvSpPr>
+                <p:spPr>
+                  <a:xfrm>
+                    <a:off x="3541768" y="2417244"/>
+                    <a:ext cx="2240806" cy="400110"/>
+                  </a:xfrm>
+                  <a:prstGeom prst="rect">
+                    <a:avLst/>
+                  </a:prstGeom>
+                  <a:solidFill>
+                    <a:schemeClr val="accent3">
+                      <a:lumMod val="20000"/>
+                      <a:lumOff val="80000"/>
+                    </a:schemeClr>
+                  </a:solidFill>
+                  <a:ln w="19050">
+                    <a:solidFill>
+                      <a:schemeClr val="tx1"/>
+                    </a:solidFill>
+                  </a:ln>
+                </p:spPr>
+                <p:txBody>
+                  <a:bodyPr wrap="square" rtlCol="0">
+                    <a:spAutoFit/>
+                  </a:bodyPr>
+                  <a:lstStyle/>
+                  <a:p>
+                    <a:pPr algn="ctr"/>
+                    <a:r>
+                      <a:rPr lang="es-ES" sz="2000" dirty="0">
+                        <a:latin typeface="Geist Mono" pitchFamily="2" charset="77"/>
+                        <a:ea typeface="Geist Mono" pitchFamily="2" charset="77"/>
+                        <a:cs typeface="Geist Mono" pitchFamily="2" charset="77"/>
+                      </a:rPr>
+                      <a:t>condición if</a:t>
+                    </a:r>
+                  </a:p>
+                </p:txBody>
+              </p:sp>
+              <p:sp>
+                <p:nvSpPr>
+                  <p:cNvPr id="34" name="CuadroTexto 33">
+                    <a:extLst>
+                      <a:ext uri="{FF2B5EF4-FFF2-40B4-BE49-F238E27FC236}">
+                        <a16:creationId xmlns:a16="http://schemas.microsoft.com/office/drawing/2014/main" id="{FEA34C0A-BAB6-5919-5C9B-A05C31319DDF}"/>
+                      </a:ext>
+                    </a:extLst>
+                  </p:cNvPr>
+                  <p:cNvSpPr txBox="1"/>
+                  <p:nvPr/>
+                </p:nvSpPr>
+                <p:spPr>
+                  <a:xfrm>
+                    <a:off x="9719084" y="2414367"/>
+                    <a:ext cx="1722418" cy="400110"/>
+                  </a:xfrm>
+                  <a:prstGeom prst="rect">
+                    <a:avLst/>
+                  </a:prstGeom>
+                  <a:solidFill>
+                    <a:srgbClr val="00B0F0"/>
+                  </a:solidFill>
+                  <a:ln w="19050">
+                    <a:solidFill>
+                      <a:schemeClr val="tx1"/>
+                    </a:solidFill>
+                  </a:ln>
+                </p:spPr>
+                <p:txBody>
+                  <a:bodyPr wrap="square" rtlCol="0">
+                    <a:spAutoFit/>
+                  </a:bodyPr>
+                  <a:lstStyle/>
+                  <a:p>
+                    <a:pPr algn="ctr"/>
+                    <a:r>
+                      <a:rPr lang="es-ES" sz="2000" dirty="0">
+                        <a:latin typeface="Geist Mono" pitchFamily="2" charset="77"/>
+                        <a:ea typeface="Geist Mono" pitchFamily="2" charset="77"/>
+                        <a:cs typeface="Geist Mono" pitchFamily="2" charset="77"/>
+                      </a:rPr>
+                      <a:t>iterable</a:t>
+                    </a:r>
+                  </a:p>
+                </p:txBody>
+              </p:sp>
+              <p:sp>
+                <p:nvSpPr>
+                  <p:cNvPr id="35" name="CuadroTexto 34">
+                    <a:extLst>
+                      <a:ext uri="{FF2B5EF4-FFF2-40B4-BE49-F238E27FC236}">
+                        <a16:creationId xmlns:a16="http://schemas.microsoft.com/office/drawing/2014/main" id="{D8BC4B20-4EC4-C075-96E7-1CB2FAB9632B}"/>
+                      </a:ext>
+                    </a:extLst>
+                  </p:cNvPr>
+                  <p:cNvSpPr txBox="1"/>
+                  <p:nvPr/>
+                </p:nvSpPr>
+                <p:spPr>
+                  <a:xfrm>
+                    <a:off x="5906209" y="2417244"/>
+                    <a:ext cx="1138687" cy="400110"/>
+                  </a:xfrm>
+                  <a:prstGeom prst="rect">
+                    <a:avLst/>
+                  </a:prstGeom>
+                  <a:solidFill>
+                    <a:srgbClr val="FFFF00"/>
+                  </a:solidFill>
+                  <a:ln w="19050">
+                    <a:solidFill>
+                      <a:schemeClr val="tx1"/>
+                    </a:solidFill>
+                  </a:ln>
+                </p:spPr>
+                <p:txBody>
+                  <a:bodyPr wrap="square" rtlCol="0">
+                    <a:spAutoFit/>
+                  </a:bodyPr>
+                  <a:lstStyle/>
+                  <a:p>
+                    <a:pPr algn="ctr"/>
+                    <a:r>
+                      <a:rPr lang="es-ES" sz="2000" dirty="0">
+                        <a:latin typeface="Geist Mono" pitchFamily="2" charset="77"/>
+                        <a:ea typeface="Geist Mono" pitchFamily="2" charset="77"/>
+                        <a:cs typeface="Geist Mono" pitchFamily="2" charset="77"/>
+                      </a:rPr>
+                      <a:t>else</a:t>
+                    </a:r>
+                  </a:p>
+                </p:txBody>
+              </p:sp>
+            </p:grpSp>
+            <p:sp>
+              <p:nvSpPr>
+                <p:cNvPr id="4" name="CuadroTexto 3">
+                  <a:extLst>
+                    <a:ext uri="{FF2B5EF4-FFF2-40B4-BE49-F238E27FC236}">
+                      <a16:creationId xmlns:a16="http://schemas.microsoft.com/office/drawing/2014/main" id="{082B85F6-B580-7B53-1F65-99B9A9DCDCCC}"/>
+                    </a:ext>
+                  </a:extLst>
+                </p:cNvPr>
+                <p:cNvSpPr txBox="1"/>
+                <p:nvPr/>
+              </p:nvSpPr>
+              <p:spPr>
+                <a:xfrm>
+                  <a:off x="7320931" y="1152035"/>
+                  <a:ext cx="2426918" cy="400110"/>
+                </a:xfrm>
+                <a:prstGeom prst="rect">
+                  <a:avLst/>
+                </a:prstGeom>
+                <a:solidFill>
+                  <a:srgbClr val="FFFF00"/>
+                </a:solidFill>
+                <a:ln w="19050">
+                  <a:solidFill>
+                    <a:schemeClr val="tx1"/>
+                  </a:solidFill>
+                </a:ln>
+              </p:spPr>
+              <p:txBody>
+                <a:bodyPr wrap="square" rtlCol="0">
+                  <a:spAutoFit/>
+                </a:bodyPr>
+                <a:lstStyle/>
+                <a:p>
+                  <a:pPr algn="ctr"/>
+                  <a:r>
+                    <a:rPr lang="es-ES" sz="2000" dirty="0">
+                      <a:latin typeface="Geist Mono" pitchFamily="2" charset="77"/>
+                      <a:ea typeface="Geist Mono" pitchFamily="2" charset="77"/>
+                      <a:cs typeface="Geist Mono" pitchFamily="2" charset="77"/>
+                    </a:rPr>
+                    <a:t>resultado else</a:t>
+                  </a:r>
+                </a:p>
+              </p:txBody>
+            </p:sp>
+            <p:sp>
+              <p:nvSpPr>
+                <p:cNvPr id="5" name="CuadroTexto 4">
+                  <a:extLst>
+                    <a:ext uri="{FF2B5EF4-FFF2-40B4-BE49-F238E27FC236}">
+                      <a16:creationId xmlns:a16="http://schemas.microsoft.com/office/drawing/2014/main" id="{B5C5624F-E52F-5DA3-28C0-FB697298D513}"/>
+                    </a:ext>
+                  </a:extLst>
+                </p:cNvPr>
+                <p:cNvSpPr txBox="1"/>
+                <p:nvPr/>
+              </p:nvSpPr>
+              <p:spPr>
+                <a:xfrm>
+                  <a:off x="941949" y="1158812"/>
+                  <a:ext cx="2612134" cy="400110"/>
+                </a:xfrm>
+                <a:prstGeom prst="rect">
+                  <a:avLst/>
+                </a:prstGeom>
+                <a:solidFill>
+                  <a:schemeClr val="accent3">
+                    <a:lumMod val="20000"/>
+                    <a:lumOff val="80000"/>
+                  </a:schemeClr>
+                </a:solidFill>
+                <a:ln w="19050">
+                  <a:solidFill>
+                    <a:schemeClr val="tx1"/>
+                  </a:solidFill>
+                </a:ln>
+              </p:spPr>
+              <p:txBody>
+                <a:bodyPr wrap="square" rtlCol="0">
+                  <a:spAutoFit/>
+                </a:bodyPr>
+                <a:lstStyle/>
+                <a:p>
+                  <a:pPr algn="ctr"/>
+                  <a:r>
+                    <a:rPr lang="es-ES" sz="2000" dirty="0">
+                      <a:latin typeface="Geist Mono" pitchFamily="2" charset="77"/>
+                      <a:ea typeface="Geist Mono" pitchFamily="2" charset="77"/>
+                      <a:cs typeface="Geist Mono" pitchFamily="2" charset="77"/>
+                    </a:rPr>
+                    <a:t>resultado else</a:t>
+                  </a:r>
+                </a:p>
+              </p:txBody>
+            </p:sp>
+          </p:grpSp>
+          <p:grpSp>
+            <p:nvGrpSpPr>
+              <p:cNvPr id="13" name="Grupo 12">
+                <a:extLst>
+                  <a:ext uri="{FF2B5EF4-FFF2-40B4-BE49-F238E27FC236}">
+                    <a16:creationId xmlns:a16="http://schemas.microsoft.com/office/drawing/2014/main" id="{91CBBF0D-DFB1-A3AA-DC9F-5782DE953328}"/>
+                  </a:ext>
+                </a:extLst>
+              </p:cNvPr>
+              <p:cNvGrpSpPr/>
+              <p:nvPr/>
+            </p:nvGrpSpPr>
+            <p:grpSpPr>
+              <a:xfrm>
+                <a:off x="357995" y="5206745"/>
+                <a:ext cx="11762118" cy="707886"/>
+                <a:chOff x="357995" y="1004540"/>
+                <a:chExt cx="11762118" cy="707886"/>
+              </a:xfrm>
+            </p:grpSpPr>
+            <p:grpSp>
+              <p:nvGrpSpPr>
+                <p:cNvPr id="14" name="Grupo 13">
+                  <a:extLst>
+                    <a:ext uri="{FF2B5EF4-FFF2-40B4-BE49-F238E27FC236}">
+                      <a16:creationId xmlns:a16="http://schemas.microsoft.com/office/drawing/2014/main" id="{6A397B6F-A22C-BB57-09D0-AF842FB345D0}"/>
+                    </a:ext>
+                  </a:extLst>
+                </p:cNvPr>
+                <p:cNvGrpSpPr/>
+                <p:nvPr/>
+              </p:nvGrpSpPr>
+              <p:grpSpPr>
+                <a:xfrm>
+                  <a:off x="357995" y="1004540"/>
+                  <a:ext cx="11762118" cy="707886"/>
+                  <a:chOff x="205595" y="2266872"/>
+                  <a:chExt cx="11762118" cy="707886"/>
+                </a:xfrm>
+              </p:grpSpPr>
+              <p:sp>
+                <p:nvSpPr>
+                  <p:cNvPr id="17" name="CuadroTexto 16">
+                    <a:extLst>
+                      <a:ext uri="{FF2B5EF4-FFF2-40B4-BE49-F238E27FC236}">
+                        <a16:creationId xmlns:a16="http://schemas.microsoft.com/office/drawing/2014/main" id="{511E9479-C8D9-256F-CE47-A213C3E7F51B}"/>
+                      </a:ext>
+                    </a:extLst>
+                  </p:cNvPr>
+                  <p:cNvSpPr txBox="1"/>
+                  <p:nvPr/>
+                </p:nvSpPr>
+                <p:spPr>
+                  <a:xfrm>
+                    <a:off x="205595" y="2266872"/>
+                    <a:ext cx="457200" cy="707886"/>
+                  </a:xfrm>
+                  <a:prstGeom prst="rect">
+                    <a:avLst/>
+                  </a:prstGeom>
+                  <a:solidFill>
+                    <a:srgbClr val="FFC000"/>
+                  </a:solidFill>
+                  <a:ln w="19050">
+                    <a:solidFill>
+                      <a:schemeClr val="tx1"/>
+                    </a:solidFill>
+                  </a:ln>
+                </p:spPr>
+                <p:txBody>
+                  <a:bodyPr wrap="square" rtlCol="0">
+                    <a:spAutoFit/>
+                  </a:bodyPr>
+                  <a:lstStyle/>
+                  <a:p>
+                    <a:r>
+                      <a:rPr lang="es-ES" sz="4000" dirty="0">
+                        <a:latin typeface="Geist Mono" pitchFamily="2" charset="77"/>
+                        <a:ea typeface="Geist Mono" pitchFamily="2" charset="77"/>
+                        <a:cs typeface="Geist Mono" pitchFamily="2" charset="77"/>
+                      </a:rPr>
+                      <a:t>[</a:t>
+                    </a:r>
+                  </a:p>
+                </p:txBody>
+              </p:sp>
+              <p:sp>
+                <p:nvSpPr>
+                  <p:cNvPr id="18" name="CuadroTexto 17">
+                    <a:extLst>
+                      <a:ext uri="{FF2B5EF4-FFF2-40B4-BE49-F238E27FC236}">
+                        <a16:creationId xmlns:a16="http://schemas.microsoft.com/office/drawing/2014/main" id="{1950D69C-906C-7725-FEEE-E5D7D1C9B25C}"/>
+                      </a:ext>
+                    </a:extLst>
+                  </p:cNvPr>
+                  <p:cNvSpPr txBox="1"/>
+                  <p:nvPr/>
+                </p:nvSpPr>
+                <p:spPr>
+                  <a:xfrm>
+                    <a:off x="11510513" y="2266872"/>
+                    <a:ext cx="457200" cy="707886"/>
+                  </a:xfrm>
+                  <a:prstGeom prst="rect">
+                    <a:avLst/>
+                  </a:prstGeom>
+                  <a:solidFill>
+                    <a:srgbClr val="FFC000"/>
+                  </a:solidFill>
+                  <a:ln w="19050">
+                    <a:solidFill>
+                      <a:schemeClr val="tx1"/>
+                    </a:solidFill>
+                  </a:ln>
+                </p:spPr>
+                <p:txBody>
+                  <a:bodyPr wrap="square" rtlCol="0">
+                    <a:spAutoFit/>
+                  </a:bodyPr>
+                  <a:lstStyle>
+                    <a:defPPr>
+                      <a:defRPr lang="es-ES"/>
+                    </a:defPPr>
+                    <a:lvl1pPr>
+                      <a:defRPr sz="4000"/>
+                    </a:lvl1pPr>
+                  </a:lstStyle>
+                  <a:p>
+                    <a:r>
+                      <a:rPr lang="es-ES" dirty="0">
+                        <a:latin typeface="Geist Mono" pitchFamily="2" charset="77"/>
+                        <a:ea typeface="Geist Mono" pitchFamily="2" charset="77"/>
+                        <a:cs typeface="Geist Mono" pitchFamily="2" charset="77"/>
+                      </a:rPr>
+                      <a:t>]</a:t>
+                    </a:r>
+                  </a:p>
+                </p:txBody>
+              </p:sp>
+              <p:sp>
+                <p:nvSpPr>
+                  <p:cNvPr id="19" name="CuadroTexto 18">
+                    <a:extLst>
+                      <a:ext uri="{FF2B5EF4-FFF2-40B4-BE49-F238E27FC236}">
+                        <a16:creationId xmlns:a16="http://schemas.microsoft.com/office/drawing/2014/main" id="{598B8E5C-1ADA-4FEF-70F6-53B46BA7DC28}"/>
+                      </a:ext>
+                    </a:extLst>
+                  </p:cNvPr>
+                  <p:cNvSpPr txBox="1"/>
+                  <p:nvPr/>
+                </p:nvSpPr>
+                <p:spPr>
+                  <a:xfrm>
+                    <a:off x="2618094" y="2421144"/>
+                    <a:ext cx="2240806" cy="400110"/>
+                  </a:xfrm>
+                  <a:prstGeom prst="rect">
+                    <a:avLst/>
+                  </a:prstGeom>
+                  <a:solidFill>
+                    <a:schemeClr val="accent3">
+                      <a:lumMod val="20000"/>
+                      <a:lumOff val="80000"/>
+                    </a:schemeClr>
+                  </a:solidFill>
+                  <a:ln w="19050">
+                    <a:solidFill>
+                      <a:schemeClr val="tx1"/>
+                    </a:solidFill>
+                  </a:ln>
+                </p:spPr>
+                <p:txBody>
+                  <a:bodyPr wrap="square" rtlCol="0">
+                    <a:spAutoFit/>
+                  </a:bodyPr>
+                  <a:lstStyle/>
+                  <a:p>
+                    <a:pPr algn="ctr"/>
+                    <a:r>
+                      <a:rPr lang="es-ES" sz="2000" dirty="0">
+                        <a:latin typeface="Geist Mono" pitchFamily="2" charset="77"/>
+                        <a:ea typeface="Geist Mono" pitchFamily="2" charset="77"/>
+                        <a:cs typeface="Geist Mono" pitchFamily="2" charset="77"/>
+                      </a:rPr>
+                      <a:t>if len(i) &gt; 4</a:t>
+                    </a:r>
+                  </a:p>
+                </p:txBody>
+              </p:sp>
+              <p:sp>
+                <p:nvSpPr>
+                  <p:cNvPr id="20" name="CuadroTexto 19">
+                    <a:extLst>
+                      <a:ext uri="{FF2B5EF4-FFF2-40B4-BE49-F238E27FC236}">
+                        <a16:creationId xmlns:a16="http://schemas.microsoft.com/office/drawing/2014/main" id="{E849A0B7-606E-2BF3-981D-9B7C225B850F}"/>
+                      </a:ext>
+                    </a:extLst>
+                  </p:cNvPr>
+                  <p:cNvSpPr txBox="1"/>
+                  <p:nvPr/>
+                </p:nvSpPr>
+                <p:spPr>
+                  <a:xfrm>
+                    <a:off x="8590994" y="2409754"/>
+                    <a:ext cx="2812223" cy="400110"/>
+                  </a:xfrm>
+                  <a:prstGeom prst="rect">
+                    <a:avLst/>
+                  </a:prstGeom>
+                  <a:solidFill>
+                    <a:srgbClr val="00B0F0"/>
+                  </a:solidFill>
+                  <a:ln w="19050">
+                    <a:solidFill>
+                      <a:schemeClr val="tx1"/>
+                    </a:solidFill>
+                  </a:ln>
+                </p:spPr>
+                <p:txBody>
+                  <a:bodyPr wrap="square" rtlCol="0">
+                    <a:spAutoFit/>
+                  </a:bodyPr>
+                  <a:lstStyle/>
+                  <a:p>
+                    <a:pPr algn="ctr"/>
+                    <a:r>
+                      <a:rPr lang="es-ES" sz="2000" dirty="0">
+                        <a:latin typeface="Geist Mono" pitchFamily="2" charset="77"/>
+                        <a:ea typeface="Geist Mono" pitchFamily="2" charset="77"/>
+                        <a:cs typeface="Geist Mono" pitchFamily="2" charset="77"/>
+                      </a:rPr>
+                      <a:t>for i in mi_lista</a:t>
+                    </a:r>
+                  </a:p>
+                </p:txBody>
+              </p:sp>
+              <p:sp>
+                <p:nvSpPr>
+                  <p:cNvPr id="21" name="CuadroTexto 20">
+                    <a:extLst>
+                      <a:ext uri="{FF2B5EF4-FFF2-40B4-BE49-F238E27FC236}">
+                        <a16:creationId xmlns:a16="http://schemas.microsoft.com/office/drawing/2014/main" id="{27BF002C-CE0E-3AD9-33BD-A85C41085BD8}"/>
+                      </a:ext>
+                    </a:extLst>
+                  </p:cNvPr>
+                  <p:cNvSpPr txBox="1"/>
+                  <p:nvPr/>
+                </p:nvSpPr>
+                <p:spPr>
+                  <a:xfrm>
+                    <a:off x="4899135" y="2421144"/>
+                    <a:ext cx="1138687" cy="400110"/>
+                  </a:xfrm>
+                  <a:prstGeom prst="rect">
+                    <a:avLst/>
+                  </a:prstGeom>
+                  <a:solidFill>
+                    <a:srgbClr val="FFFF00"/>
+                  </a:solidFill>
+                  <a:ln w="19050">
+                    <a:solidFill>
+                      <a:schemeClr val="tx1"/>
+                    </a:solidFill>
+                  </a:ln>
+                </p:spPr>
+                <p:txBody>
+                  <a:bodyPr wrap="square" rtlCol="0">
+                    <a:spAutoFit/>
+                  </a:bodyPr>
+                  <a:lstStyle/>
+                  <a:p>
+                    <a:pPr algn="ctr"/>
+                    <a:r>
+                      <a:rPr lang="es-ES" sz="2000" dirty="0">
+                        <a:latin typeface="Geist Mono" pitchFamily="2" charset="77"/>
+                        <a:ea typeface="Geist Mono" pitchFamily="2" charset="77"/>
+                        <a:cs typeface="Geist Mono" pitchFamily="2" charset="77"/>
+                      </a:rPr>
+                      <a:t>else</a:t>
+                    </a:r>
+                  </a:p>
+                </p:txBody>
+              </p:sp>
+            </p:grpSp>
+            <p:sp>
+              <p:nvSpPr>
+                <p:cNvPr id="15" name="CuadroTexto 14">
+                  <a:extLst>
+                    <a:ext uri="{FF2B5EF4-FFF2-40B4-BE49-F238E27FC236}">
+                      <a16:creationId xmlns:a16="http://schemas.microsoft.com/office/drawing/2014/main" id="{825C91C7-F048-F768-37E8-AE3FF4304FA0}"/>
+                    </a:ext>
+                  </a:extLst>
+                </p:cNvPr>
+                <p:cNvSpPr txBox="1"/>
+                <p:nvPr/>
+              </p:nvSpPr>
+              <p:spPr>
+                <a:xfrm>
+                  <a:off x="6253349" y="1147422"/>
+                  <a:ext cx="2426918" cy="400110"/>
+                </a:xfrm>
+                <a:prstGeom prst="rect">
+                  <a:avLst/>
+                </a:prstGeom>
+                <a:solidFill>
+                  <a:srgbClr val="FFFF00"/>
+                </a:solidFill>
+                <a:ln w="19050">
+                  <a:solidFill>
+                    <a:schemeClr val="tx1"/>
+                  </a:solidFill>
+                </a:ln>
+              </p:spPr>
+              <p:txBody>
+                <a:bodyPr wrap="square" rtlCol="0">
+                  <a:spAutoFit/>
+                </a:bodyPr>
+                <a:lstStyle/>
+                <a:p>
+                  <a:pPr algn="ctr"/>
+                  <a:r>
+                    <a:rPr lang="es-ES" sz="2000" dirty="0">
+                      <a:latin typeface="Geist Mono" pitchFamily="2" charset="77"/>
+                      <a:ea typeface="Geist Mono" pitchFamily="2" charset="77"/>
+                      <a:cs typeface="Geist Mono" pitchFamily="2" charset="77"/>
+                    </a:rPr>
+                    <a:t>i.lower() else</a:t>
+                  </a:r>
+                </a:p>
+              </p:txBody>
+            </p:sp>
+            <p:sp>
+              <p:nvSpPr>
+                <p:cNvPr id="16" name="CuadroTexto 15">
+                  <a:extLst>
+                    <a:ext uri="{FF2B5EF4-FFF2-40B4-BE49-F238E27FC236}">
+                      <a16:creationId xmlns:a16="http://schemas.microsoft.com/office/drawing/2014/main" id="{B3754DB6-3DE0-E90E-A95C-E5E38820585B}"/>
+                    </a:ext>
+                  </a:extLst>
+                </p:cNvPr>
+                <p:cNvSpPr txBox="1"/>
+                <p:nvPr/>
+              </p:nvSpPr>
+              <p:spPr>
+                <a:xfrm>
+                  <a:off x="941949" y="1158812"/>
+                  <a:ext cx="1788310" cy="400110"/>
+                </a:xfrm>
+                <a:prstGeom prst="rect">
+                  <a:avLst/>
+                </a:prstGeom>
+                <a:solidFill>
+                  <a:schemeClr val="accent3">
+                    <a:lumMod val="20000"/>
+                    <a:lumOff val="80000"/>
+                  </a:schemeClr>
+                </a:solidFill>
+                <a:ln w="19050">
+                  <a:solidFill>
+                    <a:schemeClr val="tx1"/>
+                  </a:solidFill>
+                </a:ln>
+              </p:spPr>
+              <p:txBody>
+                <a:bodyPr wrap="square" rtlCol="0">
+                  <a:spAutoFit/>
+                </a:bodyPr>
+                <a:lstStyle/>
+                <a:p>
+                  <a:pPr algn="ctr"/>
+                  <a:r>
+                    <a:rPr lang="es-ES" sz="2000" dirty="0">
+                      <a:latin typeface="Geist Mono" pitchFamily="2" charset="77"/>
+                      <a:ea typeface="Geist Mono" pitchFamily="2" charset="77"/>
+                      <a:cs typeface="Geist Mono" pitchFamily="2" charset="77"/>
+                    </a:rPr>
+                    <a:t>i.upper()</a:t>
+                  </a:r>
+                </a:p>
+              </p:txBody>
+            </p:sp>
+          </p:grpSp>
+        </p:grpSp>
+      </p:grpSp>
+    </p:spTree>
+    <p:extLst>
+      <p:ext uri="{BB962C8B-B14F-4D97-AF65-F5344CB8AC3E}">
+        <p14:creationId xmlns:p14="http://schemas.microsoft.com/office/powerpoint/2010/main" val="997058044"/>
+      </p:ext>
+    </p:extLst>
+  </p:cSld>
+  <p:clrMapOvr>
+    <a:masterClrMapping/>
+  </p:clrMapOvr>
+</p:sld>
+</file>
+
+<file path=ppt/slides/slide12.xml><?xml version="1.0" encoding="utf-8"?>
+<p:sld xmlns:a="http://schemas.openxmlformats.org/drawingml/2006/main" xmlns:r="http://schemas.openxmlformats.org/officeDocument/2006/relationships" xmlns:p="http://schemas.openxmlformats.org/presentationml/2006/main">
+  <p:cSld>
+    <p:spTree>
+      <p:nvGrpSpPr>
+        <p:cNvPr id="1" name=""/>
+        <p:cNvGrpSpPr/>
+        <p:nvPr/>
+      </p:nvGrpSpPr>
+      <p:grpSpPr>
+        <a:xfrm>
+          <a:off x="0" y="0"/>
+          <a:ext cx="0" cy="0"/>
+          <a:chOff x="0" y="0"/>
+          <a:chExt cx="0" cy="0"/>
+        </a:xfrm>
+      </p:grpSpPr>
+      <p:grpSp>
+        <p:nvGrpSpPr>
+          <p:cNvPr id="8" name="Grupo 7">
+            <a:extLst>
+              <a:ext uri="{FF2B5EF4-FFF2-40B4-BE49-F238E27FC236}">
+                <a16:creationId xmlns:a16="http://schemas.microsoft.com/office/drawing/2014/main" id="{D6F73B4C-C764-8A32-1224-F9EF78CB624C}"/>
+              </a:ext>
+            </a:extLst>
+          </p:cNvPr>
+          <p:cNvGrpSpPr/>
+          <p:nvPr/>
+        </p:nvGrpSpPr>
+        <p:grpSpPr>
+          <a:xfrm>
+            <a:off x="2053087" y="1768415"/>
+            <a:ext cx="9454551" cy="3631721"/>
+            <a:chOff x="2053087" y="1768415"/>
+            <a:chExt cx="9454551" cy="3631721"/>
+          </a:xfrm>
+        </p:grpSpPr>
+        <p:sp>
+          <p:nvSpPr>
+            <p:cNvPr id="7" name="Rectángulo 6">
+              <a:extLst>
+                <a:ext uri="{FF2B5EF4-FFF2-40B4-BE49-F238E27FC236}">
+                  <a16:creationId xmlns:a16="http://schemas.microsoft.com/office/drawing/2014/main" id="{71EF2D71-44BF-3673-8FA1-3C50FF0B6E2C}"/>
+                </a:ext>
+              </a:extLst>
+            </p:cNvPr>
+            <p:cNvSpPr/>
+            <p:nvPr/>
+          </p:nvSpPr>
+          <p:spPr>
+            <a:xfrm>
+              <a:off x="2053087" y="1768415"/>
+              <a:ext cx="9454551" cy="3631721"/>
+            </a:xfrm>
+            <a:prstGeom prst="rect">
+              <a:avLst/>
+            </a:prstGeom>
+            <a:solidFill>
+              <a:schemeClr val="bg1"/>
+            </a:solidFill>
+            <a:ln>
+              <a:noFill/>
+            </a:ln>
+          </p:spPr>
+          <p:style>
+            <a:lnRef idx="2">
+              <a:schemeClr val="accent1">
+                <a:shade val="15000"/>
+              </a:schemeClr>
+            </a:lnRef>
+            <a:fillRef idx="1">
+              <a:schemeClr val="accent1"/>
+            </a:fillRef>
+            <a:effectRef idx="0">
+              <a:schemeClr val="accent1"/>
+            </a:effectRef>
+            <a:fontRef idx="minor">
+              <a:schemeClr val="lt1"/>
+            </a:fontRef>
+          </p:style>
+          <p:txBody>
+            <a:bodyPr rtlCol="0" anchor="ctr"/>
+            <a:lstStyle/>
+            <a:p>
+              <a:pPr algn="ctr"/>
+              <a:endParaRPr lang="es-ES"/>
+            </a:p>
+          </p:txBody>
+        </p:sp>
+        <p:sp>
+          <p:nvSpPr>
+            <p:cNvPr id="2" name="CuadroTexto 1">
+              <a:extLst>
+                <a:ext uri="{FF2B5EF4-FFF2-40B4-BE49-F238E27FC236}">
+                  <a16:creationId xmlns:a16="http://schemas.microsoft.com/office/drawing/2014/main" id="{97F77A59-8922-16B0-367C-A30521240B6E}"/>
+                </a:ext>
+              </a:extLst>
+            </p:cNvPr>
+            <p:cNvSpPr txBox="1"/>
+            <p:nvPr/>
+          </p:nvSpPr>
+          <p:spPr>
+            <a:xfrm>
+              <a:off x="2182483" y="1871932"/>
+              <a:ext cx="8747184" cy="3139321"/>
+            </a:xfrm>
+            <a:prstGeom prst="rect">
+              <a:avLst/>
+            </a:prstGeom>
+            <a:noFill/>
+          </p:spPr>
+          <p:txBody>
+            <a:bodyPr wrap="square" rtlCol="0">
+              <a:spAutoFit/>
+            </a:bodyPr>
+            <a:lstStyle/>
+            <a:p>
+              <a:r>
+                <a:rPr lang="es-ES" dirty="0">
+                  <a:solidFill>
+                    <a:schemeClr val="accent5"/>
+                  </a:solidFill>
+                  <a:latin typeface="Geist Mono" pitchFamily="2" charset="77"/>
+                  <a:ea typeface="Geist Mono" pitchFamily="2" charset="77"/>
+                  <a:cs typeface="Geist Mono" pitchFamily="2" charset="77"/>
+                </a:rPr>
+                <a:t>def</a:t>
+              </a:r>
+              <a:r>
+                <a:rPr lang="es-ES" dirty="0">
+                  <a:latin typeface="Geist Mono" pitchFamily="2" charset="77"/>
+                  <a:ea typeface="Geist Mono" pitchFamily="2" charset="77"/>
+                  <a:cs typeface="Geist Mono" pitchFamily="2" charset="77"/>
+                </a:rPr>
+                <a:t> </a:t>
+              </a:r>
+              <a:r>
+                <a:rPr lang="es-ES" dirty="0">
+                  <a:solidFill>
+                    <a:schemeClr val="accent4"/>
+                  </a:solidFill>
+                  <a:latin typeface="Geist Mono" pitchFamily="2" charset="77"/>
+                  <a:ea typeface="Geist Mono" pitchFamily="2" charset="77"/>
+                  <a:cs typeface="Geist Mono" pitchFamily="2" charset="77"/>
+                </a:rPr>
+                <a:t>far_to_celsius </a:t>
+              </a:r>
+              <a:r>
+                <a:rPr lang="es-ES" dirty="0">
+                  <a:solidFill>
+                    <a:srgbClr val="92D050"/>
+                  </a:solidFill>
+                  <a:latin typeface="Geist Mono" pitchFamily="2" charset="77"/>
+                  <a:ea typeface="Geist Mono" pitchFamily="2" charset="77"/>
+                  <a:cs typeface="Geist Mono" pitchFamily="2" charset="77"/>
+                </a:rPr>
+                <a:t>(temperatura):</a:t>
+              </a:r>
+            </a:p>
+            <a:p>
+              <a:r>
+                <a:rPr lang="es-ES" sz="1600" dirty="0">
+                  <a:solidFill>
+                    <a:srgbClr val="92D050"/>
+                  </a:solidFill>
+                  <a:latin typeface="Geist Mono" pitchFamily="2" charset="77"/>
+                  <a:ea typeface="Geist Mono" pitchFamily="2" charset="77"/>
+                  <a:cs typeface="Geist Mono" pitchFamily="2" charset="77"/>
+                </a:rPr>
+                <a:t>	</a:t>
+              </a:r>
+              <a:r>
+                <a:rPr lang="es-ES" sz="1600" dirty="0">
+                  <a:solidFill>
+                    <a:schemeClr val="tx1">
+                      <a:lumMod val="50000"/>
+                      <a:lumOff val="50000"/>
+                    </a:schemeClr>
+                  </a:solidFill>
+                  <a:latin typeface="Geist Mono" pitchFamily="2" charset="77"/>
+                  <a:ea typeface="Geist Mono" pitchFamily="2" charset="77"/>
+                  <a:cs typeface="Geist Mono" pitchFamily="2" charset="77"/>
+                </a:rPr>
+                <a:t>"""</a:t>
+              </a:r>
+            </a:p>
+            <a:p>
+              <a:pPr lvl="2"/>
+              <a:r>
+                <a:rPr lang="es-ES" sz="1600" dirty="0">
+                  <a:solidFill>
+                    <a:schemeClr val="tx1">
+                      <a:lumMod val="50000"/>
+                      <a:lumOff val="50000"/>
+                    </a:schemeClr>
+                  </a:solidFill>
+                  <a:latin typeface="Geist Mono" pitchFamily="2" charset="77"/>
+                  <a:ea typeface="Geist Mono" pitchFamily="2" charset="77"/>
+                  <a:cs typeface="Geist Mono" pitchFamily="2" charset="77"/>
+                </a:rPr>
+                <a:t> Convierte una temperatura de Fahrenheit a Celsius.</a:t>
+              </a:r>
+            </a:p>
+            <a:p>
+              <a:pPr lvl="2"/>
+              <a:endParaRPr lang="es-ES" sz="1600" dirty="0">
+                <a:solidFill>
+                  <a:schemeClr val="tx1">
+                    <a:lumMod val="50000"/>
+                    <a:lumOff val="50000"/>
+                  </a:schemeClr>
+                </a:solidFill>
+                <a:latin typeface="Geist Mono" pitchFamily="2" charset="77"/>
+                <a:ea typeface="Geist Mono" pitchFamily="2" charset="77"/>
+                <a:cs typeface="Geist Mono" pitchFamily="2" charset="77"/>
+              </a:endParaRPr>
+            </a:p>
+            <a:p>
+              <a:pPr lvl="2"/>
+              <a:r>
+                <a:rPr lang="es-ES" sz="1600" dirty="0">
+                  <a:solidFill>
+                    <a:schemeClr val="tx1">
+                      <a:lumMod val="50000"/>
+                      <a:lumOff val="50000"/>
+                    </a:schemeClr>
+                  </a:solidFill>
+                  <a:latin typeface="Geist Mono" pitchFamily="2" charset="77"/>
+                  <a:ea typeface="Geist Mono" pitchFamily="2" charset="77"/>
+                  <a:cs typeface="Geist Mono" pitchFamily="2" charset="77"/>
+                </a:rPr>
+                <a:t> Params:</a:t>
+              </a:r>
+            </a:p>
+            <a:p>
+              <a:pPr lvl="2"/>
+              <a:r>
+                <a:rPr lang="es-ES" sz="1600" dirty="0">
+                  <a:solidFill>
+                    <a:schemeClr val="tx1">
+                      <a:lumMod val="50000"/>
+                      <a:lumOff val="50000"/>
+                    </a:schemeClr>
+                  </a:solidFill>
+                  <a:latin typeface="Geist Mono" pitchFamily="2" charset="77"/>
+                  <a:ea typeface="Geist Mono" pitchFamily="2" charset="77"/>
+                  <a:cs typeface="Geist Mono" pitchFamily="2" charset="77"/>
+                </a:rPr>
+                <a:t>    temperatura (float): La temperatura en grados Fahrenheit.</a:t>
+              </a:r>
+            </a:p>
+            <a:p>
+              <a:pPr lvl="2"/>
+              <a:endParaRPr lang="es-ES" sz="1600" dirty="0">
+                <a:solidFill>
+                  <a:schemeClr val="tx1">
+                    <a:lumMod val="50000"/>
+                    <a:lumOff val="50000"/>
+                  </a:schemeClr>
+                </a:solidFill>
+                <a:latin typeface="Geist Mono" pitchFamily="2" charset="77"/>
+                <a:ea typeface="Geist Mono" pitchFamily="2" charset="77"/>
+                <a:cs typeface="Geist Mono" pitchFamily="2" charset="77"/>
+              </a:endParaRPr>
+            </a:p>
+            <a:p>
+              <a:pPr lvl="2"/>
+              <a:r>
+                <a:rPr lang="es-ES" sz="1600" dirty="0">
+                  <a:solidFill>
+                    <a:schemeClr val="tx1">
+                      <a:lumMod val="50000"/>
+                      <a:lumOff val="50000"/>
+                    </a:schemeClr>
+                  </a:solidFill>
+                  <a:latin typeface="Geist Mono" pitchFamily="2" charset="77"/>
+                  <a:ea typeface="Geist Mono" pitchFamily="2" charset="77"/>
+                  <a:cs typeface="Geist Mono" pitchFamily="2" charset="77"/>
+                </a:rPr>
+                <a:t> Returns:</a:t>
+              </a:r>
+            </a:p>
+            <a:p>
+              <a:pPr lvl="2"/>
+              <a:r>
+                <a:rPr lang="es-ES" sz="1600" dirty="0">
+                  <a:solidFill>
+                    <a:schemeClr val="tx1">
+                      <a:lumMod val="50000"/>
+                      <a:lumOff val="50000"/>
+                    </a:schemeClr>
+                  </a:solidFill>
+                  <a:latin typeface="Geist Mono" pitchFamily="2" charset="77"/>
+                  <a:ea typeface="Geist Mono" pitchFamily="2" charset="77"/>
+                  <a:cs typeface="Geist Mono" pitchFamily="2" charset="77"/>
+                </a:rPr>
+                <a:t>    float: La temperatura convertida a grados Celsius.</a:t>
+              </a:r>
+            </a:p>
+            <a:p>
+              <a:pPr lvl="2"/>
+              <a:r>
+                <a:rPr lang="es-ES" sz="1600" dirty="0">
+                  <a:solidFill>
+                    <a:schemeClr val="tx1">
+                      <a:lumMod val="50000"/>
+                      <a:lumOff val="50000"/>
+                    </a:schemeClr>
+                  </a:solidFill>
+                  <a:latin typeface="Geist Mono" pitchFamily="2" charset="77"/>
+                  <a:ea typeface="Geist Mono" pitchFamily="2" charset="77"/>
+                  <a:cs typeface="Geist Mono" pitchFamily="2" charset="77"/>
+                </a:rPr>
+                <a:t> """</a:t>
+              </a:r>
+            </a:p>
+            <a:p>
+              <a:r>
+                <a:rPr lang="es-ES" dirty="0">
+                  <a:latin typeface="Geist Mono" pitchFamily="2" charset="77"/>
+                  <a:ea typeface="Geist Mono" pitchFamily="2" charset="77"/>
+                  <a:cs typeface="Geist Mono" pitchFamily="2" charset="77"/>
+                </a:rPr>
+                <a:t>	</a:t>
+              </a:r>
+            </a:p>
+            <a:p>
+              <a:r>
+                <a:rPr lang="es-ES" dirty="0">
+                  <a:latin typeface="Geist Mono" pitchFamily="2" charset="77"/>
+                  <a:ea typeface="Geist Mono" pitchFamily="2" charset="77"/>
+                  <a:cs typeface="Geist Mono" pitchFamily="2" charset="77"/>
+                </a:rPr>
+                <a:t>	</a:t>
+              </a:r>
+              <a:r>
+                <a:rPr lang="es-ES" dirty="0">
+                  <a:solidFill>
+                    <a:schemeClr val="accent5"/>
+                  </a:solidFill>
+                  <a:latin typeface="Geist Mono" pitchFamily="2" charset="77"/>
+                  <a:ea typeface="Geist Mono" pitchFamily="2" charset="77"/>
+                  <a:cs typeface="Geist Mono" pitchFamily="2" charset="77"/>
+                </a:rPr>
+                <a:t>return</a:t>
+              </a:r>
+              <a:r>
+                <a:rPr lang="es-ES" dirty="0">
+                  <a:latin typeface="Geist Mono" pitchFamily="2" charset="77"/>
+                  <a:ea typeface="Geist Mono" pitchFamily="2" charset="77"/>
+                  <a:cs typeface="Geist Mono" pitchFamily="2" charset="77"/>
+                </a:rPr>
+                <a:t> ((temperatura – 32) * (5/9))</a:t>
+              </a:r>
+            </a:p>
+          </p:txBody>
+        </p:sp>
+      </p:grpSp>
+    </p:spTree>
+    <p:extLst>
+      <p:ext uri="{BB962C8B-B14F-4D97-AF65-F5344CB8AC3E}">
+        <p14:creationId xmlns:p14="http://schemas.microsoft.com/office/powerpoint/2010/main" val="3160211178"/>
+      </p:ext>
+    </p:extLst>
+  </p:cSld>
+  <p:clrMapOvr>
+    <a:masterClrMapping/>
+  </p:clrMapOvr>
+</p:sld>
+</file>
+
+<file path=ppt/slides/slide13.xml><?xml version="1.0" encoding="utf-8"?>
+<p:sld xmlns:a="http://schemas.openxmlformats.org/drawingml/2006/main" xmlns:r="http://schemas.openxmlformats.org/officeDocument/2006/relationships" xmlns:p="http://schemas.openxmlformats.org/presentationml/2006/main">
+  <p:cSld>
+    <p:spTree>
+      <p:nvGrpSpPr>
+        <p:cNvPr id="1" name=""/>
+        <p:cNvGrpSpPr/>
+        <p:nvPr/>
+      </p:nvGrpSpPr>
+      <p:grpSpPr>
+        <a:xfrm>
+          <a:off x="0" y="0"/>
+          <a:ext cx="0" cy="0"/>
+          <a:chOff x="0" y="0"/>
+          <a:chExt cx="0" cy="0"/>
+        </a:xfrm>
+      </p:grpSpPr>
+      <p:grpSp>
+        <p:nvGrpSpPr>
+          <p:cNvPr id="3" name="Grupo 2">
+            <a:extLst>
+              <a:ext uri="{FF2B5EF4-FFF2-40B4-BE49-F238E27FC236}">
+                <a16:creationId xmlns:a16="http://schemas.microsoft.com/office/drawing/2014/main" id="{346C24EC-ED51-9FDE-0485-3E854F8E0299}"/>
+              </a:ext>
+            </a:extLst>
+          </p:cNvPr>
+          <p:cNvGrpSpPr/>
+          <p:nvPr/>
+        </p:nvGrpSpPr>
+        <p:grpSpPr>
+          <a:xfrm>
+            <a:off x="2053087" y="1768416"/>
+            <a:ext cx="9454551" cy="1831406"/>
+            <a:chOff x="2053087" y="1768416"/>
+            <a:chExt cx="9454551" cy="1831406"/>
+          </a:xfrm>
+        </p:grpSpPr>
+        <p:sp>
+          <p:nvSpPr>
+            <p:cNvPr id="7" name="Rectángulo 6">
+              <a:extLst>
+                <a:ext uri="{FF2B5EF4-FFF2-40B4-BE49-F238E27FC236}">
+                  <a16:creationId xmlns:a16="http://schemas.microsoft.com/office/drawing/2014/main" id="{71EF2D71-44BF-3673-8FA1-3C50FF0B6E2C}"/>
+                </a:ext>
+              </a:extLst>
+            </p:cNvPr>
+            <p:cNvSpPr/>
+            <p:nvPr/>
+          </p:nvSpPr>
+          <p:spPr>
+            <a:xfrm>
+              <a:off x="2053087" y="1768416"/>
+              <a:ext cx="9454551" cy="1831406"/>
+            </a:xfrm>
+            <a:prstGeom prst="rect">
+              <a:avLst/>
+            </a:prstGeom>
+            <a:solidFill>
+              <a:schemeClr val="bg1"/>
+            </a:solidFill>
+            <a:ln>
+              <a:noFill/>
+            </a:ln>
+          </p:spPr>
+          <p:style>
+            <a:lnRef idx="2">
+              <a:schemeClr val="accent1">
+                <a:shade val="15000"/>
+              </a:schemeClr>
+            </a:lnRef>
+            <a:fillRef idx="1">
+              <a:schemeClr val="accent1"/>
+            </a:fillRef>
+            <a:effectRef idx="0">
+              <a:schemeClr val="accent1"/>
+            </a:effectRef>
+            <a:fontRef idx="minor">
+              <a:schemeClr val="lt1"/>
+            </a:fontRef>
+          </p:style>
+          <p:txBody>
+            <a:bodyPr rtlCol="0" anchor="ctr"/>
+            <a:lstStyle/>
+            <a:p>
+              <a:pPr algn="ctr"/>
+              <a:endParaRPr lang="es-ES"/>
+            </a:p>
+          </p:txBody>
+        </p:sp>
+        <p:sp>
+          <p:nvSpPr>
+            <p:cNvPr id="2" name="CuadroTexto 1">
+              <a:extLst>
+                <a:ext uri="{FF2B5EF4-FFF2-40B4-BE49-F238E27FC236}">
+                  <a16:creationId xmlns:a16="http://schemas.microsoft.com/office/drawing/2014/main" id="{97F77A59-8922-16B0-367C-A30521240B6E}"/>
+                </a:ext>
+              </a:extLst>
+            </p:cNvPr>
+            <p:cNvSpPr txBox="1"/>
+            <p:nvPr/>
+          </p:nvSpPr>
+          <p:spPr>
+            <a:xfrm>
+              <a:off x="2182483" y="1872178"/>
+              <a:ext cx="8747184" cy="1727643"/>
+            </a:xfrm>
+            <a:prstGeom prst="rect">
+              <a:avLst/>
+            </a:prstGeom>
+            <a:noFill/>
+          </p:spPr>
+          <p:txBody>
+            <a:bodyPr wrap="square" rtlCol="0">
+              <a:spAutoFit/>
+            </a:bodyPr>
+            <a:lstStyle/>
+            <a:p>
+              <a:r>
+                <a:rPr lang="es-ES" dirty="0">
+                  <a:solidFill>
+                    <a:schemeClr val="accent5"/>
+                  </a:solidFill>
+                  <a:latin typeface="Geist Mono" pitchFamily="2" charset="77"/>
+                  <a:ea typeface="Geist Mono" pitchFamily="2" charset="77"/>
+                  <a:cs typeface="Geist Mono" pitchFamily="2" charset="77"/>
+                </a:rPr>
+                <a:t>def</a:t>
+              </a:r>
+              <a:r>
+                <a:rPr lang="es-ES" dirty="0">
+                  <a:latin typeface="Geist Mono" pitchFamily="2" charset="77"/>
+                  <a:ea typeface="Geist Mono" pitchFamily="2" charset="77"/>
+                  <a:cs typeface="Geist Mono" pitchFamily="2" charset="77"/>
+                </a:rPr>
+                <a:t> </a:t>
+              </a:r>
+              <a:r>
+                <a:rPr lang="es-ES" dirty="0">
+                  <a:solidFill>
+                    <a:schemeClr val="accent4"/>
+                  </a:solidFill>
+                  <a:latin typeface="Geist Mono" pitchFamily="2" charset="77"/>
+                  <a:ea typeface="Geist Mono" pitchFamily="2" charset="77"/>
+                  <a:cs typeface="Geist Mono" pitchFamily="2" charset="77"/>
+                </a:rPr>
+                <a:t>recursiva </a:t>
+              </a:r>
+              <a:r>
+                <a:rPr lang="es-ES" dirty="0">
+                  <a:solidFill>
+                    <a:srgbClr val="92D050"/>
+                  </a:solidFill>
+                  <a:latin typeface="Geist Mono" pitchFamily="2" charset="77"/>
+                  <a:ea typeface="Geist Mono" pitchFamily="2" charset="77"/>
+                  <a:cs typeface="Geist Mono" pitchFamily="2" charset="77"/>
+                </a:rPr>
+                <a:t>(temperatura):</a:t>
+              </a:r>
+            </a:p>
+            <a:p>
+              <a:r>
+                <a:rPr lang="es-ES" sz="1600" dirty="0">
+                  <a:solidFill>
+                    <a:srgbClr val="92D050"/>
+                  </a:solidFill>
+                  <a:latin typeface="Geist Mono" pitchFamily="2" charset="77"/>
+                  <a:ea typeface="Geist Mono" pitchFamily="2" charset="77"/>
+                  <a:cs typeface="Geist Mono" pitchFamily="2" charset="77"/>
+                </a:rPr>
+                <a:t>	</a:t>
+              </a:r>
+              <a:r>
+                <a:rPr lang="es-ES" sz="1600" dirty="0">
+                  <a:solidFill>
+                    <a:schemeClr val="tx1">
+                      <a:lumMod val="50000"/>
+                      <a:lumOff val="50000"/>
+                    </a:schemeClr>
+                  </a:solidFill>
+                  <a:latin typeface="Geist Mono" pitchFamily="2" charset="77"/>
+                  <a:ea typeface="Geist Mono" pitchFamily="2" charset="77"/>
+                  <a:cs typeface="Geist Mono" pitchFamily="2" charset="77"/>
+                </a:rPr>
+                <a:t>. . . </a:t>
+              </a:r>
+              <a:endParaRPr lang="es-ES" dirty="0">
+                <a:latin typeface="Geist Mono" pitchFamily="2" charset="77"/>
+                <a:ea typeface="Geist Mono" pitchFamily="2" charset="77"/>
+                <a:cs typeface="Geist Mono" pitchFamily="2" charset="77"/>
+              </a:endParaRPr>
+            </a:p>
+            <a:p>
+              <a:r>
+                <a:rPr lang="es-ES" dirty="0">
+                  <a:latin typeface="Geist Mono" pitchFamily="2" charset="77"/>
+                  <a:ea typeface="Geist Mono" pitchFamily="2" charset="77"/>
+                  <a:cs typeface="Geist Mono" pitchFamily="2" charset="77"/>
+                </a:rPr>
+                <a:t>	</a:t>
+              </a:r>
+              <a:r>
+                <a:rPr lang="es-ES" dirty="0">
+                  <a:solidFill>
+                    <a:schemeClr val="accent4"/>
+                  </a:solidFill>
+                  <a:latin typeface="Geist Mono" pitchFamily="2" charset="77"/>
+                  <a:ea typeface="Geist Mono" pitchFamily="2" charset="77"/>
+                  <a:cs typeface="Geist Mono" pitchFamily="2" charset="77"/>
+                </a:rPr>
+                <a:t>recursiva()</a:t>
+              </a:r>
+            </a:p>
+            <a:p>
+              <a:endParaRPr lang="es-ES" dirty="0">
+                <a:solidFill>
+                  <a:schemeClr val="accent4"/>
+                </a:solidFill>
+                <a:latin typeface="Geist Mono" pitchFamily="2" charset="77"/>
+                <a:ea typeface="Geist Mono" pitchFamily="2" charset="77"/>
+                <a:cs typeface="Geist Mono" pitchFamily="2" charset="77"/>
+              </a:endParaRPr>
+            </a:p>
+            <a:p>
+              <a:r>
+                <a:rPr lang="es-ES" dirty="0">
+                  <a:solidFill>
+                    <a:schemeClr val="tx1">
+                      <a:lumMod val="50000"/>
+                      <a:lumOff val="50000"/>
+                    </a:schemeClr>
+                  </a:solidFill>
+                  <a:latin typeface="Geist Mono" pitchFamily="2" charset="77"/>
+                  <a:ea typeface="Geist Mono" pitchFamily="2" charset="77"/>
+                  <a:cs typeface="Geist Mono" pitchFamily="2" charset="77"/>
+                </a:rPr>
+                <a:t># llamamos a la función</a:t>
+              </a:r>
+            </a:p>
+            <a:p>
+              <a:r>
+                <a:rPr lang="es-ES" dirty="0">
+                  <a:latin typeface="Geist Mono" pitchFamily="2" charset="77"/>
+                  <a:ea typeface="Geist Mono" pitchFamily="2" charset="77"/>
+                  <a:cs typeface="Geist Mono" pitchFamily="2" charset="77"/>
+                </a:rPr>
+                <a:t>recursiva()</a:t>
+              </a:r>
+            </a:p>
+          </p:txBody>
+        </p:sp>
+      </p:grpSp>
+    </p:spTree>
+    <p:extLst>
+      <p:ext uri="{BB962C8B-B14F-4D97-AF65-F5344CB8AC3E}">
+        <p14:creationId xmlns:p14="http://schemas.microsoft.com/office/powerpoint/2010/main" val="1292021334"/>
+      </p:ext>
+    </p:extLst>
+  </p:cSld>
+  <p:clrMapOvr>
+    <a:masterClrMapping/>
+  </p:clrMapOvr>
+</p:sld>
+</file>
+
+<file path=ppt/slides/slide2.xml><?xml version="1.0" encoding="utf-8"?>
+<p:sld xmlns:a="http://schemas.openxmlformats.org/drawingml/2006/main" xmlns:r="http://schemas.openxmlformats.org/officeDocument/2006/relationships" xmlns:p="http://schemas.openxmlformats.org/presentationml/2006/main">
+  <p:cSld>
+    <p:spTree>
+      <p:nvGrpSpPr>
+        <p:cNvPr id="1" name=""/>
+        <p:cNvGrpSpPr/>
+        <p:nvPr/>
+      </p:nvGrpSpPr>
+      <p:grpSpPr>
+        <a:xfrm>
+          <a:off x="0" y="0"/>
+          <a:ext cx="0" cy="0"/>
+          <a:chOff x="0" y="0"/>
+          <a:chExt cx="0" cy="0"/>
+        </a:xfrm>
+      </p:grpSpPr>
+      <p:grpSp>
+        <p:nvGrpSpPr>
+          <p:cNvPr id="13" name="Grupo 12">
+            <a:extLst>
+              <a:ext uri="{FF2B5EF4-FFF2-40B4-BE49-F238E27FC236}">
+                <a16:creationId xmlns:a16="http://schemas.microsoft.com/office/drawing/2014/main" id="{F84CE743-6B26-12C0-4A6E-795C7E76E725}"/>
+              </a:ext>
+            </a:extLst>
+          </p:cNvPr>
+          <p:cNvGrpSpPr/>
+          <p:nvPr/>
+        </p:nvGrpSpPr>
+        <p:grpSpPr>
+          <a:xfrm>
+            <a:off x="467139" y="795131"/>
+            <a:ext cx="10933043" cy="4224130"/>
+            <a:chOff x="467139" y="795131"/>
+            <a:chExt cx="10933043" cy="4224130"/>
+          </a:xfrm>
+        </p:grpSpPr>
+        <p:sp>
+          <p:nvSpPr>
+            <p:cNvPr id="12" name="Rectángulo 11">
+              <a:extLst>
+                <a:ext uri="{FF2B5EF4-FFF2-40B4-BE49-F238E27FC236}">
+                  <a16:creationId xmlns:a16="http://schemas.microsoft.com/office/drawing/2014/main" id="{36E8620E-E464-29FF-EC03-BA5BF2B2E3D3}"/>
+                </a:ext>
+              </a:extLst>
+            </p:cNvPr>
+            <p:cNvSpPr/>
+            <p:nvPr/>
+          </p:nvSpPr>
+          <p:spPr>
+            <a:xfrm>
+              <a:off x="467139" y="795131"/>
+              <a:ext cx="10933043" cy="4224130"/>
+            </a:xfrm>
+            <a:prstGeom prst="rect">
+              <a:avLst/>
+            </a:prstGeom>
+            <a:solidFill>
+              <a:schemeClr val="bg1"/>
+            </a:solidFill>
+            <a:ln>
+              <a:solidFill>
+                <a:schemeClr val="bg1"/>
+              </a:solidFill>
+            </a:ln>
+          </p:spPr>
+          <p:style>
+            <a:lnRef idx="2">
+              <a:schemeClr val="accent1">
+                <a:shade val="15000"/>
+              </a:schemeClr>
+            </a:lnRef>
+            <a:fillRef idx="1">
+              <a:schemeClr val="accent1"/>
+            </a:fillRef>
+            <a:effectRef idx="0">
+              <a:schemeClr val="accent1"/>
+            </a:effectRef>
+            <a:fontRef idx="minor">
+              <a:schemeClr val="lt1"/>
+            </a:fontRef>
+          </p:style>
+          <p:txBody>
+            <a:bodyPr rtlCol="0" anchor="ctr"/>
+            <a:lstStyle/>
+            <a:p>
+              <a:pPr algn="ctr"/>
+              <a:endParaRPr lang="es-ES" sz="2800"/>
+            </a:p>
+          </p:txBody>
+        </p:sp>
+        <p:sp>
+          <p:nvSpPr>
+            <p:cNvPr id="4" name="CuadroTexto 3">
+              <a:extLst>
+                <a:ext uri="{FF2B5EF4-FFF2-40B4-BE49-F238E27FC236}">
+                  <a16:creationId xmlns:a16="http://schemas.microsoft.com/office/drawing/2014/main" id="{1707DD7A-2CB4-9CC3-88D9-EEF689FF034D}"/>
+                </a:ext>
+              </a:extLst>
+            </p:cNvPr>
+            <p:cNvSpPr txBox="1"/>
+            <p:nvPr/>
+          </p:nvSpPr>
+          <p:spPr>
+            <a:xfrm>
+              <a:off x="610789" y="1862737"/>
+              <a:ext cx="10242742" cy="1107996"/>
+            </a:xfrm>
+            <a:prstGeom prst="rect">
+              <a:avLst/>
+            </a:prstGeom>
+            <a:noFill/>
+          </p:spPr>
+          <p:txBody>
+            <a:bodyPr wrap="square" rtlCol="0">
+              <a:spAutoFit/>
+            </a:bodyPr>
+            <a:lstStyle/>
+            <a:p>
+              <a:r>
+                <a:rPr lang="es-ES" sz="6600" dirty="0">
+                  <a:latin typeface="Geist Mono" pitchFamily="2" charset="77"/>
+                  <a:ea typeface="Geist Mono" pitchFamily="2" charset="77"/>
+                  <a:cs typeface="Geist Mono" pitchFamily="2" charset="77"/>
+                </a:rPr>
+                <a:t>string = </a:t>
+              </a:r>
+              <a:r>
+                <a:rPr lang="es-ES" sz="6600" dirty="0">
+                  <a:solidFill>
+                    <a:srgbClr val="FFC000"/>
+                  </a:solidFill>
+                  <a:latin typeface="Geist Mono" pitchFamily="2" charset="77"/>
+                  <a:ea typeface="Geist Mono" pitchFamily="2" charset="77"/>
+                  <a:cs typeface="Geist Mono" pitchFamily="2" charset="77"/>
+                </a:rPr>
+                <a:t>“HOLA”</a:t>
+              </a:r>
+            </a:p>
+          </p:txBody>
+        </p:sp>
+        <p:sp>
+          <p:nvSpPr>
+            <p:cNvPr id="5" name="CuadroTexto 4">
+              <a:extLst>
+                <a:ext uri="{FF2B5EF4-FFF2-40B4-BE49-F238E27FC236}">
+                  <a16:creationId xmlns:a16="http://schemas.microsoft.com/office/drawing/2014/main" id="{CB14FB73-29F0-6178-447F-1DCC3A515A56}"/>
+                </a:ext>
+              </a:extLst>
+            </p:cNvPr>
+            <p:cNvSpPr txBox="1"/>
+            <p:nvPr/>
+          </p:nvSpPr>
+          <p:spPr>
+            <a:xfrm>
+              <a:off x="5687664" y="2970733"/>
+              <a:ext cx="491991" cy="400110"/>
+            </a:xfrm>
+            <a:prstGeom prst="rect">
+              <a:avLst/>
+            </a:prstGeom>
+            <a:noFill/>
+          </p:spPr>
+          <p:txBody>
+            <a:bodyPr wrap="square" rtlCol="0">
+              <a:spAutoFit/>
+            </a:bodyPr>
+            <a:lstStyle/>
+            <a:p>
+              <a:r>
+                <a:rPr lang="es-ES" sz="2000" b="1" dirty="0">
+                  <a:solidFill>
+                    <a:schemeClr val="accent2"/>
+                  </a:solidFill>
+                  <a:latin typeface="Geist Mono Bold" pitchFamily="2" charset="77"/>
+                  <a:ea typeface="Geist Mono Bold" pitchFamily="2" charset="77"/>
+                  <a:cs typeface="Geist Mono Bold" pitchFamily="2" charset="77"/>
+                </a:rPr>
+                <a:t>-4</a:t>
+              </a:r>
+            </a:p>
+          </p:txBody>
+        </p:sp>
+        <p:sp>
+          <p:nvSpPr>
+            <p:cNvPr id="6" name="CuadroTexto 5">
+              <a:extLst>
+                <a:ext uri="{FF2B5EF4-FFF2-40B4-BE49-F238E27FC236}">
+                  <a16:creationId xmlns:a16="http://schemas.microsoft.com/office/drawing/2014/main" id="{89C1EA7C-AC30-3E66-61E6-418C42498F6D}"/>
+                </a:ext>
+              </a:extLst>
+            </p:cNvPr>
+            <p:cNvSpPr txBox="1"/>
+            <p:nvPr/>
+          </p:nvSpPr>
+          <p:spPr>
+            <a:xfrm>
+              <a:off x="6782519" y="2980565"/>
+              <a:ext cx="522001" cy="400110"/>
+            </a:xfrm>
+            <a:prstGeom prst="rect">
+              <a:avLst/>
+            </a:prstGeom>
+            <a:noFill/>
+          </p:spPr>
+          <p:txBody>
+            <a:bodyPr wrap="square" rtlCol="0">
+              <a:spAutoFit/>
+            </a:bodyPr>
+            <a:lstStyle/>
+            <a:p>
+              <a:r>
+                <a:rPr lang="es-ES" sz="2000" b="1" dirty="0">
+                  <a:solidFill>
+                    <a:schemeClr val="accent2"/>
+                  </a:solidFill>
+                  <a:latin typeface="Geist Mono Bold" pitchFamily="2" charset="77"/>
+                  <a:ea typeface="Geist Mono Bold" pitchFamily="2" charset="77"/>
+                  <a:cs typeface="Geist Mono Bold" pitchFamily="2" charset="77"/>
+                </a:rPr>
+                <a:t>-2</a:t>
+              </a:r>
+            </a:p>
+          </p:txBody>
+        </p:sp>
+        <p:sp>
+          <p:nvSpPr>
+            <p:cNvPr id="7" name="CuadroTexto 6">
+              <a:extLst>
+                <a:ext uri="{FF2B5EF4-FFF2-40B4-BE49-F238E27FC236}">
+                  <a16:creationId xmlns:a16="http://schemas.microsoft.com/office/drawing/2014/main" id="{A2B1A20D-C8E7-27A9-0648-A9C56DF29DBC}"/>
+                </a:ext>
+              </a:extLst>
+            </p:cNvPr>
+            <p:cNvSpPr txBox="1"/>
+            <p:nvPr/>
+          </p:nvSpPr>
+          <p:spPr>
+            <a:xfrm>
+              <a:off x="6280681" y="2970733"/>
+              <a:ext cx="501838" cy="400110"/>
+            </a:xfrm>
+            <a:prstGeom prst="rect">
+              <a:avLst/>
+            </a:prstGeom>
+            <a:noFill/>
+          </p:spPr>
+          <p:txBody>
+            <a:bodyPr wrap="square" rtlCol="0">
+              <a:spAutoFit/>
+            </a:bodyPr>
+            <a:lstStyle/>
+            <a:p>
+              <a:r>
+                <a:rPr lang="es-ES" sz="2000" b="1" dirty="0">
+                  <a:solidFill>
+                    <a:schemeClr val="accent2"/>
+                  </a:solidFill>
+                  <a:latin typeface="Geist Mono Bold" pitchFamily="2" charset="77"/>
+                  <a:ea typeface="Geist Mono Bold" pitchFamily="2" charset="77"/>
+                  <a:cs typeface="Geist Mono Bold" pitchFamily="2" charset="77"/>
+                </a:rPr>
+                <a:t>-3</a:t>
+              </a:r>
+            </a:p>
+          </p:txBody>
+        </p:sp>
+        <p:sp>
+          <p:nvSpPr>
+            <p:cNvPr id="8" name="CuadroTexto 7">
+              <a:extLst>
+                <a:ext uri="{FF2B5EF4-FFF2-40B4-BE49-F238E27FC236}">
+                  <a16:creationId xmlns:a16="http://schemas.microsoft.com/office/drawing/2014/main" id="{2C25AD2D-5E2A-8F62-3984-E4A48FB92264}"/>
+                </a:ext>
+              </a:extLst>
+            </p:cNvPr>
+            <p:cNvSpPr txBox="1"/>
+            <p:nvPr/>
+          </p:nvSpPr>
+          <p:spPr>
+            <a:xfrm>
+              <a:off x="7359180" y="2970733"/>
+              <a:ext cx="522002" cy="400110"/>
+            </a:xfrm>
+            <a:prstGeom prst="rect">
+              <a:avLst/>
+            </a:prstGeom>
+            <a:noFill/>
+          </p:spPr>
+          <p:txBody>
+            <a:bodyPr wrap="square" rtlCol="0">
+              <a:spAutoFit/>
+            </a:bodyPr>
+            <a:lstStyle/>
+            <a:p>
+              <a:r>
+                <a:rPr lang="es-ES" sz="2000" b="1" dirty="0">
+                  <a:solidFill>
+                    <a:schemeClr val="accent2"/>
+                  </a:solidFill>
+                  <a:latin typeface="Geist Mono Bold" pitchFamily="2" charset="77"/>
+                  <a:ea typeface="Geist Mono Bold" pitchFamily="2" charset="77"/>
+                  <a:cs typeface="Geist Mono Bold" pitchFamily="2" charset="77"/>
+                </a:rPr>
+                <a:t>-1</a:t>
+              </a:r>
+            </a:p>
+          </p:txBody>
+        </p:sp>
+        <p:cxnSp>
+          <p:nvCxnSpPr>
+            <p:cNvPr id="10" name="Conector recto 9">
+              <a:extLst>
+                <a:ext uri="{FF2B5EF4-FFF2-40B4-BE49-F238E27FC236}">
+                  <a16:creationId xmlns:a16="http://schemas.microsoft.com/office/drawing/2014/main" id="{1FB16EB4-BA2C-4515-5651-85C075D57998}"/>
+                </a:ext>
+              </a:extLst>
+            </p:cNvPr>
+            <p:cNvCxnSpPr>
+              <a:cxnSpLocks/>
+            </p:cNvCxnSpPr>
+            <p:nvPr/>
+          </p:nvCxnSpPr>
+          <p:spPr>
+            <a:xfrm>
+              <a:off x="5935773" y="3535705"/>
+              <a:ext cx="1828849" cy="0"/>
+            </a:xfrm>
+            <a:prstGeom prst="line">
+              <a:avLst/>
+            </a:prstGeom>
+            <a:ln>
+              <a:solidFill>
+                <a:schemeClr val="accent2"/>
+              </a:solidFill>
+            </a:ln>
+          </p:spPr>
+          <p:style>
+            <a:lnRef idx="2">
+              <a:schemeClr val="accent1"/>
+            </a:lnRef>
+            <a:fillRef idx="0">
+              <a:schemeClr val="accent1"/>
+            </a:fillRef>
+            <a:effectRef idx="1">
+              <a:schemeClr val="accent1"/>
+            </a:effectRef>
+            <a:fontRef idx="minor">
+              <a:schemeClr val="tx1"/>
+            </a:fontRef>
+          </p:style>
+        </p:cxnSp>
+        <p:sp>
+          <p:nvSpPr>
+            <p:cNvPr id="11" name="CuadroTexto 10">
+              <a:extLst>
+                <a:ext uri="{FF2B5EF4-FFF2-40B4-BE49-F238E27FC236}">
+                  <a16:creationId xmlns:a16="http://schemas.microsoft.com/office/drawing/2014/main" id="{572C824B-F5FC-32D7-A708-C4EAE848F5DA}"/>
+                </a:ext>
+              </a:extLst>
+            </p:cNvPr>
+            <p:cNvSpPr txBox="1"/>
+            <p:nvPr/>
+          </p:nvSpPr>
+          <p:spPr>
+            <a:xfrm>
+              <a:off x="4031515" y="3566483"/>
+              <a:ext cx="5637363" cy="369332"/>
+            </a:xfrm>
+            <a:prstGeom prst="rect">
+              <a:avLst/>
+            </a:prstGeom>
+            <a:noFill/>
+          </p:spPr>
+          <p:txBody>
+            <a:bodyPr wrap="square" rtlCol="0">
+              <a:spAutoFit/>
+            </a:bodyPr>
+            <a:lstStyle/>
+            <a:p>
+              <a:pPr algn="ctr"/>
+              <a:r>
+                <a:rPr lang="es-ES" dirty="0">
+                  <a:solidFill>
+                    <a:schemeClr val="accent2"/>
+                  </a:solidFill>
+                  <a:latin typeface="Geist Mono" pitchFamily="2" charset="77"/>
+                  <a:ea typeface="Geist Mono" pitchFamily="2" charset="77"/>
+                  <a:cs typeface="Geist Mono" pitchFamily="2" charset="77"/>
+                </a:rPr>
+                <a:t>Índices negativos</a:t>
+              </a:r>
+            </a:p>
+          </p:txBody>
+        </p:sp>
+        <p:sp>
+          <p:nvSpPr>
+            <p:cNvPr id="15" name="CuadroTexto 14">
+              <a:extLst>
+                <a:ext uri="{FF2B5EF4-FFF2-40B4-BE49-F238E27FC236}">
+                  <a16:creationId xmlns:a16="http://schemas.microsoft.com/office/drawing/2014/main" id="{570B07B0-3381-542A-B4ED-DED2E577A211}"/>
+                </a:ext>
+              </a:extLst>
+            </p:cNvPr>
+            <p:cNvSpPr txBox="1"/>
+            <p:nvPr/>
+          </p:nvSpPr>
+          <p:spPr>
+            <a:xfrm>
+              <a:off x="3847381" y="2467155"/>
+              <a:ext cx="184731" cy="369332"/>
+            </a:xfrm>
+            <a:prstGeom prst="rect">
+              <a:avLst/>
+            </a:prstGeom>
+            <a:noFill/>
+          </p:spPr>
+          <p:txBody>
+            <a:bodyPr wrap="square" rtlCol="0">
+              <a:spAutoFit/>
+            </a:bodyPr>
+            <a:lstStyle/>
+            <a:p>
+              <a:endParaRPr lang="es-ES" dirty="0"/>
+            </a:p>
+          </p:txBody>
+        </p:sp>
+      </p:grpSp>
+    </p:spTree>
+    <p:extLst>
+      <p:ext uri="{BB962C8B-B14F-4D97-AF65-F5344CB8AC3E}">
+        <p14:creationId xmlns:p14="http://schemas.microsoft.com/office/powerpoint/2010/main" val="1464971387"/>
+      </p:ext>
+    </p:extLst>
+  </p:cSld>
+  <p:clrMapOvr>
+    <a:masterClrMapping/>
+  </p:clrMapOvr>
+</p:sld>
+</file>
+
+<file path=ppt/slides/slide3.xml><?xml version="1.0" encoding="utf-8"?>
 <p:sld xmlns:a="http://schemas.openxmlformats.org/drawingml/2006/main" xmlns:r="http://schemas.openxmlformats.org/officeDocument/2006/relationships" xmlns:p="http://schemas.openxmlformats.org/presentationml/2006/main">
   <p:cSld>
     <p:spTree>
@@ -3829,642 +7500,7 @@
 </p:sld>
 </file>
 
-<file path=ppt/slides/slide10.xml><?xml version="1.0" encoding="utf-8"?>
-<p:sld xmlns:a="http://schemas.openxmlformats.org/drawingml/2006/main" xmlns:r="http://schemas.openxmlformats.org/officeDocument/2006/relationships" xmlns:p="http://schemas.openxmlformats.org/presentationml/2006/main">
-  <p:cSld>
-    <p:spTree>
-      <p:nvGrpSpPr>
-        <p:cNvPr id="1" name=""/>
-        <p:cNvGrpSpPr/>
-        <p:nvPr/>
-      </p:nvGrpSpPr>
-      <p:grpSpPr>
-        <a:xfrm>
-          <a:off x="0" y="0"/>
-          <a:ext cx="0" cy="0"/>
-          <a:chOff x="0" y="0"/>
-          <a:chExt cx="0" cy="0"/>
-        </a:xfrm>
-      </p:grpSpPr>
-      <p:grpSp>
-        <p:nvGrpSpPr>
-          <p:cNvPr id="8" name="Grupo 7">
-            <a:extLst>
-              <a:ext uri="{FF2B5EF4-FFF2-40B4-BE49-F238E27FC236}">
-                <a16:creationId xmlns:a16="http://schemas.microsoft.com/office/drawing/2014/main" id="{D6F73B4C-C764-8A32-1224-F9EF78CB624C}"/>
-              </a:ext>
-            </a:extLst>
-          </p:cNvPr>
-          <p:cNvGrpSpPr/>
-          <p:nvPr/>
-        </p:nvGrpSpPr>
-        <p:grpSpPr>
-          <a:xfrm>
-            <a:off x="2053087" y="1768415"/>
-            <a:ext cx="9454551" cy="3631721"/>
-            <a:chOff x="2053087" y="1768415"/>
-            <a:chExt cx="9454551" cy="3631721"/>
-          </a:xfrm>
-        </p:grpSpPr>
-        <p:sp>
-          <p:nvSpPr>
-            <p:cNvPr id="7" name="Rectángulo 6">
-              <a:extLst>
-                <a:ext uri="{FF2B5EF4-FFF2-40B4-BE49-F238E27FC236}">
-                  <a16:creationId xmlns:a16="http://schemas.microsoft.com/office/drawing/2014/main" id="{71EF2D71-44BF-3673-8FA1-3C50FF0B6E2C}"/>
-                </a:ext>
-              </a:extLst>
-            </p:cNvPr>
-            <p:cNvSpPr/>
-            <p:nvPr/>
-          </p:nvSpPr>
-          <p:spPr>
-            <a:xfrm>
-              <a:off x="2053087" y="1768415"/>
-              <a:ext cx="9454551" cy="3631721"/>
-            </a:xfrm>
-            <a:prstGeom prst="rect">
-              <a:avLst/>
-            </a:prstGeom>
-            <a:solidFill>
-              <a:schemeClr val="bg1"/>
-            </a:solidFill>
-            <a:ln>
-              <a:noFill/>
-            </a:ln>
-          </p:spPr>
-          <p:style>
-            <a:lnRef idx="2">
-              <a:schemeClr val="accent1">
-                <a:shade val="15000"/>
-              </a:schemeClr>
-            </a:lnRef>
-            <a:fillRef idx="1">
-              <a:schemeClr val="accent1"/>
-            </a:fillRef>
-            <a:effectRef idx="0">
-              <a:schemeClr val="accent1"/>
-            </a:effectRef>
-            <a:fontRef idx="minor">
-              <a:schemeClr val="lt1"/>
-            </a:fontRef>
-          </p:style>
-          <p:txBody>
-            <a:bodyPr rtlCol="0" anchor="ctr"/>
-            <a:lstStyle/>
-            <a:p>
-              <a:pPr algn="ctr"/>
-              <a:endParaRPr lang="es-ES"/>
-            </a:p>
-          </p:txBody>
-        </p:sp>
-        <p:sp>
-          <p:nvSpPr>
-            <p:cNvPr id="2" name="CuadroTexto 1">
-              <a:extLst>
-                <a:ext uri="{FF2B5EF4-FFF2-40B4-BE49-F238E27FC236}">
-                  <a16:creationId xmlns:a16="http://schemas.microsoft.com/office/drawing/2014/main" id="{97F77A59-8922-16B0-367C-A30521240B6E}"/>
-                </a:ext>
-              </a:extLst>
-            </p:cNvPr>
-            <p:cNvSpPr txBox="1"/>
-            <p:nvPr/>
-          </p:nvSpPr>
-          <p:spPr>
-            <a:xfrm>
-              <a:off x="2182483" y="1871932"/>
-              <a:ext cx="8747184" cy="3139321"/>
-            </a:xfrm>
-            <a:prstGeom prst="rect">
-              <a:avLst/>
-            </a:prstGeom>
-            <a:noFill/>
-          </p:spPr>
-          <p:txBody>
-            <a:bodyPr wrap="square" rtlCol="0">
-              <a:spAutoFit/>
-            </a:bodyPr>
-            <a:lstStyle/>
-            <a:p>
-              <a:r>
-                <a:rPr lang="es-ES" dirty="0">
-                  <a:solidFill>
-                    <a:schemeClr val="accent5"/>
-                  </a:solidFill>
-                  <a:latin typeface="Geist Mono" pitchFamily="2" charset="77"/>
-                  <a:ea typeface="Geist Mono" pitchFamily="2" charset="77"/>
-                  <a:cs typeface="Geist Mono" pitchFamily="2" charset="77"/>
-                </a:rPr>
-                <a:t>def</a:t>
-              </a:r>
-              <a:r>
-                <a:rPr lang="es-ES" dirty="0">
-                  <a:latin typeface="Geist Mono" pitchFamily="2" charset="77"/>
-                  <a:ea typeface="Geist Mono" pitchFamily="2" charset="77"/>
-                  <a:cs typeface="Geist Mono" pitchFamily="2" charset="77"/>
-                </a:rPr>
-                <a:t> </a:t>
-              </a:r>
-              <a:r>
-                <a:rPr lang="es-ES" dirty="0">
-                  <a:solidFill>
-                    <a:schemeClr val="accent4"/>
-                  </a:solidFill>
-                  <a:latin typeface="Geist Mono" pitchFamily="2" charset="77"/>
-                  <a:ea typeface="Geist Mono" pitchFamily="2" charset="77"/>
-                  <a:cs typeface="Geist Mono" pitchFamily="2" charset="77"/>
-                </a:rPr>
-                <a:t>far_to_celsius </a:t>
-              </a:r>
-              <a:r>
-                <a:rPr lang="es-ES" dirty="0">
-                  <a:solidFill>
-                    <a:srgbClr val="92D050"/>
-                  </a:solidFill>
-                  <a:latin typeface="Geist Mono" pitchFamily="2" charset="77"/>
-                  <a:ea typeface="Geist Mono" pitchFamily="2" charset="77"/>
-                  <a:cs typeface="Geist Mono" pitchFamily="2" charset="77"/>
-                </a:rPr>
-                <a:t>(temperatura):</a:t>
-              </a:r>
-            </a:p>
-            <a:p>
-              <a:r>
-                <a:rPr lang="es-ES" sz="1600" dirty="0">
-                  <a:solidFill>
-                    <a:srgbClr val="92D050"/>
-                  </a:solidFill>
-                  <a:latin typeface="Geist Mono" pitchFamily="2" charset="77"/>
-                  <a:ea typeface="Geist Mono" pitchFamily="2" charset="77"/>
-                  <a:cs typeface="Geist Mono" pitchFamily="2" charset="77"/>
-                </a:rPr>
-                <a:t>	</a:t>
-              </a:r>
-              <a:r>
-                <a:rPr lang="es-ES" sz="1600" dirty="0">
-                  <a:solidFill>
-                    <a:schemeClr val="tx1">
-                      <a:lumMod val="50000"/>
-                      <a:lumOff val="50000"/>
-                    </a:schemeClr>
-                  </a:solidFill>
-                  <a:latin typeface="Geist Mono" pitchFamily="2" charset="77"/>
-                  <a:ea typeface="Geist Mono" pitchFamily="2" charset="77"/>
-                  <a:cs typeface="Geist Mono" pitchFamily="2" charset="77"/>
-                </a:rPr>
-                <a:t>"""</a:t>
-              </a:r>
-            </a:p>
-            <a:p>
-              <a:pPr lvl="2"/>
-              <a:r>
-                <a:rPr lang="es-ES" sz="1600" dirty="0">
-                  <a:solidFill>
-                    <a:schemeClr val="tx1">
-                      <a:lumMod val="50000"/>
-                      <a:lumOff val="50000"/>
-                    </a:schemeClr>
-                  </a:solidFill>
-                  <a:latin typeface="Geist Mono" pitchFamily="2" charset="77"/>
-                  <a:ea typeface="Geist Mono" pitchFamily="2" charset="77"/>
-                  <a:cs typeface="Geist Mono" pitchFamily="2" charset="77"/>
-                </a:rPr>
-                <a:t> Convierte una temperatura de Fahrenheit a Celsius.</a:t>
-              </a:r>
-            </a:p>
-            <a:p>
-              <a:pPr lvl="2"/>
-              <a:endParaRPr lang="es-ES" sz="1600" dirty="0">
-                <a:solidFill>
-                  <a:schemeClr val="tx1">
-                    <a:lumMod val="50000"/>
-                    <a:lumOff val="50000"/>
-                  </a:schemeClr>
-                </a:solidFill>
-                <a:latin typeface="Geist Mono" pitchFamily="2" charset="77"/>
-                <a:ea typeface="Geist Mono" pitchFamily="2" charset="77"/>
-                <a:cs typeface="Geist Mono" pitchFamily="2" charset="77"/>
-              </a:endParaRPr>
-            </a:p>
-            <a:p>
-              <a:pPr lvl="2"/>
-              <a:r>
-                <a:rPr lang="es-ES" sz="1600" dirty="0">
-                  <a:solidFill>
-                    <a:schemeClr val="tx1">
-                      <a:lumMod val="50000"/>
-                      <a:lumOff val="50000"/>
-                    </a:schemeClr>
-                  </a:solidFill>
-                  <a:latin typeface="Geist Mono" pitchFamily="2" charset="77"/>
-                  <a:ea typeface="Geist Mono" pitchFamily="2" charset="77"/>
-                  <a:cs typeface="Geist Mono" pitchFamily="2" charset="77"/>
-                </a:rPr>
-                <a:t> Params:</a:t>
-              </a:r>
-            </a:p>
-            <a:p>
-              <a:pPr lvl="2"/>
-              <a:r>
-                <a:rPr lang="es-ES" sz="1600" dirty="0">
-                  <a:solidFill>
-                    <a:schemeClr val="tx1">
-                      <a:lumMod val="50000"/>
-                      <a:lumOff val="50000"/>
-                    </a:schemeClr>
-                  </a:solidFill>
-                  <a:latin typeface="Geist Mono" pitchFamily="2" charset="77"/>
-                  <a:ea typeface="Geist Mono" pitchFamily="2" charset="77"/>
-                  <a:cs typeface="Geist Mono" pitchFamily="2" charset="77"/>
-                </a:rPr>
-                <a:t>    temperatura (float): La temperatura en grados Fahrenheit.</a:t>
-              </a:r>
-            </a:p>
-            <a:p>
-              <a:pPr lvl="2"/>
-              <a:endParaRPr lang="es-ES" sz="1600" dirty="0">
-                <a:solidFill>
-                  <a:schemeClr val="tx1">
-                    <a:lumMod val="50000"/>
-                    <a:lumOff val="50000"/>
-                  </a:schemeClr>
-                </a:solidFill>
-                <a:latin typeface="Geist Mono" pitchFamily="2" charset="77"/>
-                <a:ea typeface="Geist Mono" pitchFamily="2" charset="77"/>
-                <a:cs typeface="Geist Mono" pitchFamily="2" charset="77"/>
-              </a:endParaRPr>
-            </a:p>
-            <a:p>
-              <a:pPr lvl="2"/>
-              <a:r>
-                <a:rPr lang="es-ES" sz="1600" dirty="0">
-                  <a:solidFill>
-                    <a:schemeClr val="tx1">
-                      <a:lumMod val="50000"/>
-                      <a:lumOff val="50000"/>
-                    </a:schemeClr>
-                  </a:solidFill>
-                  <a:latin typeface="Geist Mono" pitchFamily="2" charset="77"/>
-                  <a:ea typeface="Geist Mono" pitchFamily="2" charset="77"/>
-                  <a:cs typeface="Geist Mono" pitchFamily="2" charset="77"/>
-                </a:rPr>
-                <a:t> Returns:</a:t>
-              </a:r>
-            </a:p>
-            <a:p>
-              <a:pPr lvl="2"/>
-              <a:r>
-                <a:rPr lang="es-ES" sz="1600" dirty="0">
-                  <a:solidFill>
-                    <a:schemeClr val="tx1">
-                      <a:lumMod val="50000"/>
-                      <a:lumOff val="50000"/>
-                    </a:schemeClr>
-                  </a:solidFill>
-                  <a:latin typeface="Geist Mono" pitchFamily="2" charset="77"/>
-                  <a:ea typeface="Geist Mono" pitchFamily="2" charset="77"/>
-                  <a:cs typeface="Geist Mono" pitchFamily="2" charset="77"/>
-                </a:rPr>
-                <a:t>    float: La temperatura convertida a grados Celsius.</a:t>
-              </a:r>
-            </a:p>
-            <a:p>
-              <a:pPr lvl="2"/>
-              <a:r>
-                <a:rPr lang="es-ES" sz="1600" dirty="0">
-                  <a:solidFill>
-                    <a:schemeClr val="tx1">
-                      <a:lumMod val="50000"/>
-                      <a:lumOff val="50000"/>
-                    </a:schemeClr>
-                  </a:solidFill>
-                  <a:latin typeface="Geist Mono" pitchFamily="2" charset="77"/>
-                  <a:ea typeface="Geist Mono" pitchFamily="2" charset="77"/>
-                  <a:cs typeface="Geist Mono" pitchFamily="2" charset="77"/>
-                </a:rPr>
-                <a:t> """</a:t>
-              </a:r>
-            </a:p>
-            <a:p>
-              <a:r>
-                <a:rPr lang="es-ES" dirty="0">
-                  <a:latin typeface="Geist Mono" pitchFamily="2" charset="77"/>
-                  <a:ea typeface="Geist Mono" pitchFamily="2" charset="77"/>
-                  <a:cs typeface="Geist Mono" pitchFamily="2" charset="77"/>
-                </a:rPr>
-                <a:t>	</a:t>
-              </a:r>
-            </a:p>
-            <a:p>
-              <a:r>
-                <a:rPr lang="es-ES" dirty="0">
-                  <a:latin typeface="Geist Mono" pitchFamily="2" charset="77"/>
-                  <a:ea typeface="Geist Mono" pitchFamily="2" charset="77"/>
-                  <a:cs typeface="Geist Mono" pitchFamily="2" charset="77"/>
-                </a:rPr>
-                <a:t>	</a:t>
-              </a:r>
-              <a:r>
-                <a:rPr lang="es-ES" dirty="0">
-                  <a:solidFill>
-                    <a:schemeClr val="accent5"/>
-                  </a:solidFill>
-                  <a:latin typeface="Geist Mono" pitchFamily="2" charset="77"/>
-                  <a:ea typeface="Geist Mono" pitchFamily="2" charset="77"/>
-                  <a:cs typeface="Geist Mono" pitchFamily="2" charset="77"/>
-                </a:rPr>
-                <a:t>return</a:t>
-              </a:r>
-              <a:r>
-                <a:rPr lang="es-ES" dirty="0">
-                  <a:latin typeface="Geist Mono" pitchFamily="2" charset="77"/>
-                  <a:ea typeface="Geist Mono" pitchFamily="2" charset="77"/>
-                  <a:cs typeface="Geist Mono" pitchFamily="2" charset="77"/>
-                </a:rPr>
-                <a:t> ((temperatura – 32) * (5/9))</a:t>
-              </a:r>
-            </a:p>
-          </p:txBody>
-        </p:sp>
-      </p:grpSp>
-    </p:spTree>
-    <p:extLst>
-      <p:ext uri="{BB962C8B-B14F-4D97-AF65-F5344CB8AC3E}">
-        <p14:creationId xmlns:p14="http://schemas.microsoft.com/office/powerpoint/2010/main" val="3160211178"/>
-      </p:ext>
-    </p:extLst>
-  </p:cSld>
-  <p:clrMapOvr>
-    <a:masterClrMapping/>
-  </p:clrMapOvr>
-</p:sld>
-</file>
-
-<file path=ppt/slides/slide11.xml><?xml version="1.0" encoding="utf-8"?>
-<p:sld xmlns:a="http://schemas.openxmlformats.org/drawingml/2006/main" xmlns:r="http://schemas.openxmlformats.org/officeDocument/2006/relationships" xmlns:p="http://schemas.openxmlformats.org/presentationml/2006/main">
-  <p:cSld>
-    <p:spTree>
-      <p:nvGrpSpPr>
-        <p:cNvPr id="1" name=""/>
-        <p:cNvGrpSpPr/>
-        <p:nvPr/>
-      </p:nvGrpSpPr>
-      <p:grpSpPr>
-        <a:xfrm>
-          <a:off x="0" y="0"/>
-          <a:ext cx="0" cy="0"/>
-          <a:chOff x="0" y="0"/>
-          <a:chExt cx="0" cy="0"/>
-        </a:xfrm>
-      </p:grpSpPr>
-      <p:grpSp>
-        <p:nvGrpSpPr>
-          <p:cNvPr id="3" name="Grupo 2">
-            <a:extLst>
-              <a:ext uri="{FF2B5EF4-FFF2-40B4-BE49-F238E27FC236}">
-                <a16:creationId xmlns:a16="http://schemas.microsoft.com/office/drawing/2014/main" id="{346C24EC-ED51-9FDE-0485-3E854F8E0299}"/>
-              </a:ext>
-            </a:extLst>
-          </p:cNvPr>
-          <p:cNvGrpSpPr/>
-          <p:nvPr/>
-        </p:nvGrpSpPr>
-        <p:grpSpPr>
-          <a:xfrm>
-            <a:off x="2053087" y="1768416"/>
-            <a:ext cx="9454551" cy="1831406"/>
-            <a:chOff x="2053087" y="1768416"/>
-            <a:chExt cx="9454551" cy="1831406"/>
-          </a:xfrm>
-        </p:grpSpPr>
-        <p:sp>
-          <p:nvSpPr>
-            <p:cNvPr id="7" name="Rectángulo 6">
-              <a:extLst>
-                <a:ext uri="{FF2B5EF4-FFF2-40B4-BE49-F238E27FC236}">
-                  <a16:creationId xmlns:a16="http://schemas.microsoft.com/office/drawing/2014/main" id="{71EF2D71-44BF-3673-8FA1-3C50FF0B6E2C}"/>
-                </a:ext>
-              </a:extLst>
-            </p:cNvPr>
-            <p:cNvSpPr/>
-            <p:nvPr/>
-          </p:nvSpPr>
-          <p:spPr>
-            <a:xfrm>
-              <a:off x="2053087" y="1768416"/>
-              <a:ext cx="9454551" cy="1831406"/>
-            </a:xfrm>
-            <a:prstGeom prst="rect">
-              <a:avLst/>
-            </a:prstGeom>
-            <a:solidFill>
-              <a:schemeClr val="bg1"/>
-            </a:solidFill>
-            <a:ln>
-              <a:noFill/>
-            </a:ln>
-          </p:spPr>
-          <p:style>
-            <a:lnRef idx="2">
-              <a:schemeClr val="accent1">
-                <a:shade val="15000"/>
-              </a:schemeClr>
-            </a:lnRef>
-            <a:fillRef idx="1">
-              <a:schemeClr val="accent1"/>
-            </a:fillRef>
-            <a:effectRef idx="0">
-              <a:schemeClr val="accent1"/>
-            </a:effectRef>
-            <a:fontRef idx="minor">
-              <a:schemeClr val="lt1"/>
-            </a:fontRef>
-          </p:style>
-          <p:txBody>
-            <a:bodyPr rtlCol="0" anchor="ctr"/>
-            <a:lstStyle/>
-            <a:p>
-              <a:pPr algn="ctr"/>
-              <a:endParaRPr lang="es-ES"/>
-            </a:p>
-          </p:txBody>
-        </p:sp>
-        <p:sp>
-          <p:nvSpPr>
-            <p:cNvPr id="2" name="CuadroTexto 1">
-              <a:extLst>
-                <a:ext uri="{FF2B5EF4-FFF2-40B4-BE49-F238E27FC236}">
-                  <a16:creationId xmlns:a16="http://schemas.microsoft.com/office/drawing/2014/main" id="{97F77A59-8922-16B0-367C-A30521240B6E}"/>
-                </a:ext>
-              </a:extLst>
-            </p:cNvPr>
-            <p:cNvSpPr txBox="1"/>
-            <p:nvPr/>
-          </p:nvSpPr>
-          <p:spPr>
-            <a:xfrm>
-              <a:off x="2182483" y="1872178"/>
-              <a:ext cx="8747184" cy="1727643"/>
-            </a:xfrm>
-            <a:prstGeom prst="rect">
-              <a:avLst/>
-            </a:prstGeom>
-            <a:noFill/>
-          </p:spPr>
-          <p:txBody>
-            <a:bodyPr wrap="square" rtlCol="0">
-              <a:spAutoFit/>
-            </a:bodyPr>
-            <a:lstStyle/>
-            <a:p>
-              <a:r>
-                <a:rPr lang="es-ES" dirty="0">
-                  <a:solidFill>
-                    <a:schemeClr val="accent5"/>
-                  </a:solidFill>
-                  <a:latin typeface="Geist Mono" pitchFamily="2" charset="77"/>
-                  <a:ea typeface="Geist Mono" pitchFamily="2" charset="77"/>
-                  <a:cs typeface="Geist Mono" pitchFamily="2" charset="77"/>
-                </a:rPr>
-                <a:t>def</a:t>
-              </a:r>
-              <a:r>
-                <a:rPr lang="es-ES" dirty="0">
-                  <a:latin typeface="Geist Mono" pitchFamily="2" charset="77"/>
-                  <a:ea typeface="Geist Mono" pitchFamily="2" charset="77"/>
-                  <a:cs typeface="Geist Mono" pitchFamily="2" charset="77"/>
-                </a:rPr>
-                <a:t> </a:t>
-              </a:r>
-              <a:r>
-                <a:rPr lang="es-ES" dirty="0">
-                  <a:solidFill>
-                    <a:schemeClr val="accent4"/>
-                  </a:solidFill>
-                  <a:latin typeface="Geist Mono" pitchFamily="2" charset="77"/>
-                  <a:ea typeface="Geist Mono" pitchFamily="2" charset="77"/>
-                  <a:cs typeface="Geist Mono" pitchFamily="2" charset="77"/>
-                </a:rPr>
-                <a:t>recursiva </a:t>
-              </a:r>
-              <a:r>
-                <a:rPr lang="es-ES" dirty="0">
-                  <a:solidFill>
-                    <a:srgbClr val="92D050"/>
-                  </a:solidFill>
-                  <a:latin typeface="Geist Mono" pitchFamily="2" charset="77"/>
-                  <a:ea typeface="Geist Mono" pitchFamily="2" charset="77"/>
-                  <a:cs typeface="Geist Mono" pitchFamily="2" charset="77"/>
-                </a:rPr>
-                <a:t>(temperatura):</a:t>
-              </a:r>
-            </a:p>
-            <a:p>
-              <a:r>
-                <a:rPr lang="es-ES" sz="1600" dirty="0">
-                  <a:solidFill>
-                    <a:srgbClr val="92D050"/>
-                  </a:solidFill>
-                  <a:latin typeface="Geist Mono" pitchFamily="2" charset="77"/>
-                  <a:ea typeface="Geist Mono" pitchFamily="2" charset="77"/>
-                  <a:cs typeface="Geist Mono" pitchFamily="2" charset="77"/>
-                </a:rPr>
-                <a:t>	</a:t>
-              </a:r>
-              <a:r>
-                <a:rPr lang="es-ES" sz="1600" dirty="0">
-                  <a:solidFill>
-                    <a:schemeClr val="tx1">
-                      <a:lumMod val="50000"/>
-                      <a:lumOff val="50000"/>
-                    </a:schemeClr>
-                  </a:solidFill>
-                  <a:latin typeface="Geist Mono" pitchFamily="2" charset="77"/>
-                  <a:ea typeface="Geist Mono" pitchFamily="2" charset="77"/>
-                  <a:cs typeface="Geist Mono" pitchFamily="2" charset="77"/>
-                </a:rPr>
-                <a:t>. . . </a:t>
-              </a:r>
-              <a:endParaRPr lang="es-ES" dirty="0">
-                <a:latin typeface="Geist Mono" pitchFamily="2" charset="77"/>
-                <a:ea typeface="Geist Mono" pitchFamily="2" charset="77"/>
-                <a:cs typeface="Geist Mono" pitchFamily="2" charset="77"/>
-              </a:endParaRPr>
-            </a:p>
-            <a:p>
-              <a:r>
-                <a:rPr lang="es-ES" dirty="0">
-                  <a:latin typeface="Geist Mono" pitchFamily="2" charset="77"/>
-                  <a:ea typeface="Geist Mono" pitchFamily="2" charset="77"/>
-                  <a:cs typeface="Geist Mono" pitchFamily="2" charset="77"/>
-                </a:rPr>
-                <a:t>	</a:t>
-              </a:r>
-              <a:r>
-                <a:rPr lang="es-ES" dirty="0">
-                  <a:solidFill>
-                    <a:schemeClr val="accent4"/>
-                  </a:solidFill>
-                  <a:latin typeface="Geist Mono" pitchFamily="2" charset="77"/>
-                  <a:ea typeface="Geist Mono" pitchFamily="2" charset="77"/>
-                  <a:cs typeface="Geist Mono" pitchFamily="2" charset="77"/>
-                </a:rPr>
-                <a:t>recursiva()</a:t>
-              </a:r>
-            </a:p>
-            <a:p>
-              <a:endParaRPr lang="es-ES" dirty="0">
-                <a:solidFill>
-                  <a:schemeClr val="accent4"/>
-                </a:solidFill>
-                <a:latin typeface="Geist Mono" pitchFamily="2" charset="77"/>
-                <a:ea typeface="Geist Mono" pitchFamily="2" charset="77"/>
-                <a:cs typeface="Geist Mono" pitchFamily="2" charset="77"/>
-              </a:endParaRPr>
-            </a:p>
-            <a:p>
-              <a:r>
-                <a:rPr lang="es-ES" dirty="0">
-                  <a:solidFill>
-                    <a:schemeClr val="tx1">
-                      <a:lumMod val="50000"/>
-                      <a:lumOff val="50000"/>
-                    </a:schemeClr>
-                  </a:solidFill>
-                  <a:latin typeface="Geist Mono" pitchFamily="2" charset="77"/>
-                  <a:ea typeface="Geist Mono" pitchFamily="2" charset="77"/>
-                  <a:cs typeface="Geist Mono" pitchFamily="2" charset="77"/>
-                </a:rPr>
-                <a:t># llamamos a la función</a:t>
-              </a:r>
-            </a:p>
-            <a:p>
-              <a:r>
-                <a:rPr lang="es-ES" dirty="0">
-                  <a:latin typeface="Geist Mono" pitchFamily="2" charset="77"/>
-                  <a:ea typeface="Geist Mono" pitchFamily="2" charset="77"/>
-                  <a:cs typeface="Geist Mono" pitchFamily="2" charset="77"/>
-                </a:rPr>
-                <a:t>recursiva()</a:t>
-              </a:r>
-            </a:p>
-          </p:txBody>
-        </p:sp>
-      </p:grpSp>
-    </p:spTree>
-    <p:extLst>
-      <p:ext uri="{BB962C8B-B14F-4D97-AF65-F5344CB8AC3E}">
-        <p14:creationId xmlns:p14="http://schemas.microsoft.com/office/powerpoint/2010/main" val="1292021334"/>
-      </p:ext>
-    </p:extLst>
-  </p:cSld>
-  <p:clrMapOvr>
-    <a:masterClrMapping/>
-  </p:clrMapOvr>
-</p:sld>
-</file>
-
-<file path=ppt/slides/slide2.xml><?xml version="1.0" encoding="utf-8"?>
+<file path=ppt/slides/slide4.xml><?xml version="1.0" encoding="utf-8"?>
 <p:sld xmlns:a="http://schemas.openxmlformats.org/drawingml/2006/main" xmlns:r="http://schemas.openxmlformats.org/officeDocument/2006/relationships" xmlns:p="http://schemas.openxmlformats.org/presentationml/2006/main">
   <p:cSld>
     <p:spTree>
@@ -4974,7 +8010,7 @@
 </p:sld>
 </file>
 
-<file path=ppt/slides/slide3.xml><?xml version="1.0" encoding="utf-8"?>
+<file path=ppt/slides/slide5.xml><?xml version="1.0" encoding="utf-8"?>
 <p:sld xmlns:a="http://schemas.openxmlformats.org/drawingml/2006/main" xmlns:r="http://schemas.openxmlformats.org/officeDocument/2006/relationships" xmlns:p="http://schemas.openxmlformats.org/presentationml/2006/main">
   <p:cSld>
     <p:spTree>
@@ -5484,7 +8520,7 @@
 </p:sld>
 </file>
 
-<file path=ppt/slides/slide4.xml><?xml version="1.0" encoding="utf-8"?>
+<file path=ppt/slides/slide6.xml><?xml version="1.0" encoding="utf-8"?>
 <p:sld xmlns:a="http://schemas.openxmlformats.org/drawingml/2006/main" xmlns:r="http://schemas.openxmlformats.org/officeDocument/2006/relationships" xmlns:p="http://schemas.openxmlformats.org/presentationml/2006/main">
   <p:cSld>
     <p:spTree>
@@ -5994,7 +9030,7 @@
 </p:sld>
 </file>
 
-<file path=ppt/slides/slide5.xml><?xml version="1.0" encoding="utf-8"?>
+<file path=ppt/slides/slide7.xml><?xml version="1.0" encoding="utf-8"?>
 <p:sld xmlns:a="http://schemas.openxmlformats.org/drawingml/2006/main" xmlns:r="http://schemas.openxmlformats.org/officeDocument/2006/relationships" xmlns:p="http://schemas.openxmlformats.org/presentationml/2006/main">
   <p:cSld>
     <p:spTree>
@@ -6719,7 +9755,7 @@
 </p:sld>
 </file>
 
-<file path=ppt/slides/slide6.xml><?xml version="1.0" encoding="utf-8"?>
+<file path=ppt/slides/slide8.xml><?xml version="1.0" encoding="utf-8"?>
 <p:sld xmlns:a="http://schemas.openxmlformats.org/drawingml/2006/main" xmlns:r="http://schemas.openxmlformats.org/officeDocument/2006/relationships" xmlns:p="http://schemas.openxmlformats.org/presentationml/2006/main">
   <p:cSld>
     <p:spTree>
@@ -7824,7 +10860,7 @@
 </p:sld>
 </file>
 
-<file path=ppt/slides/slide7.xml><?xml version="1.0" encoding="utf-8"?>
+<file path=ppt/slides/slide9.xml><?xml version="1.0" encoding="utf-8"?>
 <p:sld xmlns:a="http://schemas.openxmlformats.org/drawingml/2006/main" xmlns:r="http://schemas.openxmlformats.org/officeDocument/2006/relationships" xmlns:p="http://schemas.openxmlformats.org/presentationml/2006/main">
   <p:cSld>
     <p:spTree>
@@ -8642,2158 +11678,6 @@
 </p:sld>
 </file>
 
-<file path=ppt/slides/slide8.xml><?xml version="1.0" encoding="utf-8"?>
-<p:sld xmlns:a="http://schemas.openxmlformats.org/drawingml/2006/main" xmlns:r="http://schemas.openxmlformats.org/officeDocument/2006/relationships" xmlns:p="http://schemas.openxmlformats.org/presentationml/2006/main">
-  <p:cSld>
-    <p:spTree>
-      <p:nvGrpSpPr>
-        <p:cNvPr id="1" name=""/>
-        <p:cNvGrpSpPr/>
-        <p:nvPr/>
-      </p:nvGrpSpPr>
-      <p:grpSpPr>
-        <a:xfrm>
-          <a:off x="0" y="0"/>
-          <a:ext cx="0" cy="0"/>
-          <a:chOff x="0" y="0"/>
-          <a:chExt cx="0" cy="0"/>
-        </a:xfrm>
-      </p:grpSpPr>
-      <p:grpSp>
-        <p:nvGrpSpPr>
-          <p:cNvPr id="24" name="Grupo 23">
-            <a:extLst>
-              <a:ext uri="{FF2B5EF4-FFF2-40B4-BE49-F238E27FC236}">
-                <a16:creationId xmlns:a16="http://schemas.microsoft.com/office/drawing/2014/main" id="{FA0B8D15-78B7-CC0A-CD48-C48F2F4894D2}"/>
-              </a:ext>
-            </a:extLst>
-          </p:cNvPr>
-          <p:cNvGrpSpPr/>
-          <p:nvPr/>
-        </p:nvGrpSpPr>
-        <p:grpSpPr>
-          <a:xfrm>
-            <a:off x="103517" y="707366"/>
-            <a:ext cx="12088483" cy="5572664"/>
-            <a:chOff x="103517" y="707366"/>
-            <a:chExt cx="12088483" cy="5572664"/>
-          </a:xfrm>
-        </p:grpSpPr>
-        <p:sp>
-          <p:nvSpPr>
-            <p:cNvPr id="23" name="Rectángulo 22">
-              <a:extLst>
-                <a:ext uri="{FF2B5EF4-FFF2-40B4-BE49-F238E27FC236}">
-                  <a16:creationId xmlns:a16="http://schemas.microsoft.com/office/drawing/2014/main" id="{B697F2C3-8978-ED64-0E32-AEA55AB5CD99}"/>
-                </a:ext>
-              </a:extLst>
-            </p:cNvPr>
-            <p:cNvSpPr/>
-            <p:nvPr/>
-          </p:nvSpPr>
-          <p:spPr>
-            <a:xfrm>
-              <a:off x="103517" y="707366"/>
-              <a:ext cx="12088483" cy="5572664"/>
-            </a:xfrm>
-            <a:prstGeom prst="rect">
-              <a:avLst/>
-            </a:prstGeom>
-            <a:solidFill>
-              <a:schemeClr val="bg1"/>
-            </a:solidFill>
-            <a:ln>
-              <a:noFill/>
-            </a:ln>
-          </p:spPr>
-          <p:style>
-            <a:lnRef idx="2">
-              <a:schemeClr val="accent1">
-                <a:shade val="15000"/>
-              </a:schemeClr>
-            </a:lnRef>
-            <a:fillRef idx="1">
-              <a:schemeClr val="accent1"/>
-            </a:fillRef>
-            <a:effectRef idx="0">
-              <a:schemeClr val="accent1"/>
-            </a:effectRef>
-            <a:fontRef idx="minor">
-              <a:schemeClr val="lt1"/>
-            </a:fontRef>
-          </p:style>
-          <p:txBody>
-            <a:bodyPr rtlCol="0" anchor="ctr"/>
-            <a:lstStyle/>
-            <a:p>
-              <a:pPr algn="ctr"/>
-              <a:endParaRPr lang="es-ES"/>
-            </a:p>
-          </p:txBody>
-        </p:sp>
-        <p:grpSp>
-          <p:nvGrpSpPr>
-            <p:cNvPr id="22" name="Grupo 21">
-              <a:extLst>
-                <a:ext uri="{FF2B5EF4-FFF2-40B4-BE49-F238E27FC236}">
-                  <a16:creationId xmlns:a16="http://schemas.microsoft.com/office/drawing/2014/main" id="{6FED28A4-BB2A-1B41-BF8F-A763AD7EE29C}"/>
-                </a:ext>
-              </a:extLst>
-            </p:cNvPr>
-            <p:cNvGrpSpPr/>
-            <p:nvPr/>
-          </p:nvGrpSpPr>
-          <p:grpSpPr>
-            <a:xfrm>
-              <a:off x="357995" y="1004540"/>
-              <a:ext cx="11762118" cy="4910091"/>
-              <a:chOff x="357995" y="1004540"/>
-              <a:chExt cx="11762118" cy="4910091"/>
-            </a:xfrm>
-          </p:grpSpPr>
-          <p:sp>
-            <p:nvSpPr>
-              <p:cNvPr id="36" name="Flecha abajo 35">
-                <a:extLst>
-                  <a:ext uri="{FF2B5EF4-FFF2-40B4-BE49-F238E27FC236}">
-                    <a16:creationId xmlns:a16="http://schemas.microsoft.com/office/drawing/2014/main" id="{2462C9EC-BBB6-912D-6FDD-4593933A77C4}"/>
-                  </a:ext>
-                </a:extLst>
-              </p:cNvPr>
-              <p:cNvSpPr/>
-              <p:nvPr/>
-            </p:nvSpPr>
-            <p:spPr>
-              <a:xfrm>
-                <a:off x="5609325" y="2191109"/>
-                <a:ext cx="1138687" cy="642668"/>
-              </a:xfrm>
-              <a:prstGeom prst="downArrow">
-                <a:avLst/>
-              </a:prstGeom>
-              <a:gradFill flip="none" rotWithShape="1">
-                <a:gsLst>
-                  <a:gs pos="0">
-                    <a:schemeClr val="accent2">
-                      <a:lumMod val="67000"/>
-                    </a:schemeClr>
-                  </a:gs>
-                  <a:gs pos="48000">
-                    <a:schemeClr val="accent2">
-                      <a:lumMod val="97000"/>
-                      <a:lumOff val="3000"/>
-                    </a:schemeClr>
-                  </a:gs>
-                  <a:gs pos="100000">
-                    <a:schemeClr val="accent2">
-                      <a:lumMod val="60000"/>
-                      <a:lumOff val="40000"/>
-                    </a:schemeClr>
-                  </a:gs>
-                </a:gsLst>
-                <a:lin ang="16200000" scaled="1"/>
-                <a:tileRect/>
-              </a:gradFill>
-              <a:ln>
-                <a:noFill/>
-              </a:ln>
-            </p:spPr>
-            <p:style>
-              <a:lnRef idx="0">
-                <a:scrgbClr r="0" g="0" b="0"/>
-              </a:lnRef>
-              <a:fillRef idx="0">
-                <a:scrgbClr r="0" g="0" b="0"/>
-              </a:fillRef>
-              <a:effectRef idx="0">
-                <a:scrgbClr r="0" g="0" b="0"/>
-              </a:effectRef>
-              <a:fontRef idx="minor">
-                <a:schemeClr val="lt1"/>
-              </a:fontRef>
-            </p:style>
-            <p:txBody>
-              <a:bodyPr rtlCol="0" anchor="ctr"/>
-              <a:lstStyle/>
-              <a:p>
-                <a:pPr algn="ctr"/>
-                <a:endParaRPr lang="es-ES">
-                  <a:latin typeface="Geist Mono" pitchFamily="2" charset="77"/>
-                  <a:ea typeface="Geist Mono" pitchFamily="2" charset="77"/>
-                  <a:cs typeface="Geist Mono" pitchFamily="2" charset="77"/>
-                </a:endParaRPr>
-              </a:p>
-            </p:txBody>
-          </p:sp>
-          <p:sp>
-            <p:nvSpPr>
-              <p:cNvPr id="37" name="Flecha abajo 36">
-                <a:extLst>
-                  <a:ext uri="{FF2B5EF4-FFF2-40B4-BE49-F238E27FC236}">
-                    <a16:creationId xmlns:a16="http://schemas.microsoft.com/office/drawing/2014/main" id="{A5399141-39DD-0BED-63DD-72412EC7E9CC}"/>
-                  </a:ext>
-                </a:extLst>
-              </p:cNvPr>
-              <p:cNvSpPr/>
-              <p:nvPr/>
-            </p:nvSpPr>
-            <p:spPr>
-              <a:xfrm>
-                <a:off x="5609325" y="4341300"/>
-                <a:ext cx="1138687" cy="642668"/>
-              </a:xfrm>
-              <a:prstGeom prst="downArrow">
-                <a:avLst/>
-              </a:prstGeom>
-              <a:gradFill flip="none" rotWithShape="1">
-                <a:gsLst>
-                  <a:gs pos="0">
-                    <a:schemeClr val="accent2">
-                      <a:lumMod val="67000"/>
-                    </a:schemeClr>
-                  </a:gs>
-                  <a:gs pos="48000">
-                    <a:schemeClr val="accent2">
-                      <a:lumMod val="97000"/>
-                      <a:lumOff val="3000"/>
-                    </a:schemeClr>
-                  </a:gs>
-                  <a:gs pos="100000">
-                    <a:schemeClr val="accent2">
-                      <a:lumMod val="60000"/>
-                      <a:lumOff val="40000"/>
-                    </a:schemeClr>
-                  </a:gs>
-                </a:gsLst>
-                <a:lin ang="16200000" scaled="1"/>
-                <a:tileRect/>
-              </a:gradFill>
-              <a:ln>
-                <a:noFill/>
-              </a:ln>
-            </p:spPr>
-            <p:style>
-              <a:lnRef idx="0">
-                <a:scrgbClr r="0" g="0" b="0"/>
-              </a:lnRef>
-              <a:fillRef idx="0">
-                <a:scrgbClr r="0" g="0" b="0"/>
-              </a:fillRef>
-              <a:effectRef idx="0">
-                <a:scrgbClr r="0" g="0" b="0"/>
-              </a:effectRef>
-              <a:fontRef idx="minor">
-                <a:schemeClr val="lt1"/>
-              </a:fontRef>
-            </p:style>
-            <p:txBody>
-              <a:bodyPr rtlCol="0" anchor="ctr"/>
-              <a:lstStyle/>
-              <a:p>
-                <a:pPr algn="ctr"/>
-                <a:endParaRPr lang="es-ES">
-                  <a:latin typeface="Geist Mono" pitchFamily="2" charset="77"/>
-                  <a:ea typeface="Geist Mono" pitchFamily="2" charset="77"/>
-                  <a:cs typeface="Geist Mono" pitchFamily="2" charset="77"/>
-                </a:endParaRPr>
-              </a:p>
-            </p:txBody>
-          </p:sp>
-          <p:sp>
-            <p:nvSpPr>
-              <p:cNvPr id="38" name="CuadroTexto 37">
-                <a:extLst>
-                  <a:ext uri="{FF2B5EF4-FFF2-40B4-BE49-F238E27FC236}">
-                    <a16:creationId xmlns:a16="http://schemas.microsoft.com/office/drawing/2014/main" id="{B610E2C8-9435-24A3-C055-21EBB5B2FE9A}"/>
-                  </a:ext>
-                </a:extLst>
-              </p:cNvPr>
-              <p:cNvSpPr txBox="1"/>
-              <p:nvPr/>
-            </p:nvSpPr>
-            <p:spPr>
-              <a:xfrm>
-                <a:off x="357995" y="3059668"/>
-                <a:ext cx="11583840" cy="646331"/>
-              </a:xfrm>
-              <a:prstGeom prst="rect">
-                <a:avLst/>
-              </a:prstGeom>
-              <a:noFill/>
-            </p:spPr>
-            <p:txBody>
-              <a:bodyPr wrap="square" rtlCol="0">
-                <a:spAutoFit/>
-              </a:bodyPr>
-              <a:lstStyle/>
-              <a:p>
-                <a:pPr algn="ctr"/>
-                <a:r>
-                  <a:rPr lang="es-ES" dirty="0">
-                    <a:latin typeface="Geist Mono" pitchFamily="2" charset="77"/>
-                    <a:ea typeface="Geist Mono" pitchFamily="2" charset="77"/>
-                    <a:cs typeface="Geist Mono" pitchFamily="2" charset="77"/>
-                  </a:rPr>
-                  <a:t>Imaginemos que queremos convertir todas las palabras de una lista a mayúscula si la palabra tiene más de 4 caracteres y en minúscula si tiene menos de 4 caracteres</a:t>
-                </a:r>
-              </a:p>
-            </p:txBody>
-          </p:sp>
-          <p:grpSp>
-            <p:nvGrpSpPr>
-              <p:cNvPr id="12" name="Grupo 11">
-                <a:extLst>
-                  <a:ext uri="{FF2B5EF4-FFF2-40B4-BE49-F238E27FC236}">
-                    <a16:creationId xmlns:a16="http://schemas.microsoft.com/office/drawing/2014/main" id="{013E3E01-D5AA-E3DF-4517-21A48A28BC39}"/>
-                  </a:ext>
-                </a:extLst>
-              </p:cNvPr>
-              <p:cNvGrpSpPr/>
-              <p:nvPr/>
-            </p:nvGrpSpPr>
-            <p:grpSpPr>
-              <a:xfrm>
-                <a:off x="357995" y="1004540"/>
-                <a:ext cx="11762118" cy="707886"/>
-                <a:chOff x="357995" y="1004540"/>
-                <a:chExt cx="11762118" cy="707886"/>
-              </a:xfrm>
-            </p:grpSpPr>
-            <p:grpSp>
-              <p:nvGrpSpPr>
-                <p:cNvPr id="30" name="Grupo 29">
-                  <a:extLst>
-                    <a:ext uri="{FF2B5EF4-FFF2-40B4-BE49-F238E27FC236}">
-                      <a16:creationId xmlns:a16="http://schemas.microsoft.com/office/drawing/2014/main" id="{F359BCE0-19BD-5786-7324-C31D3F80115B}"/>
-                    </a:ext>
-                  </a:extLst>
-                </p:cNvPr>
-                <p:cNvGrpSpPr/>
-                <p:nvPr/>
-              </p:nvGrpSpPr>
-              <p:grpSpPr>
-                <a:xfrm>
-                  <a:off x="357995" y="1004540"/>
-                  <a:ext cx="11762118" cy="707886"/>
-                  <a:chOff x="205595" y="2266872"/>
-                  <a:chExt cx="11762118" cy="707886"/>
-                </a:xfrm>
-              </p:grpSpPr>
-              <p:sp>
-                <p:nvSpPr>
-                  <p:cNvPr id="31" name="CuadroTexto 30">
-                    <a:extLst>
-                      <a:ext uri="{FF2B5EF4-FFF2-40B4-BE49-F238E27FC236}">
-                        <a16:creationId xmlns:a16="http://schemas.microsoft.com/office/drawing/2014/main" id="{7CEE851D-9350-BD2D-FF91-574FB10480C4}"/>
-                      </a:ext>
-                    </a:extLst>
-                  </p:cNvPr>
-                  <p:cNvSpPr txBox="1"/>
-                  <p:nvPr/>
-                </p:nvSpPr>
-                <p:spPr>
-                  <a:xfrm>
-                    <a:off x="205595" y="2266872"/>
-                    <a:ext cx="457200" cy="707886"/>
-                  </a:xfrm>
-                  <a:prstGeom prst="rect">
-                    <a:avLst/>
-                  </a:prstGeom>
-                  <a:solidFill>
-                    <a:srgbClr val="FFC000"/>
-                  </a:solidFill>
-                  <a:ln w="19050">
-                    <a:solidFill>
-                      <a:schemeClr val="tx1"/>
-                    </a:solidFill>
-                  </a:ln>
-                </p:spPr>
-                <p:txBody>
-                  <a:bodyPr wrap="square" rtlCol="0">
-                    <a:spAutoFit/>
-                  </a:bodyPr>
-                  <a:lstStyle/>
-                  <a:p>
-                    <a:r>
-                      <a:rPr lang="es-ES" sz="4000" dirty="0">
-                        <a:latin typeface="Geist Mono" pitchFamily="2" charset="77"/>
-                        <a:ea typeface="Geist Mono" pitchFamily="2" charset="77"/>
-                        <a:cs typeface="Geist Mono" pitchFamily="2" charset="77"/>
-                      </a:rPr>
-                      <a:t>[</a:t>
-                    </a:r>
-                  </a:p>
-                </p:txBody>
-              </p:sp>
-              <p:sp>
-                <p:nvSpPr>
-                  <p:cNvPr id="32" name="CuadroTexto 31">
-                    <a:extLst>
-                      <a:ext uri="{FF2B5EF4-FFF2-40B4-BE49-F238E27FC236}">
-                        <a16:creationId xmlns:a16="http://schemas.microsoft.com/office/drawing/2014/main" id="{589F276B-358E-56C0-76D7-77F946B844A2}"/>
-                      </a:ext>
-                    </a:extLst>
-                  </p:cNvPr>
-                  <p:cNvSpPr txBox="1"/>
-                  <p:nvPr/>
-                </p:nvSpPr>
-                <p:spPr>
-                  <a:xfrm>
-                    <a:off x="11510513" y="2266872"/>
-                    <a:ext cx="457200" cy="707886"/>
-                  </a:xfrm>
-                  <a:prstGeom prst="rect">
-                    <a:avLst/>
-                  </a:prstGeom>
-                  <a:solidFill>
-                    <a:srgbClr val="FFC000"/>
-                  </a:solidFill>
-                  <a:ln w="19050">
-                    <a:solidFill>
-                      <a:schemeClr val="tx1"/>
-                    </a:solidFill>
-                  </a:ln>
-                </p:spPr>
-                <p:txBody>
-                  <a:bodyPr wrap="square" rtlCol="0">
-                    <a:spAutoFit/>
-                  </a:bodyPr>
-                  <a:lstStyle>
-                    <a:defPPr>
-                      <a:defRPr lang="es-ES"/>
-                    </a:defPPr>
-                    <a:lvl1pPr>
-                      <a:defRPr sz="4000"/>
-                    </a:lvl1pPr>
-                  </a:lstStyle>
-                  <a:p>
-                    <a:r>
-                      <a:rPr lang="es-ES" dirty="0">
-                        <a:latin typeface="Geist Mono" pitchFamily="2" charset="77"/>
-                        <a:ea typeface="Geist Mono" pitchFamily="2" charset="77"/>
-                        <a:cs typeface="Geist Mono" pitchFamily="2" charset="77"/>
-                      </a:rPr>
-                      <a:t>]</a:t>
-                    </a:r>
-                  </a:p>
-                </p:txBody>
-              </p:sp>
-              <p:sp>
-                <p:nvSpPr>
-                  <p:cNvPr id="33" name="CuadroTexto 32">
-                    <a:extLst>
-                      <a:ext uri="{FF2B5EF4-FFF2-40B4-BE49-F238E27FC236}">
-                        <a16:creationId xmlns:a16="http://schemas.microsoft.com/office/drawing/2014/main" id="{ACEA0A6D-34BD-326B-2C47-9AF0AFD8063D}"/>
-                      </a:ext>
-                    </a:extLst>
-                  </p:cNvPr>
-                  <p:cNvSpPr txBox="1"/>
-                  <p:nvPr/>
-                </p:nvSpPr>
-                <p:spPr>
-                  <a:xfrm>
-                    <a:off x="3541768" y="2417244"/>
-                    <a:ext cx="2240806" cy="400110"/>
-                  </a:xfrm>
-                  <a:prstGeom prst="rect">
-                    <a:avLst/>
-                  </a:prstGeom>
-                  <a:solidFill>
-                    <a:schemeClr val="accent3">
-                      <a:lumMod val="20000"/>
-                      <a:lumOff val="80000"/>
-                    </a:schemeClr>
-                  </a:solidFill>
-                  <a:ln w="19050">
-                    <a:solidFill>
-                      <a:schemeClr val="tx1"/>
-                    </a:solidFill>
-                  </a:ln>
-                </p:spPr>
-                <p:txBody>
-                  <a:bodyPr wrap="square" rtlCol="0">
-                    <a:spAutoFit/>
-                  </a:bodyPr>
-                  <a:lstStyle/>
-                  <a:p>
-                    <a:pPr algn="ctr"/>
-                    <a:r>
-                      <a:rPr lang="es-ES" sz="2000" dirty="0">
-                        <a:latin typeface="Geist Mono" pitchFamily="2" charset="77"/>
-                        <a:ea typeface="Geist Mono" pitchFamily="2" charset="77"/>
-                        <a:cs typeface="Geist Mono" pitchFamily="2" charset="77"/>
-                      </a:rPr>
-                      <a:t>condición if</a:t>
-                    </a:r>
-                  </a:p>
-                </p:txBody>
-              </p:sp>
-              <p:sp>
-                <p:nvSpPr>
-                  <p:cNvPr id="34" name="CuadroTexto 33">
-                    <a:extLst>
-                      <a:ext uri="{FF2B5EF4-FFF2-40B4-BE49-F238E27FC236}">
-                        <a16:creationId xmlns:a16="http://schemas.microsoft.com/office/drawing/2014/main" id="{FEA34C0A-BAB6-5919-5C9B-A05C31319DDF}"/>
-                      </a:ext>
-                    </a:extLst>
-                  </p:cNvPr>
-                  <p:cNvSpPr txBox="1"/>
-                  <p:nvPr/>
-                </p:nvSpPr>
-                <p:spPr>
-                  <a:xfrm>
-                    <a:off x="9719084" y="2414367"/>
-                    <a:ext cx="1722418" cy="400110"/>
-                  </a:xfrm>
-                  <a:prstGeom prst="rect">
-                    <a:avLst/>
-                  </a:prstGeom>
-                  <a:solidFill>
-                    <a:srgbClr val="00B0F0"/>
-                  </a:solidFill>
-                  <a:ln w="19050">
-                    <a:solidFill>
-                      <a:schemeClr val="tx1"/>
-                    </a:solidFill>
-                  </a:ln>
-                </p:spPr>
-                <p:txBody>
-                  <a:bodyPr wrap="square" rtlCol="0">
-                    <a:spAutoFit/>
-                  </a:bodyPr>
-                  <a:lstStyle/>
-                  <a:p>
-                    <a:pPr algn="ctr"/>
-                    <a:r>
-                      <a:rPr lang="es-ES" sz="2000" dirty="0">
-                        <a:latin typeface="Geist Mono" pitchFamily="2" charset="77"/>
-                        <a:ea typeface="Geist Mono" pitchFamily="2" charset="77"/>
-                        <a:cs typeface="Geist Mono" pitchFamily="2" charset="77"/>
-                      </a:rPr>
-                      <a:t>iterable</a:t>
-                    </a:r>
-                  </a:p>
-                </p:txBody>
-              </p:sp>
-              <p:sp>
-                <p:nvSpPr>
-                  <p:cNvPr id="35" name="CuadroTexto 34">
-                    <a:extLst>
-                      <a:ext uri="{FF2B5EF4-FFF2-40B4-BE49-F238E27FC236}">
-                        <a16:creationId xmlns:a16="http://schemas.microsoft.com/office/drawing/2014/main" id="{D8BC4B20-4EC4-C075-96E7-1CB2FAB9632B}"/>
-                      </a:ext>
-                    </a:extLst>
-                  </p:cNvPr>
-                  <p:cNvSpPr txBox="1"/>
-                  <p:nvPr/>
-                </p:nvSpPr>
-                <p:spPr>
-                  <a:xfrm>
-                    <a:off x="5906209" y="2417244"/>
-                    <a:ext cx="1138687" cy="400110"/>
-                  </a:xfrm>
-                  <a:prstGeom prst="rect">
-                    <a:avLst/>
-                  </a:prstGeom>
-                  <a:solidFill>
-                    <a:srgbClr val="FFFF00"/>
-                  </a:solidFill>
-                  <a:ln w="19050">
-                    <a:solidFill>
-                      <a:schemeClr val="tx1"/>
-                    </a:solidFill>
-                  </a:ln>
-                </p:spPr>
-                <p:txBody>
-                  <a:bodyPr wrap="square" rtlCol="0">
-                    <a:spAutoFit/>
-                  </a:bodyPr>
-                  <a:lstStyle/>
-                  <a:p>
-                    <a:pPr algn="ctr"/>
-                    <a:r>
-                      <a:rPr lang="es-ES" sz="2000" dirty="0">
-                        <a:latin typeface="Geist Mono" pitchFamily="2" charset="77"/>
-                        <a:ea typeface="Geist Mono" pitchFamily="2" charset="77"/>
-                        <a:cs typeface="Geist Mono" pitchFamily="2" charset="77"/>
-                      </a:rPr>
-                      <a:t>else</a:t>
-                    </a:r>
-                  </a:p>
-                </p:txBody>
-              </p:sp>
-            </p:grpSp>
-            <p:sp>
-              <p:nvSpPr>
-                <p:cNvPr id="4" name="CuadroTexto 3">
-                  <a:extLst>
-                    <a:ext uri="{FF2B5EF4-FFF2-40B4-BE49-F238E27FC236}">
-                      <a16:creationId xmlns:a16="http://schemas.microsoft.com/office/drawing/2014/main" id="{082B85F6-B580-7B53-1F65-99B9A9DCDCCC}"/>
-                    </a:ext>
-                  </a:extLst>
-                </p:cNvPr>
-                <p:cNvSpPr txBox="1"/>
-                <p:nvPr/>
-              </p:nvSpPr>
-              <p:spPr>
-                <a:xfrm>
-                  <a:off x="7320931" y="1152035"/>
-                  <a:ext cx="2426918" cy="400110"/>
-                </a:xfrm>
-                <a:prstGeom prst="rect">
-                  <a:avLst/>
-                </a:prstGeom>
-                <a:solidFill>
-                  <a:srgbClr val="FFFF00"/>
-                </a:solidFill>
-                <a:ln w="19050">
-                  <a:solidFill>
-                    <a:schemeClr val="tx1"/>
-                  </a:solidFill>
-                </a:ln>
-              </p:spPr>
-              <p:txBody>
-                <a:bodyPr wrap="square" rtlCol="0">
-                  <a:spAutoFit/>
-                </a:bodyPr>
-                <a:lstStyle/>
-                <a:p>
-                  <a:pPr algn="ctr"/>
-                  <a:r>
-                    <a:rPr lang="es-ES" sz="2000" dirty="0">
-                      <a:latin typeface="Geist Mono" pitchFamily="2" charset="77"/>
-                      <a:ea typeface="Geist Mono" pitchFamily="2" charset="77"/>
-                      <a:cs typeface="Geist Mono" pitchFamily="2" charset="77"/>
-                    </a:rPr>
-                    <a:t>resultado else</a:t>
-                  </a:r>
-                </a:p>
-              </p:txBody>
-            </p:sp>
-            <p:sp>
-              <p:nvSpPr>
-                <p:cNvPr id="5" name="CuadroTexto 4">
-                  <a:extLst>
-                    <a:ext uri="{FF2B5EF4-FFF2-40B4-BE49-F238E27FC236}">
-                      <a16:creationId xmlns:a16="http://schemas.microsoft.com/office/drawing/2014/main" id="{B5C5624F-E52F-5DA3-28C0-FB697298D513}"/>
-                    </a:ext>
-                  </a:extLst>
-                </p:cNvPr>
-                <p:cNvSpPr txBox="1"/>
-                <p:nvPr/>
-              </p:nvSpPr>
-              <p:spPr>
-                <a:xfrm>
-                  <a:off x="941949" y="1158812"/>
-                  <a:ext cx="2612134" cy="400110"/>
-                </a:xfrm>
-                <a:prstGeom prst="rect">
-                  <a:avLst/>
-                </a:prstGeom>
-                <a:solidFill>
-                  <a:schemeClr val="accent3">
-                    <a:lumMod val="20000"/>
-                    <a:lumOff val="80000"/>
-                  </a:schemeClr>
-                </a:solidFill>
-                <a:ln w="19050">
-                  <a:solidFill>
-                    <a:schemeClr val="tx1"/>
-                  </a:solidFill>
-                </a:ln>
-              </p:spPr>
-              <p:txBody>
-                <a:bodyPr wrap="square" rtlCol="0">
-                  <a:spAutoFit/>
-                </a:bodyPr>
-                <a:lstStyle/>
-                <a:p>
-                  <a:pPr algn="ctr"/>
-                  <a:r>
-                    <a:rPr lang="es-ES" sz="2000" dirty="0">
-                      <a:latin typeface="Geist Mono" pitchFamily="2" charset="77"/>
-                      <a:ea typeface="Geist Mono" pitchFamily="2" charset="77"/>
-                      <a:cs typeface="Geist Mono" pitchFamily="2" charset="77"/>
-                    </a:rPr>
-                    <a:t>resultado else</a:t>
-                  </a:r>
-                </a:p>
-              </p:txBody>
-            </p:sp>
-          </p:grpSp>
-          <p:grpSp>
-            <p:nvGrpSpPr>
-              <p:cNvPr id="13" name="Grupo 12">
-                <a:extLst>
-                  <a:ext uri="{FF2B5EF4-FFF2-40B4-BE49-F238E27FC236}">
-                    <a16:creationId xmlns:a16="http://schemas.microsoft.com/office/drawing/2014/main" id="{91CBBF0D-DFB1-A3AA-DC9F-5782DE953328}"/>
-                  </a:ext>
-                </a:extLst>
-              </p:cNvPr>
-              <p:cNvGrpSpPr/>
-              <p:nvPr/>
-            </p:nvGrpSpPr>
-            <p:grpSpPr>
-              <a:xfrm>
-                <a:off x="357995" y="5206745"/>
-                <a:ext cx="11762118" cy="707886"/>
-                <a:chOff x="357995" y="1004540"/>
-                <a:chExt cx="11762118" cy="707886"/>
-              </a:xfrm>
-            </p:grpSpPr>
-            <p:grpSp>
-              <p:nvGrpSpPr>
-                <p:cNvPr id="14" name="Grupo 13">
-                  <a:extLst>
-                    <a:ext uri="{FF2B5EF4-FFF2-40B4-BE49-F238E27FC236}">
-                      <a16:creationId xmlns:a16="http://schemas.microsoft.com/office/drawing/2014/main" id="{6A397B6F-A22C-BB57-09D0-AF842FB345D0}"/>
-                    </a:ext>
-                  </a:extLst>
-                </p:cNvPr>
-                <p:cNvGrpSpPr/>
-                <p:nvPr/>
-              </p:nvGrpSpPr>
-              <p:grpSpPr>
-                <a:xfrm>
-                  <a:off x="357995" y="1004540"/>
-                  <a:ext cx="11762118" cy="707886"/>
-                  <a:chOff x="205595" y="2266872"/>
-                  <a:chExt cx="11762118" cy="707886"/>
-                </a:xfrm>
-              </p:grpSpPr>
-              <p:sp>
-                <p:nvSpPr>
-                  <p:cNvPr id="17" name="CuadroTexto 16">
-                    <a:extLst>
-                      <a:ext uri="{FF2B5EF4-FFF2-40B4-BE49-F238E27FC236}">
-                        <a16:creationId xmlns:a16="http://schemas.microsoft.com/office/drawing/2014/main" id="{511E9479-C8D9-256F-CE47-A213C3E7F51B}"/>
-                      </a:ext>
-                    </a:extLst>
-                  </p:cNvPr>
-                  <p:cNvSpPr txBox="1"/>
-                  <p:nvPr/>
-                </p:nvSpPr>
-                <p:spPr>
-                  <a:xfrm>
-                    <a:off x="205595" y="2266872"/>
-                    <a:ext cx="457200" cy="707886"/>
-                  </a:xfrm>
-                  <a:prstGeom prst="rect">
-                    <a:avLst/>
-                  </a:prstGeom>
-                  <a:solidFill>
-                    <a:srgbClr val="FFC000"/>
-                  </a:solidFill>
-                  <a:ln w="19050">
-                    <a:solidFill>
-                      <a:schemeClr val="tx1"/>
-                    </a:solidFill>
-                  </a:ln>
-                </p:spPr>
-                <p:txBody>
-                  <a:bodyPr wrap="square" rtlCol="0">
-                    <a:spAutoFit/>
-                  </a:bodyPr>
-                  <a:lstStyle/>
-                  <a:p>
-                    <a:r>
-                      <a:rPr lang="es-ES" sz="4000" dirty="0">
-                        <a:latin typeface="Geist Mono" pitchFamily="2" charset="77"/>
-                        <a:ea typeface="Geist Mono" pitchFamily="2" charset="77"/>
-                        <a:cs typeface="Geist Mono" pitchFamily="2" charset="77"/>
-                      </a:rPr>
-                      <a:t>[</a:t>
-                    </a:r>
-                  </a:p>
-                </p:txBody>
-              </p:sp>
-              <p:sp>
-                <p:nvSpPr>
-                  <p:cNvPr id="18" name="CuadroTexto 17">
-                    <a:extLst>
-                      <a:ext uri="{FF2B5EF4-FFF2-40B4-BE49-F238E27FC236}">
-                        <a16:creationId xmlns:a16="http://schemas.microsoft.com/office/drawing/2014/main" id="{1950D69C-906C-7725-FEEE-E5D7D1C9B25C}"/>
-                      </a:ext>
-                    </a:extLst>
-                  </p:cNvPr>
-                  <p:cNvSpPr txBox="1"/>
-                  <p:nvPr/>
-                </p:nvSpPr>
-                <p:spPr>
-                  <a:xfrm>
-                    <a:off x="11510513" y="2266872"/>
-                    <a:ext cx="457200" cy="707886"/>
-                  </a:xfrm>
-                  <a:prstGeom prst="rect">
-                    <a:avLst/>
-                  </a:prstGeom>
-                  <a:solidFill>
-                    <a:srgbClr val="FFC000"/>
-                  </a:solidFill>
-                  <a:ln w="19050">
-                    <a:solidFill>
-                      <a:schemeClr val="tx1"/>
-                    </a:solidFill>
-                  </a:ln>
-                </p:spPr>
-                <p:txBody>
-                  <a:bodyPr wrap="square" rtlCol="0">
-                    <a:spAutoFit/>
-                  </a:bodyPr>
-                  <a:lstStyle>
-                    <a:defPPr>
-                      <a:defRPr lang="es-ES"/>
-                    </a:defPPr>
-                    <a:lvl1pPr>
-                      <a:defRPr sz="4000"/>
-                    </a:lvl1pPr>
-                  </a:lstStyle>
-                  <a:p>
-                    <a:r>
-                      <a:rPr lang="es-ES" dirty="0">
-                        <a:latin typeface="Geist Mono" pitchFamily="2" charset="77"/>
-                        <a:ea typeface="Geist Mono" pitchFamily="2" charset="77"/>
-                        <a:cs typeface="Geist Mono" pitchFamily="2" charset="77"/>
-                      </a:rPr>
-                      <a:t>]</a:t>
-                    </a:r>
-                  </a:p>
-                </p:txBody>
-              </p:sp>
-              <p:sp>
-                <p:nvSpPr>
-                  <p:cNvPr id="19" name="CuadroTexto 18">
-                    <a:extLst>
-                      <a:ext uri="{FF2B5EF4-FFF2-40B4-BE49-F238E27FC236}">
-                        <a16:creationId xmlns:a16="http://schemas.microsoft.com/office/drawing/2014/main" id="{598B8E5C-1ADA-4FEF-70F6-53B46BA7DC28}"/>
-                      </a:ext>
-                    </a:extLst>
-                  </p:cNvPr>
-                  <p:cNvSpPr txBox="1"/>
-                  <p:nvPr/>
-                </p:nvSpPr>
-                <p:spPr>
-                  <a:xfrm>
-                    <a:off x="2618094" y="2421144"/>
-                    <a:ext cx="2240806" cy="400110"/>
-                  </a:xfrm>
-                  <a:prstGeom prst="rect">
-                    <a:avLst/>
-                  </a:prstGeom>
-                  <a:solidFill>
-                    <a:schemeClr val="accent3">
-                      <a:lumMod val="20000"/>
-                      <a:lumOff val="80000"/>
-                    </a:schemeClr>
-                  </a:solidFill>
-                  <a:ln w="19050">
-                    <a:solidFill>
-                      <a:schemeClr val="tx1"/>
-                    </a:solidFill>
-                  </a:ln>
-                </p:spPr>
-                <p:txBody>
-                  <a:bodyPr wrap="square" rtlCol="0">
-                    <a:spAutoFit/>
-                  </a:bodyPr>
-                  <a:lstStyle/>
-                  <a:p>
-                    <a:pPr algn="ctr"/>
-                    <a:r>
-                      <a:rPr lang="es-ES" sz="2000" dirty="0">
-                        <a:latin typeface="Geist Mono" pitchFamily="2" charset="77"/>
-                        <a:ea typeface="Geist Mono" pitchFamily="2" charset="77"/>
-                        <a:cs typeface="Geist Mono" pitchFamily="2" charset="77"/>
-                      </a:rPr>
-                      <a:t>if len(i) &gt; 4</a:t>
-                    </a:r>
-                  </a:p>
-                </p:txBody>
-              </p:sp>
-              <p:sp>
-                <p:nvSpPr>
-                  <p:cNvPr id="20" name="CuadroTexto 19">
-                    <a:extLst>
-                      <a:ext uri="{FF2B5EF4-FFF2-40B4-BE49-F238E27FC236}">
-                        <a16:creationId xmlns:a16="http://schemas.microsoft.com/office/drawing/2014/main" id="{E849A0B7-606E-2BF3-981D-9B7C225B850F}"/>
-                      </a:ext>
-                    </a:extLst>
-                  </p:cNvPr>
-                  <p:cNvSpPr txBox="1"/>
-                  <p:nvPr/>
-                </p:nvSpPr>
-                <p:spPr>
-                  <a:xfrm>
-                    <a:off x="8590994" y="2409754"/>
-                    <a:ext cx="2812223" cy="400110"/>
-                  </a:xfrm>
-                  <a:prstGeom prst="rect">
-                    <a:avLst/>
-                  </a:prstGeom>
-                  <a:solidFill>
-                    <a:srgbClr val="00B0F0"/>
-                  </a:solidFill>
-                  <a:ln w="19050">
-                    <a:solidFill>
-                      <a:schemeClr val="tx1"/>
-                    </a:solidFill>
-                  </a:ln>
-                </p:spPr>
-                <p:txBody>
-                  <a:bodyPr wrap="square" rtlCol="0">
-                    <a:spAutoFit/>
-                  </a:bodyPr>
-                  <a:lstStyle/>
-                  <a:p>
-                    <a:pPr algn="ctr"/>
-                    <a:r>
-                      <a:rPr lang="es-ES" sz="2000" dirty="0">
-                        <a:latin typeface="Geist Mono" pitchFamily="2" charset="77"/>
-                        <a:ea typeface="Geist Mono" pitchFamily="2" charset="77"/>
-                        <a:cs typeface="Geist Mono" pitchFamily="2" charset="77"/>
-                      </a:rPr>
-                      <a:t>for i in mi_lista</a:t>
-                    </a:r>
-                  </a:p>
-                </p:txBody>
-              </p:sp>
-              <p:sp>
-                <p:nvSpPr>
-                  <p:cNvPr id="21" name="CuadroTexto 20">
-                    <a:extLst>
-                      <a:ext uri="{FF2B5EF4-FFF2-40B4-BE49-F238E27FC236}">
-                        <a16:creationId xmlns:a16="http://schemas.microsoft.com/office/drawing/2014/main" id="{27BF002C-CE0E-3AD9-33BD-A85C41085BD8}"/>
-                      </a:ext>
-                    </a:extLst>
-                  </p:cNvPr>
-                  <p:cNvSpPr txBox="1"/>
-                  <p:nvPr/>
-                </p:nvSpPr>
-                <p:spPr>
-                  <a:xfrm>
-                    <a:off x="4899135" y="2421144"/>
-                    <a:ext cx="1138687" cy="400110"/>
-                  </a:xfrm>
-                  <a:prstGeom prst="rect">
-                    <a:avLst/>
-                  </a:prstGeom>
-                  <a:solidFill>
-                    <a:srgbClr val="FFFF00"/>
-                  </a:solidFill>
-                  <a:ln w="19050">
-                    <a:solidFill>
-                      <a:schemeClr val="tx1"/>
-                    </a:solidFill>
-                  </a:ln>
-                </p:spPr>
-                <p:txBody>
-                  <a:bodyPr wrap="square" rtlCol="0">
-                    <a:spAutoFit/>
-                  </a:bodyPr>
-                  <a:lstStyle/>
-                  <a:p>
-                    <a:pPr algn="ctr"/>
-                    <a:r>
-                      <a:rPr lang="es-ES" sz="2000" dirty="0">
-                        <a:latin typeface="Geist Mono" pitchFamily="2" charset="77"/>
-                        <a:ea typeface="Geist Mono" pitchFamily="2" charset="77"/>
-                        <a:cs typeface="Geist Mono" pitchFamily="2" charset="77"/>
-                      </a:rPr>
-                      <a:t>else</a:t>
-                    </a:r>
-                  </a:p>
-                </p:txBody>
-              </p:sp>
-            </p:grpSp>
-            <p:sp>
-              <p:nvSpPr>
-                <p:cNvPr id="15" name="CuadroTexto 14">
-                  <a:extLst>
-                    <a:ext uri="{FF2B5EF4-FFF2-40B4-BE49-F238E27FC236}">
-                      <a16:creationId xmlns:a16="http://schemas.microsoft.com/office/drawing/2014/main" id="{825C91C7-F048-F768-37E8-AE3FF4304FA0}"/>
-                    </a:ext>
-                  </a:extLst>
-                </p:cNvPr>
-                <p:cNvSpPr txBox="1"/>
-                <p:nvPr/>
-              </p:nvSpPr>
-              <p:spPr>
-                <a:xfrm>
-                  <a:off x="6253349" y="1147422"/>
-                  <a:ext cx="2426918" cy="400110"/>
-                </a:xfrm>
-                <a:prstGeom prst="rect">
-                  <a:avLst/>
-                </a:prstGeom>
-                <a:solidFill>
-                  <a:srgbClr val="FFFF00"/>
-                </a:solidFill>
-                <a:ln w="19050">
-                  <a:solidFill>
-                    <a:schemeClr val="tx1"/>
-                  </a:solidFill>
-                </a:ln>
-              </p:spPr>
-              <p:txBody>
-                <a:bodyPr wrap="square" rtlCol="0">
-                  <a:spAutoFit/>
-                </a:bodyPr>
-                <a:lstStyle/>
-                <a:p>
-                  <a:pPr algn="ctr"/>
-                  <a:r>
-                    <a:rPr lang="es-ES" sz="2000" dirty="0">
-                      <a:latin typeface="Geist Mono" pitchFamily="2" charset="77"/>
-                      <a:ea typeface="Geist Mono" pitchFamily="2" charset="77"/>
-                      <a:cs typeface="Geist Mono" pitchFamily="2" charset="77"/>
-                    </a:rPr>
-                    <a:t>i.lower() else</a:t>
-                  </a:r>
-                </a:p>
-              </p:txBody>
-            </p:sp>
-            <p:sp>
-              <p:nvSpPr>
-                <p:cNvPr id="16" name="CuadroTexto 15">
-                  <a:extLst>
-                    <a:ext uri="{FF2B5EF4-FFF2-40B4-BE49-F238E27FC236}">
-                      <a16:creationId xmlns:a16="http://schemas.microsoft.com/office/drawing/2014/main" id="{B3754DB6-3DE0-E90E-A95C-E5E38820585B}"/>
-                    </a:ext>
-                  </a:extLst>
-                </p:cNvPr>
-                <p:cNvSpPr txBox="1"/>
-                <p:nvPr/>
-              </p:nvSpPr>
-              <p:spPr>
-                <a:xfrm>
-                  <a:off x="941949" y="1158812"/>
-                  <a:ext cx="1788310" cy="400110"/>
-                </a:xfrm>
-                <a:prstGeom prst="rect">
-                  <a:avLst/>
-                </a:prstGeom>
-                <a:solidFill>
-                  <a:schemeClr val="accent3">
-                    <a:lumMod val="20000"/>
-                    <a:lumOff val="80000"/>
-                  </a:schemeClr>
-                </a:solidFill>
-                <a:ln w="19050">
-                  <a:solidFill>
-                    <a:schemeClr val="tx1"/>
-                  </a:solidFill>
-                </a:ln>
-              </p:spPr>
-              <p:txBody>
-                <a:bodyPr wrap="square" rtlCol="0">
-                  <a:spAutoFit/>
-                </a:bodyPr>
-                <a:lstStyle/>
-                <a:p>
-                  <a:pPr algn="ctr"/>
-                  <a:r>
-                    <a:rPr lang="es-ES" sz="2000" dirty="0">
-                      <a:latin typeface="Geist Mono" pitchFamily="2" charset="77"/>
-                      <a:ea typeface="Geist Mono" pitchFamily="2" charset="77"/>
-                      <a:cs typeface="Geist Mono" pitchFamily="2" charset="77"/>
-                    </a:rPr>
-                    <a:t>i.upper()</a:t>
-                  </a:r>
-                </a:p>
-              </p:txBody>
-            </p:sp>
-          </p:grpSp>
-        </p:grpSp>
-      </p:grpSp>
-    </p:spTree>
-    <p:extLst>
-      <p:ext uri="{BB962C8B-B14F-4D97-AF65-F5344CB8AC3E}">
-        <p14:creationId xmlns:p14="http://schemas.microsoft.com/office/powerpoint/2010/main" val="1732208532"/>
-      </p:ext>
-    </p:extLst>
-  </p:cSld>
-  <p:clrMapOvr>
-    <a:masterClrMapping/>
-  </p:clrMapOvr>
-</p:sld>
-</file>
-
-<file path=ppt/slides/slide9.xml><?xml version="1.0" encoding="utf-8"?>
-<p:sld xmlns:a="http://schemas.openxmlformats.org/drawingml/2006/main" xmlns:r="http://schemas.openxmlformats.org/officeDocument/2006/relationships" xmlns:p="http://schemas.openxmlformats.org/presentationml/2006/main">
-  <p:cSld>
-    <p:spTree>
-      <p:nvGrpSpPr>
-        <p:cNvPr id="1" name=""/>
-        <p:cNvGrpSpPr/>
-        <p:nvPr/>
-      </p:nvGrpSpPr>
-      <p:grpSpPr>
-        <a:xfrm>
-          <a:off x="0" y="0"/>
-          <a:ext cx="0" cy="0"/>
-          <a:chOff x="0" y="0"/>
-          <a:chExt cx="0" cy="0"/>
-        </a:xfrm>
-      </p:grpSpPr>
-      <p:grpSp>
-        <p:nvGrpSpPr>
-          <p:cNvPr id="24" name="Grupo 23">
-            <a:extLst>
-              <a:ext uri="{FF2B5EF4-FFF2-40B4-BE49-F238E27FC236}">
-                <a16:creationId xmlns:a16="http://schemas.microsoft.com/office/drawing/2014/main" id="{FA0B8D15-78B7-CC0A-CD48-C48F2F4894D2}"/>
-              </a:ext>
-            </a:extLst>
-          </p:cNvPr>
-          <p:cNvGrpSpPr/>
-          <p:nvPr/>
-        </p:nvGrpSpPr>
-        <p:grpSpPr>
-          <a:xfrm>
-            <a:off x="103517" y="707366"/>
-            <a:ext cx="12088483" cy="5572664"/>
-            <a:chOff x="103517" y="707366"/>
-            <a:chExt cx="12088483" cy="5572664"/>
-          </a:xfrm>
-        </p:grpSpPr>
-        <p:sp>
-          <p:nvSpPr>
-            <p:cNvPr id="23" name="Rectángulo 22">
-              <a:extLst>
-                <a:ext uri="{FF2B5EF4-FFF2-40B4-BE49-F238E27FC236}">
-                  <a16:creationId xmlns:a16="http://schemas.microsoft.com/office/drawing/2014/main" id="{B697F2C3-8978-ED64-0E32-AEA55AB5CD99}"/>
-                </a:ext>
-              </a:extLst>
-            </p:cNvPr>
-            <p:cNvSpPr/>
-            <p:nvPr/>
-          </p:nvSpPr>
-          <p:spPr>
-            <a:xfrm>
-              <a:off x="103517" y="707366"/>
-              <a:ext cx="12088483" cy="5572664"/>
-            </a:xfrm>
-            <a:prstGeom prst="rect">
-              <a:avLst/>
-            </a:prstGeom>
-            <a:solidFill>
-              <a:schemeClr val="bg1"/>
-            </a:solidFill>
-            <a:ln>
-              <a:noFill/>
-            </a:ln>
-          </p:spPr>
-          <p:style>
-            <a:lnRef idx="2">
-              <a:schemeClr val="accent1">
-                <a:shade val="15000"/>
-              </a:schemeClr>
-            </a:lnRef>
-            <a:fillRef idx="1">
-              <a:schemeClr val="accent1"/>
-            </a:fillRef>
-            <a:effectRef idx="0">
-              <a:schemeClr val="accent1"/>
-            </a:effectRef>
-            <a:fontRef idx="minor">
-              <a:schemeClr val="lt1"/>
-            </a:fontRef>
-          </p:style>
-          <p:txBody>
-            <a:bodyPr rtlCol="0" anchor="ctr"/>
-            <a:lstStyle/>
-            <a:p>
-              <a:pPr algn="ctr"/>
-              <a:endParaRPr lang="es-ES"/>
-            </a:p>
-          </p:txBody>
-        </p:sp>
-        <p:grpSp>
-          <p:nvGrpSpPr>
-            <p:cNvPr id="22" name="Grupo 21">
-              <a:extLst>
-                <a:ext uri="{FF2B5EF4-FFF2-40B4-BE49-F238E27FC236}">
-                  <a16:creationId xmlns:a16="http://schemas.microsoft.com/office/drawing/2014/main" id="{6FED28A4-BB2A-1B41-BF8F-A763AD7EE29C}"/>
-                </a:ext>
-              </a:extLst>
-            </p:cNvPr>
-            <p:cNvGrpSpPr/>
-            <p:nvPr/>
-          </p:nvGrpSpPr>
-          <p:grpSpPr>
-            <a:xfrm>
-              <a:off x="357995" y="1004540"/>
-              <a:ext cx="11762118" cy="4910091"/>
-              <a:chOff x="357995" y="1004540"/>
-              <a:chExt cx="11762118" cy="4910091"/>
-            </a:xfrm>
-          </p:grpSpPr>
-          <p:sp>
-            <p:nvSpPr>
-              <p:cNvPr id="36" name="Flecha abajo 35">
-                <a:extLst>
-                  <a:ext uri="{FF2B5EF4-FFF2-40B4-BE49-F238E27FC236}">
-                    <a16:creationId xmlns:a16="http://schemas.microsoft.com/office/drawing/2014/main" id="{2462C9EC-BBB6-912D-6FDD-4593933A77C4}"/>
-                  </a:ext>
-                </a:extLst>
-              </p:cNvPr>
-              <p:cNvSpPr/>
-              <p:nvPr/>
-            </p:nvSpPr>
-            <p:spPr>
-              <a:xfrm>
-                <a:off x="5609325" y="2191109"/>
-                <a:ext cx="1138687" cy="642668"/>
-              </a:xfrm>
-              <a:prstGeom prst="downArrow">
-                <a:avLst/>
-              </a:prstGeom>
-              <a:gradFill flip="none" rotWithShape="1">
-                <a:gsLst>
-                  <a:gs pos="0">
-                    <a:schemeClr val="accent2">
-                      <a:lumMod val="67000"/>
-                    </a:schemeClr>
-                  </a:gs>
-                  <a:gs pos="48000">
-                    <a:schemeClr val="accent2">
-                      <a:lumMod val="97000"/>
-                      <a:lumOff val="3000"/>
-                    </a:schemeClr>
-                  </a:gs>
-                  <a:gs pos="100000">
-                    <a:schemeClr val="accent2">
-                      <a:lumMod val="60000"/>
-                      <a:lumOff val="40000"/>
-                    </a:schemeClr>
-                  </a:gs>
-                </a:gsLst>
-                <a:lin ang="16200000" scaled="1"/>
-                <a:tileRect/>
-              </a:gradFill>
-              <a:ln>
-                <a:noFill/>
-              </a:ln>
-            </p:spPr>
-            <p:style>
-              <a:lnRef idx="0">
-                <a:scrgbClr r="0" g="0" b="0"/>
-              </a:lnRef>
-              <a:fillRef idx="0">
-                <a:scrgbClr r="0" g="0" b="0"/>
-              </a:fillRef>
-              <a:effectRef idx="0">
-                <a:scrgbClr r="0" g="0" b="0"/>
-              </a:effectRef>
-              <a:fontRef idx="minor">
-                <a:schemeClr val="lt1"/>
-              </a:fontRef>
-            </p:style>
-            <p:txBody>
-              <a:bodyPr rtlCol="0" anchor="ctr"/>
-              <a:lstStyle/>
-              <a:p>
-                <a:pPr algn="ctr"/>
-                <a:endParaRPr lang="es-ES">
-                  <a:latin typeface="Geist Mono" pitchFamily="2" charset="77"/>
-                  <a:ea typeface="Geist Mono" pitchFamily="2" charset="77"/>
-                  <a:cs typeface="Geist Mono" pitchFamily="2" charset="77"/>
-                </a:endParaRPr>
-              </a:p>
-            </p:txBody>
-          </p:sp>
-          <p:sp>
-            <p:nvSpPr>
-              <p:cNvPr id="37" name="Flecha abajo 36">
-                <a:extLst>
-                  <a:ext uri="{FF2B5EF4-FFF2-40B4-BE49-F238E27FC236}">
-                    <a16:creationId xmlns:a16="http://schemas.microsoft.com/office/drawing/2014/main" id="{A5399141-39DD-0BED-63DD-72412EC7E9CC}"/>
-                  </a:ext>
-                </a:extLst>
-              </p:cNvPr>
-              <p:cNvSpPr/>
-              <p:nvPr/>
-            </p:nvSpPr>
-            <p:spPr>
-              <a:xfrm>
-                <a:off x="5609325" y="4341300"/>
-                <a:ext cx="1138687" cy="642668"/>
-              </a:xfrm>
-              <a:prstGeom prst="downArrow">
-                <a:avLst/>
-              </a:prstGeom>
-              <a:gradFill flip="none" rotWithShape="1">
-                <a:gsLst>
-                  <a:gs pos="0">
-                    <a:schemeClr val="accent2">
-                      <a:lumMod val="67000"/>
-                    </a:schemeClr>
-                  </a:gs>
-                  <a:gs pos="48000">
-                    <a:schemeClr val="accent2">
-                      <a:lumMod val="97000"/>
-                      <a:lumOff val="3000"/>
-                    </a:schemeClr>
-                  </a:gs>
-                  <a:gs pos="100000">
-                    <a:schemeClr val="accent2">
-                      <a:lumMod val="60000"/>
-                      <a:lumOff val="40000"/>
-                    </a:schemeClr>
-                  </a:gs>
-                </a:gsLst>
-                <a:lin ang="16200000" scaled="1"/>
-                <a:tileRect/>
-              </a:gradFill>
-              <a:ln>
-                <a:noFill/>
-              </a:ln>
-            </p:spPr>
-            <p:style>
-              <a:lnRef idx="0">
-                <a:scrgbClr r="0" g="0" b="0"/>
-              </a:lnRef>
-              <a:fillRef idx="0">
-                <a:scrgbClr r="0" g="0" b="0"/>
-              </a:fillRef>
-              <a:effectRef idx="0">
-                <a:scrgbClr r="0" g="0" b="0"/>
-              </a:effectRef>
-              <a:fontRef idx="minor">
-                <a:schemeClr val="lt1"/>
-              </a:fontRef>
-            </p:style>
-            <p:txBody>
-              <a:bodyPr rtlCol="0" anchor="ctr"/>
-              <a:lstStyle/>
-              <a:p>
-                <a:pPr algn="ctr"/>
-                <a:endParaRPr lang="es-ES">
-                  <a:latin typeface="Geist Mono" pitchFamily="2" charset="77"/>
-                  <a:ea typeface="Geist Mono" pitchFamily="2" charset="77"/>
-                  <a:cs typeface="Geist Mono" pitchFamily="2" charset="77"/>
-                </a:endParaRPr>
-              </a:p>
-            </p:txBody>
-          </p:sp>
-          <p:sp>
-            <p:nvSpPr>
-              <p:cNvPr id="38" name="CuadroTexto 37">
-                <a:extLst>
-                  <a:ext uri="{FF2B5EF4-FFF2-40B4-BE49-F238E27FC236}">
-                    <a16:creationId xmlns:a16="http://schemas.microsoft.com/office/drawing/2014/main" id="{B610E2C8-9435-24A3-C055-21EBB5B2FE9A}"/>
-                  </a:ext>
-                </a:extLst>
-              </p:cNvPr>
-              <p:cNvSpPr txBox="1"/>
-              <p:nvPr/>
-            </p:nvSpPr>
-            <p:spPr>
-              <a:xfrm>
-                <a:off x="357995" y="3059668"/>
-                <a:ext cx="11583840" cy="646331"/>
-              </a:xfrm>
-              <a:prstGeom prst="rect">
-                <a:avLst/>
-              </a:prstGeom>
-              <a:noFill/>
-            </p:spPr>
-            <p:txBody>
-              <a:bodyPr wrap="square" rtlCol="0">
-                <a:spAutoFit/>
-              </a:bodyPr>
-              <a:lstStyle/>
-              <a:p>
-                <a:pPr algn="ctr"/>
-                <a:r>
-                  <a:rPr lang="es-ES" dirty="0">
-                    <a:latin typeface="Geist Mono" pitchFamily="2" charset="77"/>
-                    <a:ea typeface="Geist Mono" pitchFamily="2" charset="77"/>
-                    <a:cs typeface="Geist Mono" pitchFamily="2" charset="77"/>
-                  </a:rPr>
-                  <a:t>Imaginemos que queremos convertir todas las palabras de una lista a mayúscula si la palabra tiene más de 4 caracteres y en minúscula si tiene menos de 4 caracteres</a:t>
-                </a:r>
-              </a:p>
-            </p:txBody>
-          </p:sp>
-          <p:grpSp>
-            <p:nvGrpSpPr>
-              <p:cNvPr id="12" name="Grupo 11">
-                <a:extLst>
-                  <a:ext uri="{FF2B5EF4-FFF2-40B4-BE49-F238E27FC236}">
-                    <a16:creationId xmlns:a16="http://schemas.microsoft.com/office/drawing/2014/main" id="{013E3E01-D5AA-E3DF-4517-21A48A28BC39}"/>
-                  </a:ext>
-                </a:extLst>
-              </p:cNvPr>
-              <p:cNvGrpSpPr/>
-              <p:nvPr/>
-            </p:nvGrpSpPr>
-            <p:grpSpPr>
-              <a:xfrm>
-                <a:off x="357995" y="1004540"/>
-                <a:ext cx="11762118" cy="707886"/>
-                <a:chOff x="357995" y="1004540"/>
-                <a:chExt cx="11762118" cy="707886"/>
-              </a:xfrm>
-            </p:grpSpPr>
-            <p:grpSp>
-              <p:nvGrpSpPr>
-                <p:cNvPr id="30" name="Grupo 29">
-                  <a:extLst>
-                    <a:ext uri="{FF2B5EF4-FFF2-40B4-BE49-F238E27FC236}">
-                      <a16:creationId xmlns:a16="http://schemas.microsoft.com/office/drawing/2014/main" id="{F359BCE0-19BD-5786-7324-C31D3F80115B}"/>
-                    </a:ext>
-                  </a:extLst>
-                </p:cNvPr>
-                <p:cNvGrpSpPr/>
-                <p:nvPr/>
-              </p:nvGrpSpPr>
-              <p:grpSpPr>
-                <a:xfrm>
-                  <a:off x="357995" y="1004540"/>
-                  <a:ext cx="11762118" cy="707886"/>
-                  <a:chOff x="205595" y="2266872"/>
-                  <a:chExt cx="11762118" cy="707886"/>
-                </a:xfrm>
-              </p:grpSpPr>
-              <p:sp>
-                <p:nvSpPr>
-                  <p:cNvPr id="31" name="CuadroTexto 30">
-                    <a:extLst>
-                      <a:ext uri="{FF2B5EF4-FFF2-40B4-BE49-F238E27FC236}">
-                        <a16:creationId xmlns:a16="http://schemas.microsoft.com/office/drawing/2014/main" id="{7CEE851D-9350-BD2D-FF91-574FB10480C4}"/>
-                      </a:ext>
-                    </a:extLst>
-                  </p:cNvPr>
-                  <p:cNvSpPr txBox="1"/>
-                  <p:nvPr/>
-                </p:nvSpPr>
-                <p:spPr>
-                  <a:xfrm>
-                    <a:off x="205595" y="2266872"/>
-                    <a:ext cx="457200" cy="707886"/>
-                  </a:xfrm>
-                  <a:prstGeom prst="rect">
-                    <a:avLst/>
-                  </a:prstGeom>
-                  <a:solidFill>
-                    <a:srgbClr val="FFC000"/>
-                  </a:solidFill>
-                  <a:ln w="19050">
-                    <a:solidFill>
-                      <a:schemeClr val="tx1"/>
-                    </a:solidFill>
-                  </a:ln>
-                </p:spPr>
-                <p:txBody>
-                  <a:bodyPr wrap="square" rtlCol="0">
-                    <a:spAutoFit/>
-                  </a:bodyPr>
-                  <a:lstStyle/>
-                  <a:p>
-                    <a:r>
-                      <a:rPr lang="es-ES" sz="4000" dirty="0">
-                        <a:latin typeface="Geist Mono" pitchFamily="2" charset="77"/>
-                        <a:ea typeface="Geist Mono" pitchFamily="2" charset="77"/>
-                        <a:cs typeface="Geist Mono" pitchFamily="2" charset="77"/>
-                      </a:rPr>
-                      <a:t>[</a:t>
-                    </a:r>
-                  </a:p>
-                </p:txBody>
-              </p:sp>
-              <p:sp>
-                <p:nvSpPr>
-                  <p:cNvPr id="32" name="CuadroTexto 31">
-                    <a:extLst>
-                      <a:ext uri="{FF2B5EF4-FFF2-40B4-BE49-F238E27FC236}">
-                        <a16:creationId xmlns:a16="http://schemas.microsoft.com/office/drawing/2014/main" id="{589F276B-358E-56C0-76D7-77F946B844A2}"/>
-                      </a:ext>
-                    </a:extLst>
-                  </p:cNvPr>
-                  <p:cNvSpPr txBox="1"/>
-                  <p:nvPr/>
-                </p:nvSpPr>
-                <p:spPr>
-                  <a:xfrm>
-                    <a:off x="11510513" y="2266872"/>
-                    <a:ext cx="457200" cy="707886"/>
-                  </a:xfrm>
-                  <a:prstGeom prst="rect">
-                    <a:avLst/>
-                  </a:prstGeom>
-                  <a:solidFill>
-                    <a:srgbClr val="FFC000"/>
-                  </a:solidFill>
-                  <a:ln w="19050">
-                    <a:solidFill>
-                      <a:schemeClr val="tx1"/>
-                    </a:solidFill>
-                  </a:ln>
-                </p:spPr>
-                <p:txBody>
-                  <a:bodyPr wrap="square" rtlCol="0">
-                    <a:spAutoFit/>
-                  </a:bodyPr>
-                  <a:lstStyle>
-                    <a:defPPr>
-                      <a:defRPr lang="es-ES"/>
-                    </a:defPPr>
-                    <a:lvl1pPr>
-                      <a:defRPr sz="4000"/>
-                    </a:lvl1pPr>
-                  </a:lstStyle>
-                  <a:p>
-                    <a:r>
-                      <a:rPr lang="es-ES" dirty="0">
-                        <a:latin typeface="Geist Mono" pitchFamily="2" charset="77"/>
-                        <a:ea typeface="Geist Mono" pitchFamily="2" charset="77"/>
-                        <a:cs typeface="Geist Mono" pitchFamily="2" charset="77"/>
-                      </a:rPr>
-                      <a:t>]</a:t>
-                    </a:r>
-                  </a:p>
-                </p:txBody>
-              </p:sp>
-              <p:sp>
-                <p:nvSpPr>
-                  <p:cNvPr id="33" name="CuadroTexto 32">
-                    <a:extLst>
-                      <a:ext uri="{FF2B5EF4-FFF2-40B4-BE49-F238E27FC236}">
-                        <a16:creationId xmlns:a16="http://schemas.microsoft.com/office/drawing/2014/main" id="{ACEA0A6D-34BD-326B-2C47-9AF0AFD8063D}"/>
-                      </a:ext>
-                    </a:extLst>
-                  </p:cNvPr>
-                  <p:cNvSpPr txBox="1"/>
-                  <p:nvPr/>
-                </p:nvSpPr>
-                <p:spPr>
-                  <a:xfrm>
-                    <a:off x="3541768" y="2417244"/>
-                    <a:ext cx="2240806" cy="400110"/>
-                  </a:xfrm>
-                  <a:prstGeom prst="rect">
-                    <a:avLst/>
-                  </a:prstGeom>
-                  <a:solidFill>
-                    <a:schemeClr val="accent3">
-                      <a:lumMod val="20000"/>
-                      <a:lumOff val="80000"/>
-                    </a:schemeClr>
-                  </a:solidFill>
-                  <a:ln w="19050">
-                    <a:solidFill>
-                      <a:schemeClr val="tx1"/>
-                    </a:solidFill>
-                  </a:ln>
-                </p:spPr>
-                <p:txBody>
-                  <a:bodyPr wrap="square" rtlCol="0">
-                    <a:spAutoFit/>
-                  </a:bodyPr>
-                  <a:lstStyle/>
-                  <a:p>
-                    <a:pPr algn="ctr"/>
-                    <a:r>
-                      <a:rPr lang="es-ES" sz="2000" dirty="0">
-                        <a:latin typeface="Geist Mono" pitchFamily="2" charset="77"/>
-                        <a:ea typeface="Geist Mono" pitchFamily="2" charset="77"/>
-                        <a:cs typeface="Geist Mono" pitchFamily="2" charset="77"/>
-                      </a:rPr>
-                      <a:t>condición if</a:t>
-                    </a:r>
-                  </a:p>
-                </p:txBody>
-              </p:sp>
-              <p:sp>
-                <p:nvSpPr>
-                  <p:cNvPr id="34" name="CuadroTexto 33">
-                    <a:extLst>
-                      <a:ext uri="{FF2B5EF4-FFF2-40B4-BE49-F238E27FC236}">
-                        <a16:creationId xmlns:a16="http://schemas.microsoft.com/office/drawing/2014/main" id="{FEA34C0A-BAB6-5919-5C9B-A05C31319DDF}"/>
-                      </a:ext>
-                    </a:extLst>
-                  </p:cNvPr>
-                  <p:cNvSpPr txBox="1"/>
-                  <p:nvPr/>
-                </p:nvSpPr>
-                <p:spPr>
-                  <a:xfrm>
-                    <a:off x="9719084" y="2414367"/>
-                    <a:ext cx="1722418" cy="400110"/>
-                  </a:xfrm>
-                  <a:prstGeom prst="rect">
-                    <a:avLst/>
-                  </a:prstGeom>
-                  <a:solidFill>
-                    <a:srgbClr val="00B0F0"/>
-                  </a:solidFill>
-                  <a:ln w="19050">
-                    <a:solidFill>
-                      <a:schemeClr val="tx1"/>
-                    </a:solidFill>
-                  </a:ln>
-                </p:spPr>
-                <p:txBody>
-                  <a:bodyPr wrap="square" rtlCol="0">
-                    <a:spAutoFit/>
-                  </a:bodyPr>
-                  <a:lstStyle/>
-                  <a:p>
-                    <a:pPr algn="ctr"/>
-                    <a:r>
-                      <a:rPr lang="es-ES" sz="2000" dirty="0">
-                        <a:latin typeface="Geist Mono" pitchFamily="2" charset="77"/>
-                        <a:ea typeface="Geist Mono" pitchFamily="2" charset="77"/>
-                        <a:cs typeface="Geist Mono" pitchFamily="2" charset="77"/>
-                      </a:rPr>
-                      <a:t>iterable</a:t>
-                    </a:r>
-                  </a:p>
-                </p:txBody>
-              </p:sp>
-              <p:sp>
-                <p:nvSpPr>
-                  <p:cNvPr id="35" name="CuadroTexto 34">
-                    <a:extLst>
-                      <a:ext uri="{FF2B5EF4-FFF2-40B4-BE49-F238E27FC236}">
-                        <a16:creationId xmlns:a16="http://schemas.microsoft.com/office/drawing/2014/main" id="{D8BC4B20-4EC4-C075-96E7-1CB2FAB9632B}"/>
-                      </a:ext>
-                    </a:extLst>
-                  </p:cNvPr>
-                  <p:cNvSpPr txBox="1"/>
-                  <p:nvPr/>
-                </p:nvSpPr>
-                <p:spPr>
-                  <a:xfrm>
-                    <a:off x="5906209" y="2417244"/>
-                    <a:ext cx="1138687" cy="400110"/>
-                  </a:xfrm>
-                  <a:prstGeom prst="rect">
-                    <a:avLst/>
-                  </a:prstGeom>
-                  <a:solidFill>
-                    <a:srgbClr val="FFFF00"/>
-                  </a:solidFill>
-                  <a:ln w="19050">
-                    <a:solidFill>
-                      <a:schemeClr val="tx1"/>
-                    </a:solidFill>
-                  </a:ln>
-                </p:spPr>
-                <p:txBody>
-                  <a:bodyPr wrap="square" rtlCol="0">
-                    <a:spAutoFit/>
-                  </a:bodyPr>
-                  <a:lstStyle/>
-                  <a:p>
-                    <a:pPr algn="ctr"/>
-                    <a:r>
-                      <a:rPr lang="es-ES" sz="2000" dirty="0">
-                        <a:latin typeface="Geist Mono" pitchFamily="2" charset="77"/>
-                        <a:ea typeface="Geist Mono" pitchFamily="2" charset="77"/>
-                        <a:cs typeface="Geist Mono" pitchFamily="2" charset="77"/>
-                      </a:rPr>
-                      <a:t>else</a:t>
-                    </a:r>
-                  </a:p>
-                </p:txBody>
-              </p:sp>
-            </p:grpSp>
-            <p:sp>
-              <p:nvSpPr>
-                <p:cNvPr id="4" name="CuadroTexto 3">
-                  <a:extLst>
-                    <a:ext uri="{FF2B5EF4-FFF2-40B4-BE49-F238E27FC236}">
-                      <a16:creationId xmlns:a16="http://schemas.microsoft.com/office/drawing/2014/main" id="{082B85F6-B580-7B53-1F65-99B9A9DCDCCC}"/>
-                    </a:ext>
-                  </a:extLst>
-                </p:cNvPr>
-                <p:cNvSpPr txBox="1"/>
-                <p:nvPr/>
-              </p:nvSpPr>
-              <p:spPr>
-                <a:xfrm>
-                  <a:off x="7320931" y="1152035"/>
-                  <a:ext cx="2426918" cy="400110"/>
-                </a:xfrm>
-                <a:prstGeom prst="rect">
-                  <a:avLst/>
-                </a:prstGeom>
-                <a:solidFill>
-                  <a:srgbClr val="FFFF00"/>
-                </a:solidFill>
-                <a:ln w="19050">
-                  <a:solidFill>
-                    <a:schemeClr val="tx1"/>
-                  </a:solidFill>
-                </a:ln>
-              </p:spPr>
-              <p:txBody>
-                <a:bodyPr wrap="square" rtlCol="0">
-                  <a:spAutoFit/>
-                </a:bodyPr>
-                <a:lstStyle/>
-                <a:p>
-                  <a:pPr algn="ctr"/>
-                  <a:r>
-                    <a:rPr lang="es-ES" sz="2000" dirty="0">
-                      <a:latin typeface="Geist Mono" pitchFamily="2" charset="77"/>
-                      <a:ea typeface="Geist Mono" pitchFamily="2" charset="77"/>
-                      <a:cs typeface="Geist Mono" pitchFamily="2" charset="77"/>
-                    </a:rPr>
-                    <a:t>resultado else</a:t>
-                  </a:r>
-                </a:p>
-              </p:txBody>
-            </p:sp>
-            <p:sp>
-              <p:nvSpPr>
-                <p:cNvPr id="5" name="CuadroTexto 4">
-                  <a:extLst>
-                    <a:ext uri="{FF2B5EF4-FFF2-40B4-BE49-F238E27FC236}">
-                      <a16:creationId xmlns:a16="http://schemas.microsoft.com/office/drawing/2014/main" id="{B5C5624F-E52F-5DA3-28C0-FB697298D513}"/>
-                    </a:ext>
-                  </a:extLst>
-                </p:cNvPr>
-                <p:cNvSpPr txBox="1"/>
-                <p:nvPr/>
-              </p:nvSpPr>
-              <p:spPr>
-                <a:xfrm>
-                  <a:off x="941949" y="1158812"/>
-                  <a:ext cx="2612134" cy="400110"/>
-                </a:xfrm>
-                <a:prstGeom prst="rect">
-                  <a:avLst/>
-                </a:prstGeom>
-                <a:solidFill>
-                  <a:schemeClr val="accent3">
-                    <a:lumMod val="20000"/>
-                    <a:lumOff val="80000"/>
-                  </a:schemeClr>
-                </a:solidFill>
-                <a:ln w="19050">
-                  <a:solidFill>
-                    <a:schemeClr val="tx1"/>
-                  </a:solidFill>
-                </a:ln>
-              </p:spPr>
-              <p:txBody>
-                <a:bodyPr wrap="square" rtlCol="0">
-                  <a:spAutoFit/>
-                </a:bodyPr>
-                <a:lstStyle/>
-                <a:p>
-                  <a:pPr algn="ctr"/>
-                  <a:r>
-                    <a:rPr lang="es-ES" sz="2000" dirty="0">
-                      <a:latin typeface="Geist Mono" pitchFamily="2" charset="77"/>
-                      <a:ea typeface="Geist Mono" pitchFamily="2" charset="77"/>
-                      <a:cs typeface="Geist Mono" pitchFamily="2" charset="77"/>
-                    </a:rPr>
-                    <a:t>resultado else</a:t>
-                  </a:r>
-                </a:p>
-              </p:txBody>
-            </p:sp>
-          </p:grpSp>
-          <p:grpSp>
-            <p:nvGrpSpPr>
-              <p:cNvPr id="13" name="Grupo 12">
-                <a:extLst>
-                  <a:ext uri="{FF2B5EF4-FFF2-40B4-BE49-F238E27FC236}">
-                    <a16:creationId xmlns:a16="http://schemas.microsoft.com/office/drawing/2014/main" id="{91CBBF0D-DFB1-A3AA-DC9F-5782DE953328}"/>
-                  </a:ext>
-                </a:extLst>
-              </p:cNvPr>
-              <p:cNvGrpSpPr/>
-              <p:nvPr/>
-            </p:nvGrpSpPr>
-            <p:grpSpPr>
-              <a:xfrm>
-                <a:off x="357995" y="5206745"/>
-                <a:ext cx="11762118" cy="707886"/>
-                <a:chOff x="357995" y="1004540"/>
-                <a:chExt cx="11762118" cy="707886"/>
-              </a:xfrm>
-            </p:grpSpPr>
-            <p:grpSp>
-              <p:nvGrpSpPr>
-                <p:cNvPr id="14" name="Grupo 13">
-                  <a:extLst>
-                    <a:ext uri="{FF2B5EF4-FFF2-40B4-BE49-F238E27FC236}">
-                      <a16:creationId xmlns:a16="http://schemas.microsoft.com/office/drawing/2014/main" id="{6A397B6F-A22C-BB57-09D0-AF842FB345D0}"/>
-                    </a:ext>
-                  </a:extLst>
-                </p:cNvPr>
-                <p:cNvGrpSpPr/>
-                <p:nvPr/>
-              </p:nvGrpSpPr>
-              <p:grpSpPr>
-                <a:xfrm>
-                  <a:off x="357995" y="1004540"/>
-                  <a:ext cx="11762118" cy="707886"/>
-                  <a:chOff x="205595" y="2266872"/>
-                  <a:chExt cx="11762118" cy="707886"/>
-                </a:xfrm>
-              </p:grpSpPr>
-              <p:sp>
-                <p:nvSpPr>
-                  <p:cNvPr id="17" name="CuadroTexto 16">
-                    <a:extLst>
-                      <a:ext uri="{FF2B5EF4-FFF2-40B4-BE49-F238E27FC236}">
-                        <a16:creationId xmlns:a16="http://schemas.microsoft.com/office/drawing/2014/main" id="{511E9479-C8D9-256F-CE47-A213C3E7F51B}"/>
-                      </a:ext>
-                    </a:extLst>
-                  </p:cNvPr>
-                  <p:cNvSpPr txBox="1"/>
-                  <p:nvPr/>
-                </p:nvSpPr>
-                <p:spPr>
-                  <a:xfrm>
-                    <a:off x="205595" y="2266872"/>
-                    <a:ext cx="457200" cy="707886"/>
-                  </a:xfrm>
-                  <a:prstGeom prst="rect">
-                    <a:avLst/>
-                  </a:prstGeom>
-                  <a:solidFill>
-                    <a:srgbClr val="FFC000"/>
-                  </a:solidFill>
-                  <a:ln w="19050">
-                    <a:solidFill>
-                      <a:schemeClr val="tx1"/>
-                    </a:solidFill>
-                  </a:ln>
-                </p:spPr>
-                <p:txBody>
-                  <a:bodyPr wrap="square" rtlCol="0">
-                    <a:spAutoFit/>
-                  </a:bodyPr>
-                  <a:lstStyle/>
-                  <a:p>
-                    <a:r>
-                      <a:rPr lang="es-ES" sz="4000" dirty="0">
-                        <a:latin typeface="Geist Mono" pitchFamily="2" charset="77"/>
-                        <a:ea typeface="Geist Mono" pitchFamily="2" charset="77"/>
-                        <a:cs typeface="Geist Mono" pitchFamily="2" charset="77"/>
-                      </a:rPr>
-                      <a:t>[</a:t>
-                    </a:r>
-                  </a:p>
-                </p:txBody>
-              </p:sp>
-              <p:sp>
-                <p:nvSpPr>
-                  <p:cNvPr id="18" name="CuadroTexto 17">
-                    <a:extLst>
-                      <a:ext uri="{FF2B5EF4-FFF2-40B4-BE49-F238E27FC236}">
-                        <a16:creationId xmlns:a16="http://schemas.microsoft.com/office/drawing/2014/main" id="{1950D69C-906C-7725-FEEE-E5D7D1C9B25C}"/>
-                      </a:ext>
-                    </a:extLst>
-                  </p:cNvPr>
-                  <p:cNvSpPr txBox="1"/>
-                  <p:nvPr/>
-                </p:nvSpPr>
-                <p:spPr>
-                  <a:xfrm>
-                    <a:off x="11510513" y="2266872"/>
-                    <a:ext cx="457200" cy="707886"/>
-                  </a:xfrm>
-                  <a:prstGeom prst="rect">
-                    <a:avLst/>
-                  </a:prstGeom>
-                  <a:solidFill>
-                    <a:srgbClr val="FFC000"/>
-                  </a:solidFill>
-                  <a:ln w="19050">
-                    <a:solidFill>
-                      <a:schemeClr val="tx1"/>
-                    </a:solidFill>
-                  </a:ln>
-                </p:spPr>
-                <p:txBody>
-                  <a:bodyPr wrap="square" rtlCol="0">
-                    <a:spAutoFit/>
-                  </a:bodyPr>
-                  <a:lstStyle>
-                    <a:defPPr>
-                      <a:defRPr lang="es-ES"/>
-                    </a:defPPr>
-                    <a:lvl1pPr>
-                      <a:defRPr sz="4000"/>
-                    </a:lvl1pPr>
-                  </a:lstStyle>
-                  <a:p>
-                    <a:r>
-                      <a:rPr lang="es-ES" dirty="0">
-                        <a:latin typeface="Geist Mono" pitchFamily="2" charset="77"/>
-                        <a:ea typeface="Geist Mono" pitchFamily="2" charset="77"/>
-                        <a:cs typeface="Geist Mono" pitchFamily="2" charset="77"/>
-                      </a:rPr>
-                      <a:t>]</a:t>
-                    </a:r>
-                  </a:p>
-                </p:txBody>
-              </p:sp>
-              <p:sp>
-                <p:nvSpPr>
-                  <p:cNvPr id="19" name="CuadroTexto 18">
-                    <a:extLst>
-                      <a:ext uri="{FF2B5EF4-FFF2-40B4-BE49-F238E27FC236}">
-                        <a16:creationId xmlns:a16="http://schemas.microsoft.com/office/drawing/2014/main" id="{598B8E5C-1ADA-4FEF-70F6-53B46BA7DC28}"/>
-                      </a:ext>
-                    </a:extLst>
-                  </p:cNvPr>
-                  <p:cNvSpPr txBox="1"/>
-                  <p:nvPr/>
-                </p:nvSpPr>
-                <p:spPr>
-                  <a:xfrm>
-                    <a:off x="2618094" y="2421144"/>
-                    <a:ext cx="2240806" cy="400110"/>
-                  </a:xfrm>
-                  <a:prstGeom prst="rect">
-                    <a:avLst/>
-                  </a:prstGeom>
-                  <a:solidFill>
-                    <a:schemeClr val="accent3">
-                      <a:lumMod val="20000"/>
-                      <a:lumOff val="80000"/>
-                    </a:schemeClr>
-                  </a:solidFill>
-                  <a:ln w="19050">
-                    <a:solidFill>
-                      <a:schemeClr val="tx1"/>
-                    </a:solidFill>
-                  </a:ln>
-                </p:spPr>
-                <p:txBody>
-                  <a:bodyPr wrap="square" rtlCol="0">
-                    <a:spAutoFit/>
-                  </a:bodyPr>
-                  <a:lstStyle/>
-                  <a:p>
-                    <a:pPr algn="ctr"/>
-                    <a:r>
-                      <a:rPr lang="es-ES" sz="2000" dirty="0">
-                        <a:latin typeface="Geist Mono" pitchFamily="2" charset="77"/>
-                        <a:ea typeface="Geist Mono" pitchFamily="2" charset="77"/>
-                        <a:cs typeface="Geist Mono" pitchFamily="2" charset="77"/>
-                      </a:rPr>
-                      <a:t>if len(i) &gt; 4</a:t>
-                    </a:r>
-                  </a:p>
-                </p:txBody>
-              </p:sp>
-              <p:sp>
-                <p:nvSpPr>
-                  <p:cNvPr id="20" name="CuadroTexto 19">
-                    <a:extLst>
-                      <a:ext uri="{FF2B5EF4-FFF2-40B4-BE49-F238E27FC236}">
-                        <a16:creationId xmlns:a16="http://schemas.microsoft.com/office/drawing/2014/main" id="{E849A0B7-606E-2BF3-981D-9B7C225B850F}"/>
-                      </a:ext>
-                    </a:extLst>
-                  </p:cNvPr>
-                  <p:cNvSpPr txBox="1"/>
-                  <p:nvPr/>
-                </p:nvSpPr>
-                <p:spPr>
-                  <a:xfrm>
-                    <a:off x="8590994" y="2409754"/>
-                    <a:ext cx="2812223" cy="400110"/>
-                  </a:xfrm>
-                  <a:prstGeom prst="rect">
-                    <a:avLst/>
-                  </a:prstGeom>
-                  <a:solidFill>
-                    <a:srgbClr val="00B0F0"/>
-                  </a:solidFill>
-                  <a:ln w="19050">
-                    <a:solidFill>
-                      <a:schemeClr val="tx1"/>
-                    </a:solidFill>
-                  </a:ln>
-                </p:spPr>
-                <p:txBody>
-                  <a:bodyPr wrap="square" rtlCol="0">
-                    <a:spAutoFit/>
-                  </a:bodyPr>
-                  <a:lstStyle/>
-                  <a:p>
-                    <a:pPr algn="ctr"/>
-                    <a:r>
-                      <a:rPr lang="es-ES" sz="2000" dirty="0">
-                        <a:latin typeface="Geist Mono" pitchFamily="2" charset="77"/>
-                        <a:ea typeface="Geist Mono" pitchFamily="2" charset="77"/>
-                        <a:cs typeface="Geist Mono" pitchFamily="2" charset="77"/>
-                      </a:rPr>
-                      <a:t>for i in mi_lista</a:t>
-                    </a:r>
-                  </a:p>
-                </p:txBody>
-              </p:sp>
-              <p:sp>
-                <p:nvSpPr>
-                  <p:cNvPr id="21" name="CuadroTexto 20">
-                    <a:extLst>
-                      <a:ext uri="{FF2B5EF4-FFF2-40B4-BE49-F238E27FC236}">
-                        <a16:creationId xmlns:a16="http://schemas.microsoft.com/office/drawing/2014/main" id="{27BF002C-CE0E-3AD9-33BD-A85C41085BD8}"/>
-                      </a:ext>
-                    </a:extLst>
-                  </p:cNvPr>
-                  <p:cNvSpPr txBox="1"/>
-                  <p:nvPr/>
-                </p:nvSpPr>
-                <p:spPr>
-                  <a:xfrm>
-                    <a:off x="4899135" y="2421144"/>
-                    <a:ext cx="1138687" cy="400110"/>
-                  </a:xfrm>
-                  <a:prstGeom prst="rect">
-                    <a:avLst/>
-                  </a:prstGeom>
-                  <a:solidFill>
-                    <a:srgbClr val="FFFF00"/>
-                  </a:solidFill>
-                  <a:ln w="19050">
-                    <a:solidFill>
-                      <a:schemeClr val="tx1"/>
-                    </a:solidFill>
-                  </a:ln>
-                </p:spPr>
-                <p:txBody>
-                  <a:bodyPr wrap="square" rtlCol="0">
-                    <a:spAutoFit/>
-                  </a:bodyPr>
-                  <a:lstStyle/>
-                  <a:p>
-                    <a:pPr algn="ctr"/>
-                    <a:r>
-                      <a:rPr lang="es-ES" sz="2000" dirty="0">
-                        <a:latin typeface="Geist Mono" pitchFamily="2" charset="77"/>
-                        <a:ea typeface="Geist Mono" pitchFamily="2" charset="77"/>
-                        <a:cs typeface="Geist Mono" pitchFamily="2" charset="77"/>
-                      </a:rPr>
-                      <a:t>else</a:t>
-                    </a:r>
-                  </a:p>
-                </p:txBody>
-              </p:sp>
-            </p:grpSp>
-            <p:sp>
-              <p:nvSpPr>
-                <p:cNvPr id="15" name="CuadroTexto 14">
-                  <a:extLst>
-                    <a:ext uri="{FF2B5EF4-FFF2-40B4-BE49-F238E27FC236}">
-                      <a16:creationId xmlns:a16="http://schemas.microsoft.com/office/drawing/2014/main" id="{825C91C7-F048-F768-37E8-AE3FF4304FA0}"/>
-                    </a:ext>
-                  </a:extLst>
-                </p:cNvPr>
-                <p:cNvSpPr txBox="1"/>
-                <p:nvPr/>
-              </p:nvSpPr>
-              <p:spPr>
-                <a:xfrm>
-                  <a:off x="6253349" y="1147422"/>
-                  <a:ext cx="2426918" cy="400110"/>
-                </a:xfrm>
-                <a:prstGeom prst="rect">
-                  <a:avLst/>
-                </a:prstGeom>
-                <a:solidFill>
-                  <a:srgbClr val="FFFF00"/>
-                </a:solidFill>
-                <a:ln w="19050">
-                  <a:solidFill>
-                    <a:schemeClr val="tx1"/>
-                  </a:solidFill>
-                </a:ln>
-              </p:spPr>
-              <p:txBody>
-                <a:bodyPr wrap="square" rtlCol="0">
-                  <a:spAutoFit/>
-                </a:bodyPr>
-                <a:lstStyle/>
-                <a:p>
-                  <a:pPr algn="ctr"/>
-                  <a:r>
-                    <a:rPr lang="es-ES" sz="2000" dirty="0">
-                      <a:latin typeface="Geist Mono" pitchFamily="2" charset="77"/>
-                      <a:ea typeface="Geist Mono" pitchFamily="2" charset="77"/>
-                      <a:cs typeface="Geist Mono" pitchFamily="2" charset="77"/>
-                    </a:rPr>
-                    <a:t>i.lower() else</a:t>
-                  </a:r>
-                </a:p>
-              </p:txBody>
-            </p:sp>
-            <p:sp>
-              <p:nvSpPr>
-                <p:cNvPr id="16" name="CuadroTexto 15">
-                  <a:extLst>
-                    <a:ext uri="{FF2B5EF4-FFF2-40B4-BE49-F238E27FC236}">
-                      <a16:creationId xmlns:a16="http://schemas.microsoft.com/office/drawing/2014/main" id="{B3754DB6-3DE0-E90E-A95C-E5E38820585B}"/>
-                    </a:ext>
-                  </a:extLst>
-                </p:cNvPr>
-                <p:cNvSpPr txBox="1"/>
-                <p:nvPr/>
-              </p:nvSpPr>
-              <p:spPr>
-                <a:xfrm>
-                  <a:off x="941949" y="1158812"/>
-                  <a:ext cx="1788310" cy="400110"/>
-                </a:xfrm>
-                <a:prstGeom prst="rect">
-                  <a:avLst/>
-                </a:prstGeom>
-                <a:solidFill>
-                  <a:schemeClr val="accent3">
-                    <a:lumMod val="20000"/>
-                    <a:lumOff val="80000"/>
-                  </a:schemeClr>
-                </a:solidFill>
-                <a:ln w="19050">
-                  <a:solidFill>
-                    <a:schemeClr val="tx1"/>
-                  </a:solidFill>
-                </a:ln>
-              </p:spPr>
-              <p:txBody>
-                <a:bodyPr wrap="square" rtlCol="0">
-                  <a:spAutoFit/>
-                </a:bodyPr>
-                <a:lstStyle/>
-                <a:p>
-                  <a:pPr algn="ctr"/>
-                  <a:r>
-                    <a:rPr lang="es-ES" sz="2000" dirty="0">
-                      <a:latin typeface="Geist Mono" pitchFamily="2" charset="77"/>
-                      <a:ea typeface="Geist Mono" pitchFamily="2" charset="77"/>
-                      <a:cs typeface="Geist Mono" pitchFamily="2" charset="77"/>
-                    </a:rPr>
-                    <a:t>i.upper()</a:t>
-                  </a:r>
-                </a:p>
-              </p:txBody>
-            </p:sp>
-          </p:grpSp>
-        </p:grpSp>
-      </p:grpSp>
-    </p:spTree>
-    <p:extLst>
-      <p:ext uri="{BB962C8B-B14F-4D97-AF65-F5344CB8AC3E}">
-        <p14:creationId xmlns:p14="http://schemas.microsoft.com/office/powerpoint/2010/main" val="997058044"/>
-      </p:ext>
-    </p:extLst>
-  </p:cSld>
-  <p:clrMapOvr>
-    <a:masterClrMapping/>
-  </p:clrMapOvr>
-</p:sld>
-</file>
-
 <file path=ppt/theme/theme1.xml><?xml version="1.0" encoding="utf-8"?>
 <a:theme xmlns:a="http://schemas.openxmlformats.org/drawingml/2006/main" name="Tema de Office">
   <a:themeElements>
